--- a/everyone-can-be-root.pptx
+++ b/everyone-can-be-root.pptx
@@ -18,18 +18,24 @@
     <p:sldId id="263" r:id="rId13"/>
     <p:sldId id="264" r:id="rId14"/>
     <p:sldId id="265" r:id="rId15"/>
+    <p:sldId id="266" r:id="rId16"/>
+    <p:sldId id="267" r:id="rId17"/>
+    <p:sldId id="268" r:id="rId18"/>
+    <p:sldId id="269" r:id="rId19"/>
+    <p:sldId id="270" r:id="rId20"/>
+    <p:sldId id="271" r:id="rId21"/>
   </p:sldIdLst>
   <p:sldSz cy="5143500" cx="9144000"/>
   <p:notesSz cx="6858000" cy="9144000"/>
   <p:embeddedFontLst>
     <p:embeddedFont>
       <p:font typeface="Average"/>
-      <p:regular r:id="rId16"/>
+      <p:regular r:id="rId22"/>
     </p:embeddedFont>
     <p:embeddedFont>
       <p:font typeface="Oswald"/>
-      <p:regular r:id="rId17"/>
-      <p:bold r:id="rId18"/>
+      <p:regular r:id="rId23"/>
+      <p:bold r:id="rId24"/>
     </p:embeddedFont>
   </p:embeddedFontLst>
   <p:defaultTextStyle>
@@ -810,7 +816,7 @@
   <p:cSld>
     <p:spTree>
       <p:nvGrpSpPr>
-        <p:cNvPr id="102" name="Shape 102"/>
+        <p:cNvPr id="109" name="Shape 109"/>
         <p:cNvGrpSpPr/>
         <p:nvPr/>
       </p:nvGrpSpPr>
@@ -824,7 +830,7 @@
       </p:grpSpPr>
       <p:sp>
         <p:nvSpPr>
-          <p:cNvPr id="103" name="Google Shape;103;g5de3adfb2a_0_16:notes"/>
+          <p:cNvPr id="110" name="Google Shape;110;g5de3adfb2a_0_0:notes"/>
           <p:cNvSpPr/>
           <p:nvPr>
             <p:ph idx="2" type="sldImg"/>
@@ -859,7 +865,797 @@
       </p:sp>
       <p:sp>
         <p:nvSpPr>
-          <p:cNvPr id="104" name="Google Shape;104;g5de3adfb2a_0_16:notes"/>
+          <p:cNvPr id="111" name="Google Shape;111;g5de3adfb2a_0_0:notes"/>
+          <p:cNvSpPr txBox="1"/>
+          <p:nvPr>
+            <p:ph idx="1" type="body"/>
+          </p:nvPr>
+        </p:nvSpPr>
+        <p:spPr>
+          <a:xfrm>
+            <a:off x="685800" y="4343400"/>
+            <a:ext cx="5486400" cy="4114800"/>
+          </a:xfrm>
+          <a:prstGeom prst="rect">
+            <a:avLst/>
+          </a:prstGeom>
+        </p:spPr>
+        <p:txBody>
+          <a:bodyPr anchorCtr="0" anchor="t" bIns="91425" lIns="91425" spcFirstLastPara="1" rIns="91425" wrap="square" tIns="91425">
+            <a:noAutofit/>
+          </a:bodyPr>
+          <a:lstStyle/>
+          <a:p>
+            <a:pPr indent="0" lvl="0" marL="0" rtl="0" algn="l">
+              <a:spcBef>
+                <a:spcPts val="0"/>
+              </a:spcBef>
+              <a:spcAft>
+                <a:spcPts val="0"/>
+              </a:spcAft>
+              <a:buNone/>
+            </a:pPr>
+            <a:r>
+              <a:rPr lang="en"/>
+              <a:t>What is Linux Club?</a:t>
+            </a:r>
+            <a:endParaRPr/>
+          </a:p>
+          <a:p>
+            <a:pPr indent="0" lvl="0" marL="0" rtl="0" algn="l">
+              <a:spcBef>
+                <a:spcPts val="0"/>
+              </a:spcBef>
+              <a:spcAft>
+                <a:spcPts val="0"/>
+              </a:spcAft>
+              <a:buNone/>
+            </a:pPr>
+            <a:r>
+              <a:rPr lang="en"/>
+              <a:t>It’s a group where a bunch of nerds get to hang out together</a:t>
+            </a:r>
+            <a:endParaRPr/>
+          </a:p>
+          <a:p>
+            <a:pPr indent="0" lvl="0" marL="0" rtl="0" algn="l">
+              <a:spcBef>
+                <a:spcPts val="0"/>
+              </a:spcBef>
+              <a:spcAft>
+                <a:spcPts val="0"/>
+              </a:spcAft>
+              <a:buNone/>
+            </a:pPr>
+            <a:r>
+              <a:rPr lang="en"/>
+              <a:t>Anecdote - when I started using linux, I didn’t know other people who were cool</a:t>
+            </a:r>
+            <a:endParaRPr/>
+          </a:p>
+          <a:p>
+            <a:pPr indent="0" lvl="0" marL="0" rtl="0" algn="l">
+              <a:spcBef>
+                <a:spcPts val="0"/>
+              </a:spcBef>
+              <a:spcAft>
+                <a:spcPts val="0"/>
+              </a:spcAft>
+              <a:buNone/>
+            </a:pPr>
+            <a:r>
+              <a:rPr lang="en"/>
+              <a:t>Membership / who shows up / improvements?</a:t>
+            </a:r>
+            <a:endParaRPr/>
+          </a:p>
+          <a:p>
+            <a:pPr indent="0" lvl="0" marL="0" rtl="0" algn="l">
+              <a:spcBef>
+                <a:spcPts val="0"/>
+              </a:spcBef>
+              <a:spcAft>
+                <a:spcPts val="0"/>
+              </a:spcAft>
+              <a:buNone/>
+            </a:pPr>
+            <a:r>
+              <a:rPr lang="en"/>
+              <a:t>Why is it important- two reasons- segue-</a:t>
+            </a:r>
+            <a:endParaRPr/>
+          </a:p>
+        </p:txBody>
+      </p:sp>
+    </p:spTree>
+  </p:cSld>
+  <p:clrMapOvr>
+    <a:masterClrMapping/>
+  </p:clrMapOvr>
+</p:notes>
+</file>
+
+<file path=ppt/notesSlides/notesSlide11.xml><?xml version="1.0" encoding="utf-8"?>
+<p:notes xmlns:a="http://schemas.openxmlformats.org/drawingml/2006/main" xmlns:r="http://schemas.openxmlformats.org/officeDocument/2006/relationships" xmlns:mc="http://schemas.openxmlformats.org/markup-compatibility/2006" xmlns:mv="urn:schemas-microsoft-com:mac:vml" xmlns:p="http://schemas.openxmlformats.org/presentationml/2006/main" xmlns:c="http://schemas.openxmlformats.org/drawingml/2006/chart" xmlns:dgm="http://schemas.openxmlformats.org/drawingml/2006/diagram" xmlns:o="urn:schemas-microsoft-com:office:office" xmlns:v="urn:schemas-microsoft-com:vml" xmlns:pvml="urn:schemas-microsoft-com:office:powerpoint" xmlns:com="http://schemas.openxmlformats.org/drawingml/2006/compatibility" xmlns:p14="http://schemas.microsoft.com/office/powerpoint/2010/main" xmlns:p15="http://schemas.microsoft.com/office/powerpoint/2012/main" showMasterPhAnim="0" showMasterSp="0">
+  <p:cSld>
+    <p:spTree>
+      <p:nvGrpSpPr>
+        <p:cNvPr id="114" name="Shape 114"/>
+        <p:cNvGrpSpPr/>
+        <p:nvPr/>
+      </p:nvGrpSpPr>
+      <p:grpSpPr>
+        <a:xfrm>
+          <a:off x="0" y="0"/>
+          <a:ext cx="0" cy="0"/>
+          <a:chOff x="0" y="0"/>
+          <a:chExt cx="0" cy="0"/>
+        </a:xfrm>
+      </p:grpSpPr>
+      <p:sp>
+        <p:nvSpPr>
+          <p:cNvPr id="115" name="Google Shape;115;g5de3adfb2a_0_4:notes"/>
+          <p:cNvSpPr/>
+          <p:nvPr>
+            <p:ph idx="2" type="sldImg"/>
+          </p:nvPr>
+        </p:nvSpPr>
+        <p:spPr>
+          <a:xfrm>
+            <a:off x="381300" y="685800"/>
+            <a:ext cx="6096000" cy="3429000"/>
+          </a:xfrm>
+          <a:custGeom>
+            <a:rect b="b" l="l" r="r" t="t"/>
+            <a:pathLst>
+              <a:path extrusionOk="0" h="120000" w="120000">
+                <a:moveTo>
+                  <a:pt x="0" y="0"/>
+                </a:moveTo>
+                <a:lnTo>
+                  <a:pt x="120000" y="0"/>
+                </a:lnTo>
+                <a:lnTo>
+                  <a:pt x="120000" y="120000"/>
+                </a:lnTo>
+                <a:lnTo>
+                  <a:pt x="0" y="120000"/>
+                </a:lnTo>
+                <a:close/>
+              </a:path>
+            </a:pathLst>
+          </a:custGeom>
+        </p:spPr>
+      </p:sp>
+      <p:sp>
+        <p:nvSpPr>
+          <p:cNvPr id="116" name="Google Shape;116;g5de3adfb2a_0_4:notes"/>
+          <p:cNvSpPr txBox="1"/>
+          <p:nvPr>
+            <p:ph idx="1" type="body"/>
+          </p:nvPr>
+        </p:nvSpPr>
+        <p:spPr>
+          <a:xfrm>
+            <a:off x="685800" y="4343400"/>
+            <a:ext cx="5486400" cy="4114800"/>
+          </a:xfrm>
+          <a:prstGeom prst="rect">
+            <a:avLst/>
+          </a:prstGeom>
+        </p:spPr>
+        <p:txBody>
+          <a:bodyPr anchorCtr="0" anchor="t" bIns="91425" lIns="91425" spcFirstLastPara="1" rIns="91425" wrap="square" tIns="91425">
+            <a:noAutofit/>
+          </a:bodyPr>
+          <a:lstStyle/>
+          <a:p>
+            <a:pPr indent="0" lvl="0" marL="0" rtl="0" algn="l">
+              <a:spcBef>
+                <a:spcPts val="0"/>
+              </a:spcBef>
+              <a:spcAft>
+                <a:spcPts val="0"/>
+              </a:spcAft>
+              <a:buNone/>
+            </a:pPr>
+            <a:r>
+              <a:rPr lang="en"/>
+              <a:t>fostering a CS community (which can be rare) and engaging programmers in social activities</a:t>
+            </a:r>
+            <a:endParaRPr/>
+          </a:p>
+          <a:p>
+            <a:pPr indent="0" lvl="0" marL="0" rtl="0" algn="l">
+              <a:spcBef>
+                <a:spcPts val="0"/>
+              </a:spcBef>
+              <a:spcAft>
+                <a:spcPts val="0"/>
+              </a:spcAft>
+              <a:buNone/>
+            </a:pPr>
+            <a:r>
+              <a:rPr lang="en"/>
+              <a:t>Other majors / aspects of study tend to build communities and relationships, but programmers tend to be a bit a-social</a:t>
+            </a:r>
+            <a:endParaRPr/>
+          </a:p>
+          <a:p>
+            <a:pPr indent="0" lvl="0" marL="0" rtl="0" algn="l">
+              <a:spcBef>
+                <a:spcPts val="0"/>
+              </a:spcBef>
+              <a:spcAft>
+                <a:spcPts val="0"/>
+              </a:spcAft>
+              <a:buNone/>
+            </a:pPr>
+            <a:r>
+              <a:rPr lang="en"/>
+              <a:t>Creating connections is very important - also important is - </a:t>
+            </a:r>
+            <a:endParaRPr/>
+          </a:p>
+        </p:txBody>
+      </p:sp>
+    </p:spTree>
+  </p:cSld>
+  <p:clrMapOvr>
+    <a:masterClrMapping/>
+  </p:clrMapOvr>
+</p:notes>
+</file>
+
+<file path=ppt/notesSlides/notesSlide12.xml><?xml version="1.0" encoding="utf-8"?>
+<p:notes xmlns:a="http://schemas.openxmlformats.org/drawingml/2006/main" xmlns:r="http://schemas.openxmlformats.org/officeDocument/2006/relationships" xmlns:mc="http://schemas.openxmlformats.org/markup-compatibility/2006" xmlns:mv="urn:schemas-microsoft-com:mac:vml" xmlns:p="http://schemas.openxmlformats.org/presentationml/2006/main" xmlns:c="http://schemas.openxmlformats.org/drawingml/2006/chart" xmlns:dgm="http://schemas.openxmlformats.org/drawingml/2006/diagram" xmlns:o="urn:schemas-microsoft-com:office:office" xmlns:v="urn:schemas-microsoft-com:vml" xmlns:pvml="urn:schemas-microsoft-com:office:powerpoint" xmlns:com="http://schemas.openxmlformats.org/drawingml/2006/compatibility" xmlns:p14="http://schemas.microsoft.com/office/powerpoint/2010/main" xmlns:p15="http://schemas.microsoft.com/office/powerpoint/2012/main" showMasterPhAnim="0" showMasterSp="0">
+  <p:cSld>
+    <p:spTree>
+      <p:nvGrpSpPr>
+        <p:cNvPr id="119" name="Shape 119"/>
+        <p:cNvGrpSpPr/>
+        <p:nvPr/>
+      </p:nvGrpSpPr>
+      <p:grpSpPr>
+        <a:xfrm>
+          <a:off x="0" y="0"/>
+          <a:ext cx="0" cy="0"/>
+          <a:chOff x="0" y="0"/>
+          <a:chExt cx="0" cy="0"/>
+        </a:xfrm>
+      </p:grpSpPr>
+      <p:sp>
+        <p:nvSpPr>
+          <p:cNvPr id="120" name="Google Shape;120;g5de3adfb2a_0_8:notes"/>
+          <p:cNvSpPr/>
+          <p:nvPr>
+            <p:ph idx="2" type="sldImg"/>
+          </p:nvPr>
+        </p:nvSpPr>
+        <p:spPr>
+          <a:xfrm>
+            <a:off x="381300" y="685800"/>
+            <a:ext cx="6096000" cy="3429000"/>
+          </a:xfrm>
+          <a:custGeom>
+            <a:rect b="b" l="l" r="r" t="t"/>
+            <a:pathLst>
+              <a:path extrusionOk="0" h="120000" w="120000">
+                <a:moveTo>
+                  <a:pt x="0" y="0"/>
+                </a:moveTo>
+                <a:lnTo>
+                  <a:pt x="120000" y="0"/>
+                </a:lnTo>
+                <a:lnTo>
+                  <a:pt x="120000" y="120000"/>
+                </a:lnTo>
+                <a:lnTo>
+                  <a:pt x="0" y="120000"/>
+                </a:lnTo>
+                <a:close/>
+              </a:path>
+            </a:pathLst>
+          </a:custGeom>
+        </p:spPr>
+      </p:sp>
+      <p:sp>
+        <p:nvSpPr>
+          <p:cNvPr id="121" name="Google Shape;121;g5de3adfb2a_0_8:notes"/>
+          <p:cNvSpPr txBox="1"/>
+          <p:nvPr>
+            <p:ph idx="1" type="body"/>
+          </p:nvPr>
+        </p:nvSpPr>
+        <p:spPr>
+          <a:xfrm>
+            <a:off x="685800" y="4343400"/>
+            <a:ext cx="5486400" cy="4114800"/>
+          </a:xfrm>
+          <a:prstGeom prst="rect">
+            <a:avLst/>
+          </a:prstGeom>
+        </p:spPr>
+        <p:txBody>
+          <a:bodyPr anchorCtr="0" anchor="t" bIns="91425" lIns="91425" spcFirstLastPara="1" rIns="91425" wrap="square" tIns="91425">
+            <a:noAutofit/>
+          </a:bodyPr>
+          <a:lstStyle/>
+          <a:p>
+            <a:pPr indent="0" lvl="0" marL="0" rtl="0" algn="l">
+              <a:spcBef>
+                <a:spcPts val="0"/>
+              </a:spcBef>
+              <a:spcAft>
+                <a:spcPts val="0"/>
+              </a:spcAft>
+              <a:buNone/>
+            </a:pPr>
+            <a:r>
+              <a:rPr lang="en"/>
+              <a:t>Some people take to linux easily, some need a hand</a:t>
+            </a:r>
+            <a:endParaRPr/>
+          </a:p>
+          <a:p>
+            <a:pPr indent="0" lvl="0" marL="0" rtl="0" algn="l">
+              <a:spcBef>
+                <a:spcPts val="0"/>
+              </a:spcBef>
+              <a:spcAft>
+                <a:spcPts val="0"/>
+              </a:spcAft>
+              <a:buNone/>
+            </a:pPr>
+            <a:r>
+              <a:rPr lang="en"/>
+              <a:t>Teaching people about why linux is cool can get them interested / ahead of the game in industry techniques</a:t>
+            </a:r>
+            <a:endParaRPr/>
+          </a:p>
+          <a:p>
+            <a:pPr indent="0" lvl="0" marL="0" rtl="0" algn="l">
+              <a:spcBef>
+                <a:spcPts val="0"/>
+              </a:spcBef>
+              <a:spcAft>
+                <a:spcPts val="0"/>
+              </a:spcAft>
+              <a:buNone/>
+            </a:pPr>
+            <a:r>
+              <a:rPr lang="en"/>
+              <a:t>I got my job almost primarily off of linux experience, these are valuable skills that can be difficult to learn without introduction- making linux less scary</a:t>
+            </a:r>
+            <a:endParaRPr/>
+          </a:p>
+        </p:txBody>
+      </p:sp>
+    </p:spTree>
+  </p:cSld>
+  <p:clrMapOvr>
+    <a:masterClrMapping/>
+  </p:clrMapOvr>
+</p:notes>
+</file>
+
+<file path=ppt/notesSlides/notesSlide13.xml><?xml version="1.0" encoding="utf-8"?>
+<p:notes xmlns:a="http://schemas.openxmlformats.org/drawingml/2006/main" xmlns:r="http://schemas.openxmlformats.org/officeDocument/2006/relationships" xmlns:mc="http://schemas.openxmlformats.org/markup-compatibility/2006" xmlns:mv="urn:schemas-microsoft-com:mac:vml" xmlns:p="http://schemas.openxmlformats.org/presentationml/2006/main" xmlns:c="http://schemas.openxmlformats.org/drawingml/2006/chart" xmlns:dgm="http://schemas.openxmlformats.org/drawingml/2006/diagram" xmlns:o="urn:schemas-microsoft-com:office:office" xmlns:v="urn:schemas-microsoft-com:vml" xmlns:pvml="urn:schemas-microsoft-com:office:powerpoint" xmlns:com="http://schemas.openxmlformats.org/drawingml/2006/compatibility" xmlns:p14="http://schemas.microsoft.com/office/powerpoint/2010/main" xmlns:p15="http://schemas.microsoft.com/office/powerpoint/2012/main" showMasterPhAnim="0" showMasterSp="0">
+  <p:cSld>
+    <p:spTree>
+      <p:nvGrpSpPr>
+        <p:cNvPr id="124" name="Shape 124"/>
+        <p:cNvGrpSpPr/>
+        <p:nvPr/>
+      </p:nvGrpSpPr>
+      <p:grpSpPr>
+        <a:xfrm>
+          <a:off x="0" y="0"/>
+          <a:ext cx="0" cy="0"/>
+          <a:chOff x="0" y="0"/>
+          <a:chExt cx="0" cy="0"/>
+        </a:xfrm>
+      </p:grpSpPr>
+      <p:sp>
+        <p:nvSpPr>
+          <p:cNvPr id="125" name="Google Shape;125;g5de3adfb2a_0_12:notes"/>
+          <p:cNvSpPr/>
+          <p:nvPr>
+            <p:ph idx="2" type="sldImg"/>
+          </p:nvPr>
+        </p:nvSpPr>
+        <p:spPr>
+          <a:xfrm>
+            <a:off x="381300" y="685800"/>
+            <a:ext cx="6096000" cy="3429000"/>
+          </a:xfrm>
+          <a:custGeom>
+            <a:rect b="b" l="l" r="r" t="t"/>
+            <a:pathLst>
+              <a:path extrusionOk="0" h="120000" w="120000">
+                <a:moveTo>
+                  <a:pt x="0" y="0"/>
+                </a:moveTo>
+                <a:lnTo>
+                  <a:pt x="120000" y="0"/>
+                </a:lnTo>
+                <a:lnTo>
+                  <a:pt x="120000" y="120000"/>
+                </a:lnTo>
+                <a:lnTo>
+                  <a:pt x="0" y="120000"/>
+                </a:lnTo>
+                <a:close/>
+              </a:path>
+            </a:pathLst>
+          </a:custGeom>
+        </p:spPr>
+      </p:sp>
+      <p:sp>
+        <p:nvSpPr>
+          <p:cNvPr id="126" name="Google Shape;126;g5de3adfb2a_0_12:notes"/>
+          <p:cNvSpPr txBox="1"/>
+          <p:nvPr>
+            <p:ph idx="1" type="body"/>
+          </p:nvPr>
+        </p:nvSpPr>
+        <p:spPr>
+          <a:xfrm>
+            <a:off x="685800" y="4343400"/>
+            <a:ext cx="5486400" cy="4114800"/>
+          </a:xfrm>
+          <a:prstGeom prst="rect">
+            <a:avLst/>
+          </a:prstGeom>
+        </p:spPr>
+        <p:txBody>
+          <a:bodyPr anchorCtr="0" anchor="t" bIns="91425" lIns="91425" spcFirstLastPara="1" rIns="91425" wrap="square" tIns="91425">
+            <a:noAutofit/>
+          </a:bodyPr>
+          <a:lstStyle/>
+          <a:p>
+            <a:pPr indent="0" lvl="0" marL="0" rtl="0" algn="l">
+              <a:spcBef>
+                <a:spcPts val="0"/>
+              </a:spcBef>
+              <a:spcAft>
+                <a:spcPts val="0"/>
+              </a:spcAft>
+              <a:buNone/>
+            </a:pPr>
+            <a:r>
+              <a:rPr lang="en"/>
+              <a:t>How do we run the club? We talk about anything that interests us in linux. Usually start with introductory / beginner stuff, progress to more advanced presentations</a:t>
+            </a:r>
+            <a:endParaRPr/>
+          </a:p>
+          <a:p>
+            <a:pPr indent="0" lvl="0" marL="0" rtl="0" algn="l">
+              <a:spcBef>
+                <a:spcPts val="0"/>
+              </a:spcBef>
+              <a:spcAft>
+                <a:spcPts val="0"/>
+              </a:spcAft>
+              <a:buNone/>
+            </a:pPr>
+            <a:r>
+              <a:rPr lang="en"/>
+              <a:t>Community involvement is important here- taking time to have discussion about technical topics, or having community members give presentations about what interests them</a:t>
+            </a:r>
+            <a:endParaRPr/>
+          </a:p>
+        </p:txBody>
+      </p:sp>
+    </p:spTree>
+  </p:cSld>
+  <p:clrMapOvr>
+    <a:masterClrMapping/>
+  </p:clrMapOvr>
+</p:notes>
+</file>
+
+<file path=ppt/notesSlides/notesSlide14.xml><?xml version="1.0" encoding="utf-8"?>
+<p:notes xmlns:a="http://schemas.openxmlformats.org/drawingml/2006/main" xmlns:r="http://schemas.openxmlformats.org/officeDocument/2006/relationships" xmlns:mc="http://schemas.openxmlformats.org/markup-compatibility/2006" xmlns:mv="urn:schemas-microsoft-com:mac:vml" xmlns:p="http://schemas.openxmlformats.org/presentationml/2006/main" xmlns:c="http://schemas.openxmlformats.org/drawingml/2006/chart" xmlns:dgm="http://schemas.openxmlformats.org/drawingml/2006/diagram" xmlns:o="urn:schemas-microsoft-com:office:office" xmlns:v="urn:schemas-microsoft-com:vml" xmlns:pvml="urn:schemas-microsoft-com:office:powerpoint" xmlns:com="http://schemas.openxmlformats.org/drawingml/2006/compatibility" xmlns:p14="http://schemas.microsoft.com/office/powerpoint/2010/main" xmlns:p15="http://schemas.microsoft.com/office/powerpoint/2012/main" showMasterPhAnim="0" showMasterSp="0">
+  <p:cSld>
+    <p:spTree>
+      <p:nvGrpSpPr>
+        <p:cNvPr id="129" name="Shape 129"/>
+        <p:cNvGrpSpPr/>
+        <p:nvPr/>
+      </p:nvGrpSpPr>
+      <p:grpSpPr>
+        <a:xfrm>
+          <a:off x="0" y="0"/>
+          <a:ext cx="0" cy="0"/>
+          <a:chOff x="0" y="0"/>
+          <a:chExt cx="0" cy="0"/>
+        </a:xfrm>
+      </p:grpSpPr>
+      <p:sp>
+        <p:nvSpPr>
+          <p:cNvPr id="130" name="Google Shape;130;g5de3adfb2a_0_24:notes"/>
+          <p:cNvSpPr/>
+          <p:nvPr>
+            <p:ph idx="2" type="sldImg"/>
+          </p:nvPr>
+        </p:nvSpPr>
+        <p:spPr>
+          <a:xfrm>
+            <a:off x="381300" y="685800"/>
+            <a:ext cx="6096000" cy="3429000"/>
+          </a:xfrm>
+          <a:custGeom>
+            <a:rect b="b" l="l" r="r" t="t"/>
+            <a:pathLst>
+              <a:path extrusionOk="0" h="120000" w="120000">
+                <a:moveTo>
+                  <a:pt x="0" y="0"/>
+                </a:moveTo>
+                <a:lnTo>
+                  <a:pt x="120000" y="0"/>
+                </a:lnTo>
+                <a:lnTo>
+                  <a:pt x="120000" y="120000"/>
+                </a:lnTo>
+                <a:lnTo>
+                  <a:pt x="0" y="120000"/>
+                </a:lnTo>
+                <a:close/>
+              </a:path>
+            </a:pathLst>
+          </a:custGeom>
+        </p:spPr>
+      </p:sp>
+      <p:sp>
+        <p:nvSpPr>
+          <p:cNvPr id="131" name="Google Shape;131;g5de3adfb2a_0_24:notes"/>
+          <p:cNvSpPr txBox="1"/>
+          <p:nvPr>
+            <p:ph idx="1" type="body"/>
+          </p:nvPr>
+        </p:nvSpPr>
+        <p:spPr>
+          <a:xfrm>
+            <a:off x="685800" y="4343400"/>
+            <a:ext cx="5486400" cy="4114800"/>
+          </a:xfrm>
+          <a:prstGeom prst="rect">
+            <a:avLst/>
+          </a:prstGeom>
+        </p:spPr>
+        <p:txBody>
+          <a:bodyPr anchorCtr="0" anchor="t" bIns="91425" lIns="91425" spcFirstLastPara="1" rIns="91425" wrap="square" tIns="91425">
+            <a:noAutofit/>
+          </a:bodyPr>
+          <a:lstStyle/>
+          <a:p>
+            <a:pPr indent="0" lvl="0" marL="0" rtl="0" algn="l">
+              <a:spcBef>
+                <a:spcPts val="0"/>
+              </a:spcBef>
+              <a:spcAft>
+                <a:spcPts val="0"/>
+              </a:spcAft>
+              <a:buNone/>
+            </a:pPr>
+            <a:r>
+              <a:rPr lang="en"/>
+              <a:t>Linux club sounds cool, and it’s definitely something you can pull off, but there’s also work that you need to put in to get the ball rolling.</a:t>
+            </a:r>
+            <a:endParaRPr/>
+          </a:p>
+          <a:p>
+            <a:pPr indent="0" lvl="0" marL="0" rtl="0" algn="l">
+              <a:spcBef>
+                <a:spcPts val="0"/>
+              </a:spcBef>
+              <a:spcAft>
+                <a:spcPts val="0"/>
+              </a:spcAft>
+              <a:buNone/>
+            </a:pPr>
+            <a:r>
+              <a:rPr lang="en"/>
+              <a:t>Here are some of the issues we ran into, and how we’ve overcome them.</a:t>
+            </a:r>
+            <a:endParaRPr/>
+          </a:p>
+          <a:p>
+            <a:pPr indent="0" lvl="0" marL="0" rtl="0" algn="l">
+              <a:spcBef>
+                <a:spcPts val="0"/>
+              </a:spcBef>
+              <a:spcAft>
+                <a:spcPts val="0"/>
+              </a:spcAft>
+              <a:buNone/>
+            </a:pPr>
+            <a:r>
+              <a:t/>
+            </a:r>
+            <a:endParaRPr/>
+          </a:p>
+        </p:txBody>
+      </p:sp>
+    </p:spTree>
+  </p:cSld>
+  <p:clrMapOvr>
+    <a:masterClrMapping/>
+  </p:clrMapOvr>
+</p:notes>
+</file>
+
+<file path=ppt/notesSlides/notesSlide15.xml><?xml version="1.0" encoding="utf-8"?>
+<p:notes xmlns:a="http://schemas.openxmlformats.org/drawingml/2006/main" xmlns:r="http://schemas.openxmlformats.org/officeDocument/2006/relationships" xmlns:mc="http://schemas.openxmlformats.org/markup-compatibility/2006" xmlns:mv="urn:schemas-microsoft-com:mac:vml" xmlns:p="http://schemas.openxmlformats.org/presentationml/2006/main" xmlns:c="http://schemas.openxmlformats.org/drawingml/2006/chart" xmlns:dgm="http://schemas.openxmlformats.org/drawingml/2006/diagram" xmlns:o="urn:schemas-microsoft-com:office:office" xmlns:v="urn:schemas-microsoft-com:vml" xmlns:pvml="urn:schemas-microsoft-com:office:powerpoint" xmlns:com="http://schemas.openxmlformats.org/drawingml/2006/compatibility" xmlns:p14="http://schemas.microsoft.com/office/powerpoint/2010/main" xmlns:p15="http://schemas.microsoft.com/office/powerpoint/2012/main" showMasterPhAnim="0" showMasterSp="0">
+  <p:cSld>
+    <p:spTree>
+      <p:nvGrpSpPr>
+        <p:cNvPr id="134" name="Shape 134"/>
+        <p:cNvGrpSpPr/>
+        <p:nvPr/>
+      </p:nvGrpSpPr>
+      <p:grpSpPr>
+        <a:xfrm>
+          <a:off x="0" y="0"/>
+          <a:ext cx="0" cy="0"/>
+          <a:chOff x="0" y="0"/>
+          <a:chExt cx="0" cy="0"/>
+        </a:xfrm>
+      </p:grpSpPr>
+      <p:sp>
+        <p:nvSpPr>
+          <p:cNvPr id="135" name="Google Shape;135;g5de3adfb2a_0_20:notes"/>
+          <p:cNvSpPr/>
+          <p:nvPr>
+            <p:ph idx="2" type="sldImg"/>
+          </p:nvPr>
+        </p:nvSpPr>
+        <p:spPr>
+          <a:xfrm>
+            <a:off x="381300" y="685800"/>
+            <a:ext cx="6096000" cy="3429000"/>
+          </a:xfrm>
+          <a:custGeom>
+            <a:rect b="b" l="l" r="r" t="t"/>
+            <a:pathLst>
+              <a:path extrusionOk="0" h="120000" w="120000">
+                <a:moveTo>
+                  <a:pt x="0" y="0"/>
+                </a:moveTo>
+                <a:lnTo>
+                  <a:pt x="120000" y="0"/>
+                </a:lnTo>
+                <a:lnTo>
+                  <a:pt x="120000" y="120000"/>
+                </a:lnTo>
+                <a:lnTo>
+                  <a:pt x="0" y="120000"/>
+                </a:lnTo>
+                <a:close/>
+              </a:path>
+            </a:pathLst>
+          </a:custGeom>
+        </p:spPr>
+      </p:sp>
+      <p:sp>
+        <p:nvSpPr>
+          <p:cNvPr id="136" name="Google Shape;136;g5de3adfb2a_0_20:notes"/>
+          <p:cNvSpPr txBox="1"/>
+          <p:nvPr>
+            <p:ph idx="1" type="body"/>
+          </p:nvPr>
+        </p:nvSpPr>
+        <p:spPr>
+          <a:xfrm>
+            <a:off x="685800" y="4343400"/>
+            <a:ext cx="5486400" cy="4114800"/>
+          </a:xfrm>
+          <a:prstGeom prst="rect">
+            <a:avLst/>
+          </a:prstGeom>
+        </p:spPr>
+        <p:txBody>
+          <a:bodyPr anchorCtr="0" anchor="t" bIns="91425" lIns="91425" spcFirstLastPara="1" rIns="91425" wrap="square" tIns="91425">
+            <a:noAutofit/>
+          </a:bodyPr>
+          <a:lstStyle/>
+          <a:p>
+            <a:pPr indent="0" lvl="0" marL="0" rtl="0" algn="l">
+              <a:spcBef>
+                <a:spcPts val="0"/>
+              </a:spcBef>
+              <a:spcAft>
+                <a:spcPts val="0"/>
+              </a:spcAft>
+              <a:buNone/>
+            </a:pPr>
+            <a:r>
+              <a:rPr lang="en"/>
+              <a:t>Running a club can be tough for just one person- getting community involvement and building leadership is really important.</a:t>
+            </a:r>
+            <a:endParaRPr/>
+          </a:p>
+          <a:p>
+            <a:pPr indent="0" lvl="0" marL="0" rtl="0" algn="l">
+              <a:spcBef>
+                <a:spcPts val="0"/>
+              </a:spcBef>
+              <a:spcAft>
+                <a:spcPts val="0"/>
+              </a:spcAft>
+              <a:buNone/>
+            </a:pPr>
+            <a:r>
+              <a:t/>
+            </a:r>
+            <a:endParaRPr/>
+          </a:p>
+        </p:txBody>
+      </p:sp>
+    </p:spTree>
+  </p:cSld>
+  <p:clrMapOvr>
+    <a:masterClrMapping/>
+  </p:clrMapOvr>
+</p:notes>
+</file>
+
+<file path=ppt/notesSlides/notesSlide16.xml><?xml version="1.0" encoding="utf-8"?>
+<p:notes xmlns:a="http://schemas.openxmlformats.org/drawingml/2006/main" xmlns:r="http://schemas.openxmlformats.org/officeDocument/2006/relationships" xmlns:mc="http://schemas.openxmlformats.org/markup-compatibility/2006" xmlns:mv="urn:schemas-microsoft-com:mac:vml" xmlns:p="http://schemas.openxmlformats.org/presentationml/2006/main" xmlns:c="http://schemas.openxmlformats.org/drawingml/2006/chart" xmlns:dgm="http://schemas.openxmlformats.org/drawingml/2006/diagram" xmlns:o="urn:schemas-microsoft-com:office:office" xmlns:v="urn:schemas-microsoft-com:vml" xmlns:pvml="urn:schemas-microsoft-com:office:powerpoint" xmlns:com="http://schemas.openxmlformats.org/drawingml/2006/compatibility" xmlns:p14="http://schemas.microsoft.com/office/powerpoint/2010/main" xmlns:p15="http://schemas.microsoft.com/office/powerpoint/2012/main" showMasterPhAnim="0" showMasterSp="0">
+  <p:cSld>
+    <p:spTree>
+      <p:nvGrpSpPr>
+        <p:cNvPr id="139" name="Shape 139"/>
+        <p:cNvGrpSpPr/>
+        <p:nvPr/>
+      </p:nvGrpSpPr>
+      <p:grpSpPr>
+        <a:xfrm>
+          <a:off x="0" y="0"/>
+          <a:ext cx="0" cy="0"/>
+          <a:chOff x="0" y="0"/>
+          <a:chExt cx="0" cy="0"/>
+        </a:xfrm>
+      </p:grpSpPr>
+      <p:sp>
+        <p:nvSpPr>
+          <p:cNvPr id="140" name="Google Shape;140;g5de3adfb2a_0_16:notes"/>
+          <p:cNvSpPr/>
+          <p:nvPr>
+            <p:ph idx="2" type="sldImg"/>
+          </p:nvPr>
+        </p:nvSpPr>
+        <p:spPr>
+          <a:xfrm>
+            <a:off x="381300" y="685800"/>
+            <a:ext cx="6096000" cy="3429000"/>
+          </a:xfrm>
+          <a:custGeom>
+            <a:rect b="b" l="l" r="r" t="t"/>
+            <a:pathLst>
+              <a:path extrusionOk="0" h="120000" w="120000">
+                <a:moveTo>
+                  <a:pt x="0" y="0"/>
+                </a:moveTo>
+                <a:lnTo>
+                  <a:pt x="120000" y="0"/>
+                </a:lnTo>
+                <a:lnTo>
+                  <a:pt x="120000" y="120000"/>
+                </a:lnTo>
+                <a:lnTo>
+                  <a:pt x="0" y="120000"/>
+                </a:lnTo>
+                <a:close/>
+              </a:path>
+            </a:pathLst>
+          </a:custGeom>
+        </p:spPr>
+      </p:sp>
+      <p:sp>
+        <p:nvSpPr>
+          <p:cNvPr id="141" name="Google Shape;141;g5de3adfb2a_0_16:notes"/>
           <p:cNvSpPr txBox="1"/>
           <p:nvPr>
             <p:ph idx="1" type="body"/>
@@ -970,7 +1766,7 @@
       </p:grpSpPr>
       <p:sp>
         <p:nvSpPr>
-          <p:cNvPr id="62" name="Google Shape;62;g5de3adfb2a_0_0:notes"/>
+          <p:cNvPr id="62" name="Google Shape;62;g5df5ede70f_0_0:notes"/>
           <p:cNvSpPr/>
           <p:nvPr>
             <p:ph idx="2" type="sldImg"/>
@@ -1005,7 +1801,7 @@
       </p:sp>
       <p:sp>
         <p:nvSpPr>
-          <p:cNvPr id="63" name="Google Shape;63;g5de3adfb2a_0_0:notes"/>
+          <p:cNvPr id="63" name="Google Shape;63;g5df5ede70f_0_0:notes"/>
           <p:cNvSpPr txBox="1"/>
           <p:nvPr>
             <p:ph idx="1" type="body"/>
@@ -1037,7 +1833,7 @@
             </a:pPr>
             <a:r>
               <a:rPr lang="en"/>
-              <a:t>What is Linux Club?</a:t>
+              <a:t>Introduce ourselves</a:t>
             </a:r>
             <a:endParaRPr/>
           </a:p>
@@ -1053,7 +1849,7 @@
             </a:pPr>
             <a:r>
               <a:rPr lang="en"/>
-              <a:t>It’s a group where a bunch of nerds get to hang out together</a:t>
+              <a:t>What does FSLC do</a:t>
             </a:r>
             <a:endParaRPr/>
           </a:p>
@@ -1069,39 +1865,7 @@
             </a:pPr>
             <a:r>
               <a:rPr lang="en"/>
-              <a:t>Anecdote - when I started using linux, I didn’t know other people who were cool</a:t>
-            </a:r>
-            <a:endParaRPr/>
-          </a:p>
-          <a:p>
-            <a:pPr indent="0" lvl="0" marL="0" rtl="0" algn="l">
-              <a:spcBef>
-                <a:spcPts val="0"/>
-              </a:spcBef>
-              <a:spcAft>
-                <a:spcPts val="0"/>
-              </a:spcAft>
-              <a:buNone/>
-            </a:pPr>
-            <a:r>
-              <a:rPr lang="en"/>
-              <a:t>Membership / who shows up / improvements?</a:t>
-            </a:r>
-            <a:endParaRPr/>
-          </a:p>
-          <a:p>
-            <a:pPr indent="0" lvl="0" marL="0" rtl="0" algn="l">
-              <a:spcBef>
-                <a:spcPts val="0"/>
-              </a:spcBef>
-              <a:spcAft>
-                <a:spcPts val="0"/>
-              </a:spcAft>
-              <a:buNone/>
-            </a:pPr>
-            <a:r>
-              <a:rPr lang="en"/>
-              <a:t>Why is it important- two reasons- segue-</a:t>
+              <a:t>Membership</a:t>
             </a:r>
             <a:endParaRPr/>
           </a:p>
@@ -1134,7 +1898,7 @@
       </p:grpSpPr>
       <p:sp>
         <p:nvSpPr>
-          <p:cNvPr id="67" name="Google Shape;67;g5de3adfb2a_0_4:notes"/>
+          <p:cNvPr id="67" name="Google Shape;67;g5de3adfb2a_0_28:notes"/>
           <p:cNvSpPr/>
           <p:nvPr>
             <p:ph idx="2" type="sldImg"/>
@@ -1169,7 +1933,7 @@
       </p:sp>
       <p:sp>
         <p:nvSpPr>
-          <p:cNvPr id="68" name="Google Shape;68;g5de3adfb2a_0_4:notes"/>
+          <p:cNvPr id="68" name="Google Shape;68;g5de3adfb2a_0_28:notes"/>
           <p:cNvSpPr txBox="1"/>
           <p:nvPr>
             <p:ph idx="1" type="body"/>
@@ -1201,7 +1965,7 @@
             </a:pPr>
             <a:r>
               <a:rPr lang="en"/>
-              <a:t>fostering a CS community (which can be rare) and engaging programmers in social activities</a:t>
+              <a:t>Not everyone has the knowledge (or even the hard drive space) to install linux.</a:t>
             </a:r>
             <a:endParaRPr/>
           </a:p>
@@ -1217,7 +1981,7 @@
             </a:pPr>
             <a:r>
               <a:rPr lang="en"/>
-              <a:t>Other majors / aspects of study tend to build communities and relationships, but programmers tend to be a bit a-social</a:t>
+              <a:t>Remember- this is a commitment, and people are afraid to leave windows</a:t>
             </a:r>
             <a:endParaRPr/>
           </a:p>
@@ -1232,8 +1996,7 @@
               <a:buNone/>
             </a:pPr>
             <a:r>
-              <a:rPr lang="en"/>
-              <a:t>Creating connections is very important - also important is - </a:t>
+              <a:t/>
             </a:r>
             <a:endParaRPr/>
           </a:p>
@@ -1266,7 +2029,7 @@
       </p:grpSpPr>
       <p:sp>
         <p:nvSpPr>
-          <p:cNvPr id="72" name="Google Shape;72;g5de3adfb2a_0_8:notes"/>
+          <p:cNvPr id="72" name="Google Shape;72;g5de3adfb2a_0_32:notes"/>
           <p:cNvSpPr/>
           <p:nvPr>
             <p:ph idx="2" type="sldImg"/>
@@ -1301,7 +2064,7 @@
       </p:sp>
       <p:sp>
         <p:nvSpPr>
-          <p:cNvPr id="73" name="Google Shape;73;g5de3adfb2a_0_8:notes"/>
+          <p:cNvPr id="73" name="Google Shape;73;g5de3adfb2a_0_32:notes"/>
           <p:cNvSpPr txBox="1"/>
           <p:nvPr>
             <p:ph idx="1" type="body"/>
@@ -1333,7 +2096,7 @@
             </a:pPr>
             <a:r>
               <a:rPr lang="en"/>
-              <a:t>Some people take to linux easily, some need a hand</a:t>
+              <a:t>Over the years, we generally do Installfest at the beginning of semesters, and it’s been successful- but the drawbacks are hard to ignore</a:t>
             </a:r>
             <a:endParaRPr/>
           </a:p>
@@ -1349,23 +2112,7 @@
             </a:pPr>
             <a:r>
               <a:rPr lang="en"/>
-              <a:t>Teaching people about why linux is cool can get them interested / ahead of the game in industry techniques</a:t>
-            </a:r>
-            <a:endParaRPr/>
-          </a:p>
-          <a:p>
-            <a:pPr indent="0" lvl="0" marL="0" rtl="0" algn="l">
-              <a:spcBef>
-                <a:spcPts val="0"/>
-              </a:spcBef>
-              <a:spcAft>
-                <a:spcPts val="0"/>
-              </a:spcAft>
-              <a:buNone/>
-            </a:pPr>
-            <a:r>
-              <a:rPr lang="en"/>
-              <a:t>I got my job almost primarily off of linux experience, these are valuable skills that can be difficult to learn without introduction- making linux less scary</a:t>
+              <a:t>VM servers are cool, and if we could make an easy way / guide to do it, they would fulfill our need pretty easily. This setup will make takeover / maintenance a lot easier too.</a:t>
             </a:r>
             <a:endParaRPr/>
           </a:p>
@@ -1384,7 +2131,7 @@
   <p:cSld>
     <p:spTree>
       <p:nvGrpSpPr>
-        <p:cNvPr id="76" name="Shape 76"/>
+        <p:cNvPr id="77" name="Shape 77"/>
         <p:cNvGrpSpPr/>
         <p:nvPr/>
       </p:nvGrpSpPr>
@@ -1398,7 +2145,7 @@
       </p:grpSpPr>
       <p:sp>
         <p:nvSpPr>
-          <p:cNvPr id="77" name="Google Shape;77;g5de3adfb2a_0_12:notes"/>
+          <p:cNvPr id="78" name="Google Shape;78;g5df5ede70f_0_7:notes"/>
           <p:cNvSpPr/>
           <p:nvPr>
             <p:ph idx="2" type="sldImg"/>
@@ -1433,7 +2180,7 @@
       </p:sp>
       <p:sp>
         <p:nvSpPr>
-          <p:cNvPr id="78" name="Google Shape;78;g5de3adfb2a_0_12:notes"/>
+          <p:cNvPr id="79" name="Google Shape;79;g5df5ede70f_0_7:notes"/>
           <p:cNvSpPr txBox="1"/>
           <p:nvPr>
             <p:ph idx="1" type="body"/>
@@ -1465,7 +2212,7 @@
             </a:pPr>
             <a:r>
               <a:rPr lang="en"/>
-              <a:t>How do we run the club? We talk about anything that interests us in linux. Usually start with introductory / beginner stuff, progress to more advanced presentations</a:t>
+              <a:t>To start, we’ll install ubuntu server on our main host machine. If you’re not familiar with Linux, go ahead and download ubuntu server from their site.</a:t>
             </a:r>
             <a:endParaRPr/>
           </a:p>
@@ -1481,7 +2228,7 @@
             </a:pPr>
             <a:r>
               <a:rPr lang="en"/>
-              <a:t>Community involvement is important here- taking time to have discussion about technical topics, or having community members give presentations about what interests them</a:t>
+              <a:t>Depending on the machine you have, it may be easier to use the alternate installer- we had to use it, but if one doesn’t work just try the other.</a:t>
             </a:r>
             <a:endParaRPr/>
           </a:p>
@@ -1500,7 +2247,7 @@
   <p:cSld>
     <p:spTree>
       <p:nvGrpSpPr>
-        <p:cNvPr id="81" name="Shape 81"/>
+        <p:cNvPr id="84" name="Shape 84"/>
         <p:cNvGrpSpPr/>
         <p:nvPr/>
       </p:nvGrpSpPr>
@@ -1514,7 +2261,7 @@
       </p:grpSpPr>
       <p:sp>
         <p:nvSpPr>
-          <p:cNvPr id="82" name="Google Shape;82;g5de3adfb2a_0_24:notes"/>
+          <p:cNvPr id="85" name="Google Shape;85;g5df5ede70f_0_15:notes"/>
           <p:cNvSpPr/>
           <p:nvPr>
             <p:ph idx="2" type="sldImg"/>
@@ -1549,7 +2296,7 @@
       </p:sp>
       <p:sp>
         <p:nvSpPr>
-          <p:cNvPr id="83" name="Google Shape;83;g5de3adfb2a_0_24:notes"/>
+          <p:cNvPr id="86" name="Google Shape;86;g5df5ede70f_0_15:notes"/>
           <p:cNvSpPr txBox="1"/>
           <p:nvPr>
             <p:ph idx="1" type="body"/>
@@ -1581,7 +2328,7 @@
             </a:pPr>
             <a:r>
               <a:rPr lang="en"/>
-              <a:t>Linux club sounds cool, and it’s definitely something you can pull off, but there’s also work that you need to put in to get the ball rolling.</a:t>
+              <a:t>For any scrubs out there using windows who’ve never made a bootable USB before, just use etcher or rufus</a:t>
             </a:r>
             <a:endParaRPr/>
           </a:p>
@@ -1597,7 +2344,23 @@
             </a:pPr>
             <a:r>
               <a:rPr lang="en"/>
-              <a:t>Here are some of the issues we ran into, and how we’ve overcome them.</a:t>
+              <a:t>Be aware that it will completely format the USB, so don’t get too attached to any saved data</a:t>
+            </a:r>
+            <a:endParaRPr/>
+          </a:p>
+          <a:p>
+            <a:pPr indent="0" lvl="0" marL="0" rtl="0" algn="l">
+              <a:spcBef>
+                <a:spcPts val="0"/>
+              </a:spcBef>
+              <a:spcAft>
+                <a:spcPts val="0"/>
+              </a:spcAft>
+              <a:buNone/>
+            </a:pPr>
+            <a:r>
+              <a:rPr lang="en"/>
+              <a:t>You may need to format your USB, setting it as MBR &amp; leave it unpartitioned is easiest</a:t>
             </a:r>
             <a:endParaRPr/>
           </a:p>
@@ -1631,7 +2394,7 @@
   <p:cSld>
     <p:spTree>
       <p:nvGrpSpPr>
-        <p:cNvPr id="86" name="Shape 86"/>
+        <p:cNvPr id="90" name="Shape 90"/>
         <p:cNvGrpSpPr/>
         <p:nvPr/>
       </p:nvGrpSpPr>
@@ -1645,7 +2408,7 @@
       </p:grpSpPr>
       <p:sp>
         <p:nvSpPr>
-          <p:cNvPr id="87" name="Google Shape;87;g5de3adfb2a_0_20:notes"/>
+          <p:cNvPr id="91" name="Google Shape;91;g5df5ede70f_0_22:notes"/>
           <p:cNvSpPr/>
           <p:nvPr>
             <p:ph idx="2" type="sldImg"/>
@@ -1680,7 +2443,7 @@
       </p:sp>
       <p:sp>
         <p:nvSpPr>
-          <p:cNvPr id="88" name="Google Shape;88;g5de3adfb2a_0_20:notes"/>
+          <p:cNvPr id="92" name="Google Shape;92;g5df5ede70f_0_22:notes"/>
           <p:cNvSpPr txBox="1"/>
           <p:nvPr>
             <p:ph idx="1" type="body"/>
@@ -1712,22 +2475,7 @@
             </a:pPr>
             <a:r>
               <a:rPr lang="en"/>
-              <a:t>Running a club can be tough for just one person- getting community involvement and building leadership is really important.</a:t>
-            </a:r>
-            <a:endParaRPr/>
-          </a:p>
-          <a:p>
-            <a:pPr indent="0" lvl="0" marL="0" rtl="0" algn="l">
-              <a:spcBef>
-                <a:spcPts val="0"/>
-              </a:spcBef>
-              <a:spcAft>
-                <a:spcPts val="0"/>
-              </a:spcAft>
-              <a:buNone/>
-            </a:pPr>
-            <a:r>
-              <a:t/>
+              <a:t>If you’re cool and use a unix-based system, you can do this in a terminal with just a couple commands.</a:t>
             </a:r>
             <a:endParaRPr/>
           </a:p>
@@ -1746,7 +2494,7 @@
   <p:cSld>
     <p:spTree>
       <p:nvGrpSpPr>
-        <p:cNvPr id="91" name="Shape 91"/>
+        <p:cNvPr id="97" name="Shape 97"/>
         <p:cNvGrpSpPr/>
         <p:nvPr/>
       </p:nvGrpSpPr>
@@ -1760,7 +2508,7 @@
       </p:grpSpPr>
       <p:sp>
         <p:nvSpPr>
-          <p:cNvPr id="92" name="Google Shape;92;g5de3adfb2a_0_28:notes"/>
+          <p:cNvPr id="98" name="Google Shape;98;g5df5ede70f_0_29:notes"/>
           <p:cNvSpPr/>
           <p:nvPr>
             <p:ph idx="2" type="sldImg"/>
@@ -1795,7 +2543,7 @@
       </p:sp>
       <p:sp>
         <p:nvSpPr>
-          <p:cNvPr id="93" name="Google Shape;93;g5de3adfb2a_0_28:notes"/>
+          <p:cNvPr id="99" name="Google Shape;99;g5df5ede70f_0_29:notes"/>
           <p:cNvSpPr txBox="1"/>
           <p:nvPr>
             <p:ph idx="1" type="body"/>
@@ -1827,38 +2575,7 @@
             </a:pPr>
             <a:r>
               <a:rPr lang="en"/>
-              <a:t>Not everyone has the knowledge (or even the hard drive space) to install linux.</a:t>
-            </a:r>
-            <a:endParaRPr/>
-          </a:p>
-          <a:p>
-            <a:pPr indent="0" lvl="0" marL="0" rtl="0" algn="l">
-              <a:spcBef>
-                <a:spcPts val="0"/>
-              </a:spcBef>
-              <a:spcAft>
-                <a:spcPts val="0"/>
-              </a:spcAft>
-              <a:buNone/>
-            </a:pPr>
-            <a:r>
-              <a:rPr lang="en"/>
-              <a:t>Remember- this is a commitment, and people are afraid to leave windows</a:t>
-            </a:r>
-            <a:endParaRPr/>
-          </a:p>
-          <a:p>
-            <a:pPr indent="0" lvl="0" marL="0" rtl="0" algn="l">
-              <a:spcBef>
-                <a:spcPts val="0"/>
-              </a:spcBef>
-              <a:spcAft>
-                <a:spcPts val="0"/>
-              </a:spcAft>
-              <a:buNone/>
-            </a:pPr>
-            <a:r>
-              <a:t/>
+              <a:t>Go ahead and plug in your USB to your server and install. Once complete, you should have a barebones ubuntu server. </a:t>
             </a:r>
             <a:endParaRPr/>
           </a:p>
@@ -1877,7 +2594,7 @@
   <p:cSld>
     <p:spTree>
       <p:nvGrpSpPr>
-        <p:cNvPr id="96" name="Shape 96"/>
+        <p:cNvPr id="103" name="Shape 103"/>
         <p:cNvGrpSpPr/>
         <p:nvPr/>
       </p:nvGrpSpPr>
@@ -1891,7 +2608,7 @@
       </p:grpSpPr>
       <p:sp>
         <p:nvSpPr>
-          <p:cNvPr id="97" name="Google Shape;97;g5de3adfb2a_0_32:notes"/>
+          <p:cNvPr id="104" name="Google Shape;104;g5df5ede70f_0_36:notes"/>
           <p:cNvSpPr/>
           <p:nvPr>
             <p:ph idx="2" type="sldImg"/>
@@ -1926,7 +2643,7 @@
       </p:sp>
       <p:sp>
         <p:nvSpPr>
-          <p:cNvPr id="98" name="Google Shape;98;g5de3adfb2a_0_32:notes"/>
+          <p:cNvPr id="105" name="Google Shape;105;g5df5ede70f_0_36:notes"/>
           <p:cNvSpPr txBox="1"/>
           <p:nvPr>
             <p:ph idx="1" type="body"/>
@@ -1957,24 +2674,7 @@
               <a:buNone/>
             </a:pPr>
             <a:r>
-              <a:rPr lang="en"/>
-              <a:t>Not everyone has the knowledge (or even the hard drive space) to install linux.</a:t>
-            </a:r>
-            <a:endParaRPr/>
-          </a:p>
-          <a:p>
-            <a:pPr indent="0" lvl="0" marL="0" rtl="0" algn="l">
-              <a:spcBef>
-                <a:spcPts val="0"/>
-              </a:spcBef>
-              <a:spcAft>
-                <a:spcPts val="0"/>
-              </a:spcAft>
-              <a:buNone/>
-            </a:pPr>
-            <a:r>
-              <a:rPr lang="en"/>
-              <a:t>Remember- this is a commitment, and people are afraid to leave windows</a:t>
+              <a:t/>
             </a:r>
             <a:endParaRPr/>
           </a:p>
@@ -7333,7 +8033,7 @@
   <p:cSld>
     <p:spTree>
       <p:nvGrpSpPr>
-        <p:cNvPr id="105" name="Shape 105"/>
+        <p:cNvPr id="112" name="Shape 112"/>
         <p:cNvGrpSpPr/>
         <p:nvPr/>
       </p:nvGrpSpPr>
@@ -7347,7 +8047,397 @@
       </p:grpSpPr>
       <p:sp>
         <p:nvSpPr>
-          <p:cNvPr id="106" name="Google Shape;106;p22"/>
+          <p:cNvPr id="113" name="Google Shape;113;p22"/>
+          <p:cNvSpPr txBox="1"/>
+          <p:nvPr>
+            <p:ph type="title"/>
+          </p:nvPr>
+        </p:nvSpPr>
+        <p:spPr>
+          <a:xfrm>
+            <a:off x="671250" y="2141250"/>
+            <a:ext cx="7852200" cy="861000"/>
+          </a:xfrm>
+          <a:prstGeom prst="rect">
+            <a:avLst/>
+          </a:prstGeom>
+        </p:spPr>
+        <p:txBody>
+          <a:bodyPr anchorCtr="0" anchor="ctr" bIns="91425" lIns="91425" spcFirstLastPara="1" rIns="91425" wrap="square" tIns="91425">
+            <a:noAutofit/>
+          </a:bodyPr>
+          <a:lstStyle/>
+          <a:p>
+            <a:pPr indent="0" lvl="0" marL="0" rtl="0" algn="ctr">
+              <a:spcBef>
+                <a:spcPts val="0"/>
+              </a:spcBef>
+              <a:spcAft>
+                <a:spcPts val="0"/>
+              </a:spcAft>
+              <a:buNone/>
+            </a:pPr>
+            <a:r>
+              <a:rPr lang="en"/>
+              <a:t>Linux Club- Why do you need one?</a:t>
+            </a:r>
+            <a:endParaRPr/>
+          </a:p>
+        </p:txBody>
+      </p:sp>
+    </p:spTree>
+  </p:cSld>
+  <p:clrMapOvr>
+    <a:masterClrMapping/>
+  </p:clrMapOvr>
+</p:sld>
+</file>
+
+<file path=ppt/slides/slide11.xml><?xml version="1.0" encoding="utf-8"?>
+<p:sld xmlns:a="http://schemas.openxmlformats.org/drawingml/2006/main" xmlns:r="http://schemas.openxmlformats.org/officeDocument/2006/relationships" xmlns:mc="http://schemas.openxmlformats.org/markup-compatibility/2006" xmlns:mv="urn:schemas-microsoft-com:mac:vml" xmlns:p="http://schemas.openxmlformats.org/presentationml/2006/main" xmlns:c="http://schemas.openxmlformats.org/drawingml/2006/chart" xmlns:dgm="http://schemas.openxmlformats.org/drawingml/2006/diagram" xmlns:o="urn:schemas-microsoft-com:office:office" xmlns:v="urn:schemas-microsoft-com:vml" xmlns:pvml="urn:schemas-microsoft-com:office:powerpoint" xmlns:com="http://schemas.openxmlformats.org/drawingml/2006/compatibility" xmlns:p14="http://schemas.microsoft.com/office/powerpoint/2010/main" xmlns:p15="http://schemas.microsoft.com/office/powerpoint/2012/main">
+  <p:cSld>
+    <p:spTree>
+      <p:nvGrpSpPr>
+        <p:cNvPr id="117" name="Shape 117"/>
+        <p:cNvGrpSpPr/>
+        <p:nvPr/>
+      </p:nvGrpSpPr>
+      <p:grpSpPr>
+        <a:xfrm>
+          <a:off x="0" y="0"/>
+          <a:ext cx="0" cy="0"/>
+          <a:chOff x="0" y="0"/>
+          <a:chExt cx="0" cy="0"/>
+        </a:xfrm>
+      </p:grpSpPr>
+      <p:sp>
+        <p:nvSpPr>
+          <p:cNvPr id="118" name="Google Shape;118;p23"/>
+          <p:cNvSpPr txBox="1"/>
+          <p:nvPr>
+            <p:ph type="title"/>
+          </p:nvPr>
+        </p:nvSpPr>
+        <p:spPr>
+          <a:xfrm>
+            <a:off x="671250" y="2141250"/>
+            <a:ext cx="7852200" cy="861000"/>
+          </a:xfrm>
+          <a:prstGeom prst="rect">
+            <a:avLst/>
+          </a:prstGeom>
+        </p:spPr>
+        <p:txBody>
+          <a:bodyPr anchorCtr="0" anchor="ctr" bIns="91425" lIns="91425" spcFirstLastPara="1" rIns="91425" wrap="square" tIns="91425">
+            <a:noAutofit/>
+          </a:bodyPr>
+          <a:lstStyle/>
+          <a:p>
+            <a:pPr indent="0" lvl="0" marL="0" rtl="0" algn="ctr">
+              <a:spcBef>
+                <a:spcPts val="0"/>
+              </a:spcBef>
+              <a:spcAft>
+                <a:spcPts val="0"/>
+              </a:spcAft>
+              <a:buNone/>
+            </a:pPr>
+            <a:r>
+              <a:rPr lang="en"/>
+              <a:t>Community</a:t>
+            </a:r>
+            <a:endParaRPr/>
+          </a:p>
+        </p:txBody>
+      </p:sp>
+    </p:spTree>
+  </p:cSld>
+  <p:clrMapOvr>
+    <a:masterClrMapping/>
+  </p:clrMapOvr>
+</p:sld>
+</file>
+
+<file path=ppt/slides/slide12.xml><?xml version="1.0" encoding="utf-8"?>
+<p:sld xmlns:a="http://schemas.openxmlformats.org/drawingml/2006/main" xmlns:r="http://schemas.openxmlformats.org/officeDocument/2006/relationships" xmlns:mc="http://schemas.openxmlformats.org/markup-compatibility/2006" xmlns:mv="urn:schemas-microsoft-com:mac:vml" xmlns:p="http://schemas.openxmlformats.org/presentationml/2006/main" xmlns:c="http://schemas.openxmlformats.org/drawingml/2006/chart" xmlns:dgm="http://schemas.openxmlformats.org/drawingml/2006/diagram" xmlns:o="urn:schemas-microsoft-com:office:office" xmlns:v="urn:schemas-microsoft-com:vml" xmlns:pvml="urn:schemas-microsoft-com:office:powerpoint" xmlns:com="http://schemas.openxmlformats.org/drawingml/2006/compatibility" xmlns:p14="http://schemas.microsoft.com/office/powerpoint/2010/main" xmlns:p15="http://schemas.microsoft.com/office/powerpoint/2012/main">
+  <p:cSld>
+    <p:spTree>
+      <p:nvGrpSpPr>
+        <p:cNvPr id="122" name="Shape 122"/>
+        <p:cNvGrpSpPr/>
+        <p:nvPr/>
+      </p:nvGrpSpPr>
+      <p:grpSpPr>
+        <a:xfrm>
+          <a:off x="0" y="0"/>
+          <a:ext cx="0" cy="0"/>
+          <a:chOff x="0" y="0"/>
+          <a:chExt cx="0" cy="0"/>
+        </a:xfrm>
+      </p:grpSpPr>
+      <p:sp>
+        <p:nvSpPr>
+          <p:cNvPr id="123" name="Google Shape;123;p24"/>
+          <p:cNvSpPr txBox="1"/>
+          <p:nvPr>
+            <p:ph type="title"/>
+          </p:nvPr>
+        </p:nvSpPr>
+        <p:spPr>
+          <a:xfrm>
+            <a:off x="671250" y="2141250"/>
+            <a:ext cx="7852200" cy="861000"/>
+          </a:xfrm>
+          <a:prstGeom prst="rect">
+            <a:avLst/>
+          </a:prstGeom>
+        </p:spPr>
+        <p:txBody>
+          <a:bodyPr anchorCtr="0" anchor="ctr" bIns="91425" lIns="91425" spcFirstLastPara="1" rIns="91425" wrap="square" tIns="91425">
+            <a:noAutofit/>
+          </a:bodyPr>
+          <a:lstStyle/>
+          <a:p>
+            <a:pPr indent="0" lvl="0" marL="0" rtl="0" algn="ctr">
+              <a:spcBef>
+                <a:spcPts val="0"/>
+              </a:spcBef>
+              <a:spcAft>
+                <a:spcPts val="0"/>
+              </a:spcAft>
+              <a:buNone/>
+            </a:pPr>
+            <a:r>
+              <a:rPr lang="en"/>
+              <a:t>Skill Development</a:t>
+            </a:r>
+            <a:endParaRPr/>
+          </a:p>
+        </p:txBody>
+      </p:sp>
+    </p:spTree>
+  </p:cSld>
+  <p:clrMapOvr>
+    <a:masterClrMapping/>
+  </p:clrMapOvr>
+</p:sld>
+</file>
+
+<file path=ppt/slides/slide13.xml><?xml version="1.0" encoding="utf-8"?>
+<p:sld xmlns:a="http://schemas.openxmlformats.org/drawingml/2006/main" xmlns:r="http://schemas.openxmlformats.org/officeDocument/2006/relationships" xmlns:mc="http://schemas.openxmlformats.org/markup-compatibility/2006" xmlns:mv="urn:schemas-microsoft-com:mac:vml" xmlns:p="http://schemas.openxmlformats.org/presentationml/2006/main" xmlns:c="http://schemas.openxmlformats.org/drawingml/2006/chart" xmlns:dgm="http://schemas.openxmlformats.org/drawingml/2006/diagram" xmlns:o="urn:schemas-microsoft-com:office:office" xmlns:v="urn:schemas-microsoft-com:vml" xmlns:pvml="urn:schemas-microsoft-com:office:powerpoint" xmlns:com="http://schemas.openxmlformats.org/drawingml/2006/compatibility" xmlns:p14="http://schemas.microsoft.com/office/powerpoint/2010/main" xmlns:p15="http://schemas.microsoft.com/office/powerpoint/2012/main">
+  <p:cSld>
+    <p:spTree>
+      <p:nvGrpSpPr>
+        <p:cNvPr id="127" name="Shape 127"/>
+        <p:cNvGrpSpPr/>
+        <p:nvPr/>
+      </p:nvGrpSpPr>
+      <p:grpSpPr>
+        <a:xfrm>
+          <a:off x="0" y="0"/>
+          <a:ext cx="0" cy="0"/>
+          <a:chOff x="0" y="0"/>
+          <a:chExt cx="0" cy="0"/>
+        </a:xfrm>
+      </p:grpSpPr>
+      <p:sp>
+        <p:nvSpPr>
+          <p:cNvPr id="128" name="Google Shape;128;p25"/>
+          <p:cNvSpPr txBox="1"/>
+          <p:nvPr>
+            <p:ph type="title"/>
+          </p:nvPr>
+        </p:nvSpPr>
+        <p:spPr>
+          <a:xfrm>
+            <a:off x="671250" y="2141250"/>
+            <a:ext cx="7852200" cy="861000"/>
+          </a:xfrm>
+          <a:prstGeom prst="rect">
+            <a:avLst/>
+          </a:prstGeom>
+        </p:spPr>
+        <p:txBody>
+          <a:bodyPr anchorCtr="0" anchor="ctr" bIns="91425" lIns="91425" spcFirstLastPara="1" rIns="91425" wrap="square" tIns="91425">
+            <a:noAutofit/>
+          </a:bodyPr>
+          <a:lstStyle/>
+          <a:p>
+            <a:pPr indent="0" lvl="0" marL="0" rtl="0" algn="ctr">
+              <a:spcBef>
+                <a:spcPts val="0"/>
+              </a:spcBef>
+              <a:spcAft>
+                <a:spcPts val="0"/>
+              </a:spcAft>
+              <a:buNone/>
+            </a:pPr>
+            <a:r>
+              <a:rPr lang="en"/>
+              <a:t>Linux Club- What</a:t>
+            </a:r>
+            <a:endParaRPr/>
+          </a:p>
+        </p:txBody>
+      </p:sp>
+    </p:spTree>
+  </p:cSld>
+  <p:clrMapOvr>
+    <a:masterClrMapping/>
+  </p:clrMapOvr>
+</p:sld>
+</file>
+
+<file path=ppt/slides/slide14.xml><?xml version="1.0" encoding="utf-8"?>
+<p:sld xmlns:a="http://schemas.openxmlformats.org/drawingml/2006/main" xmlns:r="http://schemas.openxmlformats.org/officeDocument/2006/relationships" xmlns:mc="http://schemas.openxmlformats.org/markup-compatibility/2006" xmlns:mv="urn:schemas-microsoft-com:mac:vml" xmlns:p="http://schemas.openxmlformats.org/presentationml/2006/main" xmlns:c="http://schemas.openxmlformats.org/drawingml/2006/chart" xmlns:dgm="http://schemas.openxmlformats.org/drawingml/2006/diagram" xmlns:o="urn:schemas-microsoft-com:office:office" xmlns:v="urn:schemas-microsoft-com:vml" xmlns:pvml="urn:schemas-microsoft-com:office:powerpoint" xmlns:com="http://schemas.openxmlformats.org/drawingml/2006/compatibility" xmlns:p14="http://schemas.microsoft.com/office/powerpoint/2010/main" xmlns:p15="http://schemas.microsoft.com/office/powerpoint/2012/main">
+  <p:cSld>
+    <p:spTree>
+      <p:nvGrpSpPr>
+        <p:cNvPr id="132" name="Shape 132"/>
+        <p:cNvGrpSpPr/>
+        <p:nvPr/>
+      </p:nvGrpSpPr>
+      <p:grpSpPr>
+        <a:xfrm>
+          <a:off x="0" y="0"/>
+          <a:ext cx="0" cy="0"/>
+          <a:chOff x="0" y="0"/>
+          <a:chExt cx="0" cy="0"/>
+        </a:xfrm>
+      </p:grpSpPr>
+      <p:sp>
+        <p:nvSpPr>
+          <p:cNvPr id="133" name="Google Shape;133;p26"/>
+          <p:cNvSpPr txBox="1"/>
+          <p:nvPr>
+            <p:ph type="title"/>
+          </p:nvPr>
+        </p:nvSpPr>
+        <p:spPr>
+          <a:xfrm>
+            <a:off x="671250" y="2141250"/>
+            <a:ext cx="7852200" cy="861000"/>
+          </a:xfrm>
+          <a:prstGeom prst="rect">
+            <a:avLst/>
+          </a:prstGeom>
+        </p:spPr>
+        <p:txBody>
+          <a:bodyPr anchorCtr="0" anchor="ctr" bIns="91425" lIns="91425" spcFirstLastPara="1" rIns="91425" wrap="square" tIns="91425">
+            <a:noAutofit/>
+          </a:bodyPr>
+          <a:lstStyle/>
+          <a:p>
+            <a:pPr indent="0" lvl="0" marL="0" rtl="0" algn="ctr">
+              <a:spcBef>
+                <a:spcPts val="0"/>
+              </a:spcBef>
+              <a:spcAft>
+                <a:spcPts val="0"/>
+              </a:spcAft>
+              <a:buNone/>
+            </a:pPr>
+            <a:r>
+              <a:rPr lang="en"/>
+              <a:t>Challenges &amp; Solutions</a:t>
+            </a:r>
+            <a:endParaRPr/>
+          </a:p>
+        </p:txBody>
+      </p:sp>
+    </p:spTree>
+  </p:cSld>
+  <p:clrMapOvr>
+    <a:masterClrMapping/>
+  </p:clrMapOvr>
+</p:sld>
+</file>
+
+<file path=ppt/slides/slide15.xml><?xml version="1.0" encoding="utf-8"?>
+<p:sld xmlns:a="http://schemas.openxmlformats.org/drawingml/2006/main" xmlns:r="http://schemas.openxmlformats.org/officeDocument/2006/relationships" xmlns:mc="http://schemas.openxmlformats.org/markup-compatibility/2006" xmlns:mv="urn:schemas-microsoft-com:mac:vml" xmlns:p="http://schemas.openxmlformats.org/presentationml/2006/main" xmlns:c="http://schemas.openxmlformats.org/drawingml/2006/chart" xmlns:dgm="http://schemas.openxmlformats.org/drawingml/2006/diagram" xmlns:o="urn:schemas-microsoft-com:office:office" xmlns:v="urn:schemas-microsoft-com:vml" xmlns:pvml="urn:schemas-microsoft-com:office:powerpoint" xmlns:com="http://schemas.openxmlformats.org/drawingml/2006/compatibility" xmlns:p14="http://schemas.microsoft.com/office/powerpoint/2010/main" xmlns:p15="http://schemas.microsoft.com/office/powerpoint/2012/main">
+  <p:cSld>
+    <p:spTree>
+      <p:nvGrpSpPr>
+        <p:cNvPr id="137" name="Shape 137"/>
+        <p:cNvGrpSpPr/>
+        <p:nvPr/>
+      </p:nvGrpSpPr>
+      <p:grpSpPr>
+        <a:xfrm>
+          <a:off x="0" y="0"/>
+          <a:ext cx="0" cy="0"/>
+          <a:chOff x="0" y="0"/>
+          <a:chExt cx="0" cy="0"/>
+        </a:xfrm>
+      </p:grpSpPr>
+      <p:sp>
+        <p:nvSpPr>
+          <p:cNvPr id="138" name="Google Shape;138;p27"/>
+          <p:cNvSpPr txBox="1"/>
+          <p:nvPr>
+            <p:ph type="title"/>
+          </p:nvPr>
+        </p:nvSpPr>
+        <p:spPr>
+          <a:xfrm>
+            <a:off x="671250" y="2141250"/>
+            <a:ext cx="7852200" cy="861000"/>
+          </a:xfrm>
+          <a:prstGeom prst="rect">
+            <a:avLst/>
+          </a:prstGeom>
+        </p:spPr>
+        <p:txBody>
+          <a:bodyPr anchorCtr="0" anchor="ctr" bIns="91425" lIns="91425" spcFirstLastPara="1" rIns="91425" wrap="square" tIns="91425">
+            <a:noAutofit/>
+          </a:bodyPr>
+          <a:lstStyle/>
+          <a:p>
+            <a:pPr indent="0" lvl="0" marL="0" rtl="0" algn="ctr">
+              <a:spcBef>
+                <a:spcPts val="0"/>
+              </a:spcBef>
+              <a:spcAft>
+                <a:spcPts val="0"/>
+              </a:spcAft>
+              <a:buNone/>
+            </a:pPr>
+            <a:r>
+              <a:rPr lang="en"/>
+              <a:t>Not a 1-man job</a:t>
+            </a:r>
+            <a:endParaRPr/>
+          </a:p>
+        </p:txBody>
+      </p:sp>
+    </p:spTree>
+  </p:cSld>
+  <p:clrMapOvr>
+    <a:masterClrMapping/>
+  </p:clrMapOvr>
+</p:sld>
+</file>
+
+<file path=ppt/slides/slide16.xml><?xml version="1.0" encoding="utf-8"?>
+<p:sld xmlns:a="http://schemas.openxmlformats.org/drawingml/2006/main" xmlns:r="http://schemas.openxmlformats.org/officeDocument/2006/relationships" xmlns:mc="http://schemas.openxmlformats.org/markup-compatibility/2006" xmlns:mv="urn:schemas-microsoft-com:mac:vml" xmlns:p="http://schemas.openxmlformats.org/presentationml/2006/main" xmlns:c="http://schemas.openxmlformats.org/drawingml/2006/chart" xmlns:dgm="http://schemas.openxmlformats.org/drawingml/2006/diagram" xmlns:o="urn:schemas-microsoft-com:office:office" xmlns:v="urn:schemas-microsoft-com:vml" xmlns:pvml="urn:schemas-microsoft-com:office:powerpoint" xmlns:com="http://schemas.openxmlformats.org/drawingml/2006/compatibility" xmlns:p14="http://schemas.microsoft.com/office/powerpoint/2010/main" xmlns:p15="http://schemas.microsoft.com/office/powerpoint/2012/main">
+  <p:cSld>
+    <p:spTree>
+      <p:nvGrpSpPr>
+        <p:cNvPr id="142" name="Shape 142"/>
+        <p:cNvGrpSpPr/>
+        <p:nvPr/>
+      </p:nvGrpSpPr>
+      <p:grpSpPr>
+        <a:xfrm>
+          <a:off x="0" y="0"/>
+          <a:ext cx="0" cy="0"/>
+          <a:chOff x="0" y="0"/>
+          <a:chExt cx="0" cy="0"/>
+        </a:xfrm>
+      </p:grpSpPr>
+      <p:sp>
+        <p:nvSpPr>
+          <p:cNvPr id="143" name="Google Shape;143;p28"/>
           <p:cNvSpPr txBox="1"/>
           <p:nvPr>
             <p:ph type="title"/>
@@ -7444,7 +8534,7 @@
             </a:pPr>
             <a:r>
               <a:rPr lang="en"/>
-              <a:t>Linux Club- Why do you need one?</a:t>
+              <a:t>USU Free Software &amp; Linux Club</a:t>
             </a:r>
             <a:endParaRPr/>
           </a:p>
@@ -7509,7 +8599,7 @@
             </a:pPr>
             <a:r>
               <a:rPr lang="en"/>
-              <a:t>Community</a:t>
+              <a:t>Getting everyone a Linux box</a:t>
             </a:r>
             <a:endParaRPr/>
           </a:p>
@@ -7550,20 +8640,20 @@
         </p:nvSpPr>
         <p:spPr>
           <a:xfrm>
-            <a:off x="671250" y="2141250"/>
-            <a:ext cx="7852200" cy="861000"/>
+            <a:off x="311700" y="445025"/>
+            <a:ext cx="8520600" cy="572700"/>
           </a:xfrm>
           <a:prstGeom prst="rect">
             <a:avLst/>
           </a:prstGeom>
         </p:spPr>
         <p:txBody>
-          <a:bodyPr anchorCtr="0" anchor="ctr" bIns="91425" lIns="91425" spcFirstLastPara="1" rIns="91425" wrap="square" tIns="91425">
+          <a:bodyPr anchorCtr="0" anchor="t" bIns="91425" lIns="91425" spcFirstLastPara="1" rIns="91425" wrap="square" tIns="91425">
             <a:noAutofit/>
           </a:bodyPr>
           <a:lstStyle/>
           <a:p>
-            <a:pPr indent="0" lvl="0" marL="0" rtl="0" algn="ctr">
+            <a:pPr indent="0" lvl="0" marL="0" rtl="0" algn="l">
               <a:spcBef>
                 <a:spcPts val="0"/>
               </a:spcBef>
@@ -7574,9 +8664,201 @@
             </a:pPr>
             <a:r>
               <a:rPr lang="en"/>
-              <a:t>Skill Development</a:t>
+              <a:t>Getting everyone a Linux Box- two ways to fix this</a:t>
             </a:r>
             <a:endParaRPr/>
+          </a:p>
+        </p:txBody>
+      </p:sp>
+      <p:sp>
+        <p:nvSpPr>
+          <p:cNvPr id="76" name="Google Shape;76;p16"/>
+          <p:cNvSpPr txBox="1"/>
+          <p:nvPr>
+            <p:ph idx="1" type="body"/>
+          </p:nvPr>
+        </p:nvSpPr>
+        <p:spPr>
+          <a:xfrm>
+            <a:off x="311700" y="1152475"/>
+            <a:ext cx="8520600" cy="3416400"/>
+          </a:xfrm>
+          <a:prstGeom prst="rect">
+            <a:avLst/>
+          </a:prstGeom>
+        </p:spPr>
+        <p:txBody>
+          <a:bodyPr anchorCtr="0" anchor="t" bIns="91425" lIns="91425" spcFirstLastPara="1" rIns="91425" wrap="square" tIns="91425">
+            <a:noAutofit/>
+          </a:bodyPr>
+          <a:lstStyle/>
+          <a:p>
+            <a:pPr indent="-381000" lvl="0" marL="457200" rtl="0" algn="l">
+              <a:spcBef>
+                <a:spcPts val="0"/>
+              </a:spcBef>
+              <a:spcAft>
+                <a:spcPts val="0"/>
+              </a:spcAft>
+              <a:buSzPts val="2400"/>
+              <a:buFont typeface="Oswald"/>
+              <a:buAutoNum type="arabicPeriod"/>
+            </a:pPr>
+            <a:r>
+              <a:rPr lang="en" sz="2400">
+                <a:latin typeface="Oswald"/>
+                <a:ea typeface="Oswald"/>
+                <a:cs typeface="Oswald"/>
+                <a:sym typeface="Oswald"/>
+              </a:rPr>
+              <a:t>InstallFest</a:t>
+            </a:r>
+            <a:endParaRPr sz="2400">
+              <a:latin typeface="Oswald"/>
+              <a:ea typeface="Oswald"/>
+              <a:cs typeface="Oswald"/>
+              <a:sym typeface="Oswald"/>
+            </a:endParaRPr>
+          </a:p>
+          <a:p>
+            <a:pPr indent="-381000" lvl="1" marL="914400" rtl="0" algn="l">
+              <a:spcBef>
+                <a:spcPts val="0"/>
+              </a:spcBef>
+              <a:spcAft>
+                <a:spcPts val="0"/>
+              </a:spcAft>
+              <a:buSzPts val="2400"/>
+              <a:buFont typeface="Oswald"/>
+              <a:buChar char="○"/>
+            </a:pPr>
+            <a:r>
+              <a:rPr lang="en" sz="2400">
+                <a:latin typeface="Oswald"/>
+                <a:ea typeface="Oswald"/>
+                <a:cs typeface="Oswald"/>
+                <a:sym typeface="Oswald"/>
+              </a:rPr>
+              <a:t>Pros- community building</a:t>
+            </a:r>
+            <a:endParaRPr sz="2400">
+              <a:latin typeface="Oswald"/>
+              <a:ea typeface="Oswald"/>
+              <a:cs typeface="Oswald"/>
+              <a:sym typeface="Oswald"/>
+            </a:endParaRPr>
+          </a:p>
+          <a:p>
+            <a:pPr indent="-381000" lvl="1" marL="914400" rtl="0" algn="l">
+              <a:spcBef>
+                <a:spcPts val="0"/>
+              </a:spcBef>
+              <a:spcAft>
+                <a:spcPts val="0"/>
+              </a:spcAft>
+              <a:buSzPts val="2400"/>
+              <a:buFont typeface="Oswald"/>
+              <a:buChar char="○"/>
+            </a:pPr>
+            <a:r>
+              <a:rPr lang="en" sz="2400">
+                <a:latin typeface="Oswald"/>
+                <a:ea typeface="Oswald"/>
+                <a:cs typeface="Oswald"/>
+                <a:sym typeface="Oswald"/>
+              </a:rPr>
+              <a:t>Cons- bricked machines, debugging</a:t>
+            </a:r>
+            <a:endParaRPr sz="2400">
+              <a:latin typeface="Oswald"/>
+              <a:ea typeface="Oswald"/>
+              <a:cs typeface="Oswald"/>
+              <a:sym typeface="Oswald"/>
+            </a:endParaRPr>
+          </a:p>
+          <a:p>
+            <a:pPr indent="-381000" lvl="0" marL="457200" rtl="0" algn="l">
+              <a:spcBef>
+                <a:spcPts val="0"/>
+              </a:spcBef>
+              <a:spcAft>
+                <a:spcPts val="0"/>
+              </a:spcAft>
+              <a:buSzPts val="2400"/>
+              <a:buFont typeface="Oswald"/>
+              <a:buAutoNum type="arabicPeriod"/>
+            </a:pPr>
+            <a:r>
+              <a:rPr lang="en" sz="2400">
+                <a:latin typeface="Oswald"/>
+                <a:ea typeface="Oswald"/>
+                <a:cs typeface="Oswald"/>
+                <a:sym typeface="Oswald"/>
+              </a:rPr>
+              <a:t>VM Server</a:t>
+            </a:r>
+            <a:endParaRPr sz="2400">
+              <a:latin typeface="Oswald"/>
+              <a:ea typeface="Oswald"/>
+              <a:cs typeface="Oswald"/>
+              <a:sym typeface="Oswald"/>
+            </a:endParaRPr>
+          </a:p>
+          <a:p>
+            <a:pPr indent="-381000" lvl="1" marL="914400" rtl="0" algn="l">
+              <a:spcBef>
+                <a:spcPts val="0"/>
+              </a:spcBef>
+              <a:spcAft>
+                <a:spcPts val="0"/>
+              </a:spcAft>
+              <a:buSzPts val="2400"/>
+              <a:buFont typeface="Oswald"/>
+              <a:buChar char="○"/>
+            </a:pPr>
+            <a:r>
+              <a:rPr lang="en" sz="2400">
+                <a:latin typeface="Oswald"/>
+                <a:ea typeface="Oswald"/>
+                <a:cs typeface="Oswald"/>
+                <a:sym typeface="Oswald"/>
+              </a:rPr>
+              <a:t>Pros- quick and easy new machines</a:t>
+            </a:r>
+            <a:endParaRPr sz="2400">
+              <a:latin typeface="Oswald"/>
+              <a:ea typeface="Oswald"/>
+              <a:cs typeface="Oswald"/>
+              <a:sym typeface="Oswald"/>
+            </a:endParaRPr>
+          </a:p>
+          <a:p>
+            <a:pPr indent="-381000" lvl="1" marL="914400" rtl="0" algn="l">
+              <a:spcBef>
+                <a:spcPts val="0"/>
+              </a:spcBef>
+              <a:spcAft>
+                <a:spcPts val="0"/>
+              </a:spcAft>
+              <a:buSzPts val="2400"/>
+              <a:buFont typeface="Oswald"/>
+              <a:buChar char="○"/>
+            </a:pPr>
+            <a:r>
+              <a:rPr lang="en" sz="2400">
+                <a:latin typeface="Oswald"/>
+                <a:ea typeface="Oswald"/>
+                <a:cs typeface="Oswald"/>
+                <a:sym typeface="Oswald"/>
+              </a:rPr>
+              <a:t>Cons- networking &amp; administration</a:t>
+            </a:r>
+            <a:endParaRPr sz="2400">
+              <a:latin typeface="Oswald"/>
+              <a:ea typeface="Oswald"/>
+              <a:cs typeface="Oswald"/>
+              <a:sym typeface="Oswald"/>
+            </a:endParaRPr>
           </a:p>
         </p:txBody>
       </p:sp>
@@ -7593,7 +8875,7 @@
   <p:cSld>
     <p:spTree>
       <p:nvGrpSpPr>
-        <p:cNvPr id="79" name="Shape 79"/>
+        <p:cNvPr id="80" name="Shape 80"/>
         <p:cNvGrpSpPr/>
         <p:nvPr/>
       </p:nvGrpSpPr>
@@ -7607,7 +8889,503 @@
       </p:grpSpPr>
       <p:sp>
         <p:nvSpPr>
-          <p:cNvPr id="80" name="Google Shape;80;p17"/>
+          <p:cNvPr id="81" name="Google Shape;81;p17"/>
+          <p:cNvSpPr txBox="1"/>
+          <p:nvPr>
+            <p:ph type="title"/>
+          </p:nvPr>
+        </p:nvSpPr>
+        <p:spPr>
+          <a:xfrm>
+            <a:off x="311700" y="445025"/>
+            <a:ext cx="8520600" cy="572700"/>
+          </a:xfrm>
+          <a:prstGeom prst="rect">
+            <a:avLst/>
+          </a:prstGeom>
+        </p:spPr>
+        <p:txBody>
+          <a:bodyPr anchorCtr="0" anchor="t" bIns="91425" lIns="91425" spcFirstLastPara="1" rIns="91425" wrap="square" tIns="91425">
+            <a:noAutofit/>
+          </a:bodyPr>
+          <a:lstStyle/>
+          <a:p>
+            <a:pPr indent="0" lvl="0" marL="0" rtl="0" algn="l">
+              <a:spcBef>
+                <a:spcPts val="0"/>
+              </a:spcBef>
+              <a:spcAft>
+                <a:spcPts val="0"/>
+              </a:spcAft>
+              <a:buNone/>
+            </a:pPr>
+            <a:r>
+              <a:rPr lang="en"/>
+              <a:t>Download ISO</a:t>
+            </a:r>
+            <a:endParaRPr/>
+          </a:p>
+        </p:txBody>
+      </p:sp>
+      <p:sp>
+        <p:nvSpPr>
+          <p:cNvPr id="82" name="Google Shape;82;p17"/>
+          <p:cNvSpPr txBox="1"/>
+          <p:nvPr>
+            <p:ph idx="1" type="body"/>
+          </p:nvPr>
+        </p:nvSpPr>
+        <p:spPr>
+          <a:xfrm>
+            <a:off x="311700" y="1152475"/>
+            <a:ext cx="8520600" cy="3416400"/>
+          </a:xfrm>
+          <a:prstGeom prst="rect">
+            <a:avLst/>
+          </a:prstGeom>
+        </p:spPr>
+        <p:txBody>
+          <a:bodyPr anchorCtr="0" anchor="t" bIns="91425" lIns="91425" spcFirstLastPara="1" rIns="91425" wrap="square" tIns="91425">
+            <a:noAutofit/>
+          </a:bodyPr>
+          <a:lstStyle/>
+          <a:p>
+            <a:pPr indent="0" lvl="0" marL="0" rtl="0" algn="l">
+              <a:spcBef>
+                <a:spcPts val="0"/>
+              </a:spcBef>
+              <a:spcAft>
+                <a:spcPts val="1600"/>
+              </a:spcAft>
+              <a:buNone/>
+            </a:pPr>
+            <a:r>
+              <a:t/>
+            </a:r>
+            <a:endParaRPr sz="2400">
+              <a:latin typeface="Consolas"/>
+              <a:ea typeface="Consolas"/>
+              <a:cs typeface="Consolas"/>
+              <a:sym typeface="Consolas"/>
+            </a:endParaRPr>
+          </a:p>
+        </p:txBody>
+      </p:sp>
+      <p:pic>
+        <p:nvPicPr>
+          <p:cNvPr id="83" name="Google Shape;83;p17"/>
+          <p:cNvPicPr preferRelativeResize="0"/>
+          <p:nvPr/>
+        </p:nvPicPr>
+        <p:blipFill>
+          <a:blip r:embed="rId3">
+            <a:alphaModFix/>
+          </a:blip>
+          <a:stretch>
+            <a:fillRect/>
+          </a:stretch>
+        </p:blipFill>
+        <p:spPr>
+          <a:xfrm>
+            <a:off x="270200" y="1303112"/>
+            <a:ext cx="8520602" cy="3115135"/>
+          </a:xfrm>
+          <a:prstGeom prst="rect">
+            <a:avLst/>
+          </a:prstGeom>
+          <a:noFill/>
+          <a:ln>
+            <a:noFill/>
+          </a:ln>
+        </p:spPr>
+      </p:pic>
+    </p:spTree>
+  </p:cSld>
+  <p:clrMapOvr>
+    <a:masterClrMapping/>
+  </p:clrMapOvr>
+</p:sld>
+</file>
+
+<file path=ppt/slides/slide6.xml><?xml version="1.0" encoding="utf-8"?>
+<p:sld xmlns:a="http://schemas.openxmlformats.org/drawingml/2006/main" xmlns:r="http://schemas.openxmlformats.org/officeDocument/2006/relationships" xmlns:mc="http://schemas.openxmlformats.org/markup-compatibility/2006" xmlns:mv="urn:schemas-microsoft-com:mac:vml" xmlns:p="http://schemas.openxmlformats.org/presentationml/2006/main" xmlns:c="http://schemas.openxmlformats.org/drawingml/2006/chart" xmlns:dgm="http://schemas.openxmlformats.org/drawingml/2006/diagram" xmlns:o="urn:schemas-microsoft-com:office:office" xmlns:v="urn:schemas-microsoft-com:vml" xmlns:pvml="urn:schemas-microsoft-com:office:powerpoint" xmlns:com="http://schemas.openxmlformats.org/drawingml/2006/compatibility" xmlns:p14="http://schemas.microsoft.com/office/powerpoint/2010/main" xmlns:p15="http://schemas.microsoft.com/office/powerpoint/2012/main">
+  <p:cSld>
+    <p:spTree>
+      <p:nvGrpSpPr>
+        <p:cNvPr id="87" name="Shape 87"/>
+        <p:cNvGrpSpPr/>
+        <p:nvPr/>
+      </p:nvGrpSpPr>
+      <p:grpSpPr>
+        <a:xfrm>
+          <a:off x="0" y="0"/>
+          <a:ext cx="0" cy="0"/>
+          <a:chOff x="0" y="0"/>
+          <a:chExt cx="0" cy="0"/>
+        </a:xfrm>
+      </p:grpSpPr>
+      <p:sp>
+        <p:nvSpPr>
+          <p:cNvPr id="88" name="Google Shape;88;p18"/>
+          <p:cNvSpPr txBox="1"/>
+          <p:nvPr>
+            <p:ph type="title"/>
+          </p:nvPr>
+        </p:nvSpPr>
+        <p:spPr>
+          <a:xfrm>
+            <a:off x="311700" y="445025"/>
+            <a:ext cx="8520600" cy="572700"/>
+          </a:xfrm>
+          <a:prstGeom prst="rect">
+            <a:avLst/>
+          </a:prstGeom>
+        </p:spPr>
+        <p:txBody>
+          <a:bodyPr anchorCtr="0" anchor="t" bIns="91425" lIns="91425" spcFirstLastPara="1" rIns="91425" wrap="square" tIns="91425">
+            <a:noAutofit/>
+          </a:bodyPr>
+          <a:lstStyle/>
+          <a:p>
+            <a:pPr indent="0" lvl="0" marL="0" rtl="0" algn="ctr">
+              <a:spcBef>
+                <a:spcPts val="0"/>
+              </a:spcBef>
+              <a:spcAft>
+                <a:spcPts val="0"/>
+              </a:spcAft>
+              <a:buNone/>
+            </a:pPr>
+            <a:r>
+              <a:rPr lang="en"/>
+              <a:t>Bootable USB in Windows / Mac - balena.io/etcher</a:t>
+            </a:r>
+            <a:endParaRPr/>
+          </a:p>
+        </p:txBody>
+      </p:sp>
+      <p:pic>
+        <p:nvPicPr>
+          <p:cNvPr id="89" name="Google Shape;89;p18"/>
+          <p:cNvPicPr preferRelativeResize="0"/>
+          <p:nvPr/>
+        </p:nvPicPr>
+        <p:blipFill>
+          <a:blip r:embed="rId3">
+            <a:alphaModFix/>
+          </a:blip>
+          <a:stretch>
+            <a:fillRect/>
+          </a:stretch>
+        </p:blipFill>
+        <p:spPr>
+          <a:xfrm>
+            <a:off x="1657825" y="1083275"/>
+            <a:ext cx="6373611" cy="3820976"/>
+          </a:xfrm>
+          <a:prstGeom prst="rect">
+            <a:avLst/>
+          </a:prstGeom>
+          <a:noFill/>
+          <a:ln>
+            <a:noFill/>
+          </a:ln>
+        </p:spPr>
+      </p:pic>
+    </p:spTree>
+  </p:cSld>
+  <p:clrMapOvr>
+    <a:masterClrMapping/>
+  </p:clrMapOvr>
+</p:sld>
+</file>
+
+<file path=ppt/slides/slide7.xml><?xml version="1.0" encoding="utf-8"?>
+<p:sld xmlns:a="http://schemas.openxmlformats.org/drawingml/2006/main" xmlns:r="http://schemas.openxmlformats.org/officeDocument/2006/relationships" xmlns:mc="http://schemas.openxmlformats.org/markup-compatibility/2006" xmlns:mv="urn:schemas-microsoft-com:mac:vml" xmlns:p="http://schemas.openxmlformats.org/presentationml/2006/main" xmlns:c="http://schemas.openxmlformats.org/drawingml/2006/chart" xmlns:dgm="http://schemas.openxmlformats.org/drawingml/2006/diagram" xmlns:o="urn:schemas-microsoft-com:office:office" xmlns:v="urn:schemas-microsoft-com:vml" xmlns:pvml="urn:schemas-microsoft-com:office:powerpoint" xmlns:com="http://schemas.openxmlformats.org/drawingml/2006/compatibility" xmlns:p14="http://schemas.microsoft.com/office/powerpoint/2010/main" xmlns:p15="http://schemas.microsoft.com/office/powerpoint/2012/main">
+  <p:cSld>
+    <p:spTree>
+      <p:nvGrpSpPr>
+        <p:cNvPr id="93" name="Shape 93"/>
+        <p:cNvGrpSpPr/>
+        <p:nvPr/>
+      </p:nvGrpSpPr>
+      <p:grpSpPr>
+        <a:xfrm>
+          <a:off x="0" y="0"/>
+          <a:ext cx="0" cy="0"/>
+          <a:chOff x="0" y="0"/>
+          <a:chExt cx="0" cy="0"/>
+        </a:xfrm>
+      </p:grpSpPr>
+      <p:sp>
+        <p:nvSpPr>
+          <p:cNvPr id="94" name="Google Shape;94;p19"/>
+          <p:cNvSpPr txBox="1"/>
+          <p:nvPr>
+            <p:ph type="title"/>
+          </p:nvPr>
+        </p:nvSpPr>
+        <p:spPr>
+          <a:xfrm>
+            <a:off x="311700" y="445025"/>
+            <a:ext cx="8520600" cy="572700"/>
+          </a:xfrm>
+          <a:prstGeom prst="rect">
+            <a:avLst/>
+          </a:prstGeom>
+        </p:spPr>
+        <p:txBody>
+          <a:bodyPr anchorCtr="0" anchor="t" bIns="91425" lIns="91425" spcFirstLastPara="1" rIns="91425" wrap="square" tIns="91425">
+            <a:noAutofit/>
+          </a:bodyPr>
+          <a:lstStyle/>
+          <a:p>
+            <a:pPr indent="0" lvl="0" marL="0" rtl="0" algn="l">
+              <a:spcBef>
+                <a:spcPts val="0"/>
+              </a:spcBef>
+              <a:spcAft>
+                <a:spcPts val="0"/>
+              </a:spcAft>
+              <a:buNone/>
+            </a:pPr>
+            <a:r>
+              <a:rPr lang="en"/>
+              <a:t>Bootable USB for cool people</a:t>
+            </a:r>
+            <a:endParaRPr/>
+          </a:p>
+        </p:txBody>
+      </p:sp>
+      <p:sp>
+        <p:nvSpPr>
+          <p:cNvPr id="95" name="Google Shape;95;p19"/>
+          <p:cNvSpPr txBox="1"/>
+          <p:nvPr>
+            <p:ph idx="1" type="body"/>
+          </p:nvPr>
+        </p:nvSpPr>
+        <p:spPr>
+          <a:xfrm>
+            <a:off x="311700" y="1152475"/>
+            <a:ext cx="8520600" cy="3416400"/>
+          </a:xfrm>
+          <a:prstGeom prst="rect">
+            <a:avLst/>
+          </a:prstGeom>
+        </p:spPr>
+        <p:txBody>
+          <a:bodyPr anchorCtr="0" anchor="t" bIns="91425" lIns="91425" spcFirstLastPara="1" rIns="91425" wrap="square" tIns="91425">
+            <a:noAutofit/>
+          </a:bodyPr>
+          <a:lstStyle/>
+          <a:p>
+            <a:pPr indent="0" lvl="0" marL="0" rtl="0" algn="l">
+              <a:spcBef>
+                <a:spcPts val="0"/>
+              </a:spcBef>
+              <a:spcAft>
+                <a:spcPts val="0"/>
+              </a:spcAft>
+              <a:buNone/>
+            </a:pPr>
+            <a:r>
+              <a:rPr lang="en" sz="2400">
+                <a:latin typeface="Oswald"/>
+                <a:ea typeface="Oswald"/>
+                <a:cs typeface="Oswald"/>
+                <a:sym typeface="Oswald"/>
+              </a:rPr>
+              <a:t>Find your device</a:t>
+            </a:r>
+            <a:endParaRPr sz="2400">
+              <a:latin typeface="Oswald"/>
+              <a:ea typeface="Oswald"/>
+              <a:cs typeface="Oswald"/>
+              <a:sym typeface="Oswald"/>
+            </a:endParaRPr>
+          </a:p>
+          <a:p>
+            <a:pPr indent="0" lvl="0" marL="0" rtl="0" algn="l">
+              <a:spcBef>
+                <a:spcPts val="1600"/>
+              </a:spcBef>
+              <a:spcAft>
+                <a:spcPts val="0"/>
+              </a:spcAft>
+              <a:buNone/>
+            </a:pPr>
+            <a:r>
+              <a:rPr lang="en" sz="2400">
+                <a:latin typeface="Consolas"/>
+                <a:ea typeface="Consolas"/>
+                <a:cs typeface="Consolas"/>
+                <a:sym typeface="Consolas"/>
+              </a:rPr>
+              <a:t>$ lsblk  |  $ diskutil list</a:t>
+            </a:r>
+            <a:endParaRPr sz="2400">
+              <a:latin typeface="Consolas"/>
+              <a:ea typeface="Consolas"/>
+              <a:cs typeface="Consolas"/>
+              <a:sym typeface="Consolas"/>
+            </a:endParaRPr>
+          </a:p>
+          <a:p>
+            <a:pPr indent="0" lvl="0" marL="0" rtl="0" algn="l">
+              <a:spcBef>
+                <a:spcPts val="1600"/>
+              </a:spcBef>
+              <a:spcAft>
+                <a:spcPts val="0"/>
+              </a:spcAft>
+              <a:buNone/>
+            </a:pPr>
+            <a:r>
+              <a:rPr lang="en" sz="2400">
+                <a:latin typeface="Oswald"/>
+                <a:ea typeface="Oswald"/>
+                <a:cs typeface="Oswald"/>
+                <a:sym typeface="Oswald"/>
+              </a:rPr>
+              <a:t>Copy image with disk destroyer</a:t>
+            </a:r>
+            <a:endParaRPr sz="2400">
+              <a:latin typeface="Oswald"/>
+              <a:ea typeface="Oswald"/>
+              <a:cs typeface="Oswald"/>
+              <a:sym typeface="Oswald"/>
+            </a:endParaRPr>
+          </a:p>
+          <a:p>
+            <a:pPr indent="0" lvl="0" marL="0" rtl="0" algn="l">
+              <a:spcBef>
+                <a:spcPts val="1600"/>
+              </a:spcBef>
+              <a:spcAft>
+                <a:spcPts val="0"/>
+              </a:spcAft>
+              <a:buNone/>
+            </a:pPr>
+            <a:r>
+              <a:rPr lang="en" sz="2400">
+                <a:latin typeface="Consolas"/>
+                <a:ea typeface="Consolas"/>
+                <a:cs typeface="Consolas"/>
+                <a:sym typeface="Consolas"/>
+              </a:rPr>
+              <a:t>$ sudo dd if=ubuntu-server.iso of=/dev/sdX</a:t>
+            </a:r>
+            <a:endParaRPr sz="2400">
+              <a:latin typeface="Consolas"/>
+              <a:ea typeface="Consolas"/>
+              <a:cs typeface="Consolas"/>
+              <a:sym typeface="Consolas"/>
+            </a:endParaRPr>
+          </a:p>
+          <a:p>
+            <a:pPr indent="0" lvl="0" marL="0" rtl="0" algn="l">
+              <a:spcBef>
+                <a:spcPts val="1600"/>
+              </a:spcBef>
+              <a:spcAft>
+                <a:spcPts val="0"/>
+              </a:spcAft>
+              <a:buNone/>
+            </a:pPr>
+            <a:r>
+              <a:rPr lang="en" sz="2400">
+                <a:latin typeface="Oswald"/>
+                <a:ea typeface="Oswald"/>
+                <a:cs typeface="Oswald"/>
+                <a:sym typeface="Oswald"/>
+              </a:rPr>
+              <a:t>Done!</a:t>
+            </a:r>
+            <a:endParaRPr sz="2400">
+              <a:latin typeface="Consolas"/>
+              <a:ea typeface="Consolas"/>
+              <a:cs typeface="Consolas"/>
+              <a:sym typeface="Consolas"/>
+            </a:endParaRPr>
+          </a:p>
+          <a:p>
+            <a:pPr indent="0" lvl="0" marL="0" rtl="0" algn="l">
+              <a:spcBef>
+                <a:spcPts val="1600"/>
+              </a:spcBef>
+              <a:spcAft>
+                <a:spcPts val="1600"/>
+              </a:spcAft>
+              <a:buNone/>
+            </a:pPr>
+            <a:r>
+              <a:t/>
+            </a:r>
+            <a:endParaRPr sz="2400">
+              <a:latin typeface="Oswald"/>
+              <a:ea typeface="Oswald"/>
+              <a:cs typeface="Oswald"/>
+              <a:sym typeface="Oswald"/>
+            </a:endParaRPr>
+          </a:p>
+        </p:txBody>
+      </p:sp>
+      <p:pic>
+        <p:nvPicPr>
+          <p:cNvPr id="96" name="Google Shape;96;p19"/>
+          <p:cNvPicPr preferRelativeResize="0"/>
+          <p:nvPr/>
+        </p:nvPicPr>
+        <p:blipFill rotWithShape="1">
+          <a:blip r:embed="rId3">
+            <a:alphaModFix/>
+          </a:blip>
+          <a:srcRect b="0" l="297" r="9588" t="0"/>
+          <a:stretch/>
+        </p:blipFill>
+        <p:spPr>
+          <a:xfrm>
+            <a:off x="4572000" y="163500"/>
+            <a:ext cx="4376950" cy="1565100"/>
+          </a:xfrm>
+          <a:prstGeom prst="rect">
+            <a:avLst/>
+          </a:prstGeom>
+          <a:noFill/>
+          <a:ln>
+            <a:noFill/>
+          </a:ln>
+        </p:spPr>
+      </p:pic>
+    </p:spTree>
+  </p:cSld>
+  <p:clrMapOvr>
+    <a:masterClrMapping/>
+  </p:clrMapOvr>
+</p:sld>
+</file>
+
+<file path=ppt/slides/slide8.xml><?xml version="1.0" encoding="utf-8"?>
+<p:sld xmlns:a="http://schemas.openxmlformats.org/drawingml/2006/main" xmlns:r="http://schemas.openxmlformats.org/officeDocument/2006/relationships" xmlns:mc="http://schemas.openxmlformats.org/markup-compatibility/2006" xmlns:mv="urn:schemas-microsoft-com:mac:vml" xmlns:p="http://schemas.openxmlformats.org/presentationml/2006/main" xmlns:c="http://schemas.openxmlformats.org/drawingml/2006/chart" xmlns:dgm="http://schemas.openxmlformats.org/drawingml/2006/diagram" xmlns:o="urn:schemas-microsoft-com:office:office" xmlns:v="urn:schemas-microsoft-com:vml" xmlns:pvml="urn:schemas-microsoft-com:office:powerpoint" xmlns:com="http://schemas.openxmlformats.org/drawingml/2006/compatibility" xmlns:p14="http://schemas.microsoft.com/office/powerpoint/2010/main" xmlns:p15="http://schemas.microsoft.com/office/powerpoint/2012/main">
+  <p:cSld>
+    <p:spTree>
+      <p:nvGrpSpPr>
+        <p:cNvPr id="100" name="Shape 100"/>
+        <p:cNvGrpSpPr/>
+        <p:nvPr/>
+      </p:nvGrpSpPr>
+      <p:grpSpPr>
+        <a:xfrm>
+          <a:off x="0" y="0"/>
+          <a:ext cx="0" cy="0"/>
+          <a:chOff x="0" y="0"/>
+          <a:chExt cx="0" cy="0"/>
+        </a:xfrm>
+      </p:grpSpPr>
+      <p:sp>
+        <p:nvSpPr>
+          <p:cNvPr id="101" name="Google Shape;101;p20"/>
           <p:cNvSpPr txBox="1"/>
           <p:nvPr>
             <p:ph type="title"/>
@@ -7639,56 +9417,33 @@
             </a:pPr>
             <a:r>
               <a:rPr lang="en"/>
-              <a:t>Linux Club- What</a:t>
+              <a:t>Plug in USB &amp; Install</a:t>
             </a:r>
             <a:endParaRPr/>
           </a:p>
         </p:txBody>
       </p:sp>
-    </p:spTree>
-  </p:cSld>
-  <p:clrMapOvr>
-    <a:masterClrMapping/>
-  </p:clrMapOvr>
-</p:sld>
-</file>
-
-<file path=ppt/slides/slide6.xml><?xml version="1.0" encoding="utf-8"?>
-<p:sld xmlns:a="http://schemas.openxmlformats.org/drawingml/2006/main" xmlns:r="http://schemas.openxmlformats.org/officeDocument/2006/relationships" xmlns:mc="http://schemas.openxmlformats.org/markup-compatibility/2006" xmlns:mv="urn:schemas-microsoft-com:mac:vml" xmlns:p="http://schemas.openxmlformats.org/presentationml/2006/main" xmlns:c="http://schemas.openxmlformats.org/drawingml/2006/chart" xmlns:dgm="http://schemas.openxmlformats.org/drawingml/2006/diagram" xmlns:o="urn:schemas-microsoft-com:office:office" xmlns:v="urn:schemas-microsoft-com:vml" xmlns:pvml="urn:schemas-microsoft-com:office:powerpoint" xmlns:com="http://schemas.openxmlformats.org/drawingml/2006/compatibility" xmlns:p14="http://schemas.microsoft.com/office/powerpoint/2010/main" xmlns:p15="http://schemas.microsoft.com/office/powerpoint/2012/main">
-  <p:cSld>
-    <p:spTree>
-      <p:nvGrpSpPr>
-        <p:cNvPr id="84" name="Shape 84"/>
-        <p:cNvGrpSpPr/>
-        <p:nvPr/>
-      </p:nvGrpSpPr>
-      <p:grpSpPr>
-        <a:xfrm>
-          <a:off x="0" y="0"/>
-          <a:ext cx="0" cy="0"/>
-          <a:chOff x="0" y="0"/>
-          <a:chExt cx="0" cy="0"/>
-        </a:xfrm>
-      </p:grpSpPr>
       <p:sp>
         <p:nvSpPr>
-          <p:cNvPr id="85" name="Google Shape;85;p18"/>
+          <p:cNvPr id="102" name="Google Shape;102;p20"/>
           <p:cNvSpPr txBox="1"/>
-          <p:nvPr>
-            <p:ph type="title"/>
-          </p:nvPr>
+          <p:nvPr/>
         </p:nvSpPr>
         <p:spPr>
           <a:xfrm>
-            <a:off x="671250" y="2141250"/>
-            <a:ext cx="7852200" cy="861000"/>
+            <a:off x="1792800" y="3253325"/>
+            <a:ext cx="5558400" cy="648600"/>
           </a:xfrm>
           <a:prstGeom prst="rect">
             <a:avLst/>
           </a:prstGeom>
+          <a:noFill/>
+          <a:ln>
+            <a:noFill/>
+          </a:ln>
         </p:spPr>
         <p:txBody>
-          <a:bodyPr anchorCtr="0" anchor="ctr" bIns="91425" lIns="91425" spcFirstLastPara="1" rIns="91425" wrap="square" tIns="91425">
+          <a:bodyPr anchorCtr="0" anchor="t" bIns="91425" lIns="91425" spcFirstLastPara="1" rIns="91425" wrap="square" tIns="91425">
             <a:noAutofit/>
           </a:bodyPr>
           <a:lstStyle/>
@@ -7703,140 +9458,26 @@
               <a:buNone/>
             </a:pPr>
             <a:r>
-              <a:rPr lang="en"/>
-              <a:t>Challenges &amp; Solutions</a:t>
+              <a:rPr lang="en" sz="2400">
+                <a:solidFill>
+                  <a:schemeClr val="dk2"/>
+                </a:solidFill>
+                <a:latin typeface="Oswald"/>
+                <a:ea typeface="Oswald"/>
+                <a:cs typeface="Oswald"/>
+                <a:sym typeface="Oswald"/>
+              </a:rPr>
+              <a:t>Don’t forget to include OpenSSH Server!</a:t>
             </a:r>
-            <a:endParaRPr/>
-          </a:p>
-        </p:txBody>
-      </p:sp>
-    </p:spTree>
-  </p:cSld>
-  <p:clrMapOvr>
-    <a:masterClrMapping/>
-  </p:clrMapOvr>
-</p:sld>
-</file>
-
-<file path=ppt/slides/slide7.xml><?xml version="1.0" encoding="utf-8"?>
-<p:sld xmlns:a="http://schemas.openxmlformats.org/drawingml/2006/main" xmlns:r="http://schemas.openxmlformats.org/officeDocument/2006/relationships" xmlns:mc="http://schemas.openxmlformats.org/markup-compatibility/2006" xmlns:mv="urn:schemas-microsoft-com:mac:vml" xmlns:p="http://schemas.openxmlformats.org/presentationml/2006/main" xmlns:c="http://schemas.openxmlformats.org/drawingml/2006/chart" xmlns:dgm="http://schemas.openxmlformats.org/drawingml/2006/diagram" xmlns:o="urn:schemas-microsoft-com:office:office" xmlns:v="urn:schemas-microsoft-com:vml" xmlns:pvml="urn:schemas-microsoft-com:office:powerpoint" xmlns:com="http://schemas.openxmlformats.org/drawingml/2006/compatibility" xmlns:p14="http://schemas.microsoft.com/office/powerpoint/2010/main" xmlns:p15="http://schemas.microsoft.com/office/powerpoint/2012/main">
-  <p:cSld>
-    <p:spTree>
-      <p:nvGrpSpPr>
-        <p:cNvPr id="89" name="Shape 89"/>
-        <p:cNvGrpSpPr/>
-        <p:nvPr/>
-      </p:nvGrpSpPr>
-      <p:grpSpPr>
-        <a:xfrm>
-          <a:off x="0" y="0"/>
-          <a:ext cx="0" cy="0"/>
-          <a:chOff x="0" y="0"/>
-          <a:chExt cx="0" cy="0"/>
-        </a:xfrm>
-      </p:grpSpPr>
-      <p:sp>
-        <p:nvSpPr>
-          <p:cNvPr id="90" name="Google Shape;90;p19"/>
-          <p:cNvSpPr txBox="1"/>
-          <p:nvPr>
-            <p:ph type="title"/>
-          </p:nvPr>
-        </p:nvSpPr>
-        <p:spPr>
-          <a:xfrm>
-            <a:off x="671250" y="2141250"/>
-            <a:ext cx="7852200" cy="861000"/>
-          </a:xfrm>
-          <a:prstGeom prst="rect">
-            <a:avLst/>
-          </a:prstGeom>
-        </p:spPr>
-        <p:txBody>
-          <a:bodyPr anchorCtr="0" anchor="ctr" bIns="91425" lIns="91425" spcFirstLastPara="1" rIns="91425" wrap="square" tIns="91425">
-            <a:noAutofit/>
-          </a:bodyPr>
-          <a:lstStyle/>
-          <a:p>
-            <a:pPr indent="0" lvl="0" marL="0" rtl="0" algn="ctr">
-              <a:spcBef>
-                <a:spcPts val="0"/>
-              </a:spcBef>
-              <a:spcAft>
-                <a:spcPts val="0"/>
-              </a:spcAft>
-              <a:buNone/>
-            </a:pPr>
-            <a:r>
-              <a:rPr lang="en"/>
-              <a:t>Not a 1-man job</a:t>
-            </a:r>
-            <a:endParaRPr/>
-          </a:p>
-        </p:txBody>
-      </p:sp>
-    </p:spTree>
-  </p:cSld>
-  <p:clrMapOvr>
-    <a:masterClrMapping/>
-  </p:clrMapOvr>
-</p:sld>
-</file>
-
-<file path=ppt/slides/slide8.xml><?xml version="1.0" encoding="utf-8"?>
-<p:sld xmlns:a="http://schemas.openxmlformats.org/drawingml/2006/main" xmlns:r="http://schemas.openxmlformats.org/officeDocument/2006/relationships" xmlns:mc="http://schemas.openxmlformats.org/markup-compatibility/2006" xmlns:mv="urn:schemas-microsoft-com:mac:vml" xmlns:p="http://schemas.openxmlformats.org/presentationml/2006/main" xmlns:c="http://schemas.openxmlformats.org/drawingml/2006/chart" xmlns:dgm="http://schemas.openxmlformats.org/drawingml/2006/diagram" xmlns:o="urn:schemas-microsoft-com:office:office" xmlns:v="urn:schemas-microsoft-com:vml" xmlns:pvml="urn:schemas-microsoft-com:office:powerpoint" xmlns:com="http://schemas.openxmlformats.org/drawingml/2006/compatibility" xmlns:p14="http://schemas.microsoft.com/office/powerpoint/2010/main" xmlns:p15="http://schemas.microsoft.com/office/powerpoint/2012/main">
-  <p:cSld>
-    <p:spTree>
-      <p:nvGrpSpPr>
-        <p:cNvPr id="94" name="Shape 94"/>
-        <p:cNvGrpSpPr/>
-        <p:nvPr/>
-      </p:nvGrpSpPr>
-      <p:grpSpPr>
-        <a:xfrm>
-          <a:off x="0" y="0"/>
-          <a:ext cx="0" cy="0"/>
-          <a:chOff x="0" y="0"/>
-          <a:chExt cx="0" cy="0"/>
-        </a:xfrm>
-      </p:grpSpPr>
-      <p:sp>
-        <p:nvSpPr>
-          <p:cNvPr id="95" name="Google Shape;95;p20"/>
-          <p:cNvSpPr txBox="1"/>
-          <p:nvPr>
-            <p:ph type="title"/>
-          </p:nvPr>
-        </p:nvSpPr>
-        <p:spPr>
-          <a:xfrm>
-            <a:off x="671250" y="2141250"/>
-            <a:ext cx="7852200" cy="861000"/>
-          </a:xfrm>
-          <a:prstGeom prst="rect">
-            <a:avLst/>
-          </a:prstGeom>
-        </p:spPr>
-        <p:txBody>
-          <a:bodyPr anchorCtr="0" anchor="ctr" bIns="91425" lIns="91425" spcFirstLastPara="1" rIns="91425" wrap="square" tIns="91425">
-            <a:noAutofit/>
-          </a:bodyPr>
-          <a:lstStyle/>
-          <a:p>
-            <a:pPr indent="0" lvl="0" marL="0" rtl="0" algn="ctr">
-              <a:spcBef>
-                <a:spcPts val="0"/>
-              </a:spcBef>
-              <a:spcAft>
-                <a:spcPts val="0"/>
-              </a:spcAft>
-              <a:buNone/>
-            </a:pPr>
-            <a:r>
-              <a:rPr lang="en"/>
-              <a:t>Getting everyone a Linux box</a:t>
-            </a:r>
-            <a:endParaRPr/>
+            <a:endParaRPr sz="2400">
+              <a:solidFill>
+                <a:schemeClr val="dk2"/>
+              </a:solidFill>
+              <a:latin typeface="Oswald"/>
+              <a:ea typeface="Oswald"/>
+              <a:cs typeface="Oswald"/>
+              <a:sym typeface="Oswald"/>
+            </a:endParaRPr>
           </a:p>
         </p:txBody>
       </p:sp>
@@ -7853,7 +9494,7 @@
   <p:cSld>
     <p:spTree>
       <p:nvGrpSpPr>
-        <p:cNvPr id="99" name="Shape 99"/>
+        <p:cNvPr id="106" name="Shape 106"/>
         <p:cNvGrpSpPr/>
         <p:nvPr/>
       </p:nvGrpSpPr>
@@ -7867,7 +9508,7 @@
       </p:grpSpPr>
       <p:sp>
         <p:nvSpPr>
-          <p:cNvPr id="100" name="Google Shape;100;p21"/>
+          <p:cNvPr id="107" name="Google Shape;107;p21"/>
           <p:cNvSpPr txBox="1"/>
           <p:nvPr>
             <p:ph type="title"/>
@@ -7875,7 +9516,7 @@
         </p:nvSpPr>
         <p:spPr>
           <a:xfrm>
-            <a:off x="311700" y="445025"/>
+            <a:off x="311700" y="483625"/>
             <a:ext cx="8520600" cy="572700"/>
           </a:xfrm>
           <a:prstGeom prst="rect">
@@ -7899,7 +9540,7 @@
             </a:pPr>
             <a:r>
               <a:rPr lang="en"/>
-              <a:t>Getting everyone a Linux Box- two ways to fix this</a:t>
+              <a:t>Obtain Dependencies</a:t>
             </a:r>
             <a:endParaRPr/>
           </a:p>
@@ -7907,7 +9548,7 @@
       </p:sp>
       <p:sp>
         <p:nvSpPr>
-          <p:cNvPr id="101" name="Google Shape;101;p21"/>
+          <p:cNvPr id="108" name="Google Shape;108;p21"/>
           <p:cNvSpPr txBox="1"/>
           <p:nvPr>
             <p:ph idx="1" type="body"/>
@@ -7928,19 +9569,195 @@
           </a:bodyPr>
           <a:lstStyle/>
           <a:p>
-            <a:pPr indent="-342900" lvl="0" marL="457200" rtl="0" algn="l">
-              <a:spcBef>
-                <a:spcPts val="0"/>
-              </a:spcBef>
-              <a:spcAft>
-                <a:spcPts val="0"/>
-              </a:spcAft>
-              <a:buSzPts val="1800"/>
-              <a:buAutoNum type="arabicPeriod"/>
+            <a:pPr indent="0" lvl="0" marL="0" rtl="0" algn="l">
+              <a:lnSpc>
+                <a:spcPct val="150000"/>
+              </a:lnSpc>
+              <a:spcBef>
+                <a:spcPts val="0"/>
+              </a:spcBef>
+              <a:spcAft>
+                <a:spcPts val="0"/>
+              </a:spcAft>
+              <a:buNone/>
             </a:pPr>
             <a:r>
-              <a:rPr lang="en"/>
-              <a:t>InstallFest- </a:t>
+              <a:rPr lang="en" sz="2400">
+                <a:solidFill>
+                  <a:schemeClr val="dk2"/>
+                </a:solidFill>
+                <a:latin typeface="Consolas"/>
+                <a:ea typeface="Consolas"/>
+                <a:cs typeface="Consolas"/>
+                <a:sym typeface="Consolas"/>
+              </a:rPr>
+              <a:t>$ sudo apt update</a:t>
+            </a:r>
+            <a:endParaRPr sz="2400">
+              <a:solidFill>
+                <a:schemeClr val="dk2"/>
+              </a:solidFill>
+              <a:latin typeface="Consolas"/>
+              <a:ea typeface="Consolas"/>
+              <a:cs typeface="Consolas"/>
+              <a:sym typeface="Consolas"/>
+            </a:endParaRPr>
+          </a:p>
+          <a:p>
+            <a:pPr indent="0" lvl="0" marL="0" rtl="0" algn="l">
+              <a:lnSpc>
+                <a:spcPct val="150000"/>
+              </a:lnSpc>
+              <a:spcBef>
+                <a:spcPts val="0"/>
+              </a:spcBef>
+              <a:spcAft>
+                <a:spcPts val="0"/>
+              </a:spcAft>
+              <a:buNone/>
+            </a:pPr>
+            <a:r>
+              <a:rPr lang="en" sz="2400">
+                <a:solidFill>
+                  <a:schemeClr val="dk2"/>
+                </a:solidFill>
+                <a:latin typeface="Consolas"/>
+                <a:ea typeface="Consolas"/>
+                <a:cs typeface="Consolas"/>
+                <a:sym typeface="Consolas"/>
+              </a:rPr>
+              <a:t>$ sudo apt install virtualbox \</a:t>
+            </a:r>
+            <a:endParaRPr sz="2400">
+              <a:solidFill>
+                <a:schemeClr val="dk2"/>
+              </a:solidFill>
+              <a:latin typeface="Consolas"/>
+              <a:ea typeface="Consolas"/>
+              <a:cs typeface="Consolas"/>
+              <a:sym typeface="Consolas"/>
+            </a:endParaRPr>
+          </a:p>
+          <a:p>
+            <a:pPr indent="0" lvl="0" marL="0" rtl="0" algn="l">
+              <a:lnSpc>
+                <a:spcPct val="150000"/>
+              </a:lnSpc>
+              <a:spcBef>
+                <a:spcPts val="0"/>
+              </a:spcBef>
+              <a:spcAft>
+                <a:spcPts val="0"/>
+              </a:spcAft>
+              <a:buNone/>
+            </a:pPr>
+            <a:r>
+              <a:rPr lang="en" sz="2400">
+                <a:solidFill>
+                  <a:schemeClr val="dk2"/>
+                </a:solidFill>
+                <a:latin typeface="Consolas"/>
+                <a:ea typeface="Consolas"/>
+                <a:cs typeface="Consolas"/>
+                <a:sym typeface="Consolas"/>
+              </a:rPr>
+              <a:t>  virtualbox-guest-additions-iso</a:t>
+            </a:r>
+            <a:endParaRPr sz="2400">
+              <a:solidFill>
+                <a:schemeClr val="dk2"/>
+              </a:solidFill>
+              <a:latin typeface="Consolas"/>
+              <a:ea typeface="Consolas"/>
+              <a:cs typeface="Consolas"/>
+              <a:sym typeface="Consolas"/>
+            </a:endParaRPr>
+          </a:p>
+          <a:p>
+            <a:pPr indent="0" lvl="0" marL="0" rtl="0" algn="l">
+              <a:lnSpc>
+                <a:spcPct val="150000"/>
+              </a:lnSpc>
+              <a:spcBef>
+                <a:spcPts val="0"/>
+              </a:spcBef>
+              <a:spcAft>
+                <a:spcPts val="0"/>
+              </a:spcAft>
+              <a:buNone/>
+            </a:pPr>
+            <a:r>
+              <a:rPr lang="en" sz="2400">
+                <a:solidFill>
+                  <a:schemeClr val="dk2"/>
+                </a:solidFill>
+                <a:latin typeface="Consolas"/>
+                <a:ea typeface="Consolas"/>
+                <a:cs typeface="Consolas"/>
+                <a:sym typeface="Consolas"/>
+              </a:rPr>
+              <a:t>$ sudo apt install xorg</a:t>
+            </a:r>
+            <a:endParaRPr sz="2400">
+              <a:solidFill>
+                <a:schemeClr val="dk2"/>
+              </a:solidFill>
+              <a:latin typeface="Consolas"/>
+              <a:ea typeface="Consolas"/>
+              <a:cs typeface="Consolas"/>
+              <a:sym typeface="Consolas"/>
+            </a:endParaRPr>
+          </a:p>
+          <a:p>
+            <a:pPr indent="0" lvl="0" marL="0" rtl="0" algn="l">
+              <a:lnSpc>
+                <a:spcPct val="150000"/>
+              </a:lnSpc>
+              <a:spcBef>
+                <a:spcPts val="0"/>
+              </a:spcBef>
+              <a:spcAft>
+                <a:spcPts val="0"/>
+              </a:spcAft>
+              <a:buNone/>
+            </a:pPr>
+            <a:r>
+              <a:rPr lang="en" sz="2400">
+                <a:solidFill>
+                  <a:schemeClr val="dk2"/>
+                </a:solidFill>
+                <a:latin typeface="Consolas"/>
+                <a:ea typeface="Consolas"/>
+                <a:cs typeface="Consolas"/>
+                <a:sym typeface="Consolas"/>
+              </a:rPr>
+              <a:t>$ sudo apt install nginx</a:t>
+            </a:r>
+            <a:endParaRPr sz="2400">
+              <a:solidFill>
+                <a:schemeClr val="dk2"/>
+              </a:solidFill>
+              <a:latin typeface="Consolas"/>
+              <a:ea typeface="Consolas"/>
+              <a:cs typeface="Consolas"/>
+              <a:sym typeface="Consolas"/>
+            </a:endParaRPr>
+          </a:p>
+          <a:p>
+            <a:pPr indent="0" lvl="0" marL="0" rtl="0" algn="l">
+              <a:lnSpc>
+                <a:spcPct val="150000"/>
+              </a:lnSpc>
+              <a:spcBef>
+                <a:spcPts val="0"/>
+              </a:spcBef>
+              <a:spcAft>
+                <a:spcPts val="1600"/>
+              </a:spcAft>
+              <a:buNone/>
+            </a:pPr>
+            <a:r>
+              <a:t/>
             </a:r>
             <a:endParaRPr/>
           </a:p>
@@ -7955,6 +9772,285 @@
 </file>
 
 <file path=ppt/theme/theme1.xml><?xml version="1.0" encoding="utf-8"?>
+<a:theme xmlns:a="http://schemas.openxmlformats.org/drawingml/2006/main" xmlns:r="http://schemas.openxmlformats.org/officeDocument/2006/relationships" name="Slate">
+  <a:themeElements>
+    <a:clrScheme name="Slate">
+      <a:dk1>
+        <a:srgbClr val="FFFFFF"/>
+      </a:dk1>
+      <a:lt1>
+        <a:srgbClr val="37474F"/>
+      </a:lt1>
+      <a:dk2>
+        <a:srgbClr val="9E9E9E"/>
+      </a:dk2>
+      <a:lt2>
+        <a:srgbClr val="E0E0E0"/>
+      </a:lt2>
+      <a:accent1>
+        <a:srgbClr val="616161"/>
+      </a:accent1>
+      <a:accent2>
+        <a:srgbClr val="78909C"/>
+      </a:accent2>
+      <a:accent3>
+        <a:srgbClr val="CACACA"/>
+      </a:accent3>
+      <a:accent4>
+        <a:srgbClr val="64FFDA"/>
+      </a:accent4>
+      <a:accent5>
+        <a:srgbClr val="FFD966"/>
+      </a:accent5>
+      <a:accent6>
+        <a:srgbClr val="F5F5F5"/>
+      </a:accent6>
+      <a:hlink>
+        <a:srgbClr val="FFD966"/>
+      </a:hlink>
+      <a:folHlink>
+        <a:srgbClr val="FFD966"/>
+      </a:folHlink>
+    </a:clrScheme>
+    <a:fontScheme name="Office">
+      <a:majorFont>
+        <a:latin typeface="Arial"/>
+        <a:ea typeface=""/>
+        <a:cs typeface=""/>
+        <a:font script="Jpan" typeface="ＭＳ Ｐゴシック"/>
+        <a:font script="Hang" typeface="맑은 고딕"/>
+        <a:font script="Hans" typeface="宋体"/>
+        <a:font script="Hant" typeface="新細明體"/>
+        <a:font script="Arab" typeface="Times New Roman"/>
+        <a:font script="Hebr" typeface="Times New Roman"/>
+        <a:font script="Thai" typeface="Angsana New"/>
+        <a:font script="Ethi" typeface="Nyala"/>
+        <a:font script="Beng" typeface="Vrinda"/>
+        <a:font script="Gujr" typeface="Shruti"/>
+        <a:font script="Khmr" typeface="MoolBoran"/>
+        <a:font script="Knda" typeface="Tunga"/>
+        <a:font script="Guru" typeface="Raavi"/>
+        <a:font script="Cans" typeface="Euphemia"/>
+        <a:font script="Cher" typeface="Plantagenet Cherokee"/>
+        <a:font script="Yiii" typeface="Microsoft Yi Baiti"/>
+        <a:font script="Tibt" typeface="Microsoft Himalaya"/>
+        <a:font script="Thaa" typeface="MV Boli"/>
+        <a:font script="Deva" typeface="Mangal"/>
+        <a:font script="Telu" typeface="Gautami"/>
+        <a:font script="Taml" typeface="Latha"/>
+        <a:font script="Syrc" typeface="Estrangelo Edessa"/>
+        <a:font script="Orya" typeface="Kalinga"/>
+        <a:font script="Mlym" typeface="Kartika"/>
+        <a:font script="Laoo" typeface="DokChampa"/>
+        <a:font script="Sinh" typeface="Iskoola Pota"/>
+        <a:font script="Mong" typeface="Mongolian Baiti"/>
+        <a:font script="Viet" typeface="Times New Roman"/>
+        <a:font script="Uigh" typeface="Microsoft Uighur"/>
+        <a:font script="Geor" typeface="Sylfaen"/>
+      </a:majorFont>
+      <a:minorFont>
+        <a:latin typeface="Arial"/>
+        <a:ea typeface=""/>
+        <a:cs typeface=""/>
+        <a:font script="Jpan" typeface="ＭＳ Ｐゴシック"/>
+        <a:font script="Hang" typeface="맑은 고딕"/>
+        <a:font script="Hans" typeface="宋体"/>
+        <a:font script="Hant" typeface="新細明體"/>
+        <a:font script="Arab" typeface="Arial"/>
+        <a:font script="Hebr" typeface="Arial"/>
+        <a:font script="Thai" typeface="Cordia New"/>
+        <a:font script="Ethi" typeface="Nyala"/>
+        <a:font script="Beng" typeface="Vrinda"/>
+        <a:font script="Gujr" typeface="Shruti"/>
+        <a:font script="Khmr" typeface="DaunPenh"/>
+        <a:font script="Knda" typeface="Tunga"/>
+        <a:font script="Guru" typeface="Raavi"/>
+        <a:font script="Cans" typeface="Euphemia"/>
+        <a:font script="Cher" typeface="Plantagenet Cherokee"/>
+        <a:font script="Yiii" typeface="Microsoft Yi Baiti"/>
+        <a:font script="Tibt" typeface="Microsoft Himalaya"/>
+        <a:font script="Thaa" typeface="MV Boli"/>
+        <a:font script="Deva" typeface="Mangal"/>
+        <a:font script="Telu" typeface="Gautami"/>
+        <a:font script="Taml" typeface="Latha"/>
+        <a:font script="Syrc" typeface="Estrangelo Edessa"/>
+        <a:font script="Orya" typeface="Kalinga"/>
+        <a:font script="Mlym" typeface="Kartika"/>
+        <a:font script="Laoo" typeface="DokChampa"/>
+        <a:font script="Sinh" typeface="Iskoola Pota"/>
+        <a:font script="Mong" typeface="Mongolian Baiti"/>
+        <a:font script="Viet" typeface="Arial"/>
+        <a:font script="Uigh" typeface="Microsoft Uighur"/>
+        <a:font script="Geor" typeface="Sylfaen"/>
+      </a:minorFont>
+    </a:fontScheme>
+    <a:fmtScheme name="Office">
+      <a:fillStyleLst>
+        <a:solidFill>
+          <a:schemeClr val="phClr"/>
+        </a:solidFill>
+        <a:gradFill rotWithShape="1">
+          <a:gsLst>
+            <a:gs pos="0">
+              <a:schemeClr val="phClr">
+                <a:tint val="50000"/>
+                <a:satMod val="300000"/>
+              </a:schemeClr>
+            </a:gs>
+            <a:gs pos="35000">
+              <a:schemeClr val="phClr">
+                <a:tint val="37000"/>
+                <a:satMod val="300000"/>
+              </a:schemeClr>
+            </a:gs>
+            <a:gs pos="100000">
+              <a:schemeClr val="phClr">
+                <a:tint val="15000"/>
+                <a:satMod val="350000"/>
+              </a:schemeClr>
+            </a:gs>
+          </a:gsLst>
+          <a:lin ang="16200000" scaled="1"/>
+        </a:gradFill>
+        <a:gradFill rotWithShape="1">
+          <a:gsLst>
+            <a:gs pos="0">
+              <a:schemeClr val="phClr">
+                <a:tint val="100000"/>
+                <a:shade val="100000"/>
+                <a:satMod val="130000"/>
+              </a:schemeClr>
+            </a:gs>
+            <a:gs pos="100000">
+              <a:schemeClr val="phClr">
+                <a:tint val="50000"/>
+                <a:shade val="100000"/>
+                <a:satMod val="350000"/>
+              </a:schemeClr>
+            </a:gs>
+          </a:gsLst>
+          <a:lin ang="16200000" scaled="0"/>
+        </a:gradFill>
+      </a:fillStyleLst>
+      <a:lnStyleLst>
+        <a:ln w="9525" cap="flat" cmpd="sng" algn="ctr">
+          <a:solidFill>
+            <a:schemeClr val="phClr">
+              <a:shade val="95000"/>
+              <a:satMod val="105000"/>
+            </a:schemeClr>
+          </a:solidFill>
+          <a:prstDash val="solid"/>
+        </a:ln>
+        <a:ln w="25400" cap="flat" cmpd="sng" algn="ctr">
+          <a:solidFill>
+            <a:schemeClr val="phClr"/>
+          </a:solidFill>
+          <a:prstDash val="solid"/>
+        </a:ln>
+        <a:ln w="38100" cap="flat" cmpd="sng" algn="ctr">
+          <a:solidFill>
+            <a:schemeClr val="phClr"/>
+          </a:solidFill>
+          <a:prstDash val="solid"/>
+        </a:ln>
+      </a:lnStyleLst>
+      <a:effectStyleLst>
+        <a:effectStyle>
+          <a:effectLst>
+            <a:outerShdw blurRad="40000" dist="20000" dir="5400000" rotWithShape="0">
+              <a:srgbClr val="000000">
+                <a:alpha val="38000"/>
+              </a:srgbClr>
+            </a:outerShdw>
+          </a:effectLst>
+        </a:effectStyle>
+        <a:effectStyle>
+          <a:effectLst>
+            <a:outerShdw blurRad="40000" dist="23000" dir="5400000" rotWithShape="0">
+              <a:srgbClr val="000000">
+                <a:alpha val="35000"/>
+              </a:srgbClr>
+            </a:outerShdw>
+          </a:effectLst>
+        </a:effectStyle>
+        <a:effectStyle>
+          <a:effectLst>
+            <a:outerShdw blurRad="40000" dist="23000" dir="5400000" rotWithShape="0">
+              <a:srgbClr val="000000">
+                <a:alpha val="35000"/>
+              </a:srgbClr>
+            </a:outerShdw>
+          </a:effectLst>
+          <a:scene3d>
+            <a:camera prst="orthographicFront">
+              <a:rot lat="0" lon="0" rev="0"/>
+            </a:camera>
+            <a:lightRig rig="threePt" dir="t">
+              <a:rot lat="0" lon="0" rev="1200000"/>
+            </a:lightRig>
+          </a:scene3d>
+          <a:sp3d>
+            <a:bevelT w="63500" h="25400"/>
+          </a:sp3d>
+        </a:effectStyle>
+      </a:effectStyleLst>
+      <a:bgFillStyleLst>
+        <a:solidFill>
+          <a:schemeClr val="phClr"/>
+        </a:solidFill>
+        <a:gradFill rotWithShape="1">
+          <a:gsLst>
+            <a:gs pos="0">
+              <a:schemeClr val="phClr">
+                <a:tint val="40000"/>
+                <a:satMod val="350000"/>
+              </a:schemeClr>
+            </a:gs>
+            <a:gs pos="40000">
+              <a:schemeClr val="phClr">
+                <a:tint val="45000"/>
+                <a:shade val="99000"/>
+                <a:satMod val="350000"/>
+              </a:schemeClr>
+            </a:gs>
+            <a:gs pos="100000">
+              <a:schemeClr val="phClr">
+                <a:shade val="20000"/>
+                <a:satMod val="255000"/>
+              </a:schemeClr>
+            </a:gs>
+          </a:gsLst>
+          <a:path path="circle">
+            <a:fillToRect l="50000" t="-80000" r="50000" b="180000"/>
+          </a:path>
+        </a:gradFill>
+        <a:gradFill rotWithShape="1">
+          <a:gsLst>
+            <a:gs pos="0">
+              <a:schemeClr val="phClr">
+                <a:tint val="80000"/>
+                <a:satMod val="300000"/>
+              </a:schemeClr>
+            </a:gs>
+            <a:gs pos="100000">
+              <a:schemeClr val="phClr">
+                <a:shade val="30000"/>
+                <a:satMod val="200000"/>
+              </a:schemeClr>
+            </a:gs>
+          </a:gsLst>
+          <a:path path="circle">
+            <a:fillToRect l="50000" t="50000" r="50000" b="50000"/>
+          </a:path>
+        </a:gradFill>
+      </a:bgFillStyleLst>
+    </a:fmtScheme>
+  </a:themeElements>
+</a:theme>
+</file>
+
+<file path=ppt/theme/theme2.xml><?xml version="1.0" encoding="utf-8"?>
 <a:theme xmlns:a="http://schemas.openxmlformats.org/drawingml/2006/main" xmlns:r="http://schemas.openxmlformats.org/officeDocument/2006/relationships">
   <a:themeElements>
     <a:clrScheme name="Default">
@@ -8231,283 +10327,4 @@
     </a:fmtScheme>
   </a:themeElements>
 </a:theme>
-</file>
-
-<file path=ppt/theme/theme2.xml><?xml version="1.0" encoding="utf-8"?>
-<a:theme xmlns:a="http://schemas.openxmlformats.org/drawingml/2006/main" xmlns:r="http://schemas.openxmlformats.org/officeDocument/2006/relationships" name="Slate">
-  <a:themeElements>
-    <a:clrScheme name="Slate">
-      <a:dk1>
-        <a:srgbClr val="FFFFFF"/>
-      </a:dk1>
-      <a:lt1>
-        <a:srgbClr val="37474F"/>
-      </a:lt1>
-      <a:dk2>
-        <a:srgbClr val="9E9E9E"/>
-      </a:dk2>
-      <a:lt2>
-        <a:srgbClr val="E0E0E0"/>
-      </a:lt2>
-      <a:accent1>
-        <a:srgbClr val="616161"/>
-      </a:accent1>
-      <a:accent2>
-        <a:srgbClr val="78909C"/>
-      </a:accent2>
-      <a:accent3>
-        <a:srgbClr val="CACACA"/>
-      </a:accent3>
-      <a:accent4>
-        <a:srgbClr val="64FFDA"/>
-      </a:accent4>
-      <a:accent5>
-        <a:srgbClr val="FFD966"/>
-      </a:accent5>
-      <a:accent6>
-        <a:srgbClr val="F5F5F5"/>
-      </a:accent6>
-      <a:hlink>
-        <a:srgbClr val="FFD966"/>
-      </a:hlink>
-      <a:folHlink>
-        <a:srgbClr val="FFD966"/>
-      </a:folHlink>
-    </a:clrScheme>
-    <a:fontScheme name="Office">
-      <a:majorFont>
-        <a:latin typeface="Arial"/>
-        <a:ea typeface=""/>
-        <a:cs typeface=""/>
-        <a:font script="Jpan" typeface="ＭＳ Ｐゴシック"/>
-        <a:font script="Hang" typeface="맑은 고딕"/>
-        <a:font script="Hans" typeface="宋体"/>
-        <a:font script="Hant" typeface="新細明體"/>
-        <a:font script="Arab" typeface="Times New Roman"/>
-        <a:font script="Hebr" typeface="Times New Roman"/>
-        <a:font script="Thai" typeface="Angsana New"/>
-        <a:font script="Ethi" typeface="Nyala"/>
-        <a:font script="Beng" typeface="Vrinda"/>
-        <a:font script="Gujr" typeface="Shruti"/>
-        <a:font script="Khmr" typeface="MoolBoran"/>
-        <a:font script="Knda" typeface="Tunga"/>
-        <a:font script="Guru" typeface="Raavi"/>
-        <a:font script="Cans" typeface="Euphemia"/>
-        <a:font script="Cher" typeface="Plantagenet Cherokee"/>
-        <a:font script="Yiii" typeface="Microsoft Yi Baiti"/>
-        <a:font script="Tibt" typeface="Microsoft Himalaya"/>
-        <a:font script="Thaa" typeface="MV Boli"/>
-        <a:font script="Deva" typeface="Mangal"/>
-        <a:font script="Telu" typeface="Gautami"/>
-        <a:font script="Taml" typeface="Latha"/>
-        <a:font script="Syrc" typeface="Estrangelo Edessa"/>
-        <a:font script="Orya" typeface="Kalinga"/>
-        <a:font script="Mlym" typeface="Kartika"/>
-        <a:font script="Laoo" typeface="DokChampa"/>
-        <a:font script="Sinh" typeface="Iskoola Pota"/>
-        <a:font script="Mong" typeface="Mongolian Baiti"/>
-        <a:font script="Viet" typeface="Times New Roman"/>
-        <a:font script="Uigh" typeface="Microsoft Uighur"/>
-        <a:font script="Geor" typeface="Sylfaen"/>
-      </a:majorFont>
-      <a:minorFont>
-        <a:latin typeface="Arial"/>
-        <a:ea typeface=""/>
-        <a:cs typeface=""/>
-        <a:font script="Jpan" typeface="ＭＳ Ｐゴシック"/>
-        <a:font script="Hang" typeface="맑은 고딕"/>
-        <a:font script="Hans" typeface="宋体"/>
-        <a:font script="Hant" typeface="新細明體"/>
-        <a:font script="Arab" typeface="Arial"/>
-        <a:font script="Hebr" typeface="Arial"/>
-        <a:font script="Thai" typeface="Cordia New"/>
-        <a:font script="Ethi" typeface="Nyala"/>
-        <a:font script="Beng" typeface="Vrinda"/>
-        <a:font script="Gujr" typeface="Shruti"/>
-        <a:font script="Khmr" typeface="DaunPenh"/>
-        <a:font script="Knda" typeface="Tunga"/>
-        <a:font script="Guru" typeface="Raavi"/>
-        <a:font script="Cans" typeface="Euphemia"/>
-        <a:font script="Cher" typeface="Plantagenet Cherokee"/>
-        <a:font script="Yiii" typeface="Microsoft Yi Baiti"/>
-        <a:font script="Tibt" typeface="Microsoft Himalaya"/>
-        <a:font script="Thaa" typeface="MV Boli"/>
-        <a:font script="Deva" typeface="Mangal"/>
-        <a:font script="Telu" typeface="Gautami"/>
-        <a:font script="Taml" typeface="Latha"/>
-        <a:font script="Syrc" typeface="Estrangelo Edessa"/>
-        <a:font script="Orya" typeface="Kalinga"/>
-        <a:font script="Mlym" typeface="Kartika"/>
-        <a:font script="Laoo" typeface="DokChampa"/>
-        <a:font script="Sinh" typeface="Iskoola Pota"/>
-        <a:font script="Mong" typeface="Mongolian Baiti"/>
-        <a:font script="Viet" typeface="Arial"/>
-        <a:font script="Uigh" typeface="Microsoft Uighur"/>
-        <a:font script="Geor" typeface="Sylfaen"/>
-      </a:minorFont>
-    </a:fontScheme>
-    <a:fmtScheme name="Office">
-      <a:fillStyleLst>
-        <a:solidFill>
-          <a:schemeClr val="phClr"/>
-        </a:solidFill>
-        <a:gradFill rotWithShape="1">
-          <a:gsLst>
-            <a:gs pos="0">
-              <a:schemeClr val="phClr">
-                <a:tint val="50000"/>
-                <a:satMod val="300000"/>
-              </a:schemeClr>
-            </a:gs>
-            <a:gs pos="35000">
-              <a:schemeClr val="phClr">
-                <a:tint val="37000"/>
-                <a:satMod val="300000"/>
-              </a:schemeClr>
-            </a:gs>
-            <a:gs pos="100000">
-              <a:schemeClr val="phClr">
-                <a:tint val="15000"/>
-                <a:satMod val="350000"/>
-              </a:schemeClr>
-            </a:gs>
-          </a:gsLst>
-          <a:lin ang="16200000" scaled="1"/>
-        </a:gradFill>
-        <a:gradFill rotWithShape="1">
-          <a:gsLst>
-            <a:gs pos="0">
-              <a:schemeClr val="phClr">
-                <a:tint val="100000"/>
-                <a:shade val="100000"/>
-                <a:satMod val="130000"/>
-              </a:schemeClr>
-            </a:gs>
-            <a:gs pos="100000">
-              <a:schemeClr val="phClr">
-                <a:tint val="50000"/>
-                <a:shade val="100000"/>
-                <a:satMod val="350000"/>
-              </a:schemeClr>
-            </a:gs>
-          </a:gsLst>
-          <a:lin ang="16200000" scaled="0"/>
-        </a:gradFill>
-      </a:fillStyleLst>
-      <a:lnStyleLst>
-        <a:ln w="9525" cap="flat" cmpd="sng" algn="ctr">
-          <a:solidFill>
-            <a:schemeClr val="phClr">
-              <a:shade val="95000"/>
-              <a:satMod val="105000"/>
-            </a:schemeClr>
-          </a:solidFill>
-          <a:prstDash val="solid"/>
-        </a:ln>
-        <a:ln w="25400" cap="flat" cmpd="sng" algn="ctr">
-          <a:solidFill>
-            <a:schemeClr val="phClr"/>
-          </a:solidFill>
-          <a:prstDash val="solid"/>
-        </a:ln>
-        <a:ln w="38100" cap="flat" cmpd="sng" algn="ctr">
-          <a:solidFill>
-            <a:schemeClr val="phClr"/>
-          </a:solidFill>
-          <a:prstDash val="solid"/>
-        </a:ln>
-      </a:lnStyleLst>
-      <a:effectStyleLst>
-        <a:effectStyle>
-          <a:effectLst>
-            <a:outerShdw blurRad="40000" dist="20000" dir="5400000" rotWithShape="0">
-              <a:srgbClr val="000000">
-                <a:alpha val="38000"/>
-              </a:srgbClr>
-            </a:outerShdw>
-          </a:effectLst>
-        </a:effectStyle>
-        <a:effectStyle>
-          <a:effectLst>
-            <a:outerShdw blurRad="40000" dist="23000" dir="5400000" rotWithShape="0">
-              <a:srgbClr val="000000">
-                <a:alpha val="35000"/>
-              </a:srgbClr>
-            </a:outerShdw>
-          </a:effectLst>
-        </a:effectStyle>
-        <a:effectStyle>
-          <a:effectLst>
-            <a:outerShdw blurRad="40000" dist="23000" dir="5400000" rotWithShape="0">
-              <a:srgbClr val="000000">
-                <a:alpha val="35000"/>
-              </a:srgbClr>
-            </a:outerShdw>
-          </a:effectLst>
-          <a:scene3d>
-            <a:camera prst="orthographicFront">
-              <a:rot lat="0" lon="0" rev="0"/>
-            </a:camera>
-            <a:lightRig rig="threePt" dir="t">
-              <a:rot lat="0" lon="0" rev="1200000"/>
-            </a:lightRig>
-          </a:scene3d>
-          <a:sp3d>
-            <a:bevelT w="63500" h="25400"/>
-          </a:sp3d>
-        </a:effectStyle>
-      </a:effectStyleLst>
-      <a:bgFillStyleLst>
-        <a:solidFill>
-          <a:schemeClr val="phClr"/>
-        </a:solidFill>
-        <a:gradFill rotWithShape="1">
-          <a:gsLst>
-            <a:gs pos="0">
-              <a:schemeClr val="phClr">
-                <a:tint val="40000"/>
-                <a:satMod val="350000"/>
-              </a:schemeClr>
-            </a:gs>
-            <a:gs pos="40000">
-              <a:schemeClr val="phClr">
-                <a:tint val="45000"/>
-                <a:shade val="99000"/>
-                <a:satMod val="350000"/>
-              </a:schemeClr>
-            </a:gs>
-            <a:gs pos="100000">
-              <a:schemeClr val="phClr">
-                <a:shade val="20000"/>
-                <a:satMod val="255000"/>
-              </a:schemeClr>
-            </a:gs>
-          </a:gsLst>
-          <a:path path="circle">
-            <a:fillToRect l="50000" t="-80000" r="50000" b="180000"/>
-          </a:path>
-        </a:gradFill>
-        <a:gradFill rotWithShape="1">
-          <a:gsLst>
-            <a:gs pos="0">
-              <a:schemeClr val="phClr">
-                <a:tint val="80000"/>
-                <a:satMod val="300000"/>
-              </a:schemeClr>
-            </a:gs>
-            <a:gs pos="100000">
-              <a:schemeClr val="phClr">
-                <a:shade val="30000"/>
-                <a:satMod val="200000"/>
-              </a:schemeClr>
-            </a:gs>
-          </a:gsLst>
-          <a:path path="circle">
-            <a:fillToRect l="50000" t="50000" r="50000" b="50000"/>
-          </a:path>
-        </a:gradFill>
-      </a:bgFillStyleLst>
-    </a:fmtScheme>
-  </a:themeElements>
-</a:theme>
 </file>
--- a/everyone-can-be-root.pptx
+++ b/everyone-can-be-root.pptx
@@ -24,18 +24,43 @@
     <p:sldId id="269" r:id="rId19"/>
     <p:sldId id="270" r:id="rId20"/>
     <p:sldId id="271" r:id="rId21"/>
+    <p:sldId id="272" r:id="rId22"/>
+    <p:sldId id="273" r:id="rId23"/>
+    <p:sldId id="274" r:id="rId24"/>
+    <p:sldId id="275" r:id="rId25"/>
+    <p:sldId id="276" r:id="rId26"/>
+    <p:sldId id="277" r:id="rId27"/>
+    <p:sldId id="278" r:id="rId28"/>
+    <p:sldId id="279" r:id="rId29"/>
+    <p:sldId id="280" r:id="rId30"/>
+    <p:sldId id="281" r:id="rId31"/>
+    <p:sldId id="282" r:id="rId32"/>
+    <p:sldId id="283" r:id="rId33"/>
+    <p:sldId id="284" r:id="rId34"/>
+    <p:sldId id="285" r:id="rId35"/>
+    <p:sldId id="286" r:id="rId36"/>
+    <p:sldId id="287" r:id="rId37"/>
+    <p:sldId id="288" r:id="rId38"/>
+    <p:sldId id="289" r:id="rId39"/>
   </p:sldIdLst>
   <p:sldSz cy="5143500" cx="9144000"/>
   <p:notesSz cx="6858000" cy="9144000"/>
   <p:embeddedFontLst>
     <p:embeddedFont>
+      <p:font typeface="Lora"/>
+      <p:regular r:id="rId40"/>
+      <p:bold r:id="rId41"/>
+      <p:italic r:id="rId42"/>
+      <p:boldItalic r:id="rId43"/>
+    </p:embeddedFont>
+    <p:embeddedFont>
       <p:font typeface="Average"/>
-      <p:regular r:id="rId22"/>
+      <p:regular r:id="rId44"/>
     </p:embeddedFont>
     <p:embeddedFont>
       <p:font typeface="Oswald"/>
-      <p:regular r:id="rId23"/>
-      <p:bold r:id="rId24"/>
+      <p:regular r:id="rId45"/>
+      <p:bold r:id="rId46"/>
     </p:embeddedFont>
   </p:embeddedFontLst>
   <p:defaultTextStyle>
@@ -830,7 +855,7 @@
       </p:grpSpPr>
       <p:sp>
         <p:nvSpPr>
-          <p:cNvPr id="110" name="Google Shape;110;g5de3adfb2a_0_0:notes"/>
+          <p:cNvPr id="110" name="Google Shape;110;g5e2818cb7a_0_0:notes"/>
           <p:cNvSpPr/>
           <p:nvPr>
             <p:ph idx="2" type="sldImg"/>
@@ -865,7 +890,7 @@
       </p:sp>
       <p:sp>
         <p:nvSpPr>
-          <p:cNvPr id="111" name="Google Shape;111;g5de3adfb2a_0_0:notes"/>
+          <p:cNvPr id="111" name="Google Shape;111;g5e2818cb7a_0_0:notes"/>
           <p:cNvSpPr txBox="1"/>
           <p:nvPr>
             <p:ph idx="1" type="body"/>
@@ -896,72 +921,7 @@
               <a:buNone/>
             </a:pPr>
             <a:r>
-              <a:rPr lang="en"/>
-              <a:t>What is Linux Club?</a:t>
-            </a:r>
-            <a:endParaRPr/>
-          </a:p>
-          <a:p>
-            <a:pPr indent="0" lvl="0" marL="0" rtl="0" algn="l">
-              <a:spcBef>
-                <a:spcPts val="0"/>
-              </a:spcBef>
-              <a:spcAft>
-                <a:spcPts val="0"/>
-              </a:spcAft>
-              <a:buNone/>
-            </a:pPr>
-            <a:r>
-              <a:rPr lang="en"/>
-              <a:t>It’s a group where a bunch of nerds get to hang out together</a:t>
-            </a:r>
-            <a:endParaRPr/>
-          </a:p>
-          <a:p>
-            <a:pPr indent="0" lvl="0" marL="0" rtl="0" algn="l">
-              <a:spcBef>
-                <a:spcPts val="0"/>
-              </a:spcBef>
-              <a:spcAft>
-                <a:spcPts val="0"/>
-              </a:spcAft>
-              <a:buNone/>
-            </a:pPr>
-            <a:r>
-              <a:rPr lang="en"/>
-              <a:t>Anecdote - when I started using linux, I didn’t know other people who were cool</a:t>
-            </a:r>
-            <a:endParaRPr/>
-          </a:p>
-          <a:p>
-            <a:pPr indent="0" lvl="0" marL="0" rtl="0" algn="l">
-              <a:spcBef>
-                <a:spcPts val="0"/>
-              </a:spcBef>
-              <a:spcAft>
-                <a:spcPts val="0"/>
-              </a:spcAft>
-              <a:buNone/>
-            </a:pPr>
-            <a:r>
-              <a:rPr lang="en"/>
-              <a:t>Membership / who shows up / improvements?</a:t>
-            </a:r>
-            <a:endParaRPr/>
-          </a:p>
-          <a:p>
-            <a:pPr indent="0" lvl="0" marL="0" rtl="0" algn="l">
-              <a:spcBef>
-                <a:spcPts val="0"/>
-              </a:spcBef>
-              <a:spcAft>
-                <a:spcPts val="0"/>
-              </a:spcAft>
-              <a:buNone/>
-            </a:pPr>
-            <a:r>
-              <a:rPr lang="en"/>
-              <a:t>Why is it important- two reasons- segue-</a:t>
+              <a:t/>
             </a:r>
             <a:endParaRPr/>
           </a:p>
@@ -980,7 +940,7 @@
   <p:cSld>
     <p:spTree>
       <p:nvGrpSpPr>
-        <p:cNvPr id="114" name="Shape 114"/>
+        <p:cNvPr id="115" name="Shape 115"/>
         <p:cNvGrpSpPr/>
         <p:nvPr/>
       </p:nvGrpSpPr>
@@ -994,7 +954,7 @@
       </p:grpSpPr>
       <p:sp>
         <p:nvSpPr>
-          <p:cNvPr id="115" name="Google Shape;115;g5de3adfb2a_0_4:notes"/>
+          <p:cNvPr id="116" name="Google Shape;116;g5e2818cb7a_0_6:notes"/>
           <p:cNvSpPr/>
           <p:nvPr>
             <p:ph idx="2" type="sldImg"/>
@@ -1029,7 +989,7 @@
       </p:sp>
       <p:sp>
         <p:nvSpPr>
-          <p:cNvPr id="116" name="Google Shape;116;g5de3adfb2a_0_4:notes"/>
+          <p:cNvPr id="117" name="Google Shape;117;g5e2818cb7a_0_6:notes"/>
           <p:cNvSpPr txBox="1"/>
           <p:nvPr>
             <p:ph idx="1" type="body"/>
@@ -1061,39 +1021,7 @@
             </a:pPr>
             <a:r>
               <a:rPr lang="en"/>
-              <a:t>fostering a CS community (which can be rare) and engaging programmers in social activities</a:t>
-            </a:r>
-            <a:endParaRPr/>
-          </a:p>
-          <a:p>
-            <a:pPr indent="0" lvl="0" marL="0" rtl="0" algn="l">
-              <a:spcBef>
-                <a:spcPts val="0"/>
-              </a:spcBef>
-              <a:spcAft>
-                <a:spcPts val="0"/>
-              </a:spcAft>
-              <a:buNone/>
-            </a:pPr>
-            <a:r>
-              <a:rPr lang="en"/>
-              <a:t>Other majors / aspects of study tend to build communities and relationships, but programmers tend to be a bit a-social</a:t>
-            </a:r>
-            <a:endParaRPr/>
-          </a:p>
-          <a:p>
-            <a:pPr indent="0" lvl="0" marL="0" rtl="0" algn="l">
-              <a:spcBef>
-                <a:spcPts val="0"/>
-              </a:spcBef>
-              <a:spcAft>
-                <a:spcPts val="0"/>
-              </a:spcAft>
-              <a:buNone/>
-            </a:pPr>
-            <a:r>
-              <a:rPr lang="en"/>
-              <a:t>Creating connections is very important - also important is - </a:t>
+              <a:t>Nobody likes to drive out to campus just to add a new user- you can do it all remotely with SSH.</a:t>
             </a:r>
             <a:endParaRPr/>
           </a:p>
@@ -1112,7 +1040,7 @@
   <p:cSld>
     <p:spTree>
       <p:nvGrpSpPr>
-        <p:cNvPr id="119" name="Shape 119"/>
+        <p:cNvPr id="121" name="Shape 121"/>
         <p:cNvGrpSpPr/>
         <p:nvPr/>
       </p:nvGrpSpPr>
@@ -1126,7 +1054,7 @@
       </p:grpSpPr>
       <p:sp>
         <p:nvSpPr>
-          <p:cNvPr id="120" name="Google Shape;120;g5de3adfb2a_0_8:notes"/>
+          <p:cNvPr id="122" name="Google Shape;122;g5e2818cb7a_0_11:notes"/>
           <p:cNvSpPr/>
           <p:nvPr>
             <p:ph idx="2" type="sldImg"/>
@@ -1161,7 +1089,7 @@
       </p:sp>
       <p:sp>
         <p:nvSpPr>
-          <p:cNvPr id="121" name="Google Shape;121;g5de3adfb2a_0_8:notes"/>
+          <p:cNvPr id="123" name="Google Shape;123;g5e2818cb7a_0_11:notes"/>
           <p:cNvSpPr txBox="1"/>
           <p:nvPr>
             <p:ph idx="1" type="body"/>
@@ -1192,40 +1120,7 @@
               <a:buNone/>
             </a:pPr>
             <a:r>
-              <a:rPr lang="en"/>
-              <a:t>Some people take to linux easily, some need a hand</a:t>
-            </a:r>
-            <a:endParaRPr/>
-          </a:p>
-          <a:p>
-            <a:pPr indent="0" lvl="0" marL="0" rtl="0" algn="l">
-              <a:spcBef>
-                <a:spcPts val="0"/>
-              </a:spcBef>
-              <a:spcAft>
-                <a:spcPts val="0"/>
-              </a:spcAft>
-              <a:buNone/>
-            </a:pPr>
-            <a:r>
-              <a:rPr lang="en"/>
-              <a:t>Teaching people about why linux is cool can get them interested / ahead of the game in industry techniques</a:t>
-            </a:r>
-            <a:endParaRPr/>
-          </a:p>
-          <a:p>
-            <a:pPr indent="0" lvl="0" marL="0" rtl="0" algn="l">
-              <a:spcBef>
-                <a:spcPts val="0"/>
-              </a:spcBef>
-              <a:spcAft>
-                <a:spcPts val="0"/>
-              </a:spcAft>
-              <a:buNone/>
-            </a:pPr>
-            <a:r>
-              <a:rPr lang="en"/>
-              <a:t>I got my job almost primarily off of linux experience, these are valuable skills that can be difficult to learn without introduction- making linux less scary</a:t>
+              <a:t/>
             </a:r>
             <a:endParaRPr/>
           </a:p>
@@ -1244,7 +1139,7 @@
   <p:cSld>
     <p:spTree>
       <p:nvGrpSpPr>
-        <p:cNvPr id="124" name="Shape 124"/>
+        <p:cNvPr id="128" name="Shape 128"/>
         <p:cNvGrpSpPr/>
         <p:nvPr/>
       </p:nvGrpSpPr>
@@ -1258,7 +1153,7 @@
       </p:grpSpPr>
       <p:sp>
         <p:nvSpPr>
-          <p:cNvPr id="125" name="Google Shape;125;g5de3adfb2a_0_12:notes"/>
+          <p:cNvPr id="129" name="Google Shape;129;g5e2818cb7a_0_17:notes"/>
           <p:cNvSpPr/>
           <p:nvPr>
             <p:ph idx="2" type="sldImg"/>
@@ -1293,7 +1188,7 @@
       </p:sp>
       <p:sp>
         <p:nvSpPr>
-          <p:cNvPr id="126" name="Google Shape;126;g5de3adfb2a_0_12:notes"/>
+          <p:cNvPr id="130" name="Google Shape;130;g5e2818cb7a_0_17:notes"/>
           <p:cNvSpPr txBox="1"/>
           <p:nvPr>
             <p:ph idx="1" type="body"/>
@@ -1325,7 +1220,7 @@
             </a:pPr>
             <a:r>
               <a:rPr lang="en"/>
-              <a:t>How do we run the club? We talk about anything that interests us in linux. Usually start with introductory / beginner stuff, progress to more advanced presentations</a:t>
+              <a:t>When we get a public IP from campus, we’ll have an A-record listed here. </a:t>
             </a:r>
             <a:endParaRPr/>
           </a:p>
@@ -1341,7 +1236,23 @@
             </a:pPr>
             <a:r>
               <a:rPr lang="en"/>
-              <a:t>Community involvement is important here- taking time to have discussion about technical topics, or having community members give presentations about what interests them</a:t>
+              <a:t>Display chaosreader.tk &amp; chaosreader.ddns.net</a:t>
+            </a:r>
+            <a:endParaRPr/>
+          </a:p>
+          <a:p>
+            <a:pPr indent="0" lvl="0" marL="0" rtl="0" algn="l">
+              <a:spcBef>
+                <a:spcPts val="0"/>
+              </a:spcBef>
+              <a:spcAft>
+                <a:spcPts val="0"/>
+              </a:spcAft>
+              <a:buNone/>
+            </a:pPr>
+            <a:r>
+              <a:rPr lang="en"/>
+              <a:t>You can stack any number of CNAME’s to any single IP. </a:t>
             </a:r>
             <a:endParaRPr/>
           </a:p>
@@ -1360,7 +1271,7 @@
   <p:cSld>
     <p:spTree>
       <p:nvGrpSpPr>
-        <p:cNvPr id="129" name="Shape 129"/>
+        <p:cNvPr id="135" name="Shape 135"/>
         <p:cNvGrpSpPr/>
         <p:nvPr/>
       </p:nvGrpSpPr>
@@ -1374,7 +1285,7 @@
       </p:grpSpPr>
       <p:sp>
         <p:nvSpPr>
-          <p:cNvPr id="130" name="Google Shape;130;g5de3adfb2a_0_24:notes"/>
+          <p:cNvPr id="136" name="Google Shape;136;g5e2818cb7a_0_76:notes"/>
           <p:cNvSpPr/>
           <p:nvPr>
             <p:ph idx="2" type="sldImg"/>
@@ -1409,7 +1320,7 @@
       </p:sp>
       <p:sp>
         <p:nvSpPr>
-          <p:cNvPr id="131" name="Google Shape;131;g5de3adfb2a_0_24:notes"/>
+          <p:cNvPr id="137" name="Google Shape;137;g5e2818cb7a_0_76:notes"/>
           <p:cNvSpPr txBox="1"/>
           <p:nvPr>
             <p:ph idx="1" type="body"/>
@@ -1441,38 +1352,7 @@
             </a:pPr>
             <a:r>
               <a:rPr lang="en"/>
-              <a:t>Linux club sounds cool, and it’s definitely something you can pull off, but there’s also work that you need to put in to get the ball rolling.</a:t>
-            </a:r>
-            <a:endParaRPr/>
-          </a:p>
-          <a:p>
-            <a:pPr indent="0" lvl="0" marL="0" rtl="0" algn="l">
-              <a:spcBef>
-                <a:spcPts val="0"/>
-              </a:spcBef>
-              <a:spcAft>
-                <a:spcPts val="0"/>
-              </a:spcAft>
-              <a:buNone/>
-            </a:pPr>
-            <a:r>
-              <a:rPr lang="en"/>
-              <a:t>Here are some of the issues we ran into, and how we’ve overcome them.</a:t>
-            </a:r>
-            <a:endParaRPr/>
-          </a:p>
-          <a:p>
-            <a:pPr indent="0" lvl="0" marL="0" rtl="0" algn="l">
-              <a:spcBef>
-                <a:spcPts val="0"/>
-              </a:spcBef>
-              <a:spcAft>
-                <a:spcPts val="0"/>
-              </a:spcAft>
-              <a:buNone/>
-            </a:pPr>
-            <a:r>
-              <a:t/>
+              <a:t>DNS records can be hosted through 3rd party services- we used Freenom (not sponsored) to register a .tk domain, which just points to our .ddns.net address. </a:t>
             </a:r>
             <a:endParaRPr/>
           </a:p>
@@ -1491,7 +1371,7 @@
   <p:cSld>
     <p:spTree>
       <p:nvGrpSpPr>
-        <p:cNvPr id="134" name="Shape 134"/>
+        <p:cNvPr id="141" name="Shape 141"/>
         <p:cNvGrpSpPr/>
         <p:nvPr/>
       </p:nvGrpSpPr>
@@ -1505,7 +1385,7 @@
       </p:grpSpPr>
       <p:sp>
         <p:nvSpPr>
-          <p:cNvPr id="135" name="Google Shape;135;g5de3adfb2a_0_20:notes"/>
+          <p:cNvPr id="142" name="Google Shape;142;g5e2818cb7a_0_24:notes"/>
           <p:cNvSpPr/>
           <p:nvPr>
             <p:ph idx="2" type="sldImg"/>
@@ -1540,7 +1420,7 @@
       </p:sp>
       <p:sp>
         <p:nvSpPr>
-          <p:cNvPr id="136" name="Google Shape;136;g5de3adfb2a_0_20:notes"/>
+          <p:cNvPr id="143" name="Google Shape;143;g5e2818cb7a_0_24:notes"/>
           <p:cNvSpPr txBox="1"/>
           <p:nvPr>
             <p:ph idx="1" type="body"/>
@@ -1560,22 +1440,6 @@
             <a:noAutofit/>
           </a:bodyPr>
           <a:lstStyle/>
-          <a:p>
-            <a:pPr indent="0" lvl="0" marL="0" rtl="0" algn="l">
-              <a:spcBef>
-                <a:spcPts val="0"/>
-              </a:spcBef>
-              <a:spcAft>
-                <a:spcPts val="0"/>
-              </a:spcAft>
-              <a:buNone/>
-            </a:pPr>
-            <a:r>
-              <a:rPr lang="en"/>
-              <a:t>Running a club can be tough for just one person- getting community involvement and building leadership is really important.</a:t>
-            </a:r>
-            <a:endParaRPr/>
-          </a:p>
           <a:p>
             <a:pPr indent="0" lvl="0" marL="0" rtl="0" algn="l">
               <a:spcBef>
@@ -1606,7 +1470,7 @@
   <p:cSld>
     <p:spTree>
       <p:nvGrpSpPr>
-        <p:cNvPr id="139" name="Shape 139"/>
+        <p:cNvPr id="147" name="Shape 147"/>
         <p:cNvGrpSpPr/>
         <p:nvPr/>
       </p:nvGrpSpPr>
@@ -1620,7 +1484,7 @@
       </p:grpSpPr>
       <p:sp>
         <p:nvSpPr>
-          <p:cNvPr id="140" name="Google Shape;140;g5de3adfb2a_0_16:notes"/>
+          <p:cNvPr id="148" name="Google Shape;148;g5e2818cb7a_0_30:notes"/>
           <p:cNvSpPr/>
           <p:nvPr>
             <p:ph idx="2" type="sldImg"/>
@@ -1655,7 +1519,7 @@
       </p:sp>
       <p:sp>
         <p:nvSpPr>
-          <p:cNvPr id="141" name="Google Shape;141;g5de3adfb2a_0_16:notes"/>
+          <p:cNvPr id="149" name="Google Shape;149;g5e2818cb7a_0_30:notes"/>
           <p:cNvSpPr txBox="1"/>
           <p:nvPr>
             <p:ph idx="1" type="body"/>
@@ -1686,11 +1550,194 @@
               <a:buNone/>
             </a:pPr>
             <a:r>
+              <a:t/>
+            </a:r>
+            <a:endParaRPr/>
+          </a:p>
+        </p:txBody>
+      </p:sp>
+    </p:spTree>
+  </p:cSld>
+  <p:clrMapOvr>
+    <a:masterClrMapping/>
+  </p:clrMapOvr>
+</p:notes>
+</file>
+
+<file path=ppt/notesSlides/notesSlide17.xml><?xml version="1.0" encoding="utf-8"?>
+<p:notes xmlns:a="http://schemas.openxmlformats.org/drawingml/2006/main" xmlns:r="http://schemas.openxmlformats.org/officeDocument/2006/relationships" xmlns:mc="http://schemas.openxmlformats.org/markup-compatibility/2006" xmlns:mv="urn:schemas-microsoft-com:mac:vml" xmlns:p="http://schemas.openxmlformats.org/presentationml/2006/main" xmlns:c="http://schemas.openxmlformats.org/drawingml/2006/chart" xmlns:dgm="http://schemas.openxmlformats.org/drawingml/2006/diagram" xmlns:o="urn:schemas-microsoft-com:office:office" xmlns:v="urn:schemas-microsoft-com:vml" xmlns:pvml="urn:schemas-microsoft-com:office:powerpoint" xmlns:com="http://schemas.openxmlformats.org/drawingml/2006/compatibility" xmlns:p14="http://schemas.microsoft.com/office/powerpoint/2010/main" xmlns:p15="http://schemas.microsoft.com/office/powerpoint/2012/main" showMasterPhAnim="0" showMasterSp="0">
+  <p:cSld>
+    <p:spTree>
+      <p:nvGrpSpPr>
+        <p:cNvPr id="153" name="Shape 153"/>
+        <p:cNvGrpSpPr/>
+        <p:nvPr/>
+      </p:nvGrpSpPr>
+      <p:grpSpPr>
+        <a:xfrm>
+          <a:off x="0" y="0"/>
+          <a:ext cx="0" cy="0"/>
+          <a:chOff x="0" y="0"/>
+          <a:chExt cx="0" cy="0"/>
+        </a:xfrm>
+      </p:grpSpPr>
+      <p:sp>
+        <p:nvSpPr>
+          <p:cNvPr id="154" name="Google Shape;154;g5e2818cb7a_0_36:notes"/>
+          <p:cNvSpPr/>
+          <p:nvPr>
+            <p:ph idx="2" type="sldImg"/>
+          </p:nvPr>
+        </p:nvSpPr>
+        <p:spPr>
+          <a:xfrm>
+            <a:off x="381300" y="685800"/>
+            <a:ext cx="6096000" cy="3429000"/>
+          </a:xfrm>
+          <a:custGeom>
+            <a:rect b="b" l="l" r="r" t="t"/>
+            <a:pathLst>
+              <a:path extrusionOk="0" h="120000" w="120000">
+                <a:moveTo>
+                  <a:pt x="0" y="0"/>
+                </a:moveTo>
+                <a:lnTo>
+                  <a:pt x="120000" y="0"/>
+                </a:lnTo>
+                <a:lnTo>
+                  <a:pt x="120000" y="120000"/>
+                </a:lnTo>
+                <a:lnTo>
+                  <a:pt x="0" y="120000"/>
+                </a:lnTo>
+                <a:close/>
+              </a:path>
+            </a:pathLst>
+          </a:custGeom>
+        </p:spPr>
+      </p:sp>
+      <p:sp>
+        <p:nvSpPr>
+          <p:cNvPr id="155" name="Google Shape;155;g5e2818cb7a_0_36:notes"/>
+          <p:cNvSpPr txBox="1"/>
+          <p:nvPr>
+            <p:ph idx="1" type="body"/>
+          </p:nvPr>
+        </p:nvSpPr>
+        <p:spPr>
+          <a:xfrm>
+            <a:off x="685800" y="4343400"/>
+            <a:ext cx="5486400" cy="4114800"/>
+          </a:xfrm>
+          <a:prstGeom prst="rect">
+            <a:avLst/>
+          </a:prstGeom>
+        </p:spPr>
+        <p:txBody>
+          <a:bodyPr anchorCtr="0" anchor="t" bIns="91425" lIns="91425" spcFirstLastPara="1" rIns="91425" wrap="square" tIns="91425">
+            <a:noAutofit/>
+          </a:bodyPr>
+          <a:lstStyle/>
+          <a:p>
+            <a:pPr indent="0" lvl="0" marL="0" rtl="0" algn="l">
+              <a:spcBef>
+                <a:spcPts val="0"/>
+              </a:spcBef>
+              <a:spcAft>
+                <a:spcPts val="0"/>
+              </a:spcAft>
+              <a:buNone/>
+            </a:pPr>
+            <a:r>
               <a:rPr lang="en"/>
-              <a:t>How do I start one- talk to administration, you’ll probably find a professor who’s enthusiastic.</a:t>
+              <a:t>At least 2GB RAM, VDI, we gave ours around 40GB but whatever works for your setup.</a:t>
             </a:r>
             <a:endParaRPr/>
           </a:p>
+        </p:txBody>
+      </p:sp>
+    </p:spTree>
+  </p:cSld>
+  <p:clrMapOvr>
+    <a:masterClrMapping/>
+  </p:clrMapOvr>
+</p:notes>
+</file>
+
+<file path=ppt/notesSlides/notesSlide18.xml><?xml version="1.0" encoding="utf-8"?>
+<p:notes xmlns:a="http://schemas.openxmlformats.org/drawingml/2006/main" xmlns:r="http://schemas.openxmlformats.org/officeDocument/2006/relationships" xmlns:mc="http://schemas.openxmlformats.org/markup-compatibility/2006" xmlns:mv="urn:schemas-microsoft-com:mac:vml" xmlns:p="http://schemas.openxmlformats.org/presentationml/2006/main" xmlns:c="http://schemas.openxmlformats.org/drawingml/2006/chart" xmlns:dgm="http://schemas.openxmlformats.org/drawingml/2006/diagram" xmlns:o="urn:schemas-microsoft-com:office:office" xmlns:v="urn:schemas-microsoft-com:vml" xmlns:pvml="urn:schemas-microsoft-com:office:powerpoint" xmlns:com="http://schemas.openxmlformats.org/drawingml/2006/compatibility" xmlns:p14="http://schemas.microsoft.com/office/powerpoint/2010/main" xmlns:p15="http://schemas.microsoft.com/office/powerpoint/2012/main" showMasterPhAnim="0" showMasterSp="0">
+  <p:cSld>
+    <p:spTree>
+      <p:nvGrpSpPr>
+        <p:cNvPr id="159" name="Shape 159"/>
+        <p:cNvGrpSpPr/>
+        <p:nvPr/>
+      </p:nvGrpSpPr>
+      <p:grpSpPr>
+        <a:xfrm>
+          <a:off x="0" y="0"/>
+          <a:ext cx="0" cy="0"/>
+          <a:chOff x="0" y="0"/>
+          <a:chExt cx="0" cy="0"/>
+        </a:xfrm>
+      </p:grpSpPr>
+      <p:sp>
+        <p:nvSpPr>
+          <p:cNvPr id="160" name="Google Shape;160;g5e2818cb7a_0_41:notes"/>
+          <p:cNvSpPr/>
+          <p:nvPr>
+            <p:ph idx="2" type="sldImg"/>
+          </p:nvPr>
+        </p:nvSpPr>
+        <p:spPr>
+          <a:xfrm>
+            <a:off x="381300" y="685800"/>
+            <a:ext cx="6096000" cy="3429000"/>
+          </a:xfrm>
+          <a:custGeom>
+            <a:rect b="b" l="l" r="r" t="t"/>
+            <a:pathLst>
+              <a:path extrusionOk="0" h="120000" w="120000">
+                <a:moveTo>
+                  <a:pt x="0" y="0"/>
+                </a:moveTo>
+                <a:lnTo>
+                  <a:pt x="120000" y="0"/>
+                </a:lnTo>
+                <a:lnTo>
+                  <a:pt x="120000" y="120000"/>
+                </a:lnTo>
+                <a:lnTo>
+                  <a:pt x="0" y="120000"/>
+                </a:lnTo>
+                <a:close/>
+              </a:path>
+            </a:pathLst>
+          </a:custGeom>
+        </p:spPr>
+      </p:sp>
+      <p:sp>
+        <p:nvSpPr>
+          <p:cNvPr id="161" name="Google Shape;161;g5e2818cb7a_0_41:notes"/>
+          <p:cNvSpPr txBox="1"/>
+          <p:nvPr>
+            <p:ph idx="1" type="body"/>
+          </p:nvPr>
+        </p:nvSpPr>
+        <p:spPr>
+          <a:xfrm>
+            <a:off x="685800" y="4343400"/>
+            <a:ext cx="5486400" cy="4114800"/>
+          </a:xfrm>
+          <a:prstGeom prst="rect">
+            <a:avLst/>
+          </a:prstGeom>
+        </p:spPr>
+        <p:txBody>
+          <a:bodyPr anchorCtr="0" anchor="t" bIns="91425" lIns="91425" spcFirstLastPara="1" rIns="91425" wrap="square" tIns="91425">
+            <a:noAutofit/>
+          </a:bodyPr>
+          <a:lstStyle/>
           <a:p>
             <a:pPr indent="0" lvl="0" marL="0" rtl="0" algn="l">
               <a:spcBef>
@@ -1703,10 +1750,94 @@
             </a:pPr>
             <a:r>
               <a:rPr lang="en"/>
-              <a:t>In our experience, a faculty advisor doesn’t have to be particularly involved for the club to be successful, but it can help.</a:t>
+              <a:t>This is the tricky part- you get a NAT out of the box on Adapter 1, but we need a Host-only Adapter to connect out the back.</a:t>
             </a:r>
             <a:endParaRPr/>
           </a:p>
+        </p:txBody>
+      </p:sp>
+    </p:spTree>
+  </p:cSld>
+  <p:clrMapOvr>
+    <a:masterClrMapping/>
+  </p:clrMapOvr>
+</p:notes>
+</file>
+
+<file path=ppt/notesSlides/notesSlide19.xml><?xml version="1.0" encoding="utf-8"?>
+<p:notes xmlns:a="http://schemas.openxmlformats.org/drawingml/2006/main" xmlns:r="http://schemas.openxmlformats.org/officeDocument/2006/relationships" xmlns:mc="http://schemas.openxmlformats.org/markup-compatibility/2006" xmlns:mv="urn:schemas-microsoft-com:mac:vml" xmlns:p="http://schemas.openxmlformats.org/presentationml/2006/main" xmlns:c="http://schemas.openxmlformats.org/drawingml/2006/chart" xmlns:dgm="http://schemas.openxmlformats.org/drawingml/2006/diagram" xmlns:o="urn:schemas-microsoft-com:office:office" xmlns:v="urn:schemas-microsoft-com:vml" xmlns:pvml="urn:schemas-microsoft-com:office:powerpoint" xmlns:com="http://schemas.openxmlformats.org/drawingml/2006/compatibility" xmlns:p14="http://schemas.microsoft.com/office/powerpoint/2010/main" xmlns:p15="http://schemas.microsoft.com/office/powerpoint/2012/main" showMasterPhAnim="0" showMasterSp="0">
+  <p:cSld>
+    <p:spTree>
+      <p:nvGrpSpPr>
+        <p:cNvPr id="165" name="Shape 165"/>
+        <p:cNvGrpSpPr/>
+        <p:nvPr/>
+      </p:nvGrpSpPr>
+      <p:grpSpPr>
+        <a:xfrm>
+          <a:off x="0" y="0"/>
+          <a:ext cx="0" cy="0"/>
+          <a:chOff x="0" y="0"/>
+          <a:chExt cx="0" cy="0"/>
+        </a:xfrm>
+      </p:grpSpPr>
+      <p:sp>
+        <p:nvSpPr>
+          <p:cNvPr id="166" name="Google Shape;166;g5e2818cb7a_0_46:notes"/>
+          <p:cNvSpPr/>
+          <p:nvPr>
+            <p:ph idx="2" type="sldImg"/>
+          </p:nvPr>
+        </p:nvSpPr>
+        <p:spPr>
+          <a:xfrm>
+            <a:off x="381300" y="685800"/>
+            <a:ext cx="6096000" cy="3429000"/>
+          </a:xfrm>
+          <a:custGeom>
+            <a:rect b="b" l="l" r="r" t="t"/>
+            <a:pathLst>
+              <a:path extrusionOk="0" h="120000" w="120000">
+                <a:moveTo>
+                  <a:pt x="0" y="0"/>
+                </a:moveTo>
+                <a:lnTo>
+                  <a:pt x="120000" y="0"/>
+                </a:lnTo>
+                <a:lnTo>
+                  <a:pt x="120000" y="120000"/>
+                </a:lnTo>
+                <a:lnTo>
+                  <a:pt x="0" y="120000"/>
+                </a:lnTo>
+                <a:close/>
+              </a:path>
+            </a:pathLst>
+          </a:custGeom>
+        </p:spPr>
+      </p:sp>
+      <p:sp>
+        <p:nvSpPr>
+          <p:cNvPr id="167" name="Google Shape;167;g5e2818cb7a_0_46:notes"/>
+          <p:cNvSpPr txBox="1"/>
+          <p:nvPr>
+            <p:ph idx="1" type="body"/>
+          </p:nvPr>
+        </p:nvSpPr>
+        <p:spPr>
+          <a:xfrm>
+            <a:off x="685800" y="4343400"/>
+            <a:ext cx="5486400" cy="4114800"/>
+          </a:xfrm>
+          <a:prstGeom prst="rect">
+            <a:avLst/>
+          </a:prstGeom>
+        </p:spPr>
+        <p:txBody>
+          <a:bodyPr anchorCtr="0" anchor="t" bIns="91425" lIns="91425" spcFirstLastPara="1" rIns="91425" wrap="square" tIns="91425">
+            <a:noAutofit/>
+          </a:bodyPr>
+          <a:lstStyle/>
           <a:p>
             <a:pPr indent="0" lvl="0" marL="0" rtl="0" algn="l">
               <a:spcBef>
@@ -1718,22 +1849,8 @@
               <a:buNone/>
             </a:pPr>
             <a:r>
-              <a:t/>
-            </a:r>
-            <a:endParaRPr/>
-          </a:p>
-          <a:p>
-            <a:pPr indent="0" lvl="0" marL="0" rtl="0" algn="l">
-              <a:spcBef>
-                <a:spcPts val="0"/>
-              </a:spcBef>
-              <a:spcAft>
-                <a:spcPts val="0"/>
-              </a:spcAft>
-              <a:buNone/>
-            </a:pPr>
-            <a:r>
-              <a:t/>
+              <a:rPr lang="en"/>
+              <a:t>Congrats- that’s the bare minimum to get a VM server running. You may want to install Apache w/ Ubuntu Server just so you have something to do, but at this point it’s useable but not accessible.</a:t>
             </a:r>
             <a:endParaRPr/>
           </a:p>
@@ -1879,12 +1996,12 @@
 </p:notes>
 </file>
 
-<file path=ppt/notesSlides/notesSlide3.xml><?xml version="1.0" encoding="utf-8"?>
+<file path=ppt/notesSlides/notesSlide20.xml><?xml version="1.0" encoding="utf-8"?>
 <p:notes xmlns:a="http://schemas.openxmlformats.org/drawingml/2006/main" xmlns:r="http://schemas.openxmlformats.org/officeDocument/2006/relationships" xmlns:mc="http://schemas.openxmlformats.org/markup-compatibility/2006" xmlns:mv="urn:schemas-microsoft-com:mac:vml" xmlns:p="http://schemas.openxmlformats.org/presentationml/2006/main" xmlns:c="http://schemas.openxmlformats.org/drawingml/2006/chart" xmlns:dgm="http://schemas.openxmlformats.org/drawingml/2006/diagram" xmlns:o="urn:schemas-microsoft-com:office:office" xmlns:v="urn:schemas-microsoft-com:vml" xmlns:pvml="urn:schemas-microsoft-com:office:powerpoint" xmlns:com="http://schemas.openxmlformats.org/drawingml/2006/compatibility" xmlns:p14="http://schemas.microsoft.com/office/powerpoint/2010/main" xmlns:p15="http://schemas.microsoft.com/office/powerpoint/2012/main" showMasterPhAnim="0" showMasterSp="0">
   <p:cSld>
     <p:spTree>
       <p:nvGrpSpPr>
-        <p:cNvPr id="66" name="Shape 66"/>
+        <p:cNvPr id="170" name="Shape 170"/>
         <p:cNvGrpSpPr/>
         <p:nvPr/>
       </p:nvGrpSpPr>
@@ -1898,7 +2015,7 @@
       </p:grpSpPr>
       <p:sp>
         <p:nvSpPr>
-          <p:cNvPr id="67" name="Google Shape;67;g5de3adfb2a_0_28:notes"/>
+          <p:cNvPr id="171" name="Google Shape;171;g5e2818cb7a_0_51:notes"/>
           <p:cNvSpPr/>
           <p:nvPr>
             <p:ph idx="2" type="sldImg"/>
@@ -1933,7 +2050,7 @@
       </p:sp>
       <p:sp>
         <p:nvSpPr>
-          <p:cNvPr id="68" name="Google Shape;68;g5de3adfb2a_0_28:notes"/>
+          <p:cNvPr id="172" name="Google Shape;172;g5e2818cb7a_0_51:notes"/>
           <p:cNvSpPr txBox="1"/>
           <p:nvPr>
             <p:ph idx="1" type="body"/>
@@ -1965,6 +2082,1204 @@
             </a:pPr>
             <a:r>
               <a:rPr lang="en"/>
+              <a:t>Note that our host-only adapter is referenced as device enp0s8 and pulls from our 192.168.56.0/24 subnet</a:t>
+            </a:r>
+            <a:endParaRPr/>
+          </a:p>
+        </p:txBody>
+      </p:sp>
+    </p:spTree>
+  </p:cSld>
+  <p:clrMapOvr>
+    <a:masterClrMapping/>
+  </p:clrMapOvr>
+</p:notes>
+</file>
+
+<file path=ppt/notesSlides/notesSlide21.xml><?xml version="1.0" encoding="utf-8"?>
+<p:notes xmlns:a="http://schemas.openxmlformats.org/drawingml/2006/main" xmlns:r="http://schemas.openxmlformats.org/officeDocument/2006/relationships" xmlns:mc="http://schemas.openxmlformats.org/markup-compatibility/2006" xmlns:mv="urn:schemas-microsoft-com:mac:vml" xmlns:p="http://schemas.openxmlformats.org/presentationml/2006/main" xmlns:c="http://schemas.openxmlformats.org/drawingml/2006/chart" xmlns:dgm="http://schemas.openxmlformats.org/drawingml/2006/diagram" xmlns:o="urn:schemas-microsoft-com:office:office" xmlns:v="urn:schemas-microsoft-com:vml" xmlns:pvml="urn:schemas-microsoft-com:office:powerpoint" xmlns:com="http://schemas.openxmlformats.org/drawingml/2006/compatibility" xmlns:p14="http://schemas.microsoft.com/office/powerpoint/2010/main" xmlns:p15="http://schemas.microsoft.com/office/powerpoint/2012/main" showMasterPhAnim="0" showMasterSp="0">
+  <p:cSld>
+    <p:spTree>
+      <p:nvGrpSpPr>
+        <p:cNvPr id="177" name="Shape 177"/>
+        <p:cNvGrpSpPr/>
+        <p:nvPr/>
+      </p:nvGrpSpPr>
+      <p:grpSpPr>
+        <a:xfrm>
+          <a:off x="0" y="0"/>
+          <a:ext cx="0" cy="0"/>
+          <a:chOff x="0" y="0"/>
+          <a:chExt cx="0" cy="0"/>
+        </a:xfrm>
+      </p:grpSpPr>
+      <p:sp>
+        <p:nvSpPr>
+          <p:cNvPr id="178" name="Google Shape;178;g5e2818cb7a_0_57:notes"/>
+          <p:cNvSpPr/>
+          <p:nvPr>
+            <p:ph idx="2" type="sldImg"/>
+          </p:nvPr>
+        </p:nvSpPr>
+        <p:spPr>
+          <a:xfrm>
+            <a:off x="381300" y="685800"/>
+            <a:ext cx="6096000" cy="3429000"/>
+          </a:xfrm>
+          <a:custGeom>
+            <a:rect b="b" l="l" r="r" t="t"/>
+            <a:pathLst>
+              <a:path extrusionOk="0" h="120000" w="120000">
+                <a:moveTo>
+                  <a:pt x="0" y="0"/>
+                </a:moveTo>
+                <a:lnTo>
+                  <a:pt x="120000" y="0"/>
+                </a:lnTo>
+                <a:lnTo>
+                  <a:pt x="120000" y="120000"/>
+                </a:lnTo>
+                <a:lnTo>
+                  <a:pt x="0" y="120000"/>
+                </a:lnTo>
+                <a:close/>
+              </a:path>
+            </a:pathLst>
+          </a:custGeom>
+        </p:spPr>
+      </p:sp>
+      <p:sp>
+        <p:nvSpPr>
+          <p:cNvPr id="179" name="Google Shape;179;g5e2818cb7a_0_57:notes"/>
+          <p:cNvSpPr txBox="1"/>
+          <p:nvPr>
+            <p:ph idx="1" type="body"/>
+          </p:nvPr>
+        </p:nvSpPr>
+        <p:spPr>
+          <a:xfrm>
+            <a:off x="685800" y="4343400"/>
+            <a:ext cx="5486400" cy="4114800"/>
+          </a:xfrm>
+          <a:prstGeom prst="rect">
+            <a:avLst/>
+          </a:prstGeom>
+        </p:spPr>
+        <p:txBody>
+          <a:bodyPr anchorCtr="0" anchor="t" bIns="91425" lIns="91425" spcFirstLastPara="1" rIns="91425" wrap="square" tIns="91425">
+            <a:noAutofit/>
+          </a:bodyPr>
+          <a:lstStyle/>
+          <a:p>
+            <a:pPr indent="0" lvl="0" marL="0" rtl="0" algn="l">
+              <a:spcBef>
+                <a:spcPts val="0"/>
+              </a:spcBef>
+              <a:spcAft>
+                <a:spcPts val="0"/>
+              </a:spcAft>
+              <a:buNone/>
+            </a:pPr>
+            <a:r>
+              <a:t/>
+            </a:r>
+            <a:endParaRPr/>
+          </a:p>
+        </p:txBody>
+      </p:sp>
+    </p:spTree>
+  </p:cSld>
+  <p:clrMapOvr>
+    <a:masterClrMapping/>
+  </p:clrMapOvr>
+</p:notes>
+</file>
+
+<file path=ppt/notesSlides/notesSlide22.xml><?xml version="1.0" encoding="utf-8"?>
+<p:notes xmlns:a="http://schemas.openxmlformats.org/drawingml/2006/main" xmlns:r="http://schemas.openxmlformats.org/officeDocument/2006/relationships" xmlns:mc="http://schemas.openxmlformats.org/markup-compatibility/2006" xmlns:mv="urn:schemas-microsoft-com:mac:vml" xmlns:p="http://schemas.openxmlformats.org/presentationml/2006/main" xmlns:c="http://schemas.openxmlformats.org/drawingml/2006/chart" xmlns:dgm="http://schemas.openxmlformats.org/drawingml/2006/diagram" xmlns:o="urn:schemas-microsoft-com:office:office" xmlns:v="urn:schemas-microsoft-com:vml" xmlns:pvml="urn:schemas-microsoft-com:office:powerpoint" xmlns:com="http://schemas.openxmlformats.org/drawingml/2006/compatibility" xmlns:p14="http://schemas.microsoft.com/office/powerpoint/2010/main" xmlns:p15="http://schemas.microsoft.com/office/powerpoint/2012/main" showMasterPhAnim="0" showMasterSp="0">
+  <p:cSld>
+    <p:spTree>
+      <p:nvGrpSpPr>
+        <p:cNvPr id="183" name="Shape 183"/>
+        <p:cNvGrpSpPr/>
+        <p:nvPr/>
+      </p:nvGrpSpPr>
+      <p:grpSpPr>
+        <a:xfrm>
+          <a:off x="0" y="0"/>
+          <a:ext cx="0" cy="0"/>
+          <a:chOff x="0" y="0"/>
+          <a:chExt cx="0" cy="0"/>
+        </a:xfrm>
+      </p:grpSpPr>
+      <p:sp>
+        <p:nvSpPr>
+          <p:cNvPr id="184" name="Google Shape;184;g5e2818cb7a_0_64:notes"/>
+          <p:cNvSpPr/>
+          <p:nvPr>
+            <p:ph idx="2" type="sldImg"/>
+          </p:nvPr>
+        </p:nvSpPr>
+        <p:spPr>
+          <a:xfrm>
+            <a:off x="381300" y="685800"/>
+            <a:ext cx="6096000" cy="3429000"/>
+          </a:xfrm>
+          <a:custGeom>
+            <a:rect b="b" l="l" r="r" t="t"/>
+            <a:pathLst>
+              <a:path extrusionOk="0" h="120000" w="120000">
+                <a:moveTo>
+                  <a:pt x="0" y="0"/>
+                </a:moveTo>
+                <a:lnTo>
+                  <a:pt x="120000" y="0"/>
+                </a:lnTo>
+                <a:lnTo>
+                  <a:pt x="120000" y="120000"/>
+                </a:lnTo>
+                <a:lnTo>
+                  <a:pt x="0" y="120000"/>
+                </a:lnTo>
+                <a:close/>
+              </a:path>
+            </a:pathLst>
+          </a:custGeom>
+        </p:spPr>
+      </p:sp>
+      <p:sp>
+        <p:nvSpPr>
+          <p:cNvPr id="185" name="Google Shape;185;g5e2818cb7a_0_64:notes"/>
+          <p:cNvSpPr txBox="1"/>
+          <p:nvPr>
+            <p:ph idx="1" type="body"/>
+          </p:nvPr>
+        </p:nvSpPr>
+        <p:spPr>
+          <a:xfrm>
+            <a:off x="685800" y="4343400"/>
+            <a:ext cx="5486400" cy="4114800"/>
+          </a:xfrm>
+          <a:prstGeom prst="rect">
+            <a:avLst/>
+          </a:prstGeom>
+        </p:spPr>
+        <p:txBody>
+          <a:bodyPr anchorCtr="0" anchor="t" bIns="91425" lIns="91425" spcFirstLastPara="1" rIns="91425" wrap="square" tIns="91425">
+            <a:noAutofit/>
+          </a:bodyPr>
+          <a:lstStyle/>
+          <a:p>
+            <a:pPr indent="0" lvl="0" marL="0" rtl="0" algn="l">
+              <a:lnSpc>
+                <a:spcPct val="115000"/>
+              </a:lnSpc>
+              <a:spcBef>
+                <a:spcPts val="0"/>
+              </a:spcBef>
+              <a:spcAft>
+                <a:spcPts val="0"/>
+              </a:spcAft>
+              <a:buNone/>
+            </a:pPr>
+            <a:r>
+              <a:rPr b="1" lang="en" sz="1250">
+                <a:highlight>
+                  <a:srgbClr val="FFFFFF"/>
+                </a:highlight>
+                <a:latin typeface="Lora"/>
+                <a:ea typeface="Lora"/>
+                <a:cs typeface="Lora"/>
+                <a:sym typeface="Lora"/>
+              </a:rPr>
+              <a:t>IP masquerading</a:t>
+            </a:r>
+            <a:r>
+              <a:rPr lang="en" sz="1250">
+                <a:highlight>
+                  <a:srgbClr val="FFFFFF"/>
+                </a:highlight>
+                <a:latin typeface="Lora"/>
+                <a:ea typeface="Lora"/>
+                <a:cs typeface="Lora"/>
+                <a:sym typeface="Lora"/>
+              </a:rPr>
+              <a:t> is a technique that hides an entire IP address space, usually consisting of private IP addresses, behind a single IP address in another, usually public address space. The hidden addresses are changed into a single (public) IP address as the source address of the outgoing IP packets so they appear as originating not from the hidden host but from the routing device itself. Because of the popularity of this technique to conserve IPv4 address space, the term </a:t>
+            </a:r>
+            <a:r>
+              <a:rPr i="1" lang="en" sz="1250">
+                <a:highlight>
+                  <a:srgbClr val="FFFFFF"/>
+                </a:highlight>
+                <a:latin typeface="Lora"/>
+                <a:ea typeface="Lora"/>
+                <a:cs typeface="Lora"/>
+                <a:sym typeface="Lora"/>
+              </a:rPr>
+              <a:t>NAT</a:t>
+            </a:r>
+            <a:r>
+              <a:rPr lang="en" sz="1250">
+                <a:highlight>
+                  <a:srgbClr val="FFFFFF"/>
+                </a:highlight>
+                <a:latin typeface="Lora"/>
+                <a:ea typeface="Lora"/>
+                <a:cs typeface="Lora"/>
+                <a:sym typeface="Lora"/>
+              </a:rPr>
+              <a:t> has become virtually synonymous with IP masquerading.</a:t>
+            </a:r>
+            <a:endParaRPr sz="1250">
+              <a:highlight>
+                <a:srgbClr val="FFFFFF"/>
+              </a:highlight>
+              <a:latin typeface="Lora"/>
+              <a:ea typeface="Lora"/>
+              <a:cs typeface="Lora"/>
+              <a:sym typeface="Lora"/>
+            </a:endParaRPr>
+          </a:p>
+          <a:p>
+            <a:pPr indent="0" lvl="0" marL="0" rtl="0" algn="l">
+              <a:lnSpc>
+                <a:spcPct val="115000"/>
+              </a:lnSpc>
+              <a:spcBef>
+                <a:spcPts val="1100"/>
+              </a:spcBef>
+              <a:spcAft>
+                <a:spcPts val="0"/>
+              </a:spcAft>
+              <a:buNone/>
+            </a:pPr>
+            <a:r>
+              <a:t/>
+            </a:r>
+            <a:endParaRPr/>
+          </a:p>
+          <a:p>
+            <a:pPr indent="0" lvl="0" marL="0" rtl="0" algn="l">
+              <a:spcBef>
+                <a:spcPts val="0"/>
+              </a:spcBef>
+              <a:spcAft>
+                <a:spcPts val="0"/>
+              </a:spcAft>
+              <a:buNone/>
+            </a:pPr>
+            <a:r>
+              <a:t/>
+            </a:r>
+            <a:endParaRPr/>
+          </a:p>
+        </p:txBody>
+      </p:sp>
+    </p:spTree>
+  </p:cSld>
+  <p:clrMapOvr>
+    <a:masterClrMapping/>
+  </p:clrMapOvr>
+</p:notes>
+</file>
+
+<file path=ppt/notesSlides/notesSlide23.xml><?xml version="1.0" encoding="utf-8"?>
+<p:notes xmlns:a="http://schemas.openxmlformats.org/drawingml/2006/main" xmlns:r="http://schemas.openxmlformats.org/officeDocument/2006/relationships" xmlns:mc="http://schemas.openxmlformats.org/markup-compatibility/2006" xmlns:mv="urn:schemas-microsoft-com:mac:vml" xmlns:p="http://schemas.openxmlformats.org/presentationml/2006/main" xmlns:c="http://schemas.openxmlformats.org/drawingml/2006/chart" xmlns:dgm="http://schemas.openxmlformats.org/drawingml/2006/diagram" xmlns:o="urn:schemas-microsoft-com:office:office" xmlns:v="urn:schemas-microsoft-com:vml" xmlns:pvml="urn:schemas-microsoft-com:office:powerpoint" xmlns:com="http://schemas.openxmlformats.org/drawingml/2006/compatibility" xmlns:p14="http://schemas.microsoft.com/office/powerpoint/2010/main" xmlns:p15="http://schemas.microsoft.com/office/powerpoint/2012/main" showMasterPhAnim="0" showMasterSp="0">
+  <p:cSld>
+    <p:spTree>
+      <p:nvGrpSpPr>
+        <p:cNvPr id="189" name="Shape 189"/>
+        <p:cNvGrpSpPr/>
+        <p:nvPr/>
+      </p:nvGrpSpPr>
+      <p:grpSpPr>
+        <a:xfrm>
+          <a:off x="0" y="0"/>
+          <a:ext cx="0" cy="0"/>
+          <a:chOff x="0" y="0"/>
+          <a:chExt cx="0" cy="0"/>
+        </a:xfrm>
+      </p:grpSpPr>
+      <p:sp>
+        <p:nvSpPr>
+          <p:cNvPr id="190" name="Google Shape;190;g5e2818cb7a_0_83:notes"/>
+          <p:cNvSpPr/>
+          <p:nvPr>
+            <p:ph idx="2" type="sldImg"/>
+          </p:nvPr>
+        </p:nvSpPr>
+        <p:spPr>
+          <a:xfrm>
+            <a:off x="381300" y="685800"/>
+            <a:ext cx="6096000" cy="3429000"/>
+          </a:xfrm>
+          <a:custGeom>
+            <a:rect b="b" l="l" r="r" t="t"/>
+            <a:pathLst>
+              <a:path extrusionOk="0" h="120000" w="120000">
+                <a:moveTo>
+                  <a:pt x="0" y="0"/>
+                </a:moveTo>
+                <a:lnTo>
+                  <a:pt x="120000" y="0"/>
+                </a:lnTo>
+                <a:lnTo>
+                  <a:pt x="120000" y="120000"/>
+                </a:lnTo>
+                <a:lnTo>
+                  <a:pt x="0" y="120000"/>
+                </a:lnTo>
+                <a:close/>
+              </a:path>
+            </a:pathLst>
+          </a:custGeom>
+        </p:spPr>
+      </p:sp>
+      <p:sp>
+        <p:nvSpPr>
+          <p:cNvPr id="191" name="Google Shape;191;g5e2818cb7a_0_83:notes"/>
+          <p:cNvSpPr txBox="1"/>
+          <p:nvPr>
+            <p:ph idx="1" type="body"/>
+          </p:nvPr>
+        </p:nvSpPr>
+        <p:spPr>
+          <a:xfrm>
+            <a:off x="685800" y="4343400"/>
+            <a:ext cx="5486400" cy="4114800"/>
+          </a:xfrm>
+          <a:prstGeom prst="rect">
+            <a:avLst/>
+          </a:prstGeom>
+        </p:spPr>
+        <p:txBody>
+          <a:bodyPr anchorCtr="0" anchor="t" bIns="91425" lIns="91425" spcFirstLastPara="1" rIns="91425" wrap="square" tIns="91425">
+            <a:noAutofit/>
+          </a:bodyPr>
+          <a:lstStyle/>
+          <a:p>
+            <a:pPr indent="0" lvl="0" marL="0" rtl="0" algn="l">
+              <a:spcBef>
+                <a:spcPts val="0"/>
+              </a:spcBef>
+              <a:spcAft>
+                <a:spcPts val="0"/>
+              </a:spcAft>
+              <a:buNone/>
+            </a:pPr>
+            <a:r>
+              <a:rPr lang="en"/>
+              <a:t>Nginx config reads this file to determine setup. This lets us re-use ports as much as we’d like, and why so many apps are run through the web- ports are made easily accessible. </a:t>
+            </a:r>
+            <a:endParaRPr/>
+          </a:p>
+        </p:txBody>
+      </p:sp>
+    </p:spTree>
+  </p:cSld>
+  <p:clrMapOvr>
+    <a:masterClrMapping/>
+  </p:clrMapOvr>
+</p:notes>
+</file>
+
+<file path=ppt/notesSlides/notesSlide24.xml><?xml version="1.0" encoding="utf-8"?>
+<p:notes xmlns:a="http://schemas.openxmlformats.org/drawingml/2006/main" xmlns:r="http://schemas.openxmlformats.org/officeDocument/2006/relationships" xmlns:mc="http://schemas.openxmlformats.org/markup-compatibility/2006" xmlns:mv="urn:schemas-microsoft-com:mac:vml" xmlns:p="http://schemas.openxmlformats.org/presentationml/2006/main" xmlns:c="http://schemas.openxmlformats.org/drawingml/2006/chart" xmlns:dgm="http://schemas.openxmlformats.org/drawingml/2006/diagram" xmlns:o="urn:schemas-microsoft-com:office:office" xmlns:v="urn:schemas-microsoft-com:vml" xmlns:pvml="urn:schemas-microsoft-com:office:powerpoint" xmlns:com="http://schemas.openxmlformats.org/drawingml/2006/compatibility" xmlns:p14="http://schemas.microsoft.com/office/powerpoint/2010/main" xmlns:p15="http://schemas.microsoft.com/office/powerpoint/2012/main" showMasterPhAnim="0" showMasterSp="0">
+  <p:cSld>
+    <p:spTree>
+      <p:nvGrpSpPr>
+        <p:cNvPr id="196" name="Shape 196"/>
+        <p:cNvGrpSpPr/>
+        <p:nvPr/>
+      </p:nvGrpSpPr>
+      <p:grpSpPr>
+        <a:xfrm>
+          <a:off x="0" y="0"/>
+          <a:ext cx="0" cy="0"/>
+          <a:chOff x="0" y="0"/>
+          <a:chExt cx="0" cy="0"/>
+        </a:xfrm>
+      </p:grpSpPr>
+      <p:sp>
+        <p:nvSpPr>
+          <p:cNvPr id="197" name="Google Shape;197;g5e2818cb7a_0_71:notes"/>
+          <p:cNvSpPr/>
+          <p:nvPr>
+            <p:ph idx="2" type="sldImg"/>
+          </p:nvPr>
+        </p:nvSpPr>
+        <p:spPr>
+          <a:xfrm>
+            <a:off x="381300" y="685800"/>
+            <a:ext cx="6096000" cy="3429000"/>
+          </a:xfrm>
+          <a:custGeom>
+            <a:rect b="b" l="l" r="r" t="t"/>
+            <a:pathLst>
+              <a:path extrusionOk="0" h="120000" w="120000">
+                <a:moveTo>
+                  <a:pt x="0" y="0"/>
+                </a:moveTo>
+                <a:lnTo>
+                  <a:pt x="120000" y="0"/>
+                </a:lnTo>
+                <a:lnTo>
+                  <a:pt x="120000" y="120000"/>
+                </a:lnTo>
+                <a:lnTo>
+                  <a:pt x="0" y="120000"/>
+                </a:lnTo>
+                <a:close/>
+              </a:path>
+            </a:pathLst>
+          </a:custGeom>
+        </p:spPr>
+      </p:sp>
+      <p:sp>
+        <p:nvSpPr>
+          <p:cNvPr id="198" name="Google Shape;198;g5e2818cb7a_0_71:notes"/>
+          <p:cNvSpPr txBox="1"/>
+          <p:nvPr>
+            <p:ph idx="1" type="body"/>
+          </p:nvPr>
+        </p:nvSpPr>
+        <p:spPr>
+          <a:xfrm>
+            <a:off x="685800" y="4343400"/>
+            <a:ext cx="5486400" cy="4114800"/>
+          </a:xfrm>
+          <a:prstGeom prst="rect">
+            <a:avLst/>
+          </a:prstGeom>
+        </p:spPr>
+        <p:txBody>
+          <a:bodyPr anchorCtr="0" anchor="t" bIns="91425" lIns="91425" spcFirstLastPara="1" rIns="91425" wrap="square" tIns="91425">
+            <a:noAutofit/>
+          </a:bodyPr>
+          <a:lstStyle/>
+          <a:p>
+            <a:pPr indent="0" lvl="0" marL="0" rtl="0" algn="l">
+              <a:spcBef>
+                <a:spcPts val="0"/>
+              </a:spcBef>
+              <a:spcAft>
+                <a:spcPts val="0"/>
+              </a:spcAft>
+              <a:buNone/>
+            </a:pPr>
+            <a:r>
+              <a:rPr lang="en"/>
+              <a:t>Here’s a oneliner to forward a web server on port 8000 out of your VM to be publicly accessible at port 8000. </a:t>
+            </a:r>
+            <a:endParaRPr/>
+          </a:p>
+          <a:p>
+            <a:pPr indent="0" lvl="0" marL="0" rtl="0" algn="l">
+              <a:spcBef>
+                <a:spcPts val="0"/>
+              </a:spcBef>
+              <a:spcAft>
+                <a:spcPts val="0"/>
+              </a:spcAft>
+              <a:buNone/>
+            </a:pPr>
+            <a:r>
+              <a:rPr lang="en"/>
+              <a:t> For example, we forwarded a 445, 136, 137, and 138 out for our samba server, available on the campus VPN. - samba demo</a:t>
+            </a:r>
+            <a:endParaRPr/>
+          </a:p>
+        </p:txBody>
+      </p:sp>
+    </p:spTree>
+  </p:cSld>
+  <p:clrMapOvr>
+    <a:masterClrMapping/>
+  </p:clrMapOvr>
+</p:notes>
+</file>
+
+<file path=ppt/notesSlides/notesSlide25.xml><?xml version="1.0" encoding="utf-8"?>
+<p:notes xmlns:a="http://schemas.openxmlformats.org/drawingml/2006/main" xmlns:r="http://schemas.openxmlformats.org/officeDocument/2006/relationships" xmlns:mc="http://schemas.openxmlformats.org/markup-compatibility/2006" xmlns:mv="urn:schemas-microsoft-com:mac:vml" xmlns:p="http://schemas.openxmlformats.org/presentationml/2006/main" xmlns:c="http://schemas.openxmlformats.org/drawingml/2006/chart" xmlns:dgm="http://schemas.openxmlformats.org/drawingml/2006/diagram" xmlns:o="urn:schemas-microsoft-com:office:office" xmlns:v="urn:schemas-microsoft-com:vml" xmlns:pvml="urn:schemas-microsoft-com:office:powerpoint" xmlns:com="http://schemas.openxmlformats.org/drawingml/2006/compatibility" xmlns:p14="http://schemas.microsoft.com/office/powerpoint/2010/main" xmlns:p15="http://schemas.microsoft.com/office/powerpoint/2012/main" showMasterPhAnim="0" showMasterSp="0">
+  <p:cSld>
+    <p:spTree>
+      <p:nvGrpSpPr>
+        <p:cNvPr id="202" name="Shape 202"/>
+        <p:cNvGrpSpPr/>
+        <p:nvPr/>
+      </p:nvGrpSpPr>
+      <p:grpSpPr>
+        <a:xfrm>
+          <a:off x="0" y="0"/>
+          <a:ext cx="0" cy="0"/>
+          <a:chOff x="0" y="0"/>
+          <a:chExt cx="0" cy="0"/>
+        </a:xfrm>
+      </p:grpSpPr>
+      <p:sp>
+        <p:nvSpPr>
+          <p:cNvPr id="203" name="Google Shape;203;g5e2818cb7a_0_90:notes"/>
+          <p:cNvSpPr/>
+          <p:nvPr>
+            <p:ph idx="2" type="sldImg"/>
+          </p:nvPr>
+        </p:nvSpPr>
+        <p:spPr>
+          <a:xfrm>
+            <a:off x="381300" y="685800"/>
+            <a:ext cx="6096000" cy="3429000"/>
+          </a:xfrm>
+          <a:custGeom>
+            <a:rect b="b" l="l" r="r" t="t"/>
+            <a:pathLst>
+              <a:path extrusionOk="0" h="120000" w="120000">
+                <a:moveTo>
+                  <a:pt x="0" y="0"/>
+                </a:moveTo>
+                <a:lnTo>
+                  <a:pt x="120000" y="0"/>
+                </a:lnTo>
+                <a:lnTo>
+                  <a:pt x="120000" y="120000"/>
+                </a:lnTo>
+                <a:lnTo>
+                  <a:pt x="0" y="120000"/>
+                </a:lnTo>
+                <a:close/>
+              </a:path>
+            </a:pathLst>
+          </a:custGeom>
+        </p:spPr>
+      </p:sp>
+      <p:sp>
+        <p:nvSpPr>
+          <p:cNvPr id="204" name="Google Shape;204;g5e2818cb7a_0_90:notes"/>
+          <p:cNvSpPr txBox="1"/>
+          <p:nvPr>
+            <p:ph idx="1" type="body"/>
+          </p:nvPr>
+        </p:nvSpPr>
+        <p:spPr>
+          <a:xfrm>
+            <a:off x="685800" y="4343400"/>
+            <a:ext cx="5486400" cy="4114800"/>
+          </a:xfrm>
+          <a:prstGeom prst="rect">
+            <a:avLst/>
+          </a:prstGeom>
+        </p:spPr>
+        <p:txBody>
+          <a:bodyPr anchorCtr="0" anchor="t" bIns="91425" lIns="91425" spcFirstLastPara="1" rIns="91425" wrap="square" tIns="91425">
+            <a:noAutofit/>
+          </a:bodyPr>
+          <a:lstStyle/>
+          <a:p>
+            <a:pPr indent="0" lvl="0" marL="0" rtl="0" algn="l">
+              <a:spcBef>
+                <a:spcPts val="0"/>
+              </a:spcBef>
+              <a:spcAft>
+                <a:spcPts val="0"/>
+              </a:spcAft>
+              <a:buNone/>
+            </a:pPr>
+            <a:r>
+              <a:rPr lang="en"/>
+              <a:t>Unfortunately, how routing information is stored varies with Linux distributions we are not going to show how to script loading these configurations on startup- it varies wildly from distro to distro. However, we will use this opportunity to demonstrate the linux man command. For example the command # man iptables-save </a:t>
+            </a:r>
+            <a:endParaRPr/>
+          </a:p>
+        </p:txBody>
+      </p:sp>
+    </p:spTree>
+  </p:cSld>
+  <p:clrMapOvr>
+    <a:masterClrMapping/>
+  </p:clrMapOvr>
+</p:notes>
+</file>
+
+<file path=ppt/notesSlides/notesSlide26.xml><?xml version="1.0" encoding="utf-8"?>
+<p:notes xmlns:a="http://schemas.openxmlformats.org/drawingml/2006/main" xmlns:r="http://schemas.openxmlformats.org/officeDocument/2006/relationships" xmlns:mc="http://schemas.openxmlformats.org/markup-compatibility/2006" xmlns:mv="urn:schemas-microsoft-com:mac:vml" xmlns:p="http://schemas.openxmlformats.org/presentationml/2006/main" xmlns:c="http://schemas.openxmlformats.org/drawingml/2006/chart" xmlns:dgm="http://schemas.openxmlformats.org/drawingml/2006/diagram" xmlns:o="urn:schemas-microsoft-com:office:office" xmlns:v="urn:schemas-microsoft-com:vml" xmlns:pvml="urn:schemas-microsoft-com:office:powerpoint" xmlns:com="http://schemas.openxmlformats.org/drawingml/2006/compatibility" xmlns:p14="http://schemas.microsoft.com/office/powerpoint/2010/main" xmlns:p15="http://schemas.microsoft.com/office/powerpoint/2012/main" showMasterPhAnim="0" showMasterSp="0">
+  <p:cSld>
+    <p:spTree>
+      <p:nvGrpSpPr>
+        <p:cNvPr id="208" name="Shape 208"/>
+        <p:cNvGrpSpPr/>
+        <p:nvPr/>
+      </p:nvGrpSpPr>
+      <p:grpSpPr>
+        <a:xfrm>
+          <a:off x="0" y="0"/>
+          <a:ext cx="0" cy="0"/>
+          <a:chOff x="0" y="0"/>
+          <a:chExt cx="0" cy="0"/>
+        </a:xfrm>
+      </p:grpSpPr>
+      <p:sp>
+        <p:nvSpPr>
+          <p:cNvPr id="209" name="Google Shape;209;g5e2818cb7a_0_97:notes"/>
+          <p:cNvSpPr/>
+          <p:nvPr>
+            <p:ph idx="2" type="sldImg"/>
+          </p:nvPr>
+        </p:nvSpPr>
+        <p:spPr>
+          <a:xfrm>
+            <a:off x="381300" y="685800"/>
+            <a:ext cx="6096000" cy="3429000"/>
+          </a:xfrm>
+          <a:custGeom>
+            <a:rect b="b" l="l" r="r" t="t"/>
+            <a:pathLst>
+              <a:path extrusionOk="0" h="120000" w="120000">
+                <a:moveTo>
+                  <a:pt x="0" y="0"/>
+                </a:moveTo>
+                <a:lnTo>
+                  <a:pt x="120000" y="0"/>
+                </a:lnTo>
+                <a:lnTo>
+                  <a:pt x="120000" y="120000"/>
+                </a:lnTo>
+                <a:lnTo>
+                  <a:pt x="0" y="120000"/>
+                </a:lnTo>
+                <a:close/>
+              </a:path>
+            </a:pathLst>
+          </a:custGeom>
+        </p:spPr>
+      </p:sp>
+      <p:sp>
+        <p:nvSpPr>
+          <p:cNvPr id="210" name="Google Shape;210;g5e2818cb7a_0_97:notes"/>
+          <p:cNvSpPr txBox="1"/>
+          <p:nvPr>
+            <p:ph idx="1" type="body"/>
+          </p:nvPr>
+        </p:nvSpPr>
+        <p:spPr>
+          <a:xfrm>
+            <a:off x="685800" y="4343400"/>
+            <a:ext cx="5486400" cy="4114800"/>
+          </a:xfrm>
+          <a:prstGeom prst="rect">
+            <a:avLst/>
+          </a:prstGeom>
+        </p:spPr>
+        <p:txBody>
+          <a:bodyPr anchorCtr="0" anchor="t" bIns="91425" lIns="91425" spcFirstLastPara="1" rIns="91425" wrap="square" tIns="91425">
+            <a:noAutofit/>
+          </a:bodyPr>
+          <a:lstStyle/>
+          <a:p>
+            <a:pPr indent="0" lvl="0" marL="0" rtl="0" algn="l">
+              <a:spcBef>
+                <a:spcPts val="0"/>
+              </a:spcBef>
+              <a:spcAft>
+                <a:spcPts val="0"/>
+              </a:spcAft>
+              <a:buNone/>
+            </a:pPr>
+            <a:r>
+              <a:t/>
+            </a:r>
+            <a:endParaRPr/>
+          </a:p>
+        </p:txBody>
+      </p:sp>
+    </p:spTree>
+  </p:cSld>
+  <p:clrMapOvr>
+    <a:masterClrMapping/>
+  </p:clrMapOvr>
+</p:notes>
+</file>
+
+<file path=ppt/notesSlides/notesSlide27.xml><?xml version="1.0" encoding="utf-8"?>
+<p:notes xmlns:a="http://schemas.openxmlformats.org/drawingml/2006/main" xmlns:r="http://schemas.openxmlformats.org/officeDocument/2006/relationships" xmlns:mc="http://schemas.openxmlformats.org/markup-compatibility/2006" xmlns:mv="urn:schemas-microsoft-com:mac:vml" xmlns:p="http://schemas.openxmlformats.org/presentationml/2006/main" xmlns:c="http://schemas.openxmlformats.org/drawingml/2006/chart" xmlns:dgm="http://schemas.openxmlformats.org/drawingml/2006/diagram" xmlns:o="urn:schemas-microsoft-com:office:office" xmlns:v="urn:schemas-microsoft-com:vml" xmlns:pvml="urn:schemas-microsoft-com:office:powerpoint" xmlns:com="http://schemas.openxmlformats.org/drawingml/2006/compatibility" xmlns:p14="http://schemas.microsoft.com/office/powerpoint/2010/main" xmlns:p15="http://schemas.microsoft.com/office/powerpoint/2012/main" showMasterPhAnim="0" showMasterSp="0">
+  <p:cSld>
+    <p:spTree>
+      <p:nvGrpSpPr>
+        <p:cNvPr id="214" name="Shape 214"/>
+        <p:cNvGrpSpPr/>
+        <p:nvPr/>
+      </p:nvGrpSpPr>
+      <p:grpSpPr>
+        <a:xfrm>
+          <a:off x="0" y="0"/>
+          <a:ext cx="0" cy="0"/>
+          <a:chOff x="0" y="0"/>
+          <a:chExt cx="0" cy="0"/>
+        </a:xfrm>
+      </p:grpSpPr>
+      <p:sp>
+        <p:nvSpPr>
+          <p:cNvPr id="215" name="Google Shape;215;g5e2818cb7a_0_103:notes"/>
+          <p:cNvSpPr/>
+          <p:nvPr>
+            <p:ph idx="2" type="sldImg"/>
+          </p:nvPr>
+        </p:nvSpPr>
+        <p:spPr>
+          <a:xfrm>
+            <a:off x="381300" y="685800"/>
+            <a:ext cx="6096000" cy="3429000"/>
+          </a:xfrm>
+          <a:custGeom>
+            <a:rect b="b" l="l" r="r" t="t"/>
+            <a:pathLst>
+              <a:path extrusionOk="0" h="120000" w="120000">
+                <a:moveTo>
+                  <a:pt x="0" y="0"/>
+                </a:moveTo>
+                <a:lnTo>
+                  <a:pt x="120000" y="0"/>
+                </a:lnTo>
+                <a:lnTo>
+                  <a:pt x="120000" y="120000"/>
+                </a:lnTo>
+                <a:lnTo>
+                  <a:pt x="0" y="120000"/>
+                </a:lnTo>
+                <a:close/>
+              </a:path>
+            </a:pathLst>
+          </a:custGeom>
+        </p:spPr>
+      </p:sp>
+      <p:sp>
+        <p:nvSpPr>
+          <p:cNvPr id="216" name="Google Shape;216;g5e2818cb7a_0_103:notes"/>
+          <p:cNvSpPr txBox="1"/>
+          <p:nvPr>
+            <p:ph idx="1" type="body"/>
+          </p:nvPr>
+        </p:nvSpPr>
+        <p:spPr>
+          <a:xfrm>
+            <a:off x="685800" y="4343400"/>
+            <a:ext cx="5486400" cy="4114800"/>
+          </a:xfrm>
+          <a:prstGeom prst="rect">
+            <a:avLst/>
+          </a:prstGeom>
+        </p:spPr>
+        <p:txBody>
+          <a:bodyPr anchorCtr="0" anchor="t" bIns="91425" lIns="91425" spcFirstLastPara="1" rIns="91425" wrap="square" tIns="91425">
+            <a:noAutofit/>
+          </a:bodyPr>
+          <a:lstStyle/>
+          <a:p>
+            <a:pPr indent="0" lvl="0" marL="0" rtl="0" algn="l">
+              <a:spcBef>
+                <a:spcPts val="0"/>
+              </a:spcBef>
+              <a:spcAft>
+                <a:spcPts val="0"/>
+              </a:spcAft>
+              <a:buNone/>
+            </a:pPr>
+            <a:r>
+              <a:rPr lang="en"/>
+              <a:t>cp will not behave the way you expect it to- to backup, use the export feature. Snapshots can be useful if you’re experimenting with your configuration.  </a:t>
+            </a:r>
+            <a:endParaRPr/>
+          </a:p>
+        </p:txBody>
+      </p:sp>
+    </p:spTree>
+  </p:cSld>
+  <p:clrMapOvr>
+    <a:masterClrMapping/>
+  </p:clrMapOvr>
+</p:notes>
+</file>
+
+<file path=ppt/notesSlides/notesSlide28.xml><?xml version="1.0" encoding="utf-8"?>
+<p:notes xmlns:a="http://schemas.openxmlformats.org/drawingml/2006/main" xmlns:r="http://schemas.openxmlformats.org/officeDocument/2006/relationships" xmlns:mc="http://schemas.openxmlformats.org/markup-compatibility/2006" xmlns:mv="urn:schemas-microsoft-com:mac:vml" xmlns:p="http://schemas.openxmlformats.org/presentationml/2006/main" xmlns:c="http://schemas.openxmlformats.org/drawingml/2006/chart" xmlns:dgm="http://schemas.openxmlformats.org/drawingml/2006/diagram" xmlns:o="urn:schemas-microsoft-com:office:office" xmlns:v="urn:schemas-microsoft-com:vml" xmlns:pvml="urn:schemas-microsoft-com:office:powerpoint" xmlns:com="http://schemas.openxmlformats.org/drawingml/2006/compatibility" xmlns:p14="http://schemas.microsoft.com/office/powerpoint/2010/main" xmlns:p15="http://schemas.microsoft.com/office/powerpoint/2012/main" showMasterPhAnim="0" showMasterSp="0">
+  <p:cSld>
+    <p:spTree>
+      <p:nvGrpSpPr>
+        <p:cNvPr id="220" name="Shape 220"/>
+        <p:cNvGrpSpPr/>
+        <p:nvPr/>
+      </p:nvGrpSpPr>
+      <p:grpSpPr>
+        <a:xfrm>
+          <a:off x="0" y="0"/>
+          <a:ext cx="0" cy="0"/>
+          <a:chOff x="0" y="0"/>
+          <a:chExt cx="0" cy="0"/>
+        </a:xfrm>
+      </p:grpSpPr>
+      <p:sp>
+        <p:nvSpPr>
+          <p:cNvPr id="221" name="Google Shape;221;g5de3adfb2a_0_0:notes"/>
+          <p:cNvSpPr/>
+          <p:nvPr>
+            <p:ph idx="2" type="sldImg"/>
+          </p:nvPr>
+        </p:nvSpPr>
+        <p:spPr>
+          <a:xfrm>
+            <a:off x="381300" y="685800"/>
+            <a:ext cx="6096000" cy="3429000"/>
+          </a:xfrm>
+          <a:custGeom>
+            <a:rect b="b" l="l" r="r" t="t"/>
+            <a:pathLst>
+              <a:path extrusionOk="0" h="120000" w="120000">
+                <a:moveTo>
+                  <a:pt x="0" y="0"/>
+                </a:moveTo>
+                <a:lnTo>
+                  <a:pt x="120000" y="0"/>
+                </a:lnTo>
+                <a:lnTo>
+                  <a:pt x="120000" y="120000"/>
+                </a:lnTo>
+                <a:lnTo>
+                  <a:pt x="0" y="120000"/>
+                </a:lnTo>
+                <a:close/>
+              </a:path>
+            </a:pathLst>
+          </a:custGeom>
+        </p:spPr>
+      </p:sp>
+      <p:sp>
+        <p:nvSpPr>
+          <p:cNvPr id="222" name="Google Shape;222;g5de3adfb2a_0_0:notes"/>
+          <p:cNvSpPr txBox="1"/>
+          <p:nvPr>
+            <p:ph idx="1" type="body"/>
+          </p:nvPr>
+        </p:nvSpPr>
+        <p:spPr>
+          <a:xfrm>
+            <a:off x="685800" y="4343400"/>
+            <a:ext cx="5486400" cy="4114800"/>
+          </a:xfrm>
+          <a:prstGeom prst="rect">
+            <a:avLst/>
+          </a:prstGeom>
+        </p:spPr>
+        <p:txBody>
+          <a:bodyPr anchorCtr="0" anchor="t" bIns="91425" lIns="91425" spcFirstLastPara="1" rIns="91425" wrap="square" tIns="91425">
+            <a:noAutofit/>
+          </a:bodyPr>
+          <a:lstStyle/>
+          <a:p>
+            <a:pPr indent="0" lvl="0" marL="0" rtl="0" algn="l">
+              <a:spcBef>
+                <a:spcPts val="0"/>
+              </a:spcBef>
+              <a:spcAft>
+                <a:spcPts val="0"/>
+              </a:spcAft>
+              <a:buNone/>
+            </a:pPr>
+            <a:r>
+              <a:rPr lang="en"/>
+              <a:t>What is Linux Club?</a:t>
+            </a:r>
+            <a:endParaRPr/>
+          </a:p>
+          <a:p>
+            <a:pPr indent="0" lvl="0" marL="0" rtl="0" algn="l">
+              <a:spcBef>
+                <a:spcPts val="0"/>
+              </a:spcBef>
+              <a:spcAft>
+                <a:spcPts val="0"/>
+              </a:spcAft>
+              <a:buNone/>
+            </a:pPr>
+            <a:r>
+              <a:rPr lang="en"/>
+              <a:t>It’s a group where a bunch of nerds get to hang out together</a:t>
+            </a:r>
+            <a:endParaRPr/>
+          </a:p>
+          <a:p>
+            <a:pPr indent="0" lvl="0" marL="0" rtl="0" algn="l">
+              <a:spcBef>
+                <a:spcPts val="0"/>
+              </a:spcBef>
+              <a:spcAft>
+                <a:spcPts val="0"/>
+              </a:spcAft>
+              <a:buNone/>
+            </a:pPr>
+            <a:r>
+              <a:rPr lang="en"/>
+              <a:t>Anecdote - when I started using linux, I didn’t know other people who were cool</a:t>
+            </a:r>
+            <a:endParaRPr/>
+          </a:p>
+          <a:p>
+            <a:pPr indent="0" lvl="0" marL="0" rtl="0" algn="l">
+              <a:spcBef>
+                <a:spcPts val="0"/>
+              </a:spcBef>
+              <a:spcAft>
+                <a:spcPts val="0"/>
+              </a:spcAft>
+              <a:buNone/>
+            </a:pPr>
+            <a:r>
+              <a:rPr lang="en"/>
+              <a:t>Membership / who shows up / improvements?</a:t>
+            </a:r>
+            <a:endParaRPr/>
+          </a:p>
+          <a:p>
+            <a:pPr indent="0" lvl="0" marL="0" rtl="0" algn="l">
+              <a:spcBef>
+                <a:spcPts val="0"/>
+              </a:spcBef>
+              <a:spcAft>
+                <a:spcPts val="0"/>
+              </a:spcAft>
+              <a:buNone/>
+            </a:pPr>
+            <a:r>
+              <a:rPr lang="en"/>
+              <a:t>Why is it important- two reasons- segue-</a:t>
+            </a:r>
+            <a:endParaRPr/>
+          </a:p>
+        </p:txBody>
+      </p:sp>
+    </p:spTree>
+  </p:cSld>
+  <p:clrMapOvr>
+    <a:masterClrMapping/>
+  </p:clrMapOvr>
+</p:notes>
+</file>
+
+<file path=ppt/notesSlides/notesSlide29.xml><?xml version="1.0" encoding="utf-8"?>
+<p:notes xmlns:a="http://schemas.openxmlformats.org/drawingml/2006/main" xmlns:r="http://schemas.openxmlformats.org/officeDocument/2006/relationships" xmlns:mc="http://schemas.openxmlformats.org/markup-compatibility/2006" xmlns:mv="urn:schemas-microsoft-com:mac:vml" xmlns:p="http://schemas.openxmlformats.org/presentationml/2006/main" xmlns:c="http://schemas.openxmlformats.org/drawingml/2006/chart" xmlns:dgm="http://schemas.openxmlformats.org/drawingml/2006/diagram" xmlns:o="urn:schemas-microsoft-com:office:office" xmlns:v="urn:schemas-microsoft-com:vml" xmlns:pvml="urn:schemas-microsoft-com:office:powerpoint" xmlns:com="http://schemas.openxmlformats.org/drawingml/2006/compatibility" xmlns:p14="http://schemas.microsoft.com/office/powerpoint/2010/main" xmlns:p15="http://schemas.microsoft.com/office/powerpoint/2012/main" showMasterPhAnim="0" showMasterSp="0">
+  <p:cSld>
+    <p:spTree>
+      <p:nvGrpSpPr>
+        <p:cNvPr id="225" name="Shape 225"/>
+        <p:cNvGrpSpPr/>
+        <p:nvPr/>
+      </p:nvGrpSpPr>
+      <p:grpSpPr>
+        <a:xfrm>
+          <a:off x="0" y="0"/>
+          <a:ext cx="0" cy="0"/>
+          <a:chOff x="0" y="0"/>
+          <a:chExt cx="0" cy="0"/>
+        </a:xfrm>
+      </p:grpSpPr>
+      <p:sp>
+        <p:nvSpPr>
+          <p:cNvPr id="226" name="Google Shape;226;g5de3adfb2a_0_4:notes"/>
+          <p:cNvSpPr/>
+          <p:nvPr>
+            <p:ph idx="2" type="sldImg"/>
+          </p:nvPr>
+        </p:nvSpPr>
+        <p:spPr>
+          <a:xfrm>
+            <a:off x="381300" y="685800"/>
+            <a:ext cx="6096000" cy="3429000"/>
+          </a:xfrm>
+          <a:custGeom>
+            <a:rect b="b" l="l" r="r" t="t"/>
+            <a:pathLst>
+              <a:path extrusionOk="0" h="120000" w="120000">
+                <a:moveTo>
+                  <a:pt x="0" y="0"/>
+                </a:moveTo>
+                <a:lnTo>
+                  <a:pt x="120000" y="0"/>
+                </a:lnTo>
+                <a:lnTo>
+                  <a:pt x="120000" y="120000"/>
+                </a:lnTo>
+                <a:lnTo>
+                  <a:pt x="0" y="120000"/>
+                </a:lnTo>
+                <a:close/>
+              </a:path>
+            </a:pathLst>
+          </a:custGeom>
+        </p:spPr>
+      </p:sp>
+      <p:sp>
+        <p:nvSpPr>
+          <p:cNvPr id="227" name="Google Shape;227;g5de3adfb2a_0_4:notes"/>
+          <p:cNvSpPr txBox="1"/>
+          <p:nvPr>
+            <p:ph idx="1" type="body"/>
+          </p:nvPr>
+        </p:nvSpPr>
+        <p:spPr>
+          <a:xfrm>
+            <a:off x="685800" y="4343400"/>
+            <a:ext cx="5486400" cy="4114800"/>
+          </a:xfrm>
+          <a:prstGeom prst="rect">
+            <a:avLst/>
+          </a:prstGeom>
+        </p:spPr>
+        <p:txBody>
+          <a:bodyPr anchorCtr="0" anchor="t" bIns="91425" lIns="91425" spcFirstLastPara="1" rIns="91425" wrap="square" tIns="91425">
+            <a:noAutofit/>
+          </a:bodyPr>
+          <a:lstStyle/>
+          <a:p>
+            <a:pPr indent="0" lvl="0" marL="0" rtl="0" algn="l">
+              <a:spcBef>
+                <a:spcPts val="0"/>
+              </a:spcBef>
+              <a:spcAft>
+                <a:spcPts val="0"/>
+              </a:spcAft>
+              <a:buNone/>
+            </a:pPr>
+            <a:r>
+              <a:rPr lang="en"/>
+              <a:t>fostering a CS community (which can be rare) and engaging programmers in social activities</a:t>
+            </a:r>
+            <a:endParaRPr/>
+          </a:p>
+          <a:p>
+            <a:pPr indent="0" lvl="0" marL="0" rtl="0" algn="l">
+              <a:spcBef>
+                <a:spcPts val="0"/>
+              </a:spcBef>
+              <a:spcAft>
+                <a:spcPts val="0"/>
+              </a:spcAft>
+              <a:buNone/>
+            </a:pPr>
+            <a:r>
+              <a:rPr lang="en"/>
+              <a:t>Other majors / aspects of study tend to build communities and relationships, but programmers tend to be a bit a-social</a:t>
+            </a:r>
+            <a:endParaRPr/>
+          </a:p>
+          <a:p>
+            <a:pPr indent="0" lvl="0" marL="0" rtl="0" algn="l">
+              <a:spcBef>
+                <a:spcPts val="0"/>
+              </a:spcBef>
+              <a:spcAft>
+                <a:spcPts val="0"/>
+              </a:spcAft>
+              <a:buNone/>
+            </a:pPr>
+            <a:r>
+              <a:rPr lang="en"/>
+              <a:t>Creating connections is very important - also important is - </a:t>
+            </a:r>
+            <a:endParaRPr/>
+          </a:p>
+        </p:txBody>
+      </p:sp>
+    </p:spTree>
+  </p:cSld>
+  <p:clrMapOvr>
+    <a:masterClrMapping/>
+  </p:clrMapOvr>
+</p:notes>
+</file>
+
+<file path=ppt/notesSlides/notesSlide3.xml><?xml version="1.0" encoding="utf-8"?>
+<p:notes xmlns:a="http://schemas.openxmlformats.org/drawingml/2006/main" xmlns:r="http://schemas.openxmlformats.org/officeDocument/2006/relationships" xmlns:mc="http://schemas.openxmlformats.org/markup-compatibility/2006" xmlns:mv="urn:schemas-microsoft-com:mac:vml" xmlns:p="http://schemas.openxmlformats.org/presentationml/2006/main" xmlns:c="http://schemas.openxmlformats.org/drawingml/2006/chart" xmlns:dgm="http://schemas.openxmlformats.org/drawingml/2006/diagram" xmlns:o="urn:schemas-microsoft-com:office:office" xmlns:v="urn:schemas-microsoft-com:vml" xmlns:pvml="urn:schemas-microsoft-com:office:powerpoint" xmlns:com="http://schemas.openxmlformats.org/drawingml/2006/compatibility" xmlns:p14="http://schemas.microsoft.com/office/powerpoint/2010/main" xmlns:p15="http://schemas.microsoft.com/office/powerpoint/2012/main" showMasterPhAnim="0" showMasterSp="0">
+  <p:cSld>
+    <p:spTree>
+      <p:nvGrpSpPr>
+        <p:cNvPr id="66" name="Shape 66"/>
+        <p:cNvGrpSpPr/>
+        <p:nvPr/>
+      </p:nvGrpSpPr>
+      <p:grpSpPr>
+        <a:xfrm>
+          <a:off x="0" y="0"/>
+          <a:ext cx="0" cy="0"/>
+          <a:chOff x="0" y="0"/>
+          <a:chExt cx="0" cy="0"/>
+        </a:xfrm>
+      </p:grpSpPr>
+      <p:sp>
+        <p:nvSpPr>
+          <p:cNvPr id="67" name="Google Shape;67;g5de3adfb2a_0_28:notes"/>
+          <p:cNvSpPr/>
+          <p:nvPr>
+            <p:ph idx="2" type="sldImg"/>
+          </p:nvPr>
+        </p:nvSpPr>
+        <p:spPr>
+          <a:xfrm>
+            <a:off x="381300" y="685800"/>
+            <a:ext cx="6096000" cy="3429000"/>
+          </a:xfrm>
+          <a:custGeom>
+            <a:rect b="b" l="l" r="r" t="t"/>
+            <a:pathLst>
+              <a:path extrusionOk="0" h="120000" w="120000">
+                <a:moveTo>
+                  <a:pt x="0" y="0"/>
+                </a:moveTo>
+                <a:lnTo>
+                  <a:pt x="120000" y="0"/>
+                </a:lnTo>
+                <a:lnTo>
+                  <a:pt x="120000" y="120000"/>
+                </a:lnTo>
+                <a:lnTo>
+                  <a:pt x="0" y="120000"/>
+                </a:lnTo>
+                <a:close/>
+              </a:path>
+            </a:pathLst>
+          </a:custGeom>
+        </p:spPr>
+      </p:sp>
+      <p:sp>
+        <p:nvSpPr>
+          <p:cNvPr id="68" name="Google Shape;68;g5de3adfb2a_0_28:notes"/>
+          <p:cNvSpPr txBox="1"/>
+          <p:nvPr>
+            <p:ph idx="1" type="body"/>
+          </p:nvPr>
+        </p:nvSpPr>
+        <p:spPr>
+          <a:xfrm>
+            <a:off x="685800" y="4343400"/>
+            <a:ext cx="5486400" cy="4114800"/>
+          </a:xfrm>
+          <a:prstGeom prst="rect">
+            <a:avLst/>
+          </a:prstGeom>
+        </p:spPr>
+        <p:txBody>
+          <a:bodyPr anchorCtr="0" anchor="t" bIns="91425" lIns="91425" spcFirstLastPara="1" rIns="91425" wrap="square" tIns="91425">
+            <a:noAutofit/>
+          </a:bodyPr>
+          <a:lstStyle/>
+          <a:p>
+            <a:pPr indent="0" lvl="0" marL="0" rtl="0" algn="l">
+              <a:spcBef>
+                <a:spcPts val="0"/>
+              </a:spcBef>
+              <a:spcAft>
+                <a:spcPts val="0"/>
+              </a:spcAft>
+              <a:buNone/>
+            </a:pPr>
+            <a:r>
+              <a:rPr lang="en"/>
               <a:t>Not everyone has the knowledge (or even the hard drive space) to install linux.</a:t>
             </a:r>
             <a:endParaRPr/>
@@ -1982,6 +3297,646 @@
             <a:r>
               <a:rPr lang="en"/>
               <a:t>Remember- this is a commitment, and people are afraid to leave windows</a:t>
+            </a:r>
+            <a:endParaRPr/>
+          </a:p>
+          <a:p>
+            <a:pPr indent="0" lvl="0" marL="0" rtl="0" algn="l">
+              <a:spcBef>
+                <a:spcPts val="0"/>
+              </a:spcBef>
+              <a:spcAft>
+                <a:spcPts val="0"/>
+              </a:spcAft>
+              <a:buNone/>
+            </a:pPr>
+            <a:r>
+              <a:t/>
+            </a:r>
+            <a:endParaRPr/>
+          </a:p>
+        </p:txBody>
+      </p:sp>
+    </p:spTree>
+  </p:cSld>
+  <p:clrMapOvr>
+    <a:masterClrMapping/>
+  </p:clrMapOvr>
+</p:notes>
+</file>
+
+<file path=ppt/notesSlides/notesSlide30.xml><?xml version="1.0" encoding="utf-8"?>
+<p:notes xmlns:a="http://schemas.openxmlformats.org/drawingml/2006/main" xmlns:r="http://schemas.openxmlformats.org/officeDocument/2006/relationships" xmlns:mc="http://schemas.openxmlformats.org/markup-compatibility/2006" xmlns:mv="urn:schemas-microsoft-com:mac:vml" xmlns:p="http://schemas.openxmlformats.org/presentationml/2006/main" xmlns:c="http://schemas.openxmlformats.org/drawingml/2006/chart" xmlns:dgm="http://schemas.openxmlformats.org/drawingml/2006/diagram" xmlns:o="urn:schemas-microsoft-com:office:office" xmlns:v="urn:schemas-microsoft-com:vml" xmlns:pvml="urn:schemas-microsoft-com:office:powerpoint" xmlns:com="http://schemas.openxmlformats.org/drawingml/2006/compatibility" xmlns:p14="http://schemas.microsoft.com/office/powerpoint/2010/main" xmlns:p15="http://schemas.microsoft.com/office/powerpoint/2012/main" showMasterPhAnim="0" showMasterSp="0">
+  <p:cSld>
+    <p:spTree>
+      <p:nvGrpSpPr>
+        <p:cNvPr id="230" name="Shape 230"/>
+        <p:cNvGrpSpPr/>
+        <p:nvPr/>
+      </p:nvGrpSpPr>
+      <p:grpSpPr>
+        <a:xfrm>
+          <a:off x="0" y="0"/>
+          <a:ext cx="0" cy="0"/>
+          <a:chOff x="0" y="0"/>
+          <a:chExt cx="0" cy="0"/>
+        </a:xfrm>
+      </p:grpSpPr>
+      <p:sp>
+        <p:nvSpPr>
+          <p:cNvPr id="231" name="Google Shape;231;g5de3adfb2a_0_8:notes"/>
+          <p:cNvSpPr/>
+          <p:nvPr>
+            <p:ph idx="2" type="sldImg"/>
+          </p:nvPr>
+        </p:nvSpPr>
+        <p:spPr>
+          <a:xfrm>
+            <a:off x="381300" y="685800"/>
+            <a:ext cx="6096000" cy="3429000"/>
+          </a:xfrm>
+          <a:custGeom>
+            <a:rect b="b" l="l" r="r" t="t"/>
+            <a:pathLst>
+              <a:path extrusionOk="0" h="120000" w="120000">
+                <a:moveTo>
+                  <a:pt x="0" y="0"/>
+                </a:moveTo>
+                <a:lnTo>
+                  <a:pt x="120000" y="0"/>
+                </a:lnTo>
+                <a:lnTo>
+                  <a:pt x="120000" y="120000"/>
+                </a:lnTo>
+                <a:lnTo>
+                  <a:pt x="0" y="120000"/>
+                </a:lnTo>
+                <a:close/>
+              </a:path>
+            </a:pathLst>
+          </a:custGeom>
+        </p:spPr>
+      </p:sp>
+      <p:sp>
+        <p:nvSpPr>
+          <p:cNvPr id="232" name="Google Shape;232;g5de3adfb2a_0_8:notes"/>
+          <p:cNvSpPr txBox="1"/>
+          <p:nvPr>
+            <p:ph idx="1" type="body"/>
+          </p:nvPr>
+        </p:nvSpPr>
+        <p:spPr>
+          <a:xfrm>
+            <a:off x="685800" y="4343400"/>
+            <a:ext cx="5486400" cy="4114800"/>
+          </a:xfrm>
+          <a:prstGeom prst="rect">
+            <a:avLst/>
+          </a:prstGeom>
+        </p:spPr>
+        <p:txBody>
+          <a:bodyPr anchorCtr="0" anchor="t" bIns="91425" lIns="91425" spcFirstLastPara="1" rIns="91425" wrap="square" tIns="91425">
+            <a:noAutofit/>
+          </a:bodyPr>
+          <a:lstStyle/>
+          <a:p>
+            <a:pPr indent="0" lvl="0" marL="0" rtl="0" algn="l">
+              <a:spcBef>
+                <a:spcPts val="0"/>
+              </a:spcBef>
+              <a:spcAft>
+                <a:spcPts val="0"/>
+              </a:spcAft>
+              <a:buNone/>
+            </a:pPr>
+            <a:r>
+              <a:rPr lang="en"/>
+              <a:t>Some people take to linux easily, some need a hand</a:t>
+            </a:r>
+            <a:endParaRPr/>
+          </a:p>
+          <a:p>
+            <a:pPr indent="0" lvl="0" marL="0" rtl="0" algn="l">
+              <a:spcBef>
+                <a:spcPts val="0"/>
+              </a:spcBef>
+              <a:spcAft>
+                <a:spcPts val="0"/>
+              </a:spcAft>
+              <a:buNone/>
+            </a:pPr>
+            <a:r>
+              <a:rPr lang="en"/>
+              <a:t>Teaching people about why linux is cool can get them interested / ahead of the game in industry techniques</a:t>
+            </a:r>
+            <a:endParaRPr/>
+          </a:p>
+          <a:p>
+            <a:pPr indent="0" lvl="0" marL="0" rtl="0" algn="l">
+              <a:spcBef>
+                <a:spcPts val="0"/>
+              </a:spcBef>
+              <a:spcAft>
+                <a:spcPts val="0"/>
+              </a:spcAft>
+              <a:buNone/>
+            </a:pPr>
+            <a:r>
+              <a:rPr lang="en"/>
+              <a:t>I got my job almost primarily off of linux experience, these are valuable skills that can be difficult to learn without introduction- making linux less scary</a:t>
+            </a:r>
+            <a:endParaRPr/>
+          </a:p>
+        </p:txBody>
+      </p:sp>
+    </p:spTree>
+  </p:cSld>
+  <p:clrMapOvr>
+    <a:masterClrMapping/>
+  </p:clrMapOvr>
+</p:notes>
+</file>
+
+<file path=ppt/notesSlides/notesSlide31.xml><?xml version="1.0" encoding="utf-8"?>
+<p:notes xmlns:a="http://schemas.openxmlformats.org/drawingml/2006/main" xmlns:r="http://schemas.openxmlformats.org/officeDocument/2006/relationships" xmlns:mc="http://schemas.openxmlformats.org/markup-compatibility/2006" xmlns:mv="urn:schemas-microsoft-com:mac:vml" xmlns:p="http://schemas.openxmlformats.org/presentationml/2006/main" xmlns:c="http://schemas.openxmlformats.org/drawingml/2006/chart" xmlns:dgm="http://schemas.openxmlformats.org/drawingml/2006/diagram" xmlns:o="urn:schemas-microsoft-com:office:office" xmlns:v="urn:schemas-microsoft-com:vml" xmlns:pvml="urn:schemas-microsoft-com:office:powerpoint" xmlns:com="http://schemas.openxmlformats.org/drawingml/2006/compatibility" xmlns:p14="http://schemas.microsoft.com/office/powerpoint/2010/main" xmlns:p15="http://schemas.microsoft.com/office/powerpoint/2012/main" showMasterPhAnim="0" showMasterSp="0">
+  <p:cSld>
+    <p:spTree>
+      <p:nvGrpSpPr>
+        <p:cNvPr id="235" name="Shape 235"/>
+        <p:cNvGrpSpPr/>
+        <p:nvPr/>
+      </p:nvGrpSpPr>
+      <p:grpSpPr>
+        <a:xfrm>
+          <a:off x="0" y="0"/>
+          <a:ext cx="0" cy="0"/>
+          <a:chOff x="0" y="0"/>
+          <a:chExt cx="0" cy="0"/>
+        </a:xfrm>
+      </p:grpSpPr>
+      <p:sp>
+        <p:nvSpPr>
+          <p:cNvPr id="236" name="Google Shape;236;g5de3adfb2a_0_12:notes"/>
+          <p:cNvSpPr/>
+          <p:nvPr>
+            <p:ph idx="2" type="sldImg"/>
+          </p:nvPr>
+        </p:nvSpPr>
+        <p:spPr>
+          <a:xfrm>
+            <a:off x="381300" y="685800"/>
+            <a:ext cx="6096000" cy="3429000"/>
+          </a:xfrm>
+          <a:custGeom>
+            <a:rect b="b" l="l" r="r" t="t"/>
+            <a:pathLst>
+              <a:path extrusionOk="0" h="120000" w="120000">
+                <a:moveTo>
+                  <a:pt x="0" y="0"/>
+                </a:moveTo>
+                <a:lnTo>
+                  <a:pt x="120000" y="0"/>
+                </a:lnTo>
+                <a:lnTo>
+                  <a:pt x="120000" y="120000"/>
+                </a:lnTo>
+                <a:lnTo>
+                  <a:pt x="0" y="120000"/>
+                </a:lnTo>
+                <a:close/>
+              </a:path>
+            </a:pathLst>
+          </a:custGeom>
+        </p:spPr>
+      </p:sp>
+      <p:sp>
+        <p:nvSpPr>
+          <p:cNvPr id="237" name="Google Shape;237;g5de3adfb2a_0_12:notes"/>
+          <p:cNvSpPr txBox="1"/>
+          <p:nvPr>
+            <p:ph idx="1" type="body"/>
+          </p:nvPr>
+        </p:nvSpPr>
+        <p:spPr>
+          <a:xfrm>
+            <a:off x="685800" y="4343400"/>
+            <a:ext cx="5486400" cy="4114800"/>
+          </a:xfrm>
+          <a:prstGeom prst="rect">
+            <a:avLst/>
+          </a:prstGeom>
+        </p:spPr>
+        <p:txBody>
+          <a:bodyPr anchorCtr="0" anchor="t" bIns="91425" lIns="91425" spcFirstLastPara="1" rIns="91425" wrap="square" tIns="91425">
+            <a:noAutofit/>
+          </a:bodyPr>
+          <a:lstStyle/>
+          <a:p>
+            <a:pPr indent="0" lvl="0" marL="0" rtl="0" algn="l">
+              <a:spcBef>
+                <a:spcPts val="0"/>
+              </a:spcBef>
+              <a:spcAft>
+                <a:spcPts val="0"/>
+              </a:spcAft>
+              <a:buNone/>
+            </a:pPr>
+            <a:r>
+              <a:rPr lang="en"/>
+              <a:t>How do we run the club? We talk about anything that interests us in linux. Usually start with introductory / beginner stuff, progress to more advanced presentations</a:t>
+            </a:r>
+            <a:endParaRPr/>
+          </a:p>
+          <a:p>
+            <a:pPr indent="0" lvl="0" marL="0" rtl="0" algn="l">
+              <a:spcBef>
+                <a:spcPts val="0"/>
+              </a:spcBef>
+              <a:spcAft>
+                <a:spcPts val="0"/>
+              </a:spcAft>
+              <a:buNone/>
+            </a:pPr>
+            <a:r>
+              <a:rPr lang="en"/>
+              <a:t>Community involvement is important here- taking time to have discussion about technical topics, or having community members give presentations about what interests them</a:t>
+            </a:r>
+            <a:endParaRPr/>
+          </a:p>
+        </p:txBody>
+      </p:sp>
+    </p:spTree>
+  </p:cSld>
+  <p:clrMapOvr>
+    <a:masterClrMapping/>
+  </p:clrMapOvr>
+</p:notes>
+</file>
+
+<file path=ppt/notesSlides/notesSlide32.xml><?xml version="1.0" encoding="utf-8"?>
+<p:notes xmlns:a="http://schemas.openxmlformats.org/drawingml/2006/main" xmlns:r="http://schemas.openxmlformats.org/officeDocument/2006/relationships" xmlns:mc="http://schemas.openxmlformats.org/markup-compatibility/2006" xmlns:mv="urn:schemas-microsoft-com:mac:vml" xmlns:p="http://schemas.openxmlformats.org/presentationml/2006/main" xmlns:c="http://schemas.openxmlformats.org/drawingml/2006/chart" xmlns:dgm="http://schemas.openxmlformats.org/drawingml/2006/diagram" xmlns:o="urn:schemas-microsoft-com:office:office" xmlns:v="urn:schemas-microsoft-com:vml" xmlns:pvml="urn:schemas-microsoft-com:office:powerpoint" xmlns:com="http://schemas.openxmlformats.org/drawingml/2006/compatibility" xmlns:p14="http://schemas.microsoft.com/office/powerpoint/2010/main" xmlns:p15="http://schemas.microsoft.com/office/powerpoint/2012/main" showMasterPhAnim="0" showMasterSp="0">
+  <p:cSld>
+    <p:spTree>
+      <p:nvGrpSpPr>
+        <p:cNvPr id="240" name="Shape 240"/>
+        <p:cNvGrpSpPr/>
+        <p:nvPr/>
+      </p:nvGrpSpPr>
+      <p:grpSpPr>
+        <a:xfrm>
+          <a:off x="0" y="0"/>
+          <a:ext cx="0" cy="0"/>
+          <a:chOff x="0" y="0"/>
+          <a:chExt cx="0" cy="0"/>
+        </a:xfrm>
+      </p:grpSpPr>
+      <p:sp>
+        <p:nvSpPr>
+          <p:cNvPr id="241" name="Google Shape;241;g5de3adfb2a_0_24:notes"/>
+          <p:cNvSpPr/>
+          <p:nvPr>
+            <p:ph idx="2" type="sldImg"/>
+          </p:nvPr>
+        </p:nvSpPr>
+        <p:spPr>
+          <a:xfrm>
+            <a:off x="381300" y="685800"/>
+            <a:ext cx="6096000" cy="3429000"/>
+          </a:xfrm>
+          <a:custGeom>
+            <a:rect b="b" l="l" r="r" t="t"/>
+            <a:pathLst>
+              <a:path extrusionOk="0" h="120000" w="120000">
+                <a:moveTo>
+                  <a:pt x="0" y="0"/>
+                </a:moveTo>
+                <a:lnTo>
+                  <a:pt x="120000" y="0"/>
+                </a:lnTo>
+                <a:lnTo>
+                  <a:pt x="120000" y="120000"/>
+                </a:lnTo>
+                <a:lnTo>
+                  <a:pt x="0" y="120000"/>
+                </a:lnTo>
+                <a:close/>
+              </a:path>
+            </a:pathLst>
+          </a:custGeom>
+        </p:spPr>
+      </p:sp>
+      <p:sp>
+        <p:nvSpPr>
+          <p:cNvPr id="242" name="Google Shape;242;g5de3adfb2a_0_24:notes"/>
+          <p:cNvSpPr txBox="1"/>
+          <p:nvPr>
+            <p:ph idx="1" type="body"/>
+          </p:nvPr>
+        </p:nvSpPr>
+        <p:spPr>
+          <a:xfrm>
+            <a:off x="685800" y="4343400"/>
+            <a:ext cx="5486400" cy="4114800"/>
+          </a:xfrm>
+          <a:prstGeom prst="rect">
+            <a:avLst/>
+          </a:prstGeom>
+        </p:spPr>
+        <p:txBody>
+          <a:bodyPr anchorCtr="0" anchor="t" bIns="91425" lIns="91425" spcFirstLastPara="1" rIns="91425" wrap="square" tIns="91425">
+            <a:noAutofit/>
+          </a:bodyPr>
+          <a:lstStyle/>
+          <a:p>
+            <a:pPr indent="0" lvl="0" marL="0" rtl="0" algn="l">
+              <a:spcBef>
+                <a:spcPts val="0"/>
+              </a:spcBef>
+              <a:spcAft>
+                <a:spcPts val="0"/>
+              </a:spcAft>
+              <a:buNone/>
+            </a:pPr>
+            <a:r>
+              <a:rPr lang="en"/>
+              <a:t>Linux club sounds cool, and it’s definitely something you can pull off, but there’s also work that you need to put in to get the ball rolling.</a:t>
+            </a:r>
+            <a:endParaRPr/>
+          </a:p>
+          <a:p>
+            <a:pPr indent="0" lvl="0" marL="0" rtl="0" algn="l">
+              <a:spcBef>
+                <a:spcPts val="0"/>
+              </a:spcBef>
+              <a:spcAft>
+                <a:spcPts val="0"/>
+              </a:spcAft>
+              <a:buNone/>
+            </a:pPr>
+            <a:r>
+              <a:rPr lang="en"/>
+              <a:t>Here are some of the issues we ran into, and how we’ve overcome them.</a:t>
+            </a:r>
+            <a:endParaRPr/>
+          </a:p>
+          <a:p>
+            <a:pPr indent="0" lvl="0" marL="0" rtl="0" algn="l">
+              <a:spcBef>
+                <a:spcPts val="0"/>
+              </a:spcBef>
+              <a:spcAft>
+                <a:spcPts val="0"/>
+              </a:spcAft>
+              <a:buNone/>
+            </a:pPr>
+            <a:r>
+              <a:t/>
+            </a:r>
+            <a:endParaRPr/>
+          </a:p>
+        </p:txBody>
+      </p:sp>
+    </p:spTree>
+  </p:cSld>
+  <p:clrMapOvr>
+    <a:masterClrMapping/>
+  </p:clrMapOvr>
+</p:notes>
+</file>
+
+<file path=ppt/notesSlides/notesSlide33.xml><?xml version="1.0" encoding="utf-8"?>
+<p:notes xmlns:a="http://schemas.openxmlformats.org/drawingml/2006/main" xmlns:r="http://schemas.openxmlformats.org/officeDocument/2006/relationships" xmlns:mc="http://schemas.openxmlformats.org/markup-compatibility/2006" xmlns:mv="urn:schemas-microsoft-com:mac:vml" xmlns:p="http://schemas.openxmlformats.org/presentationml/2006/main" xmlns:c="http://schemas.openxmlformats.org/drawingml/2006/chart" xmlns:dgm="http://schemas.openxmlformats.org/drawingml/2006/diagram" xmlns:o="urn:schemas-microsoft-com:office:office" xmlns:v="urn:schemas-microsoft-com:vml" xmlns:pvml="urn:schemas-microsoft-com:office:powerpoint" xmlns:com="http://schemas.openxmlformats.org/drawingml/2006/compatibility" xmlns:p14="http://schemas.microsoft.com/office/powerpoint/2010/main" xmlns:p15="http://schemas.microsoft.com/office/powerpoint/2012/main" showMasterPhAnim="0" showMasterSp="0">
+  <p:cSld>
+    <p:spTree>
+      <p:nvGrpSpPr>
+        <p:cNvPr id="245" name="Shape 245"/>
+        <p:cNvGrpSpPr/>
+        <p:nvPr/>
+      </p:nvGrpSpPr>
+      <p:grpSpPr>
+        <a:xfrm>
+          <a:off x="0" y="0"/>
+          <a:ext cx="0" cy="0"/>
+          <a:chOff x="0" y="0"/>
+          <a:chExt cx="0" cy="0"/>
+        </a:xfrm>
+      </p:grpSpPr>
+      <p:sp>
+        <p:nvSpPr>
+          <p:cNvPr id="246" name="Google Shape;246;g5de3adfb2a_0_20:notes"/>
+          <p:cNvSpPr/>
+          <p:nvPr>
+            <p:ph idx="2" type="sldImg"/>
+          </p:nvPr>
+        </p:nvSpPr>
+        <p:spPr>
+          <a:xfrm>
+            <a:off x="381300" y="685800"/>
+            <a:ext cx="6096000" cy="3429000"/>
+          </a:xfrm>
+          <a:custGeom>
+            <a:rect b="b" l="l" r="r" t="t"/>
+            <a:pathLst>
+              <a:path extrusionOk="0" h="120000" w="120000">
+                <a:moveTo>
+                  <a:pt x="0" y="0"/>
+                </a:moveTo>
+                <a:lnTo>
+                  <a:pt x="120000" y="0"/>
+                </a:lnTo>
+                <a:lnTo>
+                  <a:pt x="120000" y="120000"/>
+                </a:lnTo>
+                <a:lnTo>
+                  <a:pt x="0" y="120000"/>
+                </a:lnTo>
+                <a:close/>
+              </a:path>
+            </a:pathLst>
+          </a:custGeom>
+        </p:spPr>
+      </p:sp>
+      <p:sp>
+        <p:nvSpPr>
+          <p:cNvPr id="247" name="Google Shape;247;g5de3adfb2a_0_20:notes"/>
+          <p:cNvSpPr txBox="1"/>
+          <p:nvPr>
+            <p:ph idx="1" type="body"/>
+          </p:nvPr>
+        </p:nvSpPr>
+        <p:spPr>
+          <a:xfrm>
+            <a:off x="685800" y="4343400"/>
+            <a:ext cx="5486400" cy="4114800"/>
+          </a:xfrm>
+          <a:prstGeom prst="rect">
+            <a:avLst/>
+          </a:prstGeom>
+        </p:spPr>
+        <p:txBody>
+          <a:bodyPr anchorCtr="0" anchor="t" bIns="91425" lIns="91425" spcFirstLastPara="1" rIns="91425" wrap="square" tIns="91425">
+            <a:noAutofit/>
+          </a:bodyPr>
+          <a:lstStyle/>
+          <a:p>
+            <a:pPr indent="0" lvl="0" marL="0" rtl="0" algn="l">
+              <a:spcBef>
+                <a:spcPts val="0"/>
+              </a:spcBef>
+              <a:spcAft>
+                <a:spcPts val="0"/>
+              </a:spcAft>
+              <a:buNone/>
+            </a:pPr>
+            <a:r>
+              <a:rPr lang="en"/>
+              <a:t>Running a club can be tough for just one person- getting community involvement and building leadership is really important.</a:t>
+            </a:r>
+            <a:endParaRPr/>
+          </a:p>
+          <a:p>
+            <a:pPr indent="0" lvl="0" marL="0" rtl="0" algn="l">
+              <a:spcBef>
+                <a:spcPts val="0"/>
+              </a:spcBef>
+              <a:spcAft>
+                <a:spcPts val="0"/>
+              </a:spcAft>
+              <a:buNone/>
+            </a:pPr>
+            <a:r>
+              <a:t/>
+            </a:r>
+            <a:endParaRPr/>
+          </a:p>
+        </p:txBody>
+      </p:sp>
+    </p:spTree>
+  </p:cSld>
+  <p:clrMapOvr>
+    <a:masterClrMapping/>
+  </p:clrMapOvr>
+</p:notes>
+</file>
+
+<file path=ppt/notesSlides/notesSlide34.xml><?xml version="1.0" encoding="utf-8"?>
+<p:notes xmlns:a="http://schemas.openxmlformats.org/drawingml/2006/main" xmlns:r="http://schemas.openxmlformats.org/officeDocument/2006/relationships" xmlns:mc="http://schemas.openxmlformats.org/markup-compatibility/2006" xmlns:mv="urn:schemas-microsoft-com:mac:vml" xmlns:p="http://schemas.openxmlformats.org/presentationml/2006/main" xmlns:c="http://schemas.openxmlformats.org/drawingml/2006/chart" xmlns:dgm="http://schemas.openxmlformats.org/drawingml/2006/diagram" xmlns:o="urn:schemas-microsoft-com:office:office" xmlns:v="urn:schemas-microsoft-com:vml" xmlns:pvml="urn:schemas-microsoft-com:office:powerpoint" xmlns:com="http://schemas.openxmlformats.org/drawingml/2006/compatibility" xmlns:p14="http://schemas.microsoft.com/office/powerpoint/2010/main" xmlns:p15="http://schemas.microsoft.com/office/powerpoint/2012/main" showMasterPhAnim="0" showMasterSp="0">
+  <p:cSld>
+    <p:spTree>
+      <p:nvGrpSpPr>
+        <p:cNvPr id="250" name="Shape 250"/>
+        <p:cNvGrpSpPr/>
+        <p:nvPr/>
+      </p:nvGrpSpPr>
+      <p:grpSpPr>
+        <a:xfrm>
+          <a:off x="0" y="0"/>
+          <a:ext cx="0" cy="0"/>
+          <a:chOff x="0" y="0"/>
+          <a:chExt cx="0" cy="0"/>
+        </a:xfrm>
+      </p:grpSpPr>
+      <p:sp>
+        <p:nvSpPr>
+          <p:cNvPr id="251" name="Google Shape;251;g5de3adfb2a_0_16:notes"/>
+          <p:cNvSpPr/>
+          <p:nvPr>
+            <p:ph idx="2" type="sldImg"/>
+          </p:nvPr>
+        </p:nvSpPr>
+        <p:spPr>
+          <a:xfrm>
+            <a:off x="381300" y="685800"/>
+            <a:ext cx="6096000" cy="3429000"/>
+          </a:xfrm>
+          <a:custGeom>
+            <a:rect b="b" l="l" r="r" t="t"/>
+            <a:pathLst>
+              <a:path extrusionOk="0" h="120000" w="120000">
+                <a:moveTo>
+                  <a:pt x="0" y="0"/>
+                </a:moveTo>
+                <a:lnTo>
+                  <a:pt x="120000" y="0"/>
+                </a:lnTo>
+                <a:lnTo>
+                  <a:pt x="120000" y="120000"/>
+                </a:lnTo>
+                <a:lnTo>
+                  <a:pt x="0" y="120000"/>
+                </a:lnTo>
+                <a:close/>
+              </a:path>
+            </a:pathLst>
+          </a:custGeom>
+        </p:spPr>
+      </p:sp>
+      <p:sp>
+        <p:nvSpPr>
+          <p:cNvPr id="252" name="Google Shape;252;g5de3adfb2a_0_16:notes"/>
+          <p:cNvSpPr txBox="1"/>
+          <p:nvPr>
+            <p:ph idx="1" type="body"/>
+          </p:nvPr>
+        </p:nvSpPr>
+        <p:spPr>
+          <a:xfrm>
+            <a:off x="685800" y="4343400"/>
+            <a:ext cx="5486400" cy="4114800"/>
+          </a:xfrm>
+          <a:prstGeom prst="rect">
+            <a:avLst/>
+          </a:prstGeom>
+        </p:spPr>
+        <p:txBody>
+          <a:bodyPr anchorCtr="0" anchor="t" bIns="91425" lIns="91425" spcFirstLastPara="1" rIns="91425" wrap="square" tIns="91425">
+            <a:noAutofit/>
+          </a:bodyPr>
+          <a:lstStyle/>
+          <a:p>
+            <a:pPr indent="0" lvl="0" marL="0" rtl="0" algn="l">
+              <a:spcBef>
+                <a:spcPts val="0"/>
+              </a:spcBef>
+              <a:spcAft>
+                <a:spcPts val="0"/>
+              </a:spcAft>
+              <a:buNone/>
+            </a:pPr>
+            <a:r>
+              <a:rPr lang="en"/>
+              <a:t>How do I start one- talk to administration, you’ll probably find a professor who’s enthusiastic.</a:t>
+            </a:r>
+            <a:endParaRPr/>
+          </a:p>
+          <a:p>
+            <a:pPr indent="0" lvl="0" marL="0" rtl="0" algn="l">
+              <a:spcBef>
+                <a:spcPts val="0"/>
+              </a:spcBef>
+              <a:spcAft>
+                <a:spcPts val="0"/>
+              </a:spcAft>
+              <a:buNone/>
+            </a:pPr>
+            <a:r>
+              <a:rPr lang="en"/>
+              <a:t>In our experience, a faculty advisor doesn’t have to be particularly involved for the club to be successful, but it can help.</a:t>
+            </a:r>
+            <a:endParaRPr/>
+          </a:p>
+          <a:p>
+            <a:pPr indent="0" lvl="0" marL="0" rtl="0" algn="l">
+              <a:spcBef>
+                <a:spcPts val="0"/>
+              </a:spcBef>
+              <a:spcAft>
+                <a:spcPts val="0"/>
+              </a:spcAft>
+              <a:buNone/>
+            </a:pPr>
+            <a:r>
+              <a:t/>
             </a:r>
             <a:endParaRPr/>
           </a:p>
@@ -8055,20 +10010,20 @@
         </p:nvSpPr>
         <p:spPr>
           <a:xfrm>
-            <a:off x="671250" y="2141250"/>
-            <a:ext cx="7852200" cy="861000"/>
+            <a:off x="311700" y="445025"/>
+            <a:ext cx="8520600" cy="572700"/>
           </a:xfrm>
           <a:prstGeom prst="rect">
             <a:avLst/>
           </a:prstGeom>
         </p:spPr>
         <p:txBody>
-          <a:bodyPr anchorCtr="0" anchor="ctr" bIns="91425" lIns="91425" spcFirstLastPara="1" rIns="91425" wrap="square" tIns="91425">
+          <a:bodyPr anchorCtr="0" anchor="t" bIns="91425" lIns="91425" spcFirstLastPara="1" rIns="91425" wrap="square" tIns="91425">
             <a:noAutofit/>
           </a:bodyPr>
           <a:lstStyle/>
           <a:p>
-            <a:pPr indent="0" lvl="0" marL="0" rtl="0" algn="ctr">
+            <a:pPr indent="0" lvl="0" marL="0" rtl="0" algn="l">
               <a:spcBef>
                 <a:spcPts val="0"/>
               </a:spcBef>
@@ -8079,7 +10034,174 @@
             </a:pPr>
             <a:r>
               <a:rPr lang="en"/>
-              <a:t>Linux Club- Why do you need one?</a:t>
+              <a:t>Start X11 Server &amp; Enable nginx</a:t>
+            </a:r>
+            <a:endParaRPr/>
+          </a:p>
+        </p:txBody>
+      </p:sp>
+      <p:sp>
+        <p:nvSpPr>
+          <p:cNvPr id="114" name="Google Shape;114;p22"/>
+          <p:cNvSpPr txBox="1"/>
+          <p:nvPr>
+            <p:ph idx="1" type="body"/>
+          </p:nvPr>
+        </p:nvSpPr>
+        <p:spPr>
+          <a:xfrm>
+            <a:off x="311700" y="1152475"/>
+            <a:ext cx="8520600" cy="3416400"/>
+          </a:xfrm>
+          <a:prstGeom prst="rect">
+            <a:avLst/>
+          </a:prstGeom>
+        </p:spPr>
+        <p:txBody>
+          <a:bodyPr anchorCtr="0" anchor="t" bIns="91425" lIns="91425" spcFirstLastPara="1" rIns="91425" wrap="square" tIns="91425">
+            <a:noAutofit/>
+          </a:bodyPr>
+          <a:lstStyle/>
+          <a:p>
+            <a:pPr indent="0" lvl="0" marL="0" rtl="0" algn="l">
+              <a:spcBef>
+                <a:spcPts val="0"/>
+              </a:spcBef>
+              <a:spcAft>
+                <a:spcPts val="0"/>
+              </a:spcAft>
+              <a:buNone/>
+            </a:pPr>
+            <a:r>
+              <a:rPr lang="en" sz="2400">
+                <a:latin typeface="Consolas"/>
+                <a:ea typeface="Consolas"/>
+                <a:cs typeface="Consolas"/>
+                <a:sym typeface="Consolas"/>
+              </a:rPr>
+              <a:t>$ sudo systemctl start graphical.target</a:t>
+            </a:r>
+            <a:endParaRPr sz="2400">
+              <a:latin typeface="Consolas"/>
+              <a:ea typeface="Consolas"/>
+              <a:cs typeface="Consolas"/>
+              <a:sym typeface="Consolas"/>
+            </a:endParaRPr>
+          </a:p>
+          <a:p>
+            <a:pPr indent="0" lvl="0" marL="0" rtl="0" algn="l">
+              <a:spcBef>
+                <a:spcPts val="1600"/>
+              </a:spcBef>
+              <a:spcAft>
+                <a:spcPts val="0"/>
+              </a:spcAft>
+              <a:buNone/>
+            </a:pPr>
+            <a:r>
+              <a:rPr lang="en" sz="2400">
+                <a:latin typeface="Consolas"/>
+                <a:ea typeface="Consolas"/>
+                <a:cs typeface="Consolas"/>
+                <a:sym typeface="Consolas"/>
+              </a:rPr>
+              <a:t>$ sudo sytemctl start nginx</a:t>
+            </a:r>
+            <a:endParaRPr sz="2400">
+              <a:latin typeface="Consolas"/>
+              <a:ea typeface="Consolas"/>
+              <a:cs typeface="Consolas"/>
+              <a:sym typeface="Consolas"/>
+            </a:endParaRPr>
+          </a:p>
+          <a:p>
+            <a:pPr indent="0" lvl="0" marL="0" marR="152400" rtl="0" algn="l">
+              <a:lnSpc>
+                <a:spcPct val="145000"/>
+              </a:lnSpc>
+              <a:spcBef>
+                <a:spcPts val="1600"/>
+              </a:spcBef>
+              <a:spcAft>
+                <a:spcPts val="0"/>
+              </a:spcAft>
+              <a:buNone/>
+            </a:pPr>
+            <a:r>
+              <a:rPr lang="en" sz="2400">
+                <a:latin typeface="Consolas"/>
+                <a:ea typeface="Consolas"/>
+                <a:cs typeface="Consolas"/>
+                <a:sym typeface="Consolas"/>
+              </a:rPr>
+              <a:t>$ sudo systemctl enable nginx</a:t>
+            </a:r>
+            <a:endParaRPr sz="2400">
+              <a:latin typeface="Consolas"/>
+              <a:ea typeface="Consolas"/>
+              <a:cs typeface="Consolas"/>
+              <a:sym typeface="Consolas"/>
+            </a:endParaRPr>
+          </a:p>
+          <a:p>
+            <a:pPr indent="0" lvl="0" marL="0" marR="152400" rtl="0" algn="l">
+              <a:lnSpc>
+                <a:spcPct val="145000"/>
+              </a:lnSpc>
+              <a:spcBef>
+                <a:spcPts val="1200"/>
+              </a:spcBef>
+              <a:spcAft>
+                <a:spcPts val="0"/>
+              </a:spcAft>
+              <a:buNone/>
+            </a:pPr>
+            <a:r>
+              <a:rPr lang="en" sz="2400">
+                <a:latin typeface="Consolas"/>
+                <a:ea typeface="Consolas"/>
+                <a:cs typeface="Consolas"/>
+                <a:sym typeface="Consolas"/>
+              </a:rPr>
+              <a:t>s</a:t>
+            </a:r>
+            <a:r>
+              <a:rPr lang="en" sz="2400">
+                <a:latin typeface="Consolas"/>
+                <a:ea typeface="Consolas"/>
+                <a:cs typeface="Consolas"/>
+                <a:sym typeface="Consolas"/>
+              </a:rPr>
+              <a:t>ystemctl </a:t>
+            </a:r>
+            <a:r>
+              <a:rPr lang="en" sz="2400">
+                <a:latin typeface="Oswald"/>
+                <a:ea typeface="Oswald"/>
+                <a:cs typeface="Oswald"/>
+                <a:sym typeface="Oswald"/>
+              </a:rPr>
+              <a:t>is a service manager for Linux</a:t>
+            </a:r>
+            <a:endParaRPr sz="2400">
+              <a:latin typeface="Oswald"/>
+              <a:ea typeface="Oswald"/>
+              <a:cs typeface="Oswald"/>
+              <a:sym typeface="Oswald"/>
+            </a:endParaRPr>
+          </a:p>
+          <a:p>
+            <a:pPr indent="0" lvl="0" marL="0" rtl="0" algn="l">
+              <a:spcBef>
+                <a:spcPts val="1200"/>
+              </a:spcBef>
+              <a:spcAft>
+                <a:spcPts val="1600"/>
+              </a:spcAft>
+              <a:buNone/>
+            </a:pPr>
+            <a:r>
+              <a:t/>
             </a:r>
             <a:endParaRPr/>
           </a:p>
@@ -8098,7 +10220,7 @@
   <p:cSld>
     <p:spTree>
       <p:nvGrpSpPr>
-        <p:cNvPr id="117" name="Shape 117"/>
+        <p:cNvPr id="118" name="Shape 118"/>
         <p:cNvGrpSpPr/>
         <p:nvPr/>
       </p:nvGrpSpPr>
@@ -8112,7 +10234,7 @@
       </p:grpSpPr>
       <p:sp>
         <p:nvSpPr>
-          <p:cNvPr id="118" name="Google Shape;118;p23"/>
+          <p:cNvPr id="119" name="Google Shape;119;p23"/>
           <p:cNvSpPr txBox="1"/>
           <p:nvPr>
             <p:ph type="title"/>
@@ -8120,20 +10242,20 @@
         </p:nvSpPr>
         <p:spPr>
           <a:xfrm>
-            <a:off x="671250" y="2141250"/>
-            <a:ext cx="7852200" cy="861000"/>
+            <a:off x="311700" y="445025"/>
+            <a:ext cx="8520600" cy="572700"/>
           </a:xfrm>
           <a:prstGeom prst="rect">
             <a:avLst/>
           </a:prstGeom>
         </p:spPr>
         <p:txBody>
-          <a:bodyPr anchorCtr="0" anchor="ctr" bIns="91425" lIns="91425" spcFirstLastPara="1" rIns="91425" wrap="square" tIns="91425">
+          <a:bodyPr anchorCtr="0" anchor="t" bIns="91425" lIns="91425" spcFirstLastPara="1" rIns="91425" wrap="square" tIns="91425">
             <a:noAutofit/>
           </a:bodyPr>
           <a:lstStyle/>
           <a:p>
-            <a:pPr indent="0" lvl="0" marL="0" rtl="0" algn="ctr">
+            <a:pPr indent="0" lvl="0" marL="0" rtl="0" algn="l">
               <a:spcBef>
                 <a:spcPts val="0"/>
               </a:spcBef>
@@ -8144,9 +10266,111 @@
             </a:pPr>
             <a:r>
               <a:rPr lang="en"/>
-              <a:t>Community</a:t>
+              <a:t>Use S SHell to Remotely Administer</a:t>
             </a:r>
             <a:endParaRPr/>
+          </a:p>
+        </p:txBody>
+      </p:sp>
+      <p:sp>
+        <p:nvSpPr>
+          <p:cNvPr id="120" name="Google Shape;120;p23"/>
+          <p:cNvSpPr txBox="1"/>
+          <p:nvPr>
+            <p:ph idx="1" type="body"/>
+          </p:nvPr>
+        </p:nvSpPr>
+        <p:spPr>
+          <a:xfrm>
+            <a:off x="311700" y="1152475"/>
+            <a:ext cx="8520600" cy="3416400"/>
+          </a:xfrm>
+          <a:prstGeom prst="rect">
+            <a:avLst/>
+          </a:prstGeom>
+        </p:spPr>
+        <p:txBody>
+          <a:bodyPr anchorCtr="0" anchor="t" bIns="91425" lIns="91425" spcFirstLastPara="1" rIns="91425" wrap="square" tIns="91425">
+            <a:noAutofit/>
+          </a:bodyPr>
+          <a:lstStyle/>
+          <a:p>
+            <a:pPr indent="0" lvl="0" marL="0" rtl="0" algn="l">
+              <a:spcBef>
+                <a:spcPts val="0"/>
+              </a:spcBef>
+              <a:spcAft>
+                <a:spcPts val="0"/>
+              </a:spcAft>
+              <a:buNone/>
+            </a:pPr>
+            <a:r>
+              <a:rPr lang="en" sz="2400">
+                <a:latin typeface="Consolas"/>
+                <a:ea typeface="Consolas"/>
+                <a:cs typeface="Consolas"/>
+                <a:sym typeface="Consolas"/>
+              </a:rPr>
+              <a:t>$ ssh -X user@server</a:t>
+            </a:r>
+            <a:endParaRPr sz="2400">
+              <a:latin typeface="Consolas"/>
+              <a:ea typeface="Consolas"/>
+              <a:cs typeface="Consolas"/>
+              <a:sym typeface="Consolas"/>
+            </a:endParaRPr>
+          </a:p>
+          <a:p>
+            <a:pPr indent="0" lvl="0" marL="0" rtl="0" algn="l">
+              <a:spcBef>
+                <a:spcPts val="1600"/>
+              </a:spcBef>
+              <a:spcAft>
+                <a:spcPts val="0"/>
+              </a:spcAft>
+              <a:buNone/>
+            </a:pPr>
+            <a:r>
+              <a:rPr lang="en" sz="2400">
+                <a:latin typeface="Consolas"/>
+                <a:ea typeface="Consolas"/>
+                <a:cs typeface="Consolas"/>
+                <a:sym typeface="Consolas"/>
+              </a:rPr>
+              <a:t>/etc/ssh/sshd_config -</a:t>
+            </a:r>
+            <a:endParaRPr sz="2400">
+              <a:latin typeface="Consolas"/>
+              <a:ea typeface="Consolas"/>
+              <a:cs typeface="Consolas"/>
+              <a:sym typeface="Consolas"/>
+            </a:endParaRPr>
+          </a:p>
+          <a:p>
+            <a:pPr indent="0" lvl="0" marL="0" rtl="0" algn="l">
+              <a:spcBef>
+                <a:spcPts val="1600"/>
+              </a:spcBef>
+              <a:spcAft>
+                <a:spcPts val="1600"/>
+              </a:spcAft>
+              <a:buNone/>
+            </a:pPr>
+            <a:r>
+              <a:rPr lang="en" sz="2400">
+                <a:latin typeface="Consolas"/>
+                <a:ea typeface="Consolas"/>
+                <a:cs typeface="Consolas"/>
+                <a:sym typeface="Consolas"/>
+              </a:rPr>
+              <a:t>X11Forwarding yes</a:t>
+            </a:r>
+            <a:endParaRPr sz="2400">
+              <a:latin typeface="Consolas"/>
+              <a:ea typeface="Consolas"/>
+              <a:cs typeface="Consolas"/>
+              <a:sym typeface="Consolas"/>
+            </a:endParaRPr>
           </a:p>
         </p:txBody>
       </p:sp>
@@ -8163,7 +10387,7 @@
   <p:cSld>
     <p:spTree>
       <p:nvGrpSpPr>
-        <p:cNvPr id="122" name="Shape 122"/>
+        <p:cNvPr id="124" name="Shape 124"/>
         <p:cNvGrpSpPr/>
         <p:nvPr/>
       </p:nvGrpSpPr>
@@ -8177,7 +10401,7 @@
       </p:grpSpPr>
       <p:sp>
         <p:nvSpPr>
-          <p:cNvPr id="123" name="Google Shape;123;p24"/>
+          <p:cNvPr id="125" name="Google Shape;125;p24"/>
           <p:cNvSpPr txBox="1"/>
           <p:nvPr>
             <p:ph type="title"/>
@@ -8185,20 +10409,20 @@
         </p:nvSpPr>
         <p:spPr>
           <a:xfrm>
-            <a:off x="671250" y="2141250"/>
-            <a:ext cx="7852200" cy="861000"/>
+            <a:off x="311700" y="445025"/>
+            <a:ext cx="8520600" cy="572700"/>
           </a:xfrm>
           <a:prstGeom prst="rect">
             <a:avLst/>
           </a:prstGeom>
         </p:spPr>
         <p:txBody>
-          <a:bodyPr anchorCtr="0" anchor="ctr" bIns="91425" lIns="91425" spcFirstLastPara="1" rIns="91425" wrap="square" tIns="91425">
+          <a:bodyPr anchorCtr="0" anchor="t" bIns="91425" lIns="91425" spcFirstLastPara="1" rIns="91425" wrap="square" tIns="91425">
             <a:noAutofit/>
           </a:bodyPr>
           <a:lstStyle/>
           <a:p>
-            <a:pPr indent="0" lvl="0" marL="0" rtl="0" algn="ctr">
+            <a:pPr indent="0" lvl="0" marL="0" rtl="0" algn="l">
               <a:spcBef>
                 <a:spcPts val="0"/>
               </a:spcBef>
@@ -8209,12 +10433,79 @@
             </a:pPr>
             <a:r>
               <a:rPr lang="en"/>
-              <a:t>Skill Development</a:t>
+              <a:t>Create Local DNS Records</a:t>
             </a:r>
             <a:endParaRPr/>
           </a:p>
         </p:txBody>
       </p:sp>
+      <p:sp>
+        <p:nvSpPr>
+          <p:cNvPr id="126" name="Google Shape;126;p24"/>
+          <p:cNvSpPr txBox="1"/>
+          <p:nvPr>
+            <p:ph idx="1" type="body"/>
+          </p:nvPr>
+        </p:nvSpPr>
+        <p:spPr>
+          <a:xfrm>
+            <a:off x="311700" y="1152475"/>
+            <a:ext cx="8520600" cy="3416400"/>
+          </a:xfrm>
+          <a:prstGeom prst="rect">
+            <a:avLst/>
+          </a:prstGeom>
+        </p:spPr>
+        <p:txBody>
+          <a:bodyPr anchorCtr="0" anchor="t" bIns="91425" lIns="91425" spcFirstLastPara="1" rIns="91425" wrap="square" tIns="91425">
+            <a:noAutofit/>
+          </a:bodyPr>
+          <a:lstStyle/>
+          <a:p>
+            <a:pPr indent="0" lvl="0" marL="0" rtl="0" algn="l">
+              <a:spcBef>
+                <a:spcPts val="0"/>
+              </a:spcBef>
+              <a:spcAft>
+                <a:spcPts val="1600"/>
+              </a:spcAft>
+              <a:buNone/>
+            </a:pPr>
+            <a:r>
+              <a:t/>
+            </a:r>
+            <a:endParaRPr/>
+          </a:p>
+        </p:txBody>
+      </p:sp>
+      <p:pic>
+        <p:nvPicPr>
+          <p:cNvPr id="127" name="Google Shape;127;p24"/>
+          <p:cNvPicPr preferRelativeResize="0"/>
+          <p:nvPr/>
+        </p:nvPicPr>
+        <p:blipFill>
+          <a:blip r:embed="rId3">
+            <a:alphaModFix/>
+          </a:blip>
+          <a:stretch>
+            <a:fillRect/>
+          </a:stretch>
+        </p:blipFill>
+        <p:spPr>
+          <a:xfrm>
+            <a:off x="742950" y="1917700"/>
+            <a:ext cx="7658100" cy="1885950"/>
+          </a:xfrm>
+          <a:prstGeom prst="rect">
+            <a:avLst/>
+          </a:prstGeom>
+          <a:noFill/>
+          <a:ln>
+            <a:noFill/>
+          </a:ln>
+        </p:spPr>
+      </p:pic>
     </p:spTree>
   </p:cSld>
   <p:clrMapOvr>
@@ -8228,7 +10519,7 @@
   <p:cSld>
     <p:spTree>
       <p:nvGrpSpPr>
-        <p:cNvPr id="127" name="Shape 127"/>
+        <p:cNvPr id="131" name="Shape 131"/>
         <p:cNvGrpSpPr/>
         <p:nvPr/>
       </p:nvGrpSpPr>
@@ -8242,7 +10533,7 @@
       </p:grpSpPr>
       <p:sp>
         <p:nvSpPr>
-          <p:cNvPr id="128" name="Google Shape;128;p25"/>
+          <p:cNvPr id="132" name="Google Shape;132;p25"/>
           <p:cNvSpPr txBox="1"/>
           <p:nvPr>
             <p:ph type="title"/>
@@ -8250,36 +10541,104 @@
         </p:nvSpPr>
         <p:spPr>
           <a:xfrm>
-            <a:off x="671250" y="2141250"/>
-            <a:ext cx="7852200" cy="861000"/>
+            <a:off x="311700" y="445025"/>
+            <a:ext cx="8520600" cy="572700"/>
           </a:xfrm>
           <a:prstGeom prst="rect">
             <a:avLst/>
           </a:prstGeom>
         </p:spPr>
         <p:txBody>
-          <a:bodyPr anchorCtr="0" anchor="ctr" bIns="91425" lIns="91425" spcFirstLastPara="1" rIns="91425" wrap="square" tIns="91425">
+          <a:bodyPr anchorCtr="0" anchor="t" bIns="91425" lIns="91425" spcFirstLastPara="1" rIns="91425" wrap="square" tIns="91425">
             <a:noAutofit/>
           </a:bodyPr>
           <a:lstStyle/>
           <a:p>
-            <a:pPr indent="0" lvl="0" marL="0" rtl="0" algn="ctr">
-              <a:spcBef>
-                <a:spcPts val="0"/>
-              </a:spcBef>
-              <a:spcAft>
-                <a:spcPts val="0"/>
-              </a:spcAft>
-              <a:buNone/>
+            <a:pPr indent="-419100" lvl="0" marL="457200" rtl="0" algn="l">
+              <a:spcBef>
+                <a:spcPts val="0"/>
+              </a:spcBef>
+              <a:spcAft>
+                <a:spcPts val="0"/>
+              </a:spcAft>
+              <a:buSzPts val="3000"/>
+              <a:buChar char="+"/>
             </a:pPr>
             <a:r>
               <a:rPr lang="en"/>
-              <a:t>Linux Club- What</a:t>
+              <a:t>Campus DNS</a:t>
             </a:r>
             <a:endParaRPr/>
           </a:p>
         </p:txBody>
       </p:sp>
+      <p:sp>
+        <p:nvSpPr>
+          <p:cNvPr id="133" name="Google Shape;133;p25"/>
+          <p:cNvSpPr txBox="1"/>
+          <p:nvPr>
+            <p:ph idx="1" type="body"/>
+          </p:nvPr>
+        </p:nvSpPr>
+        <p:spPr>
+          <a:xfrm>
+            <a:off x="311700" y="1152475"/>
+            <a:ext cx="8520600" cy="3416400"/>
+          </a:xfrm>
+          <a:prstGeom prst="rect">
+            <a:avLst/>
+          </a:prstGeom>
+        </p:spPr>
+        <p:txBody>
+          <a:bodyPr anchorCtr="0" anchor="t" bIns="91425" lIns="91425" spcFirstLastPara="1" rIns="91425" wrap="square" tIns="91425">
+            <a:noAutofit/>
+          </a:bodyPr>
+          <a:lstStyle/>
+          <a:p>
+            <a:pPr indent="0" lvl="0" marL="0" rtl="0" algn="l">
+              <a:spcBef>
+                <a:spcPts val="0"/>
+              </a:spcBef>
+              <a:spcAft>
+                <a:spcPts val="1600"/>
+              </a:spcAft>
+              <a:buNone/>
+            </a:pPr>
+            <a:r>
+              <a:t/>
+            </a:r>
+            <a:endParaRPr/>
+          </a:p>
+        </p:txBody>
+      </p:sp>
+      <p:pic>
+        <p:nvPicPr>
+          <p:cNvPr id="134" name="Google Shape;134;p25"/>
+          <p:cNvPicPr preferRelativeResize="0"/>
+          <p:nvPr/>
+        </p:nvPicPr>
+        <p:blipFill>
+          <a:blip r:embed="rId3">
+            <a:alphaModFix/>
+          </a:blip>
+          <a:stretch>
+            <a:fillRect/>
+          </a:stretch>
+        </p:blipFill>
+        <p:spPr>
+          <a:xfrm>
+            <a:off x="0" y="1223149"/>
+            <a:ext cx="9144000" cy="3623651"/>
+          </a:xfrm>
+          <a:prstGeom prst="rect">
+            <a:avLst/>
+          </a:prstGeom>
+          <a:noFill/>
+          <a:ln>
+            <a:noFill/>
+          </a:ln>
+        </p:spPr>
+      </p:pic>
     </p:spTree>
   </p:cSld>
   <p:clrMapOvr>
@@ -8293,7 +10652,7 @@
   <p:cSld>
     <p:spTree>
       <p:nvGrpSpPr>
-        <p:cNvPr id="132" name="Shape 132"/>
+        <p:cNvPr id="138" name="Shape 138"/>
         <p:cNvGrpSpPr/>
         <p:nvPr/>
       </p:nvGrpSpPr>
@@ -8307,16 +10666,16 @@
       </p:grpSpPr>
       <p:sp>
         <p:nvSpPr>
-          <p:cNvPr id="133" name="Google Shape;133;p26"/>
+          <p:cNvPr id="139" name="Google Shape;139;p26"/>
           <p:cNvSpPr txBox="1"/>
           <p:nvPr>
-            <p:ph type="title"/>
-          </p:nvPr>
-        </p:nvSpPr>
-        <p:spPr>
-          <a:xfrm>
-            <a:off x="671250" y="2141250"/>
-            <a:ext cx="7852200" cy="861000"/>
+            <p:ph idx="1" type="body"/>
+          </p:nvPr>
+        </p:nvSpPr>
+        <p:spPr>
+          <a:xfrm>
+            <a:off x="311700" y="4230575"/>
+            <a:ext cx="5998800" cy="605100"/>
           </a:xfrm>
           <a:prstGeom prst="rect">
             <a:avLst/>
@@ -8328,23 +10687,51 @@
           </a:bodyPr>
           <a:lstStyle/>
           <a:p>
-            <a:pPr indent="0" lvl="0" marL="0" rtl="0" algn="ctr">
-              <a:spcBef>
-                <a:spcPts val="0"/>
-              </a:spcBef>
-              <a:spcAft>
-                <a:spcPts val="0"/>
-              </a:spcAft>
-              <a:buNone/>
-            </a:pPr>
-            <a:r>
-              <a:rPr lang="en"/>
-              <a:t>Challenges &amp; Solutions</a:t>
-            </a:r>
-            <a:endParaRPr/>
+            <a:pPr indent="0" lvl="0" marL="0" rtl="0" algn="l">
+              <a:spcBef>
+                <a:spcPts val="0"/>
+              </a:spcBef>
+              <a:spcAft>
+                <a:spcPts val="0"/>
+              </a:spcAft>
+              <a:buNone/>
+            </a:pPr>
+            <a:r>
+              <a:rPr lang="en" sz="2400"/>
+              <a:t>DNS Management</a:t>
+            </a:r>
+            <a:endParaRPr sz="2400"/>
           </a:p>
         </p:txBody>
       </p:sp>
+      <p:pic>
+        <p:nvPicPr>
+          <p:cNvPr id="140" name="Google Shape;140;p26"/>
+          <p:cNvPicPr preferRelativeResize="0"/>
+          <p:nvPr/>
+        </p:nvPicPr>
+        <p:blipFill>
+          <a:blip r:embed="rId3">
+            <a:alphaModFix/>
+          </a:blip>
+          <a:stretch>
+            <a:fillRect/>
+          </a:stretch>
+        </p:blipFill>
+        <p:spPr>
+          <a:xfrm>
+            <a:off x="2567600" y="144350"/>
+            <a:ext cx="6124575" cy="4086225"/>
+          </a:xfrm>
+          <a:prstGeom prst="rect">
+            <a:avLst/>
+          </a:prstGeom>
+          <a:noFill/>
+          <a:ln>
+            <a:noFill/>
+          </a:ln>
+        </p:spPr>
+      </p:pic>
     </p:spTree>
   </p:cSld>
   <p:clrMapOvr>
@@ -8358,7 +10745,7 @@
   <p:cSld>
     <p:spTree>
       <p:nvGrpSpPr>
-        <p:cNvPr id="137" name="Shape 137"/>
+        <p:cNvPr id="144" name="Shape 144"/>
         <p:cNvGrpSpPr/>
         <p:nvPr/>
       </p:nvGrpSpPr>
@@ -8372,7 +10759,7 @@
       </p:grpSpPr>
       <p:sp>
         <p:nvSpPr>
-          <p:cNvPr id="138" name="Google Shape;138;p27"/>
+          <p:cNvPr id="145" name="Google Shape;145;p27"/>
           <p:cNvSpPr txBox="1"/>
           <p:nvPr>
             <p:ph type="title"/>
@@ -8380,20 +10767,20 @@
         </p:nvSpPr>
         <p:spPr>
           <a:xfrm>
-            <a:off x="671250" y="2141250"/>
-            <a:ext cx="7852200" cy="861000"/>
+            <a:off x="311700" y="445025"/>
+            <a:ext cx="8520600" cy="572700"/>
           </a:xfrm>
           <a:prstGeom prst="rect">
             <a:avLst/>
           </a:prstGeom>
         </p:spPr>
         <p:txBody>
-          <a:bodyPr anchorCtr="0" anchor="ctr" bIns="91425" lIns="91425" spcFirstLastPara="1" rIns="91425" wrap="square" tIns="91425">
+          <a:bodyPr anchorCtr="0" anchor="t" bIns="91425" lIns="91425" spcFirstLastPara="1" rIns="91425" wrap="square" tIns="91425">
             <a:noAutofit/>
           </a:bodyPr>
           <a:lstStyle/>
           <a:p>
-            <a:pPr indent="0" lvl="0" marL="0" rtl="0" algn="ctr">
+            <a:pPr indent="0" lvl="0" marL="0" rtl="0" algn="l">
               <a:spcBef>
                 <a:spcPts val="0"/>
               </a:spcBef>
@@ -8404,9 +10791,137 @@
             </a:pPr>
             <a:r>
               <a:rPr lang="en"/>
-              <a:t>Not a 1-man job</a:t>
+              <a:t>IP Forwarding</a:t>
             </a:r>
             <a:endParaRPr/>
+          </a:p>
+        </p:txBody>
+      </p:sp>
+      <p:sp>
+        <p:nvSpPr>
+          <p:cNvPr id="146" name="Google Shape;146;p27"/>
+          <p:cNvSpPr txBox="1"/>
+          <p:nvPr>
+            <p:ph idx="1" type="body"/>
+          </p:nvPr>
+        </p:nvSpPr>
+        <p:spPr>
+          <a:xfrm>
+            <a:off x="311700" y="1152475"/>
+            <a:ext cx="8520600" cy="3416400"/>
+          </a:xfrm>
+          <a:prstGeom prst="rect">
+            <a:avLst/>
+          </a:prstGeom>
+        </p:spPr>
+        <p:txBody>
+          <a:bodyPr anchorCtr="0" anchor="t" bIns="91425" lIns="91425" spcFirstLastPara="1" rIns="91425" wrap="square" tIns="91425">
+            <a:noAutofit/>
+          </a:bodyPr>
+          <a:lstStyle/>
+          <a:p>
+            <a:pPr indent="0" lvl="0" marL="0" rtl="0" algn="l">
+              <a:spcBef>
+                <a:spcPts val="0"/>
+              </a:spcBef>
+              <a:spcAft>
+                <a:spcPts val="0"/>
+              </a:spcAft>
+              <a:buNone/>
+            </a:pPr>
+            <a:r>
+              <a:rPr lang="en" sz="2400">
+                <a:latin typeface="Consolas"/>
+                <a:ea typeface="Consolas"/>
+                <a:cs typeface="Consolas"/>
+                <a:sym typeface="Consolas"/>
+              </a:rPr>
+              <a:t>$ vim /etc/sysctl.conf</a:t>
+            </a:r>
+            <a:endParaRPr sz="2400">
+              <a:latin typeface="Consolas"/>
+              <a:ea typeface="Consolas"/>
+              <a:cs typeface="Consolas"/>
+              <a:sym typeface="Consolas"/>
+            </a:endParaRPr>
+          </a:p>
+          <a:p>
+            <a:pPr indent="0" lvl="0" marL="0" rtl="0" algn="l">
+              <a:spcBef>
+                <a:spcPts val="1600"/>
+              </a:spcBef>
+              <a:spcAft>
+                <a:spcPts val="0"/>
+              </a:spcAft>
+              <a:buNone/>
+            </a:pPr>
+            <a:r>
+              <a:rPr lang="en" sz="2400">
+                <a:latin typeface="Consolas"/>
+                <a:ea typeface="Consolas"/>
+                <a:cs typeface="Consolas"/>
+                <a:sym typeface="Consolas"/>
+              </a:rPr>
+              <a:t>  net.ipv4.ip_forward = 1</a:t>
+            </a:r>
+            <a:endParaRPr sz="2400">
+              <a:latin typeface="Consolas"/>
+              <a:ea typeface="Consolas"/>
+              <a:cs typeface="Consolas"/>
+              <a:sym typeface="Consolas"/>
+            </a:endParaRPr>
+          </a:p>
+          <a:p>
+            <a:pPr indent="0" lvl="0" marL="0" rtl="0" algn="l">
+              <a:spcBef>
+                <a:spcPts val="1600"/>
+              </a:spcBef>
+              <a:spcAft>
+                <a:spcPts val="0"/>
+              </a:spcAft>
+              <a:buNone/>
+            </a:pPr>
+            <a:r>
+              <a:rPr lang="en" sz="2400">
+                <a:latin typeface="Oswald"/>
+                <a:ea typeface="Oswald"/>
+                <a:cs typeface="Oswald"/>
+                <a:sym typeface="Oswald"/>
+              </a:rPr>
+              <a:t>Reload kernel parameters on the fly to enable IP Forwarding</a:t>
+            </a:r>
+            <a:endParaRPr sz="2400">
+              <a:latin typeface="Oswald"/>
+              <a:ea typeface="Oswald"/>
+              <a:cs typeface="Oswald"/>
+              <a:sym typeface="Oswald"/>
+            </a:endParaRPr>
+          </a:p>
+          <a:p>
+            <a:pPr indent="0" lvl="0" marL="0" rtl="0" algn="l">
+              <a:spcBef>
+                <a:spcPts val="1600"/>
+              </a:spcBef>
+              <a:spcAft>
+                <a:spcPts val="1600"/>
+              </a:spcAft>
+              <a:buNone/>
+            </a:pPr>
+            <a:r>
+              <a:rPr lang="en" sz="2400">
+                <a:latin typeface="Consolas"/>
+                <a:ea typeface="Consolas"/>
+                <a:cs typeface="Consolas"/>
+                <a:sym typeface="Consolas"/>
+              </a:rPr>
+              <a:t>$ sudo sysctl -p </a:t>
+            </a:r>
+            <a:endParaRPr sz="2400">
+              <a:latin typeface="Consolas"/>
+              <a:ea typeface="Consolas"/>
+              <a:cs typeface="Consolas"/>
+              <a:sym typeface="Consolas"/>
+            </a:endParaRPr>
           </a:p>
         </p:txBody>
       </p:sp>
@@ -8423,7 +10938,7 @@
   <p:cSld>
     <p:spTree>
       <p:nvGrpSpPr>
-        <p:cNvPr id="142" name="Shape 142"/>
+        <p:cNvPr id="150" name="Shape 150"/>
         <p:cNvGrpSpPr/>
         <p:nvPr/>
       </p:nvGrpSpPr>
@@ -8437,16 +10952,16 @@
       </p:grpSpPr>
       <p:sp>
         <p:nvSpPr>
-          <p:cNvPr id="143" name="Google Shape;143;p28"/>
+          <p:cNvPr id="151" name="Google Shape;151;p28"/>
           <p:cNvSpPr txBox="1"/>
           <p:nvPr>
-            <p:ph type="title"/>
-          </p:nvPr>
-        </p:nvSpPr>
-        <p:spPr>
-          <a:xfrm>
-            <a:off x="671250" y="2141250"/>
-            <a:ext cx="7852200" cy="861000"/>
+            <p:ph idx="1" type="body"/>
+          </p:nvPr>
+        </p:nvSpPr>
+        <p:spPr>
+          <a:xfrm>
+            <a:off x="311700" y="4230575"/>
+            <a:ext cx="5998800" cy="605100"/>
           </a:xfrm>
           <a:prstGeom prst="rect">
             <a:avLst/>
@@ -8458,6 +10973,294 @@
           </a:bodyPr>
           <a:lstStyle/>
           <a:p>
+            <a:pPr indent="0" lvl="0" marL="0" rtl="0" algn="l">
+              <a:spcBef>
+                <a:spcPts val="0"/>
+              </a:spcBef>
+              <a:spcAft>
+                <a:spcPts val="0"/>
+              </a:spcAft>
+              <a:buNone/>
+            </a:pPr>
+            <a:r>
+              <a:rPr lang="en"/>
+              <a:t>Start Virtualbox- </a:t>
+            </a:r>
+            <a:r>
+              <a:rPr lang="en">
+                <a:latin typeface="Consolas"/>
+                <a:ea typeface="Consolas"/>
+                <a:cs typeface="Consolas"/>
+                <a:sym typeface="Consolas"/>
+              </a:rPr>
+              <a:t>$ virtualbox</a:t>
+            </a:r>
+            <a:endParaRPr/>
+          </a:p>
+        </p:txBody>
+      </p:sp>
+      <p:pic>
+        <p:nvPicPr>
+          <p:cNvPr id="152" name="Google Shape;152;p28"/>
+          <p:cNvPicPr preferRelativeResize="0"/>
+          <p:nvPr/>
+        </p:nvPicPr>
+        <p:blipFill>
+          <a:blip r:embed="rId3">
+            <a:alphaModFix/>
+          </a:blip>
+          <a:stretch>
+            <a:fillRect/>
+          </a:stretch>
+        </p:blipFill>
+        <p:spPr>
+          <a:xfrm>
+            <a:off x="1418850" y="154400"/>
+            <a:ext cx="6634701" cy="3961450"/>
+          </a:xfrm>
+          <a:prstGeom prst="rect">
+            <a:avLst/>
+          </a:prstGeom>
+          <a:noFill/>
+          <a:ln>
+            <a:noFill/>
+          </a:ln>
+        </p:spPr>
+      </p:pic>
+    </p:spTree>
+  </p:cSld>
+  <p:clrMapOvr>
+    <a:masterClrMapping/>
+  </p:clrMapOvr>
+</p:sld>
+</file>
+
+<file path=ppt/slides/slide17.xml><?xml version="1.0" encoding="utf-8"?>
+<p:sld xmlns:a="http://schemas.openxmlformats.org/drawingml/2006/main" xmlns:r="http://schemas.openxmlformats.org/officeDocument/2006/relationships" xmlns:mc="http://schemas.openxmlformats.org/markup-compatibility/2006" xmlns:mv="urn:schemas-microsoft-com:mac:vml" xmlns:p="http://schemas.openxmlformats.org/presentationml/2006/main" xmlns:c="http://schemas.openxmlformats.org/drawingml/2006/chart" xmlns:dgm="http://schemas.openxmlformats.org/drawingml/2006/diagram" xmlns:o="urn:schemas-microsoft-com:office:office" xmlns:v="urn:schemas-microsoft-com:vml" xmlns:pvml="urn:schemas-microsoft-com:office:powerpoint" xmlns:com="http://schemas.openxmlformats.org/drawingml/2006/compatibility" xmlns:p14="http://schemas.microsoft.com/office/powerpoint/2010/main" xmlns:p15="http://schemas.microsoft.com/office/powerpoint/2012/main">
+  <p:cSld>
+    <p:spTree>
+      <p:nvGrpSpPr>
+        <p:cNvPr id="156" name="Shape 156"/>
+        <p:cNvGrpSpPr/>
+        <p:nvPr/>
+      </p:nvGrpSpPr>
+      <p:grpSpPr>
+        <a:xfrm>
+          <a:off x="0" y="0"/>
+          <a:ext cx="0" cy="0"/>
+          <a:chOff x="0" y="0"/>
+          <a:chExt cx="0" cy="0"/>
+        </a:xfrm>
+      </p:grpSpPr>
+      <p:sp>
+        <p:nvSpPr>
+          <p:cNvPr id="157" name="Google Shape;157;p29"/>
+          <p:cNvSpPr txBox="1"/>
+          <p:nvPr>
+            <p:ph idx="1" type="body"/>
+          </p:nvPr>
+        </p:nvSpPr>
+        <p:spPr>
+          <a:xfrm>
+            <a:off x="311700" y="4230575"/>
+            <a:ext cx="5998800" cy="605100"/>
+          </a:xfrm>
+          <a:prstGeom prst="rect">
+            <a:avLst/>
+          </a:prstGeom>
+        </p:spPr>
+        <p:txBody>
+          <a:bodyPr anchorCtr="0" anchor="ctr" bIns="91425" lIns="91425" spcFirstLastPara="1" rIns="91425" wrap="square" tIns="91425">
+            <a:noAutofit/>
+          </a:bodyPr>
+          <a:lstStyle/>
+          <a:p>
+            <a:pPr indent="0" lvl="0" marL="0" rtl="0" algn="l">
+              <a:spcBef>
+                <a:spcPts val="0"/>
+              </a:spcBef>
+              <a:spcAft>
+                <a:spcPts val="0"/>
+              </a:spcAft>
+              <a:buNone/>
+            </a:pPr>
+            <a:r>
+              <a:rPr lang="en"/>
+              <a:t>Create new VM’s</a:t>
+            </a:r>
+            <a:endParaRPr/>
+          </a:p>
+        </p:txBody>
+      </p:sp>
+      <p:pic>
+        <p:nvPicPr>
+          <p:cNvPr id="158" name="Google Shape;158;p29"/>
+          <p:cNvPicPr preferRelativeResize="0"/>
+          <p:nvPr/>
+        </p:nvPicPr>
+        <p:blipFill>
+          <a:blip r:embed="rId3">
+            <a:alphaModFix/>
+          </a:blip>
+          <a:stretch>
+            <a:fillRect/>
+          </a:stretch>
+        </p:blipFill>
+        <p:spPr>
+          <a:xfrm>
+            <a:off x="1725350" y="181350"/>
+            <a:ext cx="5048250" cy="3838575"/>
+          </a:xfrm>
+          <a:prstGeom prst="rect">
+            <a:avLst/>
+          </a:prstGeom>
+          <a:noFill/>
+          <a:ln>
+            <a:noFill/>
+          </a:ln>
+        </p:spPr>
+      </p:pic>
+    </p:spTree>
+  </p:cSld>
+  <p:clrMapOvr>
+    <a:masterClrMapping/>
+  </p:clrMapOvr>
+</p:sld>
+</file>
+
+<file path=ppt/slides/slide18.xml><?xml version="1.0" encoding="utf-8"?>
+<p:sld xmlns:a="http://schemas.openxmlformats.org/drawingml/2006/main" xmlns:r="http://schemas.openxmlformats.org/officeDocument/2006/relationships" xmlns:mc="http://schemas.openxmlformats.org/markup-compatibility/2006" xmlns:mv="urn:schemas-microsoft-com:mac:vml" xmlns:p="http://schemas.openxmlformats.org/presentationml/2006/main" xmlns:c="http://schemas.openxmlformats.org/drawingml/2006/chart" xmlns:dgm="http://schemas.openxmlformats.org/drawingml/2006/diagram" xmlns:o="urn:schemas-microsoft-com:office:office" xmlns:v="urn:schemas-microsoft-com:vml" xmlns:pvml="urn:schemas-microsoft-com:office:powerpoint" xmlns:com="http://schemas.openxmlformats.org/drawingml/2006/compatibility" xmlns:p14="http://schemas.microsoft.com/office/powerpoint/2010/main" xmlns:p15="http://schemas.microsoft.com/office/powerpoint/2012/main">
+  <p:cSld>
+    <p:spTree>
+      <p:nvGrpSpPr>
+        <p:cNvPr id="162" name="Shape 162"/>
+        <p:cNvGrpSpPr/>
+        <p:nvPr/>
+      </p:nvGrpSpPr>
+      <p:grpSpPr>
+        <a:xfrm>
+          <a:off x="0" y="0"/>
+          <a:ext cx="0" cy="0"/>
+          <a:chOff x="0" y="0"/>
+          <a:chExt cx="0" cy="0"/>
+        </a:xfrm>
+      </p:grpSpPr>
+      <p:sp>
+        <p:nvSpPr>
+          <p:cNvPr id="163" name="Google Shape;163;p30"/>
+          <p:cNvSpPr txBox="1"/>
+          <p:nvPr>
+            <p:ph idx="1" type="body"/>
+          </p:nvPr>
+        </p:nvSpPr>
+        <p:spPr>
+          <a:xfrm>
+            <a:off x="311700" y="4230575"/>
+            <a:ext cx="5998800" cy="605100"/>
+          </a:xfrm>
+          <a:prstGeom prst="rect">
+            <a:avLst/>
+          </a:prstGeom>
+        </p:spPr>
+        <p:txBody>
+          <a:bodyPr anchorCtr="0" anchor="ctr" bIns="91425" lIns="91425" spcFirstLastPara="1" rIns="91425" wrap="square" tIns="91425">
+            <a:noAutofit/>
+          </a:bodyPr>
+          <a:lstStyle/>
+          <a:p>
+            <a:pPr indent="0" lvl="0" marL="0" rtl="0" algn="l">
+              <a:spcBef>
+                <a:spcPts val="0"/>
+              </a:spcBef>
+              <a:spcAft>
+                <a:spcPts val="0"/>
+              </a:spcAft>
+              <a:buNone/>
+            </a:pPr>
+            <a:r>
+              <a:rPr lang="en"/>
+              <a:t>Networking</a:t>
+            </a:r>
+            <a:endParaRPr/>
+          </a:p>
+        </p:txBody>
+      </p:sp>
+      <p:pic>
+        <p:nvPicPr>
+          <p:cNvPr id="164" name="Google Shape;164;p30"/>
+          <p:cNvPicPr preferRelativeResize="0"/>
+          <p:nvPr/>
+        </p:nvPicPr>
+        <p:blipFill>
+          <a:blip r:embed="rId3">
+            <a:alphaModFix/>
+          </a:blip>
+          <a:stretch>
+            <a:fillRect/>
+          </a:stretch>
+        </p:blipFill>
+        <p:spPr>
+          <a:xfrm>
+            <a:off x="1997825" y="210300"/>
+            <a:ext cx="6698625" cy="4501399"/>
+          </a:xfrm>
+          <a:prstGeom prst="rect">
+            <a:avLst/>
+          </a:prstGeom>
+          <a:noFill/>
+          <a:ln>
+            <a:noFill/>
+          </a:ln>
+        </p:spPr>
+      </p:pic>
+    </p:spTree>
+  </p:cSld>
+  <p:clrMapOvr>
+    <a:masterClrMapping/>
+  </p:clrMapOvr>
+</p:sld>
+</file>
+
+<file path=ppt/slides/slide19.xml><?xml version="1.0" encoding="utf-8"?>
+<p:sld xmlns:a="http://schemas.openxmlformats.org/drawingml/2006/main" xmlns:r="http://schemas.openxmlformats.org/officeDocument/2006/relationships" xmlns:mc="http://schemas.openxmlformats.org/markup-compatibility/2006" xmlns:mv="urn:schemas-microsoft-com:mac:vml" xmlns:p="http://schemas.openxmlformats.org/presentationml/2006/main" xmlns:c="http://schemas.openxmlformats.org/drawingml/2006/chart" xmlns:dgm="http://schemas.openxmlformats.org/drawingml/2006/diagram" xmlns:o="urn:schemas-microsoft-com:office:office" xmlns:v="urn:schemas-microsoft-com:vml" xmlns:pvml="urn:schemas-microsoft-com:office:powerpoint" xmlns:com="http://schemas.openxmlformats.org/drawingml/2006/compatibility" xmlns:p14="http://schemas.microsoft.com/office/powerpoint/2010/main" xmlns:p15="http://schemas.microsoft.com/office/powerpoint/2012/main">
+  <p:cSld>
+    <p:spTree>
+      <p:nvGrpSpPr>
+        <p:cNvPr id="168" name="Shape 168"/>
+        <p:cNvGrpSpPr/>
+        <p:nvPr/>
+      </p:nvGrpSpPr>
+      <p:grpSpPr>
+        <a:xfrm>
+          <a:off x="0" y="0"/>
+          <a:ext cx="0" cy="0"/>
+          <a:chOff x="0" y="0"/>
+          <a:chExt cx="0" cy="0"/>
+        </a:xfrm>
+      </p:grpSpPr>
+      <p:sp>
+        <p:nvSpPr>
+          <p:cNvPr id="169" name="Google Shape;169;p31"/>
+          <p:cNvSpPr txBox="1"/>
+          <p:nvPr>
+            <p:ph type="title"/>
+          </p:nvPr>
+        </p:nvSpPr>
+        <p:spPr>
+          <a:xfrm>
+            <a:off x="671250" y="2141250"/>
+            <a:ext cx="7852200" cy="861000"/>
+          </a:xfrm>
+          <a:prstGeom prst="rect">
+            <a:avLst/>
+          </a:prstGeom>
+        </p:spPr>
+        <p:txBody>
+          <a:bodyPr anchorCtr="0" anchor="ctr" bIns="91425" lIns="91425" spcFirstLastPara="1" rIns="91425" wrap="square" tIns="91425">
+            <a:noAutofit/>
+          </a:bodyPr>
+          <a:lstStyle/>
+          <a:p>
             <a:pPr indent="0" lvl="0" marL="0" rtl="0" algn="ctr">
               <a:spcBef>
                 <a:spcPts val="0"/>
@@ -8469,7 +11272,7 @@
             </a:pPr>
             <a:r>
               <a:rPr lang="en"/>
-              <a:t>Linux Club- How</a:t>
+              <a:t>Run your VM!</a:t>
             </a:r>
             <a:endParaRPr/>
           </a:p>
@@ -8548,6 +11351,1435 @@
 </p:sld>
 </file>
 
+<file path=ppt/slides/slide20.xml><?xml version="1.0" encoding="utf-8"?>
+<p:sld xmlns:a="http://schemas.openxmlformats.org/drawingml/2006/main" xmlns:r="http://schemas.openxmlformats.org/officeDocument/2006/relationships" xmlns:mc="http://schemas.openxmlformats.org/markup-compatibility/2006" xmlns:mv="urn:schemas-microsoft-com:mac:vml" xmlns:p="http://schemas.openxmlformats.org/presentationml/2006/main" xmlns:c="http://schemas.openxmlformats.org/drawingml/2006/chart" xmlns:dgm="http://schemas.openxmlformats.org/drawingml/2006/diagram" xmlns:o="urn:schemas-microsoft-com:office:office" xmlns:v="urn:schemas-microsoft-com:vml" xmlns:pvml="urn:schemas-microsoft-com:office:powerpoint" xmlns:com="http://schemas.openxmlformats.org/drawingml/2006/compatibility" xmlns:p14="http://schemas.microsoft.com/office/powerpoint/2010/main" xmlns:p15="http://schemas.microsoft.com/office/powerpoint/2012/main">
+  <p:cSld>
+    <p:spTree>
+      <p:nvGrpSpPr>
+        <p:cNvPr id="173" name="Shape 173"/>
+        <p:cNvGrpSpPr/>
+        <p:nvPr/>
+      </p:nvGrpSpPr>
+      <p:grpSpPr>
+        <a:xfrm>
+          <a:off x="0" y="0"/>
+          <a:ext cx="0" cy="0"/>
+          <a:chOff x="0" y="0"/>
+          <a:chExt cx="0" cy="0"/>
+        </a:xfrm>
+      </p:grpSpPr>
+      <p:sp>
+        <p:nvSpPr>
+          <p:cNvPr id="174" name="Google Shape;174;p32"/>
+          <p:cNvSpPr txBox="1"/>
+          <p:nvPr>
+            <p:ph type="title"/>
+          </p:nvPr>
+        </p:nvSpPr>
+        <p:spPr>
+          <a:xfrm>
+            <a:off x="311700" y="445025"/>
+            <a:ext cx="8520600" cy="572700"/>
+          </a:xfrm>
+          <a:prstGeom prst="rect">
+            <a:avLst/>
+          </a:prstGeom>
+        </p:spPr>
+        <p:txBody>
+          <a:bodyPr anchorCtr="0" anchor="t" bIns="91425" lIns="91425" spcFirstLastPara="1" rIns="91425" wrap="square" tIns="91425">
+            <a:noAutofit/>
+          </a:bodyPr>
+          <a:lstStyle/>
+          <a:p>
+            <a:pPr indent="0" lvl="0" marL="0" rtl="0" algn="l">
+              <a:spcBef>
+                <a:spcPts val="0"/>
+              </a:spcBef>
+              <a:spcAft>
+                <a:spcPts val="0"/>
+              </a:spcAft>
+              <a:buNone/>
+            </a:pPr>
+            <a:r>
+              <a:rPr lang="en"/>
+              <a:t>VM Networking</a:t>
+            </a:r>
+            <a:endParaRPr/>
+          </a:p>
+        </p:txBody>
+      </p:sp>
+      <p:sp>
+        <p:nvSpPr>
+          <p:cNvPr id="175" name="Google Shape;175;p32"/>
+          <p:cNvSpPr txBox="1"/>
+          <p:nvPr>
+            <p:ph idx="1" type="body"/>
+          </p:nvPr>
+        </p:nvSpPr>
+        <p:spPr>
+          <a:xfrm>
+            <a:off x="311700" y="1152475"/>
+            <a:ext cx="8520600" cy="3416400"/>
+          </a:xfrm>
+          <a:prstGeom prst="rect">
+            <a:avLst/>
+          </a:prstGeom>
+        </p:spPr>
+        <p:txBody>
+          <a:bodyPr anchorCtr="0" anchor="t" bIns="91425" lIns="91425" spcFirstLastPara="1" rIns="91425" wrap="square" tIns="91425">
+            <a:noAutofit/>
+          </a:bodyPr>
+          <a:lstStyle/>
+          <a:p>
+            <a:pPr indent="0" lvl="0" marL="0" rtl="0" algn="l">
+              <a:spcBef>
+                <a:spcPts val="0"/>
+              </a:spcBef>
+              <a:spcAft>
+                <a:spcPts val="1600"/>
+              </a:spcAft>
+              <a:buNone/>
+            </a:pPr>
+            <a:r>
+              <a:rPr lang="en" sz="2400">
+                <a:latin typeface="Consolas"/>
+                <a:ea typeface="Consolas"/>
+                <a:cs typeface="Consolas"/>
+                <a:sym typeface="Consolas"/>
+              </a:rPr>
+              <a:t>$ ip addr </a:t>
+            </a:r>
+            <a:endParaRPr sz="2400">
+              <a:latin typeface="Consolas"/>
+              <a:ea typeface="Consolas"/>
+              <a:cs typeface="Consolas"/>
+              <a:sym typeface="Consolas"/>
+            </a:endParaRPr>
+          </a:p>
+        </p:txBody>
+      </p:sp>
+      <p:pic>
+        <p:nvPicPr>
+          <p:cNvPr id="176" name="Google Shape;176;p32"/>
+          <p:cNvPicPr preferRelativeResize="0"/>
+          <p:nvPr/>
+        </p:nvPicPr>
+        <p:blipFill>
+          <a:blip r:embed="rId3">
+            <a:alphaModFix/>
+          </a:blip>
+          <a:stretch>
+            <a:fillRect/>
+          </a:stretch>
+        </p:blipFill>
+        <p:spPr>
+          <a:xfrm>
+            <a:off x="128575" y="1714000"/>
+            <a:ext cx="8886825" cy="3105150"/>
+          </a:xfrm>
+          <a:prstGeom prst="rect">
+            <a:avLst/>
+          </a:prstGeom>
+          <a:noFill/>
+          <a:ln>
+            <a:noFill/>
+          </a:ln>
+        </p:spPr>
+      </p:pic>
+    </p:spTree>
+  </p:cSld>
+  <p:clrMapOvr>
+    <a:masterClrMapping/>
+  </p:clrMapOvr>
+</p:sld>
+</file>
+
+<file path=ppt/slides/slide21.xml><?xml version="1.0" encoding="utf-8"?>
+<p:sld xmlns:a="http://schemas.openxmlformats.org/drawingml/2006/main" xmlns:r="http://schemas.openxmlformats.org/officeDocument/2006/relationships" xmlns:mc="http://schemas.openxmlformats.org/markup-compatibility/2006" xmlns:mv="urn:schemas-microsoft-com:mac:vml" xmlns:p="http://schemas.openxmlformats.org/presentationml/2006/main" xmlns:c="http://schemas.openxmlformats.org/drawingml/2006/chart" xmlns:dgm="http://schemas.openxmlformats.org/drawingml/2006/diagram" xmlns:o="urn:schemas-microsoft-com:office:office" xmlns:v="urn:schemas-microsoft-com:vml" xmlns:pvml="urn:schemas-microsoft-com:office:powerpoint" xmlns:com="http://schemas.openxmlformats.org/drawingml/2006/compatibility" xmlns:p14="http://schemas.microsoft.com/office/powerpoint/2010/main" xmlns:p15="http://schemas.microsoft.com/office/powerpoint/2012/main">
+  <p:cSld>
+    <p:spTree>
+      <p:nvGrpSpPr>
+        <p:cNvPr id="180" name="Shape 180"/>
+        <p:cNvGrpSpPr/>
+        <p:nvPr/>
+      </p:nvGrpSpPr>
+      <p:grpSpPr>
+        <a:xfrm>
+          <a:off x="0" y="0"/>
+          <a:ext cx="0" cy="0"/>
+          <a:chOff x="0" y="0"/>
+          <a:chExt cx="0" cy="0"/>
+        </a:xfrm>
+      </p:grpSpPr>
+      <p:sp>
+        <p:nvSpPr>
+          <p:cNvPr id="181" name="Google Shape;181;p33"/>
+          <p:cNvSpPr txBox="1"/>
+          <p:nvPr>
+            <p:ph type="title"/>
+          </p:nvPr>
+        </p:nvSpPr>
+        <p:spPr>
+          <a:xfrm>
+            <a:off x="311700" y="445025"/>
+            <a:ext cx="8520600" cy="572700"/>
+          </a:xfrm>
+          <a:prstGeom prst="rect">
+            <a:avLst/>
+          </a:prstGeom>
+        </p:spPr>
+        <p:txBody>
+          <a:bodyPr anchorCtr="0" anchor="t" bIns="91425" lIns="91425" spcFirstLastPara="1" rIns="91425" wrap="square" tIns="91425">
+            <a:noAutofit/>
+          </a:bodyPr>
+          <a:lstStyle/>
+          <a:p>
+            <a:pPr indent="0" lvl="0" marL="0" rtl="0" algn="l">
+              <a:spcBef>
+                <a:spcPts val="0"/>
+              </a:spcBef>
+              <a:spcAft>
+                <a:spcPts val="0"/>
+              </a:spcAft>
+              <a:buNone/>
+            </a:pPr>
+            <a:r>
+              <a:rPr lang="en"/>
+              <a:t>VM Networking Cont.</a:t>
+            </a:r>
+            <a:endParaRPr/>
+          </a:p>
+        </p:txBody>
+      </p:sp>
+      <p:sp>
+        <p:nvSpPr>
+          <p:cNvPr id="182" name="Google Shape;182;p33"/>
+          <p:cNvSpPr txBox="1"/>
+          <p:nvPr>
+            <p:ph idx="1" type="body"/>
+          </p:nvPr>
+        </p:nvSpPr>
+        <p:spPr>
+          <a:xfrm>
+            <a:off x="311700" y="1152475"/>
+            <a:ext cx="8520600" cy="3416400"/>
+          </a:xfrm>
+          <a:prstGeom prst="rect">
+            <a:avLst/>
+          </a:prstGeom>
+        </p:spPr>
+        <p:txBody>
+          <a:bodyPr anchorCtr="0" anchor="t" bIns="91425" lIns="91425" spcFirstLastPara="1" rIns="91425" wrap="square" tIns="91425">
+            <a:noAutofit/>
+          </a:bodyPr>
+          <a:lstStyle/>
+          <a:p>
+            <a:pPr indent="0" lvl="0" marL="0" rtl="0" algn="l">
+              <a:spcBef>
+                <a:spcPts val="0"/>
+              </a:spcBef>
+              <a:spcAft>
+                <a:spcPts val="0"/>
+              </a:spcAft>
+              <a:buNone/>
+            </a:pPr>
+            <a:r>
+              <a:rPr lang="en" sz="2400">
+                <a:latin typeface="Consolas"/>
+                <a:ea typeface="Consolas"/>
+                <a:cs typeface="Consolas"/>
+                <a:sym typeface="Consolas"/>
+              </a:rPr>
+              <a:t>$ </a:t>
+            </a:r>
+            <a:r>
+              <a:rPr lang="en" sz="2400">
+                <a:latin typeface="Consolas"/>
+                <a:ea typeface="Consolas"/>
+                <a:cs typeface="Consolas"/>
+                <a:sym typeface="Consolas"/>
+              </a:rPr>
+              <a:t>ip route show default </a:t>
+            </a:r>
+            <a:r>
+              <a:rPr lang="en" sz="2400">
+                <a:latin typeface="Oswald"/>
+                <a:ea typeface="Oswald"/>
+                <a:cs typeface="Oswald"/>
+                <a:sym typeface="Oswald"/>
+              </a:rPr>
+              <a:t>- List default Network Device</a:t>
+            </a:r>
+            <a:endParaRPr sz="2400">
+              <a:latin typeface="Oswald"/>
+              <a:ea typeface="Oswald"/>
+              <a:cs typeface="Oswald"/>
+              <a:sym typeface="Oswald"/>
+            </a:endParaRPr>
+          </a:p>
+          <a:p>
+            <a:pPr indent="0" lvl="0" marL="0" rtl="0" algn="l">
+              <a:lnSpc>
+                <a:spcPct val="125000"/>
+              </a:lnSpc>
+              <a:spcBef>
+                <a:spcPts val="1800"/>
+              </a:spcBef>
+              <a:spcAft>
+                <a:spcPts val="0"/>
+              </a:spcAft>
+              <a:buNone/>
+            </a:pPr>
+            <a:r>
+              <a:rPr lang="en" sz="2400">
+                <a:latin typeface="Consolas"/>
+                <a:ea typeface="Consolas"/>
+                <a:cs typeface="Consolas"/>
+                <a:sym typeface="Consolas"/>
+              </a:rPr>
+              <a:t>$ ip route add default via \</a:t>
+            </a:r>
+            <a:endParaRPr sz="2400">
+              <a:latin typeface="Consolas"/>
+              <a:ea typeface="Consolas"/>
+              <a:cs typeface="Consolas"/>
+              <a:sym typeface="Consolas"/>
+            </a:endParaRPr>
+          </a:p>
+          <a:p>
+            <a:pPr indent="0" lvl="0" marL="0" rtl="0" algn="l">
+              <a:lnSpc>
+                <a:spcPct val="125000"/>
+              </a:lnSpc>
+              <a:spcBef>
+                <a:spcPts val="1800"/>
+              </a:spcBef>
+              <a:spcAft>
+                <a:spcPts val="0"/>
+              </a:spcAft>
+              <a:buNone/>
+            </a:pPr>
+            <a:r>
+              <a:rPr lang="en" sz="2400">
+                <a:latin typeface="Consolas"/>
+                <a:ea typeface="Consolas"/>
+                <a:cs typeface="Consolas"/>
+                <a:sym typeface="Consolas"/>
+              </a:rPr>
+              <a:t>  192.168.56.1 dev enp0s8</a:t>
+            </a:r>
+            <a:endParaRPr sz="2400">
+              <a:latin typeface="Consolas"/>
+              <a:ea typeface="Consolas"/>
+              <a:cs typeface="Consolas"/>
+              <a:sym typeface="Consolas"/>
+            </a:endParaRPr>
+          </a:p>
+          <a:p>
+            <a:pPr indent="0" lvl="0" marL="0" rtl="0" algn="l">
+              <a:spcBef>
+                <a:spcPts val="1200"/>
+              </a:spcBef>
+              <a:spcAft>
+                <a:spcPts val="0"/>
+              </a:spcAft>
+              <a:buNone/>
+            </a:pPr>
+            <a:r>
+              <a:t/>
+            </a:r>
+            <a:endParaRPr sz="1100">
+              <a:solidFill>
+                <a:srgbClr val="000000"/>
+              </a:solidFill>
+              <a:latin typeface="Arial"/>
+              <a:ea typeface="Arial"/>
+              <a:cs typeface="Arial"/>
+              <a:sym typeface="Arial"/>
+            </a:endParaRPr>
+          </a:p>
+          <a:p>
+            <a:pPr indent="0" lvl="0" marL="0" rtl="0" algn="l">
+              <a:spcBef>
+                <a:spcPts val="0"/>
+              </a:spcBef>
+              <a:spcAft>
+                <a:spcPts val="1600"/>
+              </a:spcAft>
+              <a:buNone/>
+            </a:pPr>
+            <a:r>
+              <a:t/>
+            </a:r>
+            <a:endParaRPr/>
+          </a:p>
+        </p:txBody>
+      </p:sp>
+    </p:spTree>
+  </p:cSld>
+  <p:clrMapOvr>
+    <a:masterClrMapping/>
+  </p:clrMapOvr>
+</p:sld>
+</file>
+
+<file path=ppt/slides/slide22.xml><?xml version="1.0" encoding="utf-8"?>
+<p:sld xmlns:a="http://schemas.openxmlformats.org/drawingml/2006/main" xmlns:r="http://schemas.openxmlformats.org/officeDocument/2006/relationships" xmlns:mc="http://schemas.openxmlformats.org/markup-compatibility/2006" xmlns:mv="urn:schemas-microsoft-com:mac:vml" xmlns:p="http://schemas.openxmlformats.org/presentationml/2006/main" xmlns:c="http://schemas.openxmlformats.org/drawingml/2006/chart" xmlns:dgm="http://schemas.openxmlformats.org/drawingml/2006/diagram" xmlns:o="urn:schemas-microsoft-com:office:office" xmlns:v="urn:schemas-microsoft-com:vml" xmlns:pvml="urn:schemas-microsoft-com:office:powerpoint" xmlns:com="http://schemas.openxmlformats.org/drawingml/2006/compatibility" xmlns:p14="http://schemas.microsoft.com/office/powerpoint/2010/main" xmlns:p15="http://schemas.microsoft.com/office/powerpoint/2012/main">
+  <p:cSld>
+    <p:spTree>
+      <p:nvGrpSpPr>
+        <p:cNvPr id="186" name="Shape 186"/>
+        <p:cNvGrpSpPr/>
+        <p:nvPr/>
+      </p:nvGrpSpPr>
+      <p:grpSpPr>
+        <a:xfrm>
+          <a:off x="0" y="0"/>
+          <a:ext cx="0" cy="0"/>
+          <a:chOff x="0" y="0"/>
+          <a:chExt cx="0" cy="0"/>
+        </a:xfrm>
+      </p:grpSpPr>
+      <p:sp>
+        <p:nvSpPr>
+          <p:cNvPr id="187" name="Google Shape;187;p34"/>
+          <p:cNvSpPr txBox="1"/>
+          <p:nvPr>
+            <p:ph type="title"/>
+          </p:nvPr>
+        </p:nvSpPr>
+        <p:spPr>
+          <a:xfrm>
+            <a:off x="311700" y="445025"/>
+            <a:ext cx="8520600" cy="572700"/>
+          </a:xfrm>
+          <a:prstGeom prst="rect">
+            <a:avLst/>
+          </a:prstGeom>
+        </p:spPr>
+        <p:txBody>
+          <a:bodyPr anchorCtr="0" anchor="t" bIns="91425" lIns="91425" spcFirstLastPara="1" rIns="91425" wrap="square" tIns="91425">
+            <a:noAutofit/>
+          </a:bodyPr>
+          <a:lstStyle/>
+          <a:p>
+            <a:pPr indent="0" lvl="0" marL="0" rtl="0" algn="l">
+              <a:spcBef>
+                <a:spcPts val="0"/>
+              </a:spcBef>
+              <a:spcAft>
+                <a:spcPts val="0"/>
+              </a:spcAft>
+              <a:buNone/>
+            </a:pPr>
+            <a:r>
+              <a:rPr lang="en"/>
+              <a:t>Host Networking</a:t>
+            </a:r>
+            <a:endParaRPr/>
+          </a:p>
+        </p:txBody>
+      </p:sp>
+      <p:sp>
+        <p:nvSpPr>
+          <p:cNvPr id="188" name="Google Shape;188;p34"/>
+          <p:cNvSpPr txBox="1"/>
+          <p:nvPr>
+            <p:ph idx="1" type="body"/>
+          </p:nvPr>
+        </p:nvSpPr>
+        <p:spPr>
+          <a:xfrm>
+            <a:off x="311700" y="1152475"/>
+            <a:ext cx="8520600" cy="3416400"/>
+          </a:xfrm>
+          <a:prstGeom prst="rect">
+            <a:avLst/>
+          </a:prstGeom>
+        </p:spPr>
+        <p:txBody>
+          <a:bodyPr anchorCtr="0" anchor="t" bIns="91425" lIns="91425" spcFirstLastPara="1" rIns="91425" wrap="square" tIns="91425">
+            <a:noAutofit/>
+          </a:bodyPr>
+          <a:lstStyle/>
+          <a:p>
+            <a:pPr indent="0" lvl="0" marL="0" rtl="0" algn="l">
+              <a:lnSpc>
+                <a:spcPct val="125000"/>
+              </a:lnSpc>
+              <a:spcBef>
+                <a:spcPts val="1800"/>
+              </a:spcBef>
+              <a:spcAft>
+                <a:spcPts val="0"/>
+              </a:spcAft>
+              <a:buNone/>
+            </a:pPr>
+            <a:r>
+              <a:rPr lang="en" sz="2400">
+                <a:latin typeface="Consolas"/>
+                <a:ea typeface="Consolas"/>
+                <a:cs typeface="Consolas"/>
+                <a:sym typeface="Consolas"/>
+              </a:rPr>
+              <a:t>$ iptables -t nat -A POSTROUTING \ </a:t>
+            </a:r>
+            <a:endParaRPr sz="2400">
+              <a:latin typeface="Consolas"/>
+              <a:ea typeface="Consolas"/>
+              <a:cs typeface="Consolas"/>
+              <a:sym typeface="Consolas"/>
+            </a:endParaRPr>
+          </a:p>
+          <a:p>
+            <a:pPr indent="0" lvl="0" marL="0" rtl="0" algn="l">
+              <a:lnSpc>
+                <a:spcPct val="125000"/>
+              </a:lnSpc>
+              <a:spcBef>
+                <a:spcPts val="1800"/>
+              </a:spcBef>
+              <a:spcAft>
+                <a:spcPts val="0"/>
+              </a:spcAft>
+              <a:buNone/>
+            </a:pPr>
+            <a:r>
+              <a:rPr lang="en" sz="2400">
+                <a:latin typeface="Consolas"/>
+                <a:ea typeface="Consolas"/>
+                <a:cs typeface="Consolas"/>
+                <a:sym typeface="Consolas"/>
+              </a:rPr>
+              <a:t>  -o eno2 -j MASQUERADE</a:t>
+            </a:r>
+            <a:endParaRPr sz="2400">
+              <a:latin typeface="Consolas"/>
+              <a:ea typeface="Consolas"/>
+              <a:cs typeface="Consolas"/>
+              <a:sym typeface="Consolas"/>
+            </a:endParaRPr>
+          </a:p>
+          <a:p>
+            <a:pPr indent="0" lvl="0" marL="0" rtl="0" algn="l">
+              <a:lnSpc>
+                <a:spcPct val="125000"/>
+              </a:lnSpc>
+              <a:spcBef>
+                <a:spcPts val="1800"/>
+              </a:spcBef>
+              <a:spcAft>
+                <a:spcPts val="0"/>
+              </a:spcAft>
+              <a:buNone/>
+            </a:pPr>
+            <a:r>
+              <a:rPr lang="en" sz="2400">
+                <a:latin typeface="Oswald"/>
+                <a:ea typeface="Oswald"/>
+                <a:cs typeface="Oswald"/>
+                <a:sym typeface="Oswald"/>
+              </a:rPr>
+              <a:t>Note that ‘</a:t>
+            </a:r>
+            <a:r>
+              <a:rPr lang="en" sz="2400">
+                <a:latin typeface="Consolas"/>
+                <a:ea typeface="Consolas"/>
+                <a:cs typeface="Consolas"/>
+                <a:sym typeface="Consolas"/>
+              </a:rPr>
+              <a:t>-o</a:t>
+            </a:r>
+            <a:r>
+              <a:rPr lang="en" sz="2400">
+                <a:latin typeface="Oswald"/>
+                <a:ea typeface="Oswald"/>
+                <a:cs typeface="Oswald"/>
+                <a:sym typeface="Oswald"/>
+              </a:rPr>
+              <a:t>’ signifies our output interface, so replace ‘</a:t>
+            </a:r>
+            <a:r>
+              <a:rPr lang="en" sz="2400">
+                <a:latin typeface="Consolas"/>
+                <a:ea typeface="Consolas"/>
+                <a:cs typeface="Consolas"/>
+                <a:sym typeface="Consolas"/>
+              </a:rPr>
+              <a:t>eno2</a:t>
+            </a:r>
+            <a:r>
+              <a:rPr lang="en" sz="2400">
+                <a:latin typeface="Oswald"/>
+                <a:ea typeface="Oswald"/>
+                <a:cs typeface="Oswald"/>
+                <a:sym typeface="Oswald"/>
+              </a:rPr>
+              <a:t>’ with whatever your network interface is listed as on your host. </a:t>
+            </a:r>
+            <a:endParaRPr sz="2400">
+              <a:latin typeface="Oswald"/>
+              <a:ea typeface="Oswald"/>
+              <a:cs typeface="Oswald"/>
+              <a:sym typeface="Oswald"/>
+            </a:endParaRPr>
+          </a:p>
+          <a:p>
+            <a:pPr indent="0" lvl="0" marL="0" rtl="0" algn="l">
+              <a:spcBef>
+                <a:spcPts val="1200"/>
+              </a:spcBef>
+              <a:spcAft>
+                <a:spcPts val="1600"/>
+              </a:spcAft>
+              <a:buNone/>
+            </a:pPr>
+            <a:r>
+              <a:t/>
+            </a:r>
+            <a:endParaRPr/>
+          </a:p>
+        </p:txBody>
+      </p:sp>
+    </p:spTree>
+  </p:cSld>
+  <p:clrMapOvr>
+    <a:masterClrMapping/>
+  </p:clrMapOvr>
+</p:sld>
+</file>
+
+<file path=ppt/slides/slide23.xml><?xml version="1.0" encoding="utf-8"?>
+<p:sld xmlns:a="http://schemas.openxmlformats.org/drawingml/2006/main" xmlns:r="http://schemas.openxmlformats.org/officeDocument/2006/relationships" xmlns:mc="http://schemas.openxmlformats.org/markup-compatibility/2006" xmlns:mv="urn:schemas-microsoft-com:mac:vml" xmlns:p="http://schemas.openxmlformats.org/presentationml/2006/main" xmlns:c="http://schemas.openxmlformats.org/drawingml/2006/chart" xmlns:dgm="http://schemas.openxmlformats.org/drawingml/2006/diagram" xmlns:o="urn:schemas-microsoft-com:office:office" xmlns:v="urn:schemas-microsoft-com:vml" xmlns:pvml="urn:schemas-microsoft-com:office:powerpoint" xmlns:com="http://schemas.openxmlformats.org/drawingml/2006/compatibility" xmlns:p14="http://schemas.microsoft.com/office/powerpoint/2010/main" xmlns:p15="http://schemas.microsoft.com/office/powerpoint/2012/main">
+  <p:cSld>
+    <p:spTree>
+      <p:nvGrpSpPr>
+        <p:cNvPr id="192" name="Shape 192"/>
+        <p:cNvGrpSpPr/>
+        <p:nvPr/>
+      </p:nvGrpSpPr>
+      <p:grpSpPr>
+        <a:xfrm>
+          <a:off x="0" y="0"/>
+          <a:ext cx="0" cy="0"/>
+          <a:chOff x="0" y="0"/>
+          <a:chExt cx="0" cy="0"/>
+        </a:xfrm>
+      </p:grpSpPr>
+      <p:sp>
+        <p:nvSpPr>
+          <p:cNvPr id="193" name="Google Shape;193;p35"/>
+          <p:cNvSpPr txBox="1"/>
+          <p:nvPr>
+            <p:ph type="title"/>
+          </p:nvPr>
+        </p:nvSpPr>
+        <p:spPr>
+          <a:xfrm>
+            <a:off x="311700" y="445025"/>
+            <a:ext cx="8520600" cy="572700"/>
+          </a:xfrm>
+          <a:prstGeom prst="rect">
+            <a:avLst/>
+          </a:prstGeom>
+        </p:spPr>
+        <p:txBody>
+          <a:bodyPr anchorCtr="0" anchor="t" bIns="91425" lIns="91425" spcFirstLastPara="1" rIns="91425" wrap="square" tIns="91425">
+            <a:noAutofit/>
+          </a:bodyPr>
+          <a:lstStyle/>
+          <a:p>
+            <a:pPr indent="0" lvl="0" marL="0" rtl="0" algn="l">
+              <a:spcBef>
+                <a:spcPts val="0"/>
+              </a:spcBef>
+              <a:spcAft>
+                <a:spcPts val="0"/>
+              </a:spcAft>
+              <a:buNone/>
+            </a:pPr>
+            <a:r>
+              <a:rPr lang="en"/>
+              <a:t>Set up nginx as a reverse proxy</a:t>
+            </a:r>
+            <a:endParaRPr/>
+          </a:p>
+        </p:txBody>
+      </p:sp>
+      <p:sp>
+        <p:nvSpPr>
+          <p:cNvPr id="194" name="Google Shape;194;p35"/>
+          <p:cNvSpPr txBox="1"/>
+          <p:nvPr>
+            <p:ph idx="1" type="body"/>
+          </p:nvPr>
+        </p:nvSpPr>
+        <p:spPr>
+          <a:xfrm>
+            <a:off x="311700" y="1152475"/>
+            <a:ext cx="8520600" cy="3416400"/>
+          </a:xfrm>
+          <a:prstGeom prst="rect">
+            <a:avLst/>
+          </a:prstGeom>
+        </p:spPr>
+        <p:txBody>
+          <a:bodyPr anchorCtr="0" anchor="t" bIns="91425" lIns="91425" spcFirstLastPara="1" rIns="91425" wrap="square" tIns="91425">
+            <a:noAutofit/>
+          </a:bodyPr>
+          <a:lstStyle/>
+          <a:p>
+            <a:pPr indent="0" lvl="0" marL="0" rtl="0" algn="l">
+              <a:spcBef>
+                <a:spcPts val="0"/>
+              </a:spcBef>
+              <a:spcAft>
+                <a:spcPts val="1600"/>
+              </a:spcAft>
+              <a:buNone/>
+            </a:pPr>
+            <a:r>
+              <a:t/>
+            </a:r>
+            <a:endParaRPr/>
+          </a:p>
+        </p:txBody>
+      </p:sp>
+      <p:pic>
+        <p:nvPicPr>
+          <p:cNvPr id="195" name="Google Shape;195;p35"/>
+          <p:cNvPicPr preferRelativeResize="0"/>
+          <p:nvPr/>
+        </p:nvPicPr>
+        <p:blipFill rotWithShape="1">
+          <a:blip r:embed="rId3">
+            <a:alphaModFix/>
+          </a:blip>
+          <a:srcRect b="39412" l="0" r="2257" t="0"/>
+          <a:stretch/>
+        </p:blipFill>
+        <p:spPr>
+          <a:xfrm>
+            <a:off x="1740175" y="1152475"/>
+            <a:ext cx="5986574" cy="3416399"/>
+          </a:xfrm>
+          <a:prstGeom prst="rect">
+            <a:avLst/>
+          </a:prstGeom>
+          <a:noFill/>
+          <a:ln>
+            <a:noFill/>
+          </a:ln>
+        </p:spPr>
+      </p:pic>
+    </p:spTree>
+  </p:cSld>
+  <p:clrMapOvr>
+    <a:masterClrMapping/>
+  </p:clrMapOvr>
+</p:sld>
+</file>
+
+<file path=ppt/slides/slide24.xml><?xml version="1.0" encoding="utf-8"?>
+<p:sld xmlns:a="http://schemas.openxmlformats.org/drawingml/2006/main" xmlns:r="http://schemas.openxmlformats.org/officeDocument/2006/relationships" xmlns:mc="http://schemas.openxmlformats.org/markup-compatibility/2006" xmlns:mv="urn:schemas-microsoft-com:mac:vml" xmlns:p="http://schemas.openxmlformats.org/presentationml/2006/main" xmlns:c="http://schemas.openxmlformats.org/drawingml/2006/chart" xmlns:dgm="http://schemas.openxmlformats.org/drawingml/2006/diagram" xmlns:o="urn:schemas-microsoft-com:office:office" xmlns:v="urn:schemas-microsoft-com:vml" xmlns:pvml="urn:schemas-microsoft-com:office:powerpoint" xmlns:com="http://schemas.openxmlformats.org/drawingml/2006/compatibility" xmlns:p14="http://schemas.microsoft.com/office/powerpoint/2010/main" xmlns:p15="http://schemas.microsoft.com/office/powerpoint/2012/main">
+  <p:cSld>
+    <p:spTree>
+      <p:nvGrpSpPr>
+        <p:cNvPr id="199" name="Shape 199"/>
+        <p:cNvGrpSpPr/>
+        <p:nvPr/>
+      </p:nvGrpSpPr>
+      <p:grpSpPr>
+        <a:xfrm>
+          <a:off x="0" y="0"/>
+          <a:ext cx="0" cy="0"/>
+          <a:chOff x="0" y="0"/>
+          <a:chExt cx="0" cy="0"/>
+        </a:xfrm>
+      </p:grpSpPr>
+      <p:sp>
+        <p:nvSpPr>
+          <p:cNvPr id="200" name="Google Shape;200;p36"/>
+          <p:cNvSpPr txBox="1"/>
+          <p:nvPr>
+            <p:ph type="title"/>
+          </p:nvPr>
+        </p:nvSpPr>
+        <p:spPr>
+          <a:xfrm>
+            <a:off x="311700" y="445025"/>
+            <a:ext cx="8520600" cy="572700"/>
+          </a:xfrm>
+          <a:prstGeom prst="rect">
+            <a:avLst/>
+          </a:prstGeom>
+        </p:spPr>
+        <p:txBody>
+          <a:bodyPr anchorCtr="0" anchor="t" bIns="91425" lIns="91425" spcFirstLastPara="1" rIns="91425" wrap="square" tIns="91425">
+            <a:noAutofit/>
+          </a:bodyPr>
+          <a:lstStyle/>
+          <a:p>
+            <a:pPr indent="0" lvl="0" marL="0" rtl="0" algn="l">
+              <a:spcBef>
+                <a:spcPts val="0"/>
+              </a:spcBef>
+              <a:spcAft>
+                <a:spcPts val="0"/>
+              </a:spcAft>
+              <a:buNone/>
+            </a:pPr>
+            <a:r>
+              <a:rPr lang="en"/>
+              <a:t>Forward Specialized Services</a:t>
+            </a:r>
+            <a:endParaRPr/>
+          </a:p>
+        </p:txBody>
+      </p:sp>
+      <p:sp>
+        <p:nvSpPr>
+          <p:cNvPr id="201" name="Google Shape;201;p36"/>
+          <p:cNvSpPr txBox="1"/>
+          <p:nvPr>
+            <p:ph idx="1" type="body"/>
+          </p:nvPr>
+        </p:nvSpPr>
+        <p:spPr>
+          <a:xfrm>
+            <a:off x="311700" y="1152475"/>
+            <a:ext cx="8520600" cy="3416400"/>
+          </a:xfrm>
+          <a:prstGeom prst="rect">
+            <a:avLst/>
+          </a:prstGeom>
+        </p:spPr>
+        <p:txBody>
+          <a:bodyPr anchorCtr="0" anchor="t" bIns="91425" lIns="91425" spcFirstLastPara="1" rIns="91425" wrap="square" tIns="91425">
+            <a:noAutofit/>
+          </a:bodyPr>
+          <a:lstStyle/>
+          <a:p>
+            <a:pPr indent="0" lvl="0" marL="0" rtl="0" algn="l">
+              <a:lnSpc>
+                <a:spcPct val="100000"/>
+              </a:lnSpc>
+              <a:spcBef>
+                <a:spcPts val="0"/>
+              </a:spcBef>
+              <a:spcAft>
+                <a:spcPts val="0"/>
+              </a:spcAft>
+              <a:buNone/>
+            </a:pPr>
+            <a:r>
+              <a:rPr lang="en" sz="2400">
+                <a:solidFill>
+                  <a:schemeClr val="lt2"/>
+                </a:solidFill>
+                <a:latin typeface="Consolas"/>
+                <a:ea typeface="Consolas"/>
+                <a:cs typeface="Consolas"/>
+                <a:sym typeface="Consolas"/>
+              </a:rPr>
+              <a:t># iptables -t nat -A PREROUTING -p tcp \</a:t>
+            </a:r>
+            <a:endParaRPr sz="2400">
+              <a:solidFill>
+                <a:schemeClr val="lt2"/>
+              </a:solidFill>
+              <a:latin typeface="Consolas"/>
+              <a:ea typeface="Consolas"/>
+              <a:cs typeface="Consolas"/>
+              <a:sym typeface="Consolas"/>
+            </a:endParaRPr>
+          </a:p>
+          <a:p>
+            <a:pPr indent="0" lvl="0" marL="0" rtl="0" algn="l">
+              <a:lnSpc>
+                <a:spcPct val="100000"/>
+              </a:lnSpc>
+              <a:spcBef>
+                <a:spcPts val="0"/>
+              </a:spcBef>
+              <a:spcAft>
+                <a:spcPts val="0"/>
+              </a:spcAft>
+              <a:buNone/>
+            </a:pPr>
+            <a:r>
+              <a:rPr lang="en" sz="2400">
+                <a:solidFill>
+                  <a:schemeClr val="lt2"/>
+                </a:solidFill>
+                <a:latin typeface="Consolas"/>
+                <a:ea typeface="Consolas"/>
+                <a:cs typeface="Consolas"/>
+                <a:sym typeface="Consolas"/>
+              </a:rPr>
+              <a:t>  --dport 8000 -j DNAT \</a:t>
+            </a:r>
+            <a:endParaRPr sz="2400">
+              <a:solidFill>
+                <a:schemeClr val="lt2"/>
+              </a:solidFill>
+              <a:latin typeface="Consolas"/>
+              <a:ea typeface="Consolas"/>
+              <a:cs typeface="Consolas"/>
+              <a:sym typeface="Consolas"/>
+            </a:endParaRPr>
+          </a:p>
+          <a:p>
+            <a:pPr indent="0" lvl="0" marL="0" rtl="0" algn="l">
+              <a:lnSpc>
+                <a:spcPct val="100000"/>
+              </a:lnSpc>
+              <a:spcBef>
+                <a:spcPts val="0"/>
+              </a:spcBef>
+              <a:spcAft>
+                <a:spcPts val="0"/>
+              </a:spcAft>
+              <a:buNone/>
+            </a:pPr>
+            <a:r>
+              <a:rPr lang="en" sz="2400">
+                <a:solidFill>
+                  <a:schemeClr val="lt2"/>
+                </a:solidFill>
+                <a:latin typeface="Consolas"/>
+                <a:ea typeface="Consolas"/>
+                <a:cs typeface="Consolas"/>
+                <a:sym typeface="Consolas"/>
+              </a:rPr>
+              <a:t>  –to-destination 192.168.56.104:8000</a:t>
+            </a:r>
+            <a:endParaRPr sz="2400">
+              <a:solidFill>
+                <a:schemeClr val="lt2"/>
+              </a:solidFill>
+              <a:latin typeface="Consolas"/>
+              <a:ea typeface="Consolas"/>
+              <a:cs typeface="Consolas"/>
+              <a:sym typeface="Consolas"/>
+            </a:endParaRPr>
+          </a:p>
+        </p:txBody>
+      </p:sp>
+    </p:spTree>
+  </p:cSld>
+  <p:clrMapOvr>
+    <a:masterClrMapping/>
+  </p:clrMapOvr>
+</p:sld>
+</file>
+
+<file path=ppt/slides/slide25.xml><?xml version="1.0" encoding="utf-8"?>
+<p:sld xmlns:a="http://schemas.openxmlformats.org/drawingml/2006/main" xmlns:r="http://schemas.openxmlformats.org/officeDocument/2006/relationships" xmlns:mc="http://schemas.openxmlformats.org/markup-compatibility/2006" xmlns:mv="urn:schemas-microsoft-com:mac:vml" xmlns:p="http://schemas.openxmlformats.org/presentationml/2006/main" xmlns:c="http://schemas.openxmlformats.org/drawingml/2006/chart" xmlns:dgm="http://schemas.openxmlformats.org/drawingml/2006/diagram" xmlns:o="urn:schemas-microsoft-com:office:office" xmlns:v="urn:schemas-microsoft-com:vml" xmlns:pvml="urn:schemas-microsoft-com:office:powerpoint" xmlns:com="http://schemas.openxmlformats.org/drawingml/2006/compatibility" xmlns:p14="http://schemas.microsoft.com/office/powerpoint/2010/main" xmlns:p15="http://schemas.microsoft.com/office/powerpoint/2012/main">
+  <p:cSld>
+    <p:spTree>
+      <p:nvGrpSpPr>
+        <p:cNvPr id="205" name="Shape 205"/>
+        <p:cNvGrpSpPr/>
+        <p:nvPr/>
+      </p:nvGrpSpPr>
+      <p:grpSpPr>
+        <a:xfrm>
+          <a:off x="0" y="0"/>
+          <a:ext cx="0" cy="0"/>
+          <a:chOff x="0" y="0"/>
+          <a:chExt cx="0" cy="0"/>
+        </a:xfrm>
+      </p:grpSpPr>
+      <p:sp>
+        <p:nvSpPr>
+          <p:cNvPr id="206" name="Google Shape;206;p37"/>
+          <p:cNvSpPr txBox="1"/>
+          <p:nvPr>
+            <p:ph type="title"/>
+          </p:nvPr>
+        </p:nvSpPr>
+        <p:spPr>
+          <a:xfrm>
+            <a:off x="311700" y="445025"/>
+            <a:ext cx="8520600" cy="572700"/>
+          </a:xfrm>
+          <a:prstGeom prst="rect">
+            <a:avLst/>
+          </a:prstGeom>
+        </p:spPr>
+        <p:txBody>
+          <a:bodyPr anchorCtr="0" anchor="t" bIns="91425" lIns="91425" spcFirstLastPara="1" rIns="91425" wrap="square" tIns="91425">
+            <a:noAutofit/>
+          </a:bodyPr>
+          <a:lstStyle/>
+          <a:p>
+            <a:pPr indent="0" lvl="0" marL="0" rtl="0" algn="l">
+              <a:spcBef>
+                <a:spcPts val="0"/>
+              </a:spcBef>
+              <a:spcAft>
+                <a:spcPts val="0"/>
+              </a:spcAft>
+              <a:buNone/>
+            </a:pPr>
+            <a:r>
+              <a:rPr lang="en"/>
+              <a:t>Permanent iptables config</a:t>
+            </a:r>
+            <a:endParaRPr/>
+          </a:p>
+        </p:txBody>
+      </p:sp>
+      <p:sp>
+        <p:nvSpPr>
+          <p:cNvPr id="207" name="Google Shape;207;p37"/>
+          <p:cNvSpPr txBox="1"/>
+          <p:nvPr>
+            <p:ph idx="1" type="body"/>
+          </p:nvPr>
+        </p:nvSpPr>
+        <p:spPr>
+          <a:xfrm>
+            <a:off x="311700" y="1152475"/>
+            <a:ext cx="8520600" cy="3416400"/>
+          </a:xfrm>
+          <a:prstGeom prst="rect">
+            <a:avLst/>
+          </a:prstGeom>
+        </p:spPr>
+        <p:txBody>
+          <a:bodyPr anchorCtr="0" anchor="t" bIns="91425" lIns="91425" spcFirstLastPara="1" rIns="91425" wrap="square" tIns="91425">
+            <a:noAutofit/>
+          </a:bodyPr>
+          <a:lstStyle/>
+          <a:p>
+            <a:pPr indent="0" lvl="0" marL="0" rtl="0" algn="l">
+              <a:spcBef>
+                <a:spcPts val="0"/>
+              </a:spcBef>
+              <a:spcAft>
+                <a:spcPts val="1600"/>
+              </a:spcAft>
+              <a:buNone/>
+            </a:pPr>
+            <a:r>
+              <a:rPr lang="en" sz="2400">
+                <a:latin typeface="Consolas"/>
+                <a:ea typeface="Consolas"/>
+                <a:cs typeface="Consolas"/>
+                <a:sym typeface="Consolas"/>
+              </a:rPr>
+              <a:t># man iptables-save </a:t>
+            </a:r>
+            <a:endParaRPr sz="2400">
+              <a:latin typeface="Consolas"/>
+              <a:ea typeface="Consolas"/>
+              <a:cs typeface="Consolas"/>
+              <a:sym typeface="Consolas"/>
+            </a:endParaRPr>
+          </a:p>
+        </p:txBody>
+      </p:sp>
+    </p:spTree>
+  </p:cSld>
+  <p:clrMapOvr>
+    <a:masterClrMapping/>
+  </p:clrMapOvr>
+</p:sld>
+</file>
+
+<file path=ppt/slides/slide26.xml><?xml version="1.0" encoding="utf-8"?>
+<p:sld xmlns:a="http://schemas.openxmlformats.org/drawingml/2006/main" xmlns:r="http://schemas.openxmlformats.org/officeDocument/2006/relationships" xmlns:mc="http://schemas.openxmlformats.org/markup-compatibility/2006" xmlns:mv="urn:schemas-microsoft-com:mac:vml" xmlns:p="http://schemas.openxmlformats.org/presentationml/2006/main" xmlns:c="http://schemas.openxmlformats.org/drawingml/2006/chart" xmlns:dgm="http://schemas.openxmlformats.org/drawingml/2006/diagram" xmlns:o="urn:schemas-microsoft-com:office:office" xmlns:v="urn:schemas-microsoft-com:vml" xmlns:pvml="urn:schemas-microsoft-com:office:powerpoint" xmlns:com="http://schemas.openxmlformats.org/drawingml/2006/compatibility" xmlns:p14="http://schemas.microsoft.com/office/powerpoint/2010/main" xmlns:p15="http://schemas.microsoft.com/office/powerpoint/2012/main">
+  <p:cSld>
+    <p:spTree>
+      <p:nvGrpSpPr>
+        <p:cNvPr id="211" name="Shape 211"/>
+        <p:cNvGrpSpPr/>
+        <p:nvPr/>
+      </p:nvGrpSpPr>
+      <p:grpSpPr>
+        <a:xfrm>
+          <a:off x="0" y="0"/>
+          <a:ext cx="0" cy="0"/>
+          <a:chOff x="0" y="0"/>
+          <a:chExt cx="0" cy="0"/>
+        </a:xfrm>
+      </p:grpSpPr>
+      <p:sp>
+        <p:nvSpPr>
+          <p:cNvPr id="212" name="Google Shape;212;p38"/>
+          <p:cNvSpPr txBox="1"/>
+          <p:nvPr>
+            <p:ph type="title"/>
+          </p:nvPr>
+        </p:nvSpPr>
+        <p:spPr>
+          <a:xfrm>
+            <a:off x="311700" y="445025"/>
+            <a:ext cx="8520600" cy="572700"/>
+          </a:xfrm>
+          <a:prstGeom prst="rect">
+            <a:avLst/>
+          </a:prstGeom>
+        </p:spPr>
+        <p:txBody>
+          <a:bodyPr anchorCtr="0" anchor="t" bIns="91425" lIns="91425" spcFirstLastPara="1" rIns="91425" wrap="square" tIns="91425">
+            <a:noAutofit/>
+          </a:bodyPr>
+          <a:lstStyle/>
+          <a:p>
+            <a:pPr indent="0" lvl="0" marL="0" rtl="0" algn="l">
+              <a:spcBef>
+                <a:spcPts val="0"/>
+              </a:spcBef>
+              <a:spcAft>
+                <a:spcPts val="0"/>
+              </a:spcAft>
+              <a:buNone/>
+            </a:pPr>
+            <a:r>
+              <a:rPr lang="en"/>
+              <a:t>SSH Jump Box</a:t>
+            </a:r>
+            <a:endParaRPr/>
+          </a:p>
+        </p:txBody>
+      </p:sp>
+      <p:sp>
+        <p:nvSpPr>
+          <p:cNvPr id="213" name="Google Shape;213;p38"/>
+          <p:cNvSpPr txBox="1"/>
+          <p:nvPr>
+            <p:ph idx="1" type="body"/>
+          </p:nvPr>
+        </p:nvSpPr>
+        <p:spPr>
+          <a:xfrm>
+            <a:off x="311700" y="1152475"/>
+            <a:ext cx="8520600" cy="3416400"/>
+          </a:xfrm>
+          <a:prstGeom prst="rect">
+            <a:avLst/>
+          </a:prstGeom>
+        </p:spPr>
+        <p:txBody>
+          <a:bodyPr anchorCtr="0" anchor="t" bIns="91425" lIns="91425" spcFirstLastPara="1" rIns="91425" wrap="square" tIns="91425">
+            <a:noAutofit/>
+          </a:bodyPr>
+          <a:lstStyle/>
+          <a:p>
+            <a:pPr indent="0" lvl="0" marL="0" rtl="0" algn="l">
+              <a:spcBef>
+                <a:spcPts val="0"/>
+              </a:spcBef>
+              <a:spcAft>
+                <a:spcPts val="0"/>
+              </a:spcAft>
+              <a:buNone/>
+            </a:pPr>
+            <a:r>
+              <a:rPr lang="en" sz="2400">
+                <a:latin typeface="Oswald"/>
+                <a:ea typeface="Oswald"/>
+                <a:cs typeface="Oswald"/>
+                <a:sym typeface="Oswald"/>
+              </a:rPr>
+              <a:t>With the current setup, users will use the host as a jump box to administer to the individual vms. The syntax is: </a:t>
+            </a:r>
+            <a:endParaRPr sz="2400">
+              <a:latin typeface="Oswald"/>
+              <a:ea typeface="Oswald"/>
+              <a:cs typeface="Oswald"/>
+              <a:sym typeface="Oswald"/>
+            </a:endParaRPr>
+          </a:p>
+          <a:p>
+            <a:pPr indent="0" lvl="0" marL="0" rtl="0" algn="l">
+              <a:spcBef>
+                <a:spcPts val="1600"/>
+              </a:spcBef>
+              <a:spcAft>
+                <a:spcPts val="0"/>
+              </a:spcAft>
+              <a:buNone/>
+            </a:pPr>
+            <a:r>
+              <a:rPr lang="en" sz="2400">
+                <a:latin typeface="Consolas"/>
+                <a:ea typeface="Consolas"/>
+                <a:cs typeface="Consolas"/>
+                <a:sym typeface="Consolas"/>
+              </a:rPr>
+              <a:t>$ ssh -J [user]@[hypervisor] [user]@[vm] </a:t>
+            </a:r>
+            <a:endParaRPr sz="2400">
+              <a:latin typeface="Consolas"/>
+              <a:ea typeface="Consolas"/>
+              <a:cs typeface="Consolas"/>
+              <a:sym typeface="Consolas"/>
+            </a:endParaRPr>
+          </a:p>
+          <a:p>
+            <a:pPr indent="0" lvl="0" marL="0" rtl="0" algn="l">
+              <a:spcBef>
+                <a:spcPts val="1600"/>
+              </a:spcBef>
+              <a:spcAft>
+                <a:spcPts val="1600"/>
+              </a:spcAft>
+              <a:buNone/>
+            </a:pPr>
+            <a:r>
+              <a:rPr lang="en" sz="2400">
+                <a:latin typeface="Oswald"/>
+                <a:ea typeface="Oswald"/>
+                <a:cs typeface="Oswald"/>
+                <a:sym typeface="Oswald"/>
+              </a:rPr>
+              <a:t>Alternatively, you can use iptables to send all port 22 requests to a vm and then jump from there. This shrinks the security footprint of the hypervisor. Just don’t forget to set up a way to administer to the hypervisor.</a:t>
+            </a:r>
+            <a:endParaRPr sz="2400">
+              <a:latin typeface="Oswald"/>
+              <a:ea typeface="Oswald"/>
+              <a:cs typeface="Oswald"/>
+              <a:sym typeface="Oswald"/>
+            </a:endParaRPr>
+          </a:p>
+        </p:txBody>
+      </p:sp>
+    </p:spTree>
+  </p:cSld>
+  <p:clrMapOvr>
+    <a:masterClrMapping/>
+  </p:clrMapOvr>
+</p:sld>
+</file>
+
+<file path=ppt/slides/slide27.xml><?xml version="1.0" encoding="utf-8"?>
+<p:sld xmlns:a="http://schemas.openxmlformats.org/drawingml/2006/main" xmlns:r="http://schemas.openxmlformats.org/officeDocument/2006/relationships" xmlns:mc="http://schemas.openxmlformats.org/markup-compatibility/2006" xmlns:mv="urn:schemas-microsoft-com:mac:vml" xmlns:p="http://schemas.openxmlformats.org/presentationml/2006/main" xmlns:c="http://schemas.openxmlformats.org/drawingml/2006/chart" xmlns:dgm="http://schemas.openxmlformats.org/drawingml/2006/diagram" xmlns:o="urn:schemas-microsoft-com:office:office" xmlns:v="urn:schemas-microsoft-com:vml" xmlns:pvml="urn:schemas-microsoft-com:office:powerpoint" xmlns:com="http://schemas.openxmlformats.org/drawingml/2006/compatibility" xmlns:p14="http://schemas.microsoft.com/office/powerpoint/2010/main" xmlns:p15="http://schemas.microsoft.com/office/powerpoint/2012/main">
+  <p:cSld>
+    <p:spTree>
+      <p:nvGrpSpPr>
+        <p:cNvPr id="217" name="Shape 217"/>
+        <p:cNvGrpSpPr/>
+        <p:nvPr/>
+      </p:nvGrpSpPr>
+      <p:grpSpPr>
+        <a:xfrm>
+          <a:off x="0" y="0"/>
+          <a:ext cx="0" cy="0"/>
+          <a:chOff x="0" y="0"/>
+          <a:chExt cx="0" cy="0"/>
+        </a:xfrm>
+      </p:grpSpPr>
+      <p:sp>
+        <p:nvSpPr>
+          <p:cNvPr id="218" name="Google Shape;218;p39"/>
+          <p:cNvSpPr txBox="1"/>
+          <p:nvPr>
+            <p:ph idx="1" type="body"/>
+          </p:nvPr>
+        </p:nvSpPr>
+        <p:spPr>
+          <a:xfrm>
+            <a:off x="311700" y="4230575"/>
+            <a:ext cx="5998800" cy="605100"/>
+          </a:xfrm>
+          <a:prstGeom prst="rect">
+            <a:avLst/>
+          </a:prstGeom>
+        </p:spPr>
+        <p:txBody>
+          <a:bodyPr anchorCtr="0" anchor="ctr" bIns="91425" lIns="91425" spcFirstLastPara="1" rIns="91425" wrap="square" tIns="91425">
+            <a:noAutofit/>
+          </a:bodyPr>
+          <a:lstStyle/>
+          <a:p>
+            <a:pPr indent="0" lvl="0" marL="0" rtl="0" algn="l">
+              <a:spcBef>
+                <a:spcPts val="0"/>
+              </a:spcBef>
+              <a:spcAft>
+                <a:spcPts val="0"/>
+              </a:spcAft>
+              <a:buNone/>
+            </a:pPr>
+            <a:r>
+              <a:rPr lang="en"/>
+              <a:t>VM Snapshots &amp; Exports</a:t>
+            </a:r>
+            <a:endParaRPr/>
+          </a:p>
+        </p:txBody>
+      </p:sp>
+      <p:pic>
+        <p:nvPicPr>
+          <p:cNvPr id="219" name="Google Shape;219;p39"/>
+          <p:cNvPicPr preferRelativeResize="0"/>
+          <p:nvPr/>
+        </p:nvPicPr>
+        <p:blipFill>
+          <a:blip r:embed="rId3">
+            <a:alphaModFix/>
+          </a:blip>
+          <a:stretch>
+            <a:fillRect/>
+          </a:stretch>
+        </p:blipFill>
+        <p:spPr>
+          <a:xfrm>
+            <a:off x="2941052" y="52925"/>
+            <a:ext cx="6063801" cy="4651425"/>
+          </a:xfrm>
+          <a:prstGeom prst="rect">
+            <a:avLst/>
+          </a:prstGeom>
+          <a:noFill/>
+          <a:ln>
+            <a:noFill/>
+          </a:ln>
+        </p:spPr>
+      </p:pic>
+    </p:spTree>
+  </p:cSld>
+  <p:clrMapOvr>
+    <a:masterClrMapping/>
+  </p:clrMapOvr>
+</p:sld>
+</file>
+
+<file path=ppt/slides/slide28.xml><?xml version="1.0" encoding="utf-8"?>
+<p:sld xmlns:a="http://schemas.openxmlformats.org/drawingml/2006/main" xmlns:r="http://schemas.openxmlformats.org/officeDocument/2006/relationships" xmlns:mc="http://schemas.openxmlformats.org/markup-compatibility/2006" xmlns:mv="urn:schemas-microsoft-com:mac:vml" xmlns:p="http://schemas.openxmlformats.org/presentationml/2006/main" xmlns:c="http://schemas.openxmlformats.org/drawingml/2006/chart" xmlns:dgm="http://schemas.openxmlformats.org/drawingml/2006/diagram" xmlns:o="urn:schemas-microsoft-com:office:office" xmlns:v="urn:schemas-microsoft-com:vml" xmlns:pvml="urn:schemas-microsoft-com:office:powerpoint" xmlns:com="http://schemas.openxmlformats.org/drawingml/2006/compatibility" xmlns:p14="http://schemas.microsoft.com/office/powerpoint/2010/main" xmlns:p15="http://schemas.microsoft.com/office/powerpoint/2012/main">
+  <p:cSld>
+    <p:spTree>
+      <p:nvGrpSpPr>
+        <p:cNvPr id="223" name="Shape 223"/>
+        <p:cNvGrpSpPr/>
+        <p:nvPr/>
+      </p:nvGrpSpPr>
+      <p:grpSpPr>
+        <a:xfrm>
+          <a:off x="0" y="0"/>
+          <a:ext cx="0" cy="0"/>
+          <a:chOff x="0" y="0"/>
+          <a:chExt cx="0" cy="0"/>
+        </a:xfrm>
+      </p:grpSpPr>
+      <p:sp>
+        <p:nvSpPr>
+          <p:cNvPr id="224" name="Google Shape;224;p40"/>
+          <p:cNvSpPr txBox="1"/>
+          <p:nvPr>
+            <p:ph type="title"/>
+          </p:nvPr>
+        </p:nvSpPr>
+        <p:spPr>
+          <a:xfrm>
+            <a:off x="671250" y="2141250"/>
+            <a:ext cx="7852200" cy="861000"/>
+          </a:xfrm>
+          <a:prstGeom prst="rect">
+            <a:avLst/>
+          </a:prstGeom>
+        </p:spPr>
+        <p:txBody>
+          <a:bodyPr anchorCtr="0" anchor="ctr" bIns="91425" lIns="91425" spcFirstLastPara="1" rIns="91425" wrap="square" tIns="91425">
+            <a:noAutofit/>
+          </a:bodyPr>
+          <a:lstStyle/>
+          <a:p>
+            <a:pPr indent="0" lvl="0" marL="0" rtl="0" algn="ctr">
+              <a:spcBef>
+                <a:spcPts val="0"/>
+              </a:spcBef>
+              <a:spcAft>
+                <a:spcPts val="0"/>
+              </a:spcAft>
+              <a:buNone/>
+            </a:pPr>
+            <a:r>
+              <a:rPr lang="en"/>
+              <a:t>Linux Club- Why do you need one?</a:t>
+            </a:r>
+            <a:endParaRPr/>
+          </a:p>
+        </p:txBody>
+      </p:sp>
+    </p:spTree>
+  </p:cSld>
+  <p:clrMapOvr>
+    <a:masterClrMapping/>
+  </p:clrMapOvr>
+</p:sld>
+</file>
+
+<file path=ppt/slides/slide29.xml><?xml version="1.0" encoding="utf-8"?>
+<p:sld xmlns:a="http://schemas.openxmlformats.org/drawingml/2006/main" xmlns:r="http://schemas.openxmlformats.org/officeDocument/2006/relationships" xmlns:mc="http://schemas.openxmlformats.org/markup-compatibility/2006" xmlns:mv="urn:schemas-microsoft-com:mac:vml" xmlns:p="http://schemas.openxmlformats.org/presentationml/2006/main" xmlns:c="http://schemas.openxmlformats.org/drawingml/2006/chart" xmlns:dgm="http://schemas.openxmlformats.org/drawingml/2006/diagram" xmlns:o="urn:schemas-microsoft-com:office:office" xmlns:v="urn:schemas-microsoft-com:vml" xmlns:pvml="urn:schemas-microsoft-com:office:powerpoint" xmlns:com="http://schemas.openxmlformats.org/drawingml/2006/compatibility" xmlns:p14="http://schemas.microsoft.com/office/powerpoint/2010/main" xmlns:p15="http://schemas.microsoft.com/office/powerpoint/2012/main">
+  <p:cSld>
+    <p:spTree>
+      <p:nvGrpSpPr>
+        <p:cNvPr id="228" name="Shape 228"/>
+        <p:cNvGrpSpPr/>
+        <p:nvPr/>
+      </p:nvGrpSpPr>
+      <p:grpSpPr>
+        <a:xfrm>
+          <a:off x="0" y="0"/>
+          <a:ext cx="0" cy="0"/>
+          <a:chOff x="0" y="0"/>
+          <a:chExt cx="0" cy="0"/>
+        </a:xfrm>
+      </p:grpSpPr>
+      <p:sp>
+        <p:nvSpPr>
+          <p:cNvPr id="229" name="Google Shape;229;p41"/>
+          <p:cNvSpPr txBox="1"/>
+          <p:nvPr>
+            <p:ph type="title"/>
+          </p:nvPr>
+        </p:nvSpPr>
+        <p:spPr>
+          <a:xfrm>
+            <a:off x="671250" y="2141250"/>
+            <a:ext cx="7852200" cy="861000"/>
+          </a:xfrm>
+          <a:prstGeom prst="rect">
+            <a:avLst/>
+          </a:prstGeom>
+        </p:spPr>
+        <p:txBody>
+          <a:bodyPr anchorCtr="0" anchor="ctr" bIns="91425" lIns="91425" spcFirstLastPara="1" rIns="91425" wrap="square" tIns="91425">
+            <a:noAutofit/>
+          </a:bodyPr>
+          <a:lstStyle/>
+          <a:p>
+            <a:pPr indent="0" lvl="0" marL="0" rtl="0" algn="ctr">
+              <a:spcBef>
+                <a:spcPts val="0"/>
+              </a:spcBef>
+              <a:spcAft>
+                <a:spcPts val="0"/>
+              </a:spcAft>
+              <a:buNone/>
+            </a:pPr>
+            <a:r>
+              <a:rPr lang="en"/>
+              <a:t>Community</a:t>
+            </a:r>
+            <a:endParaRPr/>
+          </a:p>
+        </p:txBody>
+      </p:sp>
+    </p:spTree>
+  </p:cSld>
+  <p:clrMapOvr>
+    <a:masterClrMapping/>
+  </p:clrMapOvr>
+</p:sld>
+</file>
+
 <file path=ppt/slides/slide3.xml><?xml version="1.0" encoding="utf-8"?>
 <p:sld xmlns:a="http://schemas.openxmlformats.org/drawingml/2006/main" xmlns:r="http://schemas.openxmlformats.org/officeDocument/2006/relationships" xmlns:mc="http://schemas.openxmlformats.org/markup-compatibility/2006" xmlns:mv="urn:schemas-microsoft-com:mac:vml" xmlns:p="http://schemas.openxmlformats.org/presentationml/2006/main" xmlns:c="http://schemas.openxmlformats.org/drawingml/2006/chart" xmlns:dgm="http://schemas.openxmlformats.org/drawingml/2006/diagram" xmlns:o="urn:schemas-microsoft-com:office:office" xmlns:v="urn:schemas-microsoft-com:vml" xmlns:pvml="urn:schemas-microsoft-com:office:powerpoint" xmlns:com="http://schemas.openxmlformats.org/drawingml/2006/compatibility" xmlns:p14="http://schemas.microsoft.com/office/powerpoint/2010/main" xmlns:p15="http://schemas.microsoft.com/office/powerpoint/2012/main">
   <p:cSld>
@@ -8600,6 +12832,331 @@
             <a:r>
               <a:rPr lang="en"/>
               <a:t>Getting everyone a Linux box</a:t>
+            </a:r>
+            <a:endParaRPr/>
+          </a:p>
+        </p:txBody>
+      </p:sp>
+    </p:spTree>
+  </p:cSld>
+  <p:clrMapOvr>
+    <a:masterClrMapping/>
+  </p:clrMapOvr>
+</p:sld>
+</file>
+
+<file path=ppt/slides/slide30.xml><?xml version="1.0" encoding="utf-8"?>
+<p:sld xmlns:a="http://schemas.openxmlformats.org/drawingml/2006/main" xmlns:r="http://schemas.openxmlformats.org/officeDocument/2006/relationships" xmlns:mc="http://schemas.openxmlformats.org/markup-compatibility/2006" xmlns:mv="urn:schemas-microsoft-com:mac:vml" xmlns:p="http://schemas.openxmlformats.org/presentationml/2006/main" xmlns:c="http://schemas.openxmlformats.org/drawingml/2006/chart" xmlns:dgm="http://schemas.openxmlformats.org/drawingml/2006/diagram" xmlns:o="urn:schemas-microsoft-com:office:office" xmlns:v="urn:schemas-microsoft-com:vml" xmlns:pvml="urn:schemas-microsoft-com:office:powerpoint" xmlns:com="http://schemas.openxmlformats.org/drawingml/2006/compatibility" xmlns:p14="http://schemas.microsoft.com/office/powerpoint/2010/main" xmlns:p15="http://schemas.microsoft.com/office/powerpoint/2012/main">
+  <p:cSld>
+    <p:spTree>
+      <p:nvGrpSpPr>
+        <p:cNvPr id="233" name="Shape 233"/>
+        <p:cNvGrpSpPr/>
+        <p:nvPr/>
+      </p:nvGrpSpPr>
+      <p:grpSpPr>
+        <a:xfrm>
+          <a:off x="0" y="0"/>
+          <a:ext cx="0" cy="0"/>
+          <a:chOff x="0" y="0"/>
+          <a:chExt cx="0" cy="0"/>
+        </a:xfrm>
+      </p:grpSpPr>
+      <p:sp>
+        <p:nvSpPr>
+          <p:cNvPr id="234" name="Google Shape;234;p42"/>
+          <p:cNvSpPr txBox="1"/>
+          <p:nvPr>
+            <p:ph type="title"/>
+          </p:nvPr>
+        </p:nvSpPr>
+        <p:spPr>
+          <a:xfrm>
+            <a:off x="671250" y="2141250"/>
+            <a:ext cx="7852200" cy="861000"/>
+          </a:xfrm>
+          <a:prstGeom prst="rect">
+            <a:avLst/>
+          </a:prstGeom>
+        </p:spPr>
+        <p:txBody>
+          <a:bodyPr anchorCtr="0" anchor="ctr" bIns="91425" lIns="91425" spcFirstLastPara="1" rIns="91425" wrap="square" tIns="91425">
+            <a:noAutofit/>
+          </a:bodyPr>
+          <a:lstStyle/>
+          <a:p>
+            <a:pPr indent="0" lvl="0" marL="0" rtl="0" algn="ctr">
+              <a:spcBef>
+                <a:spcPts val="0"/>
+              </a:spcBef>
+              <a:spcAft>
+                <a:spcPts val="0"/>
+              </a:spcAft>
+              <a:buNone/>
+            </a:pPr>
+            <a:r>
+              <a:rPr lang="en"/>
+              <a:t>Skill Development</a:t>
+            </a:r>
+            <a:endParaRPr/>
+          </a:p>
+        </p:txBody>
+      </p:sp>
+    </p:spTree>
+  </p:cSld>
+  <p:clrMapOvr>
+    <a:masterClrMapping/>
+  </p:clrMapOvr>
+</p:sld>
+</file>
+
+<file path=ppt/slides/slide31.xml><?xml version="1.0" encoding="utf-8"?>
+<p:sld xmlns:a="http://schemas.openxmlformats.org/drawingml/2006/main" xmlns:r="http://schemas.openxmlformats.org/officeDocument/2006/relationships" xmlns:mc="http://schemas.openxmlformats.org/markup-compatibility/2006" xmlns:mv="urn:schemas-microsoft-com:mac:vml" xmlns:p="http://schemas.openxmlformats.org/presentationml/2006/main" xmlns:c="http://schemas.openxmlformats.org/drawingml/2006/chart" xmlns:dgm="http://schemas.openxmlformats.org/drawingml/2006/diagram" xmlns:o="urn:schemas-microsoft-com:office:office" xmlns:v="urn:schemas-microsoft-com:vml" xmlns:pvml="urn:schemas-microsoft-com:office:powerpoint" xmlns:com="http://schemas.openxmlformats.org/drawingml/2006/compatibility" xmlns:p14="http://schemas.microsoft.com/office/powerpoint/2010/main" xmlns:p15="http://schemas.microsoft.com/office/powerpoint/2012/main">
+  <p:cSld>
+    <p:spTree>
+      <p:nvGrpSpPr>
+        <p:cNvPr id="238" name="Shape 238"/>
+        <p:cNvGrpSpPr/>
+        <p:nvPr/>
+      </p:nvGrpSpPr>
+      <p:grpSpPr>
+        <a:xfrm>
+          <a:off x="0" y="0"/>
+          <a:ext cx="0" cy="0"/>
+          <a:chOff x="0" y="0"/>
+          <a:chExt cx="0" cy="0"/>
+        </a:xfrm>
+      </p:grpSpPr>
+      <p:sp>
+        <p:nvSpPr>
+          <p:cNvPr id="239" name="Google Shape;239;p43"/>
+          <p:cNvSpPr txBox="1"/>
+          <p:nvPr>
+            <p:ph type="title"/>
+          </p:nvPr>
+        </p:nvSpPr>
+        <p:spPr>
+          <a:xfrm>
+            <a:off x="671250" y="2141250"/>
+            <a:ext cx="7852200" cy="861000"/>
+          </a:xfrm>
+          <a:prstGeom prst="rect">
+            <a:avLst/>
+          </a:prstGeom>
+        </p:spPr>
+        <p:txBody>
+          <a:bodyPr anchorCtr="0" anchor="ctr" bIns="91425" lIns="91425" spcFirstLastPara="1" rIns="91425" wrap="square" tIns="91425">
+            <a:noAutofit/>
+          </a:bodyPr>
+          <a:lstStyle/>
+          <a:p>
+            <a:pPr indent="0" lvl="0" marL="0" rtl="0" algn="ctr">
+              <a:spcBef>
+                <a:spcPts val="0"/>
+              </a:spcBef>
+              <a:spcAft>
+                <a:spcPts val="0"/>
+              </a:spcAft>
+              <a:buNone/>
+            </a:pPr>
+            <a:r>
+              <a:rPr lang="en"/>
+              <a:t>Linux Club- What</a:t>
+            </a:r>
+            <a:endParaRPr/>
+          </a:p>
+        </p:txBody>
+      </p:sp>
+    </p:spTree>
+  </p:cSld>
+  <p:clrMapOvr>
+    <a:masterClrMapping/>
+  </p:clrMapOvr>
+</p:sld>
+</file>
+
+<file path=ppt/slides/slide32.xml><?xml version="1.0" encoding="utf-8"?>
+<p:sld xmlns:a="http://schemas.openxmlformats.org/drawingml/2006/main" xmlns:r="http://schemas.openxmlformats.org/officeDocument/2006/relationships" xmlns:mc="http://schemas.openxmlformats.org/markup-compatibility/2006" xmlns:mv="urn:schemas-microsoft-com:mac:vml" xmlns:p="http://schemas.openxmlformats.org/presentationml/2006/main" xmlns:c="http://schemas.openxmlformats.org/drawingml/2006/chart" xmlns:dgm="http://schemas.openxmlformats.org/drawingml/2006/diagram" xmlns:o="urn:schemas-microsoft-com:office:office" xmlns:v="urn:schemas-microsoft-com:vml" xmlns:pvml="urn:schemas-microsoft-com:office:powerpoint" xmlns:com="http://schemas.openxmlformats.org/drawingml/2006/compatibility" xmlns:p14="http://schemas.microsoft.com/office/powerpoint/2010/main" xmlns:p15="http://schemas.microsoft.com/office/powerpoint/2012/main">
+  <p:cSld>
+    <p:spTree>
+      <p:nvGrpSpPr>
+        <p:cNvPr id="243" name="Shape 243"/>
+        <p:cNvGrpSpPr/>
+        <p:nvPr/>
+      </p:nvGrpSpPr>
+      <p:grpSpPr>
+        <a:xfrm>
+          <a:off x="0" y="0"/>
+          <a:ext cx="0" cy="0"/>
+          <a:chOff x="0" y="0"/>
+          <a:chExt cx="0" cy="0"/>
+        </a:xfrm>
+      </p:grpSpPr>
+      <p:sp>
+        <p:nvSpPr>
+          <p:cNvPr id="244" name="Google Shape;244;p44"/>
+          <p:cNvSpPr txBox="1"/>
+          <p:nvPr>
+            <p:ph type="title"/>
+          </p:nvPr>
+        </p:nvSpPr>
+        <p:spPr>
+          <a:xfrm>
+            <a:off x="671250" y="2141250"/>
+            <a:ext cx="7852200" cy="861000"/>
+          </a:xfrm>
+          <a:prstGeom prst="rect">
+            <a:avLst/>
+          </a:prstGeom>
+        </p:spPr>
+        <p:txBody>
+          <a:bodyPr anchorCtr="0" anchor="ctr" bIns="91425" lIns="91425" spcFirstLastPara="1" rIns="91425" wrap="square" tIns="91425">
+            <a:noAutofit/>
+          </a:bodyPr>
+          <a:lstStyle/>
+          <a:p>
+            <a:pPr indent="0" lvl="0" marL="0" rtl="0" algn="ctr">
+              <a:spcBef>
+                <a:spcPts val="0"/>
+              </a:spcBef>
+              <a:spcAft>
+                <a:spcPts val="0"/>
+              </a:spcAft>
+              <a:buNone/>
+            </a:pPr>
+            <a:r>
+              <a:rPr lang="en"/>
+              <a:t>Challenges &amp; Solutions</a:t>
+            </a:r>
+            <a:endParaRPr/>
+          </a:p>
+        </p:txBody>
+      </p:sp>
+    </p:spTree>
+  </p:cSld>
+  <p:clrMapOvr>
+    <a:masterClrMapping/>
+  </p:clrMapOvr>
+</p:sld>
+</file>
+
+<file path=ppt/slides/slide33.xml><?xml version="1.0" encoding="utf-8"?>
+<p:sld xmlns:a="http://schemas.openxmlformats.org/drawingml/2006/main" xmlns:r="http://schemas.openxmlformats.org/officeDocument/2006/relationships" xmlns:mc="http://schemas.openxmlformats.org/markup-compatibility/2006" xmlns:mv="urn:schemas-microsoft-com:mac:vml" xmlns:p="http://schemas.openxmlformats.org/presentationml/2006/main" xmlns:c="http://schemas.openxmlformats.org/drawingml/2006/chart" xmlns:dgm="http://schemas.openxmlformats.org/drawingml/2006/diagram" xmlns:o="urn:schemas-microsoft-com:office:office" xmlns:v="urn:schemas-microsoft-com:vml" xmlns:pvml="urn:schemas-microsoft-com:office:powerpoint" xmlns:com="http://schemas.openxmlformats.org/drawingml/2006/compatibility" xmlns:p14="http://schemas.microsoft.com/office/powerpoint/2010/main" xmlns:p15="http://schemas.microsoft.com/office/powerpoint/2012/main">
+  <p:cSld>
+    <p:spTree>
+      <p:nvGrpSpPr>
+        <p:cNvPr id="248" name="Shape 248"/>
+        <p:cNvGrpSpPr/>
+        <p:nvPr/>
+      </p:nvGrpSpPr>
+      <p:grpSpPr>
+        <a:xfrm>
+          <a:off x="0" y="0"/>
+          <a:ext cx="0" cy="0"/>
+          <a:chOff x="0" y="0"/>
+          <a:chExt cx="0" cy="0"/>
+        </a:xfrm>
+      </p:grpSpPr>
+      <p:sp>
+        <p:nvSpPr>
+          <p:cNvPr id="249" name="Google Shape;249;p45"/>
+          <p:cNvSpPr txBox="1"/>
+          <p:nvPr>
+            <p:ph type="title"/>
+          </p:nvPr>
+        </p:nvSpPr>
+        <p:spPr>
+          <a:xfrm>
+            <a:off x="671250" y="2141250"/>
+            <a:ext cx="7852200" cy="861000"/>
+          </a:xfrm>
+          <a:prstGeom prst="rect">
+            <a:avLst/>
+          </a:prstGeom>
+        </p:spPr>
+        <p:txBody>
+          <a:bodyPr anchorCtr="0" anchor="ctr" bIns="91425" lIns="91425" spcFirstLastPara="1" rIns="91425" wrap="square" tIns="91425">
+            <a:noAutofit/>
+          </a:bodyPr>
+          <a:lstStyle/>
+          <a:p>
+            <a:pPr indent="0" lvl="0" marL="0" rtl="0" algn="ctr">
+              <a:spcBef>
+                <a:spcPts val="0"/>
+              </a:spcBef>
+              <a:spcAft>
+                <a:spcPts val="0"/>
+              </a:spcAft>
+              <a:buNone/>
+            </a:pPr>
+            <a:r>
+              <a:rPr lang="en"/>
+              <a:t>Not a 1-man job</a:t>
+            </a:r>
+            <a:endParaRPr/>
+          </a:p>
+        </p:txBody>
+      </p:sp>
+    </p:spTree>
+  </p:cSld>
+  <p:clrMapOvr>
+    <a:masterClrMapping/>
+  </p:clrMapOvr>
+</p:sld>
+</file>
+
+<file path=ppt/slides/slide34.xml><?xml version="1.0" encoding="utf-8"?>
+<p:sld xmlns:a="http://schemas.openxmlformats.org/drawingml/2006/main" xmlns:r="http://schemas.openxmlformats.org/officeDocument/2006/relationships" xmlns:mc="http://schemas.openxmlformats.org/markup-compatibility/2006" xmlns:mv="urn:schemas-microsoft-com:mac:vml" xmlns:p="http://schemas.openxmlformats.org/presentationml/2006/main" xmlns:c="http://schemas.openxmlformats.org/drawingml/2006/chart" xmlns:dgm="http://schemas.openxmlformats.org/drawingml/2006/diagram" xmlns:o="urn:schemas-microsoft-com:office:office" xmlns:v="urn:schemas-microsoft-com:vml" xmlns:pvml="urn:schemas-microsoft-com:office:powerpoint" xmlns:com="http://schemas.openxmlformats.org/drawingml/2006/compatibility" xmlns:p14="http://schemas.microsoft.com/office/powerpoint/2010/main" xmlns:p15="http://schemas.microsoft.com/office/powerpoint/2012/main">
+  <p:cSld>
+    <p:spTree>
+      <p:nvGrpSpPr>
+        <p:cNvPr id="253" name="Shape 253"/>
+        <p:cNvGrpSpPr/>
+        <p:nvPr/>
+      </p:nvGrpSpPr>
+      <p:grpSpPr>
+        <a:xfrm>
+          <a:off x="0" y="0"/>
+          <a:ext cx="0" cy="0"/>
+          <a:chOff x="0" y="0"/>
+          <a:chExt cx="0" cy="0"/>
+        </a:xfrm>
+      </p:grpSpPr>
+      <p:sp>
+        <p:nvSpPr>
+          <p:cNvPr id="254" name="Google Shape;254;p46"/>
+          <p:cNvSpPr txBox="1"/>
+          <p:nvPr>
+            <p:ph type="title"/>
+          </p:nvPr>
+        </p:nvSpPr>
+        <p:spPr>
+          <a:xfrm>
+            <a:off x="671250" y="2141250"/>
+            <a:ext cx="7852200" cy="861000"/>
+          </a:xfrm>
+          <a:prstGeom prst="rect">
+            <a:avLst/>
+          </a:prstGeom>
+        </p:spPr>
+        <p:txBody>
+          <a:bodyPr anchorCtr="0" anchor="ctr" bIns="91425" lIns="91425" spcFirstLastPara="1" rIns="91425" wrap="square" tIns="91425">
+            <a:noAutofit/>
+          </a:bodyPr>
+          <a:lstStyle/>
+          <a:p>
+            <a:pPr indent="0" lvl="0" marL="0" rtl="0" algn="ctr">
+              <a:spcBef>
+                <a:spcPts val="0"/>
+              </a:spcBef>
+              <a:spcAft>
+                <a:spcPts val="0"/>
+              </a:spcAft>
+              <a:buNone/>
+            </a:pPr>
+            <a:r>
+              <a:rPr lang="en"/>
+              <a:t>Linux Club- How</a:t>
             </a:r>
             <a:endParaRPr/>
           </a:p>
@@ -9080,7 +13637,7 @@
         </p:blipFill>
         <p:spPr>
           <a:xfrm>
-            <a:off x="1657825" y="1083275"/>
+            <a:off x="1619225" y="1102575"/>
             <a:ext cx="6373611" cy="3820976"/>
           </a:xfrm>
           <a:prstGeom prst="rect">
@@ -9583,9 +14140,6 @@
             </a:pPr>
             <a:r>
               <a:rPr lang="en" sz="2400">
-                <a:solidFill>
-                  <a:schemeClr val="dk2"/>
-                </a:solidFill>
                 <a:latin typeface="Consolas"/>
                 <a:ea typeface="Consolas"/>
                 <a:cs typeface="Consolas"/>
@@ -9594,9 +14148,6 @@
               <a:t>$ sudo apt update</a:t>
             </a:r>
             <a:endParaRPr sz="2400">
-              <a:solidFill>
-                <a:schemeClr val="dk2"/>
-              </a:solidFill>
               <a:latin typeface="Consolas"/>
               <a:ea typeface="Consolas"/>
               <a:cs typeface="Consolas"/>
@@ -9618,9 +14169,6 @@
             </a:pPr>
             <a:r>
               <a:rPr lang="en" sz="2400">
-                <a:solidFill>
-                  <a:schemeClr val="dk2"/>
-                </a:solidFill>
                 <a:latin typeface="Consolas"/>
                 <a:ea typeface="Consolas"/>
                 <a:cs typeface="Consolas"/>
@@ -9629,9 +14177,6 @@
               <a:t>$ sudo apt install virtualbox \</a:t>
             </a:r>
             <a:endParaRPr sz="2400">
-              <a:solidFill>
-                <a:schemeClr val="dk2"/>
-              </a:solidFill>
               <a:latin typeface="Consolas"/>
               <a:ea typeface="Consolas"/>
               <a:cs typeface="Consolas"/>
@@ -9653,9 +14198,6 @@
             </a:pPr>
             <a:r>
               <a:rPr lang="en" sz="2400">
-                <a:solidFill>
-                  <a:schemeClr val="dk2"/>
-                </a:solidFill>
                 <a:latin typeface="Consolas"/>
                 <a:ea typeface="Consolas"/>
                 <a:cs typeface="Consolas"/>
@@ -9664,9 +14206,6 @@
               <a:t>  virtualbox-guest-additions-iso</a:t>
             </a:r>
             <a:endParaRPr sz="2400">
-              <a:solidFill>
-                <a:schemeClr val="dk2"/>
-              </a:solidFill>
               <a:latin typeface="Consolas"/>
               <a:ea typeface="Consolas"/>
               <a:cs typeface="Consolas"/>
@@ -9688,9 +14227,6 @@
             </a:pPr>
             <a:r>
               <a:rPr lang="en" sz="2400">
-                <a:solidFill>
-                  <a:schemeClr val="dk2"/>
-                </a:solidFill>
                 <a:latin typeface="Consolas"/>
                 <a:ea typeface="Consolas"/>
                 <a:cs typeface="Consolas"/>
@@ -9699,9 +14235,6 @@
               <a:t>$ sudo apt install xorg</a:t>
             </a:r>
             <a:endParaRPr sz="2400">
-              <a:solidFill>
-                <a:schemeClr val="dk2"/>
-              </a:solidFill>
               <a:latin typeface="Consolas"/>
               <a:ea typeface="Consolas"/>
               <a:cs typeface="Consolas"/>
@@ -9723,9 +14256,6 @@
             </a:pPr>
             <a:r>
               <a:rPr lang="en" sz="2400">
-                <a:solidFill>
-                  <a:schemeClr val="dk2"/>
-                </a:solidFill>
                 <a:latin typeface="Consolas"/>
                 <a:ea typeface="Consolas"/>
                 <a:cs typeface="Consolas"/>
@@ -9734,13 +14264,39 @@
               <a:t>$ sudo apt install nginx</a:t>
             </a:r>
             <a:endParaRPr sz="2400">
-              <a:solidFill>
-                <a:schemeClr val="dk2"/>
-              </a:solidFill>
               <a:latin typeface="Consolas"/>
               <a:ea typeface="Consolas"/>
               <a:cs typeface="Consolas"/>
               <a:sym typeface="Consolas"/>
+            </a:endParaRPr>
+          </a:p>
+          <a:p>
+            <a:pPr indent="0" lvl="0" marL="0" rtl="0" algn="l">
+              <a:lnSpc>
+                <a:spcPct val="150000"/>
+              </a:lnSpc>
+              <a:spcBef>
+                <a:spcPts val="0"/>
+              </a:spcBef>
+              <a:spcAft>
+                <a:spcPts val="0"/>
+              </a:spcAft>
+              <a:buNone/>
+            </a:pPr>
+            <a:r>
+              <a:rPr lang="en" sz="2400">
+                <a:latin typeface="Oswald"/>
+                <a:ea typeface="Oswald"/>
+                <a:cs typeface="Oswald"/>
+                <a:sym typeface="Oswald"/>
+              </a:rPr>
+              <a:t>And download another copy of Ubuntu Server.</a:t>
+            </a:r>
+            <a:endParaRPr sz="2400">
+              <a:latin typeface="Oswald"/>
+              <a:ea typeface="Oswald"/>
+              <a:cs typeface="Oswald"/>
+              <a:sym typeface="Oswald"/>
             </a:endParaRPr>
           </a:p>
           <a:p>
@@ -9772,6 +14328,285 @@
 </file>
 
 <file path=ppt/theme/theme1.xml><?xml version="1.0" encoding="utf-8"?>
+<a:theme xmlns:a="http://schemas.openxmlformats.org/drawingml/2006/main" xmlns:r="http://schemas.openxmlformats.org/officeDocument/2006/relationships">
+  <a:themeElements>
+    <a:clrScheme name="Default">
+      <a:dk1>
+        <a:srgbClr val="000000"/>
+      </a:dk1>
+      <a:lt1>
+        <a:srgbClr val="FFFFFF"/>
+      </a:lt1>
+      <a:dk2>
+        <a:srgbClr val="158158"/>
+      </a:dk2>
+      <a:lt2>
+        <a:srgbClr val="F3F3F3"/>
+      </a:lt2>
+      <a:accent1>
+        <a:srgbClr val="058DC7"/>
+      </a:accent1>
+      <a:accent2>
+        <a:srgbClr val="50B432"/>
+      </a:accent2>
+      <a:accent3>
+        <a:srgbClr val="ED561B"/>
+      </a:accent3>
+      <a:accent4>
+        <a:srgbClr val="EDEF00"/>
+      </a:accent4>
+      <a:accent5>
+        <a:srgbClr val="24CBE5"/>
+      </a:accent5>
+      <a:accent6>
+        <a:srgbClr val="64E572"/>
+      </a:accent6>
+      <a:hlink>
+        <a:srgbClr val="2200CC"/>
+      </a:hlink>
+      <a:folHlink>
+        <a:srgbClr val="551A8B"/>
+      </a:folHlink>
+    </a:clrScheme>
+    <a:fontScheme name="Office">
+      <a:majorFont>
+        <a:latin typeface="Arial"/>
+        <a:ea typeface=""/>
+        <a:cs typeface=""/>
+        <a:font script="Jpan" typeface="ＭＳ Ｐゴシック"/>
+        <a:font script="Hang" typeface="맑은 고딕"/>
+        <a:font script="Hans" typeface="宋体"/>
+        <a:font script="Hant" typeface="新細明體"/>
+        <a:font script="Arab" typeface="Times New Roman"/>
+        <a:font script="Hebr" typeface="Times New Roman"/>
+        <a:font script="Thai" typeface="Angsana New"/>
+        <a:font script="Ethi" typeface="Nyala"/>
+        <a:font script="Beng" typeface="Vrinda"/>
+        <a:font script="Gujr" typeface="Shruti"/>
+        <a:font script="Khmr" typeface="MoolBoran"/>
+        <a:font script="Knda" typeface="Tunga"/>
+        <a:font script="Guru" typeface="Raavi"/>
+        <a:font script="Cans" typeface="Euphemia"/>
+        <a:font script="Cher" typeface="Plantagenet Cherokee"/>
+        <a:font script="Yiii" typeface="Microsoft Yi Baiti"/>
+        <a:font script="Tibt" typeface="Microsoft Himalaya"/>
+        <a:font script="Thaa" typeface="MV Boli"/>
+        <a:font script="Deva" typeface="Mangal"/>
+        <a:font script="Telu" typeface="Gautami"/>
+        <a:font script="Taml" typeface="Latha"/>
+        <a:font script="Syrc" typeface="Estrangelo Edessa"/>
+        <a:font script="Orya" typeface="Kalinga"/>
+        <a:font script="Mlym" typeface="Kartika"/>
+        <a:font script="Laoo" typeface="DokChampa"/>
+        <a:font script="Sinh" typeface="Iskoola Pota"/>
+        <a:font script="Mong" typeface="Mongolian Baiti"/>
+        <a:font script="Viet" typeface="Times New Roman"/>
+        <a:font script="Uigh" typeface="Microsoft Uighur"/>
+        <a:font script="Geor" typeface="Sylfaen"/>
+      </a:majorFont>
+      <a:minorFont>
+        <a:latin typeface="Arial"/>
+        <a:ea typeface=""/>
+        <a:cs typeface=""/>
+        <a:font script="Jpan" typeface="ＭＳ Ｐゴシック"/>
+        <a:font script="Hang" typeface="맑은 고딕"/>
+        <a:font script="Hans" typeface="宋体"/>
+        <a:font script="Hant" typeface="新細明體"/>
+        <a:font script="Arab" typeface="Arial"/>
+        <a:font script="Hebr" typeface="Arial"/>
+        <a:font script="Thai" typeface="Cordia New"/>
+        <a:font script="Ethi" typeface="Nyala"/>
+        <a:font script="Beng" typeface="Vrinda"/>
+        <a:font script="Gujr" typeface="Shruti"/>
+        <a:font script="Khmr" typeface="DaunPenh"/>
+        <a:font script="Knda" typeface="Tunga"/>
+        <a:font script="Guru" typeface="Raavi"/>
+        <a:font script="Cans" typeface="Euphemia"/>
+        <a:font script="Cher" typeface="Plantagenet Cherokee"/>
+        <a:font script="Yiii" typeface="Microsoft Yi Baiti"/>
+        <a:font script="Tibt" typeface="Microsoft Himalaya"/>
+        <a:font script="Thaa" typeface="MV Boli"/>
+        <a:font script="Deva" typeface="Mangal"/>
+        <a:font script="Telu" typeface="Gautami"/>
+        <a:font script="Taml" typeface="Latha"/>
+        <a:font script="Syrc" typeface="Estrangelo Edessa"/>
+        <a:font script="Orya" typeface="Kalinga"/>
+        <a:font script="Mlym" typeface="Kartika"/>
+        <a:font script="Laoo" typeface="DokChampa"/>
+        <a:font script="Sinh" typeface="Iskoola Pota"/>
+        <a:font script="Mong" typeface="Mongolian Baiti"/>
+        <a:font script="Viet" typeface="Arial"/>
+        <a:font script="Uigh" typeface="Microsoft Uighur"/>
+        <a:font script="Geor" typeface="Sylfaen"/>
+      </a:minorFont>
+    </a:fontScheme>
+    <a:fmtScheme name="Office">
+      <a:fillStyleLst>
+        <a:solidFill>
+          <a:schemeClr val="phClr"/>
+        </a:solidFill>
+        <a:gradFill rotWithShape="1">
+          <a:gsLst>
+            <a:gs pos="0">
+              <a:schemeClr val="phClr">
+                <a:tint val="50000"/>
+                <a:satMod val="300000"/>
+              </a:schemeClr>
+            </a:gs>
+            <a:gs pos="35000">
+              <a:schemeClr val="phClr">
+                <a:tint val="37000"/>
+                <a:satMod val="300000"/>
+              </a:schemeClr>
+            </a:gs>
+            <a:gs pos="100000">
+              <a:schemeClr val="phClr">
+                <a:tint val="15000"/>
+                <a:satMod val="350000"/>
+              </a:schemeClr>
+            </a:gs>
+          </a:gsLst>
+          <a:lin ang="16200000" scaled="1"/>
+        </a:gradFill>
+        <a:gradFill rotWithShape="1">
+          <a:gsLst>
+            <a:gs pos="0">
+              <a:schemeClr val="phClr">
+                <a:tint val="100000"/>
+                <a:shade val="100000"/>
+                <a:satMod val="130000"/>
+              </a:schemeClr>
+            </a:gs>
+            <a:gs pos="100000">
+              <a:schemeClr val="phClr">
+                <a:tint val="50000"/>
+                <a:shade val="100000"/>
+                <a:satMod val="350000"/>
+              </a:schemeClr>
+            </a:gs>
+          </a:gsLst>
+          <a:lin ang="16200000" scaled="0"/>
+        </a:gradFill>
+      </a:fillStyleLst>
+      <a:lnStyleLst>
+        <a:ln w="9525" cap="flat" cmpd="sng" algn="ctr">
+          <a:solidFill>
+            <a:schemeClr val="phClr">
+              <a:shade val="95000"/>
+              <a:satMod val="105000"/>
+            </a:schemeClr>
+          </a:solidFill>
+          <a:prstDash val="solid"/>
+        </a:ln>
+        <a:ln w="25400" cap="flat" cmpd="sng" algn="ctr">
+          <a:solidFill>
+            <a:schemeClr val="phClr"/>
+          </a:solidFill>
+          <a:prstDash val="solid"/>
+        </a:ln>
+        <a:ln w="38100" cap="flat" cmpd="sng" algn="ctr">
+          <a:solidFill>
+            <a:schemeClr val="phClr"/>
+          </a:solidFill>
+          <a:prstDash val="solid"/>
+        </a:ln>
+      </a:lnStyleLst>
+      <a:effectStyleLst>
+        <a:effectStyle>
+          <a:effectLst>
+            <a:outerShdw blurRad="40000" dist="20000" dir="5400000" rotWithShape="0">
+              <a:srgbClr val="000000">
+                <a:alpha val="38000"/>
+              </a:srgbClr>
+            </a:outerShdw>
+          </a:effectLst>
+        </a:effectStyle>
+        <a:effectStyle>
+          <a:effectLst>
+            <a:outerShdw blurRad="40000" dist="23000" dir="5400000" rotWithShape="0">
+              <a:srgbClr val="000000">
+                <a:alpha val="35000"/>
+              </a:srgbClr>
+            </a:outerShdw>
+          </a:effectLst>
+        </a:effectStyle>
+        <a:effectStyle>
+          <a:effectLst>
+            <a:outerShdw blurRad="40000" dist="23000" dir="5400000" rotWithShape="0">
+              <a:srgbClr val="000000">
+                <a:alpha val="35000"/>
+              </a:srgbClr>
+            </a:outerShdw>
+          </a:effectLst>
+          <a:scene3d>
+            <a:camera prst="orthographicFront">
+              <a:rot lat="0" lon="0" rev="0"/>
+            </a:camera>
+            <a:lightRig rig="threePt" dir="t">
+              <a:rot lat="0" lon="0" rev="1200000"/>
+            </a:lightRig>
+          </a:scene3d>
+          <a:sp3d>
+            <a:bevelT w="63500" h="25400"/>
+          </a:sp3d>
+        </a:effectStyle>
+      </a:effectStyleLst>
+      <a:bgFillStyleLst>
+        <a:solidFill>
+          <a:schemeClr val="phClr"/>
+        </a:solidFill>
+        <a:gradFill rotWithShape="1">
+          <a:gsLst>
+            <a:gs pos="0">
+              <a:schemeClr val="phClr">
+                <a:tint val="40000"/>
+                <a:satMod val="350000"/>
+              </a:schemeClr>
+            </a:gs>
+            <a:gs pos="40000">
+              <a:schemeClr val="phClr">
+                <a:tint val="45000"/>
+                <a:shade val="99000"/>
+                <a:satMod val="350000"/>
+              </a:schemeClr>
+            </a:gs>
+            <a:gs pos="100000">
+              <a:schemeClr val="phClr">
+                <a:shade val="20000"/>
+                <a:satMod val="255000"/>
+              </a:schemeClr>
+            </a:gs>
+          </a:gsLst>
+          <a:path path="circle">
+            <a:fillToRect l="50000" t="-80000" r="50000" b="180000"/>
+          </a:path>
+        </a:gradFill>
+        <a:gradFill rotWithShape="1">
+          <a:gsLst>
+            <a:gs pos="0">
+              <a:schemeClr val="phClr">
+                <a:tint val="80000"/>
+                <a:satMod val="300000"/>
+              </a:schemeClr>
+            </a:gs>
+            <a:gs pos="100000">
+              <a:schemeClr val="phClr">
+                <a:shade val="30000"/>
+                <a:satMod val="200000"/>
+              </a:schemeClr>
+            </a:gs>
+          </a:gsLst>
+          <a:path path="circle">
+            <a:fillToRect l="50000" t="50000" r="50000" b="50000"/>
+          </a:path>
+        </a:gradFill>
+      </a:bgFillStyleLst>
+    </a:fmtScheme>
+  </a:themeElements>
+</a:theme>
+</file>
+
+<file path=ppt/theme/theme2.xml><?xml version="1.0" encoding="utf-8"?>
 <a:theme xmlns:a="http://schemas.openxmlformats.org/drawingml/2006/main" xmlns:r="http://schemas.openxmlformats.org/officeDocument/2006/relationships" name="Slate">
   <a:themeElements>
     <a:clrScheme name="Slate">
@@ -10048,283 +14883,4 @@
     </a:fmtScheme>
   </a:themeElements>
 </a:theme>
-</file>
-
-<file path=ppt/theme/theme2.xml><?xml version="1.0" encoding="utf-8"?>
-<a:theme xmlns:a="http://schemas.openxmlformats.org/drawingml/2006/main" xmlns:r="http://schemas.openxmlformats.org/officeDocument/2006/relationships">
-  <a:themeElements>
-    <a:clrScheme name="Default">
-      <a:dk1>
-        <a:srgbClr val="000000"/>
-      </a:dk1>
-      <a:lt1>
-        <a:srgbClr val="FFFFFF"/>
-      </a:lt1>
-      <a:dk2>
-        <a:srgbClr val="158158"/>
-      </a:dk2>
-      <a:lt2>
-        <a:srgbClr val="F3F3F3"/>
-      </a:lt2>
-      <a:accent1>
-        <a:srgbClr val="058DC7"/>
-      </a:accent1>
-      <a:accent2>
-        <a:srgbClr val="50B432"/>
-      </a:accent2>
-      <a:accent3>
-        <a:srgbClr val="ED561B"/>
-      </a:accent3>
-      <a:accent4>
-        <a:srgbClr val="EDEF00"/>
-      </a:accent4>
-      <a:accent5>
-        <a:srgbClr val="24CBE5"/>
-      </a:accent5>
-      <a:accent6>
-        <a:srgbClr val="64E572"/>
-      </a:accent6>
-      <a:hlink>
-        <a:srgbClr val="2200CC"/>
-      </a:hlink>
-      <a:folHlink>
-        <a:srgbClr val="551A8B"/>
-      </a:folHlink>
-    </a:clrScheme>
-    <a:fontScheme name="Office">
-      <a:majorFont>
-        <a:latin typeface="Arial"/>
-        <a:ea typeface=""/>
-        <a:cs typeface=""/>
-        <a:font script="Jpan" typeface="ＭＳ Ｐゴシック"/>
-        <a:font script="Hang" typeface="맑은 고딕"/>
-        <a:font script="Hans" typeface="宋体"/>
-        <a:font script="Hant" typeface="新細明體"/>
-        <a:font script="Arab" typeface="Times New Roman"/>
-        <a:font script="Hebr" typeface="Times New Roman"/>
-        <a:font script="Thai" typeface="Angsana New"/>
-        <a:font script="Ethi" typeface="Nyala"/>
-        <a:font script="Beng" typeface="Vrinda"/>
-        <a:font script="Gujr" typeface="Shruti"/>
-        <a:font script="Khmr" typeface="MoolBoran"/>
-        <a:font script="Knda" typeface="Tunga"/>
-        <a:font script="Guru" typeface="Raavi"/>
-        <a:font script="Cans" typeface="Euphemia"/>
-        <a:font script="Cher" typeface="Plantagenet Cherokee"/>
-        <a:font script="Yiii" typeface="Microsoft Yi Baiti"/>
-        <a:font script="Tibt" typeface="Microsoft Himalaya"/>
-        <a:font script="Thaa" typeface="MV Boli"/>
-        <a:font script="Deva" typeface="Mangal"/>
-        <a:font script="Telu" typeface="Gautami"/>
-        <a:font script="Taml" typeface="Latha"/>
-        <a:font script="Syrc" typeface="Estrangelo Edessa"/>
-        <a:font script="Orya" typeface="Kalinga"/>
-        <a:font script="Mlym" typeface="Kartika"/>
-        <a:font script="Laoo" typeface="DokChampa"/>
-        <a:font script="Sinh" typeface="Iskoola Pota"/>
-        <a:font script="Mong" typeface="Mongolian Baiti"/>
-        <a:font script="Viet" typeface="Times New Roman"/>
-        <a:font script="Uigh" typeface="Microsoft Uighur"/>
-        <a:font script="Geor" typeface="Sylfaen"/>
-      </a:majorFont>
-      <a:minorFont>
-        <a:latin typeface="Arial"/>
-        <a:ea typeface=""/>
-        <a:cs typeface=""/>
-        <a:font script="Jpan" typeface="ＭＳ Ｐゴシック"/>
-        <a:font script="Hang" typeface="맑은 고딕"/>
-        <a:font script="Hans" typeface="宋体"/>
-        <a:font script="Hant" typeface="新細明體"/>
-        <a:font script="Arab" typeface="Arial"/>
-        <a:font script="Hebr" typeface="Arial"/>
-        <a:font script="Thai" typeface="Cordia New"/>
-        <a:font script="Ethi" typeface="Nyala"/>
-        <a:font script="Beng" typeface="Vrinda"/>
-        <a:font script="Gujr" typeface="Shruti"/>
-        <a:font script="Khmr" typeface="DaunPenh"/>
-        <a:font script="Knda" typeface="Tunga"/>
-        <a:font script="Guru" typeface="Raavi"/>
-        <a:font script="Cans" typeface="Euphemia"/>
-        <a:font script="Cher" typeface="Plantagenet Cherokee"/>
-        <a:font script="Yiii" typeface="Microsoft Yi Baiti"/>
-        <a:font script="Tibt" typeface="Microsoft Himalaya"/>
-        <a:font script="Thaa" typeface="MV Boli"/>
-        <a:font script="Deva" typeface="Mangal"/>
-        <a:font script="Telu" typeface="Gautami"/>
-        <a:font script="Taml" typeface="Latha"/>
-        <a:font script="Syrc" typeface="Estrangelo Edessa"/>
-        <a:font script="Orya" typeface="Kalinga"/>
-        <a:font script="Mlym" typeface="Kartika"/>
-        <a:font script="Laoo" typeface="DokChampa"/>
-        <a:font script="Sinh" typeface="Iskoola Pota"/>
-        <a:font script="Mong" typeface="Mongolian Baiti"/>
-        <a:font script="Viet" typeface="Arial"/>
-        <a:font script="Uigh" typeface="Microsoft Uighur"/>
-        <a:font script="Geor" typeface="Sylfaen"/>
-      </a:minorFont>
-    </a:fontScheme>
-    <a:fmtScheme name="Office">
-      <a:fillStyleLst>
-        <a:solidFill>
-          <a:schemeClr val="phClr"/>
-        </a:solidFill>
-        <a:gradFill rotWithShape="1">
-          <a:gsLst>
-            <a:gs pos="0">
-              <a:schemeClr val="phClr">
-                <a:tint val="50000"/>
-                <a:satMod val="300000"/>
-              </a:schemeClr>
-            </a:gs>
-            <a:gs pos="35000">
-              <a:schemeClr val="phClr">
-                <a:tint val="37000"/>
-                <a:satMod val="300000"/>
-              </a:schemeClr>
-            </a:gs>
-            <a:gs pos="100000">
-              <a:schemeClr val="phClr">
-                <a:tint val="15000"/>
-                <a:satMod val="350000"/>
-              </a:schemeClr>
-            </a:gs>
-          </a:gsLst>
-          <a:lin ang="16200000" scaled="1"/>
-        </a:gradFill>
-        <a:gradFill rotWithShape="1">
-          <a:gsLst>
-            <a:gs pos="0">
-              <a:schemeClr val="phClr">
-                <a:tint val="100000"/>
-                <a:shade val="100000"/>
-                <a:satMod val="130000"/>
-              </a:schemeClr>
-            </a:gs>
-            <a:gs pos="100000">
-              <a:schemeClr val="phClr">
-                <a:tint val="50000"/>
-                <a:shade val="100000"/>
-                <a:satMod val="350000"/>
-              </a:schemeClr>
-            </a:gs>
-          </a:gsLst>
-          <a:lin ang="16200000" scaled="0"/>
-        </a:gradFill>
-      </a:fillStyleLst>
-      <a:lnStyleLst>
-        <a:ln w="9525" cap="flat" cmpd="sng" algn="ctr">
-          <a:solidFill>
-            <a:schemeClr val="phClr">
-              <a:shade val="95000"/>
-              <a:satMod val="105000"/>
-            </a:schemeClr>
-          </a:solidFill>
-          <a:prstDash val="solid"/>
-        </a:ln>
-        <a:ln w="25400" cap="flat" cmpd="sng" algn="ctr">
-          <a:solidFill>
-            <a:schemeClr val="phClr"/>
-          </a:solidFill>
-          <a:prstDash val="solid"/>
-        </a:ln>
-        <a:ln w="38100" cap="flat" cmpd="sng" algn="ctr">
-          <a:solidFill>
-            <a:schemeClr val="phClr"/>
-          </a:solidFill>
-          <a:prstDash val="solid"/>
-        </a:ln>
-      </a:lnStyleLst>
-      <a:effectStyleLst>
-        <a:effectStyle>
-          <a:effectLst>
-            <a:outerShdw blurRad="40000" dist="20000" dir="5400000" rotWithShape="0">
-              <a:srgbClr val="000000">
-                <a:alpha val="38000"/>
-              </a:srgbClr>
-            </a:outerShdw>
-          </a:effectLst>
-        </a:effectStyle>
-        <a:effectStyle>
-          <a:effectLst>
-            <a:outerShdw blurRad="40000" dist="23000" dir="5400000" rotWithShape="0">
-              <a:srgbClr val="000000">
-                <a:alpha val="35000"/>
-              </a:srgbClr>
-            </a:outerShdw>
-          </a:effectLst>
-        </a:effectStyle>
-        <a:effectStyle>
-          <a:effectLst>
-            <a:outerShdw blurRad="40000" dist="23000" dir="5400000" rotWithShape="0">
-              <a:srgbClr val="000000">
-                <a:alpha val="35000"/>
-              </a:srgbClr>
-            </a:outerShdw>
-          </a:effectLst>
-          <a:scene3d>
-            <a:camera prst="orthographicFront">
-              <a:rot lat="0" lon="0" rev="0"/>
-            </a:camera>
-            <a:lightRig rig="threePt" dir="t">
-              <a:rot lat="0" lon="0" rev="1200000"/>
-            </a:lightRig>
-          </a:scene3d>
-          <a:sp3d>
-            <a:bevelT w="63500" h="25400"/>
-          </a:sp3d>
-        </a:effectStyle>
-      </a:effectStyleLst>
-      <a:bgFillStyleLst>
-        <a:solidFill>
-          <a:schemeClr val="phClr"/>
-        </a:solidFill>
-        <a:gradFill rotWithShape="1">
-          <a:gsLst>
-            <a:gs pos="0">
-              <a:schemeClr val="phClr">
-                <a:tint val="40000"/>
-                <a:satMod val="350000"/>
-              </a:schemeClr>
-            </a:gs>
-            <a:gs pos="40000">
-              <a:schemeClr val="phClr">
-                <a:tint val="45000"/>
-                <a:shade val="99000"/>
-                <a:satMod val="350000"/>
-              </a:schemeClr>
-            </a:gs>
-            <a:gs pos="100000">
-              <a:schemeClr val="phClr">
-                <a:shade val="20000"/>
-                <a:satMod val="255000"/>
-              </a:schemeClr>
-            </a:gs>
-          </a:gsLst>
-          <a:path path="circle">
-            <a:fillToRect l="50000" t="-80000" r="50000" b="180000"/>
-          </a:path>
-        </a:gradFill>
-        <a:gradFill rotWithShape="1">
-          <a:gsLst>
-            <a:gs pos="0">
-              <a:schemeClr val="phClr">
-                <a:tint val="80000"/>
-                <a:satMod val="300000"/>
-              </a:schemeClr>
-            </a:gs>
-            <a:gs pos="100000">
-              <a:schemeClr val="phClr">
-                <a:shade val="30000"/>
-                <a:satMod val="200000"/>
-              </a:schemeClr>
-            </a:gs>
-          </a:gsLst>
-          <a:path path="circle">
-            <a:fillToRect l="50000" t="50000" r="50000" b="50000"/>
-          </a:path>
-        </a:gradFill>
-      </a:bgFillStyleLst>
-    </a:fmtScheme>
-  </a:themeElements>
-</a:theme>
 </file>